--- a/2017/02/Tarantool for windows applications/Presentation.pptx
+++ b/2017/02/Tarantool for windows applications/Presentation.pptx
@@ -5,7 +5,7 @@
     <p:sldMasterId id="2147483648" r:id="rId1"/>
   </p:sldMasterIdLst>
   <p:notesMasterIdLst>
-    <p:notesMasterId r:id="rId13"/>
+    <p:notesMasterId r:id="rId15"/>
   </p:notesMasterIdLst>
   <p:sldIdLst>
     <p:sldId id="256" r:id="rId2"/>
@@ -19,6 +19,8 @@
     <p:sldId id="264" r:id="rId10"/>
     <p:sldId id="265" r:id="rId11"/>
     <p:sldId id="266" r:id="rId12"/>
+    <p:sldId id="267" r:id="rId13"/>
+    <p:sldId id="268" r:id="rId14"/>
   </p:sldIdLst>
   <p:sldSz cx="12192000" cy="6858000"/>
   <p:notesSz cx="6858000" cy="9144000"/>
@@ -207,7 +209,7 @@
           <a:p>
             <a:fld id="{AA141E3B-D5A7-E249-8915-F3F967F6417F}" type="datetimeFigureOut">
               <a:rPr lang="en-US" smtClean="0"/>
-              <a:t>2/8/17</a:t>
+              <a:t>2/9/17</a:t>
             </a:fld>
             <a:endParaRPr lang="en-US"/>
           </a:p>
@@ -1681,7 +1683,7 @@
           <a:p>
             <a:fld id="{EB0D839A-7E39-2C46-8BD6-3DA56612CC53}" type="datetimeFigureOut">
               <a:rPr lang="en-US" smtClean="0"/>
-              <a:t>2/8/17</a:t>
+              <a:t>2/9/17</a:t>
             </a:fld>
             <a:endParaRPr lang="en-US"/>
           </a:p>
@@ -1851,7 +1853,7 @@
           <a:p>
             <a:fld id="{EB0D839A-7E39-2C46-8BD6-3DA56612CC53}" type="datetimeFigureOut">
               <a:rPr lang="en-US" smtClean="0"/>
-              <a:t>2/8/17</a:t>
+              <a:t>2/9/17</a:t>
             </a:fld>
             <a:endParaRPr lang="en-US"/>
           </a:p>
@@ -2031,7 +2033,7 @@
           <a:p>
             <a:fld id="{EB0D839A-7E39-2C46-8BD6-3DA56612CC53}" type="datetimeFigureOut">
               <a:rPr lang="en-US" smtClean="0"/>
-              <a:t>2/8/17</a:t>
+              <a:t>2/9/17</a:t>
             </a:fld>
             <a:endParaRPr lang="en-US"/>
           </a:p>
@@ -2201,7 +2203,7 @@
           <a:p>
             <a:fld id="{EB0D839A-7E39-2C46-8BD6-3DA56612CC53}" type="datetimeFigureOut">
               <a:rPr lang="en-US" smtClean="0"/>
-              <a:t>2/8/17</a:t>
+              <a:t>2/9/17</a:t>
             </a:fld>
             <a:endParaRPr lang="en-US"/>
           </a:p>
@@ -2447,7 +2449,7 @@
           <a:p>
             <a:fld id="{EB0D839A-7E39-2C46-8BD6-3DA56612CC53}" type="datetimeFigureOut">
               <a:rPr lang="en-US" smtClean="0"/>
-              <a:t>2/8/17</a:t>
+              <a:t>2/9/17</a:t>
             </a:fld>
             <a:endParaRPr lang="en-US"/>
           </a:p>
@@ -2679,7 +2681,7 @@
           <a:p>
             <a:fld id="{EB0D839A-7E39-2C46-8BD6-3DA56612CC53}" type="datetimeFigureOut">
               <a:rPr lang="en-US" smtClean="0"/>
-              <a:t>2/8/17</a:t>
+              <a:t>2/9/17</a:t>
             </a:fld>
             <a:endParaRPr lang="en-US"/>
           </a:p>
@@ -3046,7 +3048,7 @@
           <a:p>
             <a:fld id="{EB0D839A-7E39-2C46-8BD6-3DA56612CC53}" type="datetimeFigureOut">
               <a:rPr lang="en-US" smtClean="0"/>
-              <a:t>2/8/17</a:t>
+              <a:t>2/9/17</a:t>
             </a:fld>
             <a:endParaRPr lang="en-US"/>
           </a:p>
@@ -3164,7 +3166,7 @@
           <a:p>
             <a:fld id="{EB0D839A-7E39-2C46-8BD6-3DA56612CC53}" type="datetimeFigureOut">
               <a:rPr lang="en-US" smtClean="0"/>
-              <a:t>2/8/17</a:t>
+              <a:t>2/9/17</a:t>
             </a:fld>
             <a:endParaRPr lang="en-US"/>
           </a:p>
@@ -3259,7 +3261,7 @@
           <a:p>
             <a:fld id="{EB0D839A-7E39-2C46-8BD6-3DA56612CC53}" type="datetimeFigureOut">
               <a:rPr lang="en-US" smtClean="0"/>
-              <a:t>2/8/17</a:t>
+              <a:t>2/9/17</a:t>
             </a:fld>
             <a:endParaRPr lang="en-US"/>
           </a:p>
@@ -3536,7 +3538,7 @@
           <a:p>
             <a:fld id="{EB0D839A-7E39-2C46-8BD6-3DA56612CC53}" type="datetimeFigureOut">
               <a:rPr lang="en-US" smtClean="0"/>
-              <a:t>2/8/17</a:t>
+              <a:t>2/9/17</a:t>
             </a:fld>
             <a:endParaRPr lang="en-US"/>
           </a:p>
@@ -3789,7 +3791,7 @@
           <a:p>
             <a:fld id="{EB0D839A-7E39-2C46-8BD6-3DA56612CC53}" type="datetimeFigureOut">
               <a:rPr lang="en-US" smtClean="0"/>
-              <a:t>2/8/17</a:t>
+              <a:t>2/9/17</a:t>
             </a:fld>
             <a:endParaRPr lang="en-US"/>
           </a:p>
@@ -4002,7 +4004,7 @@
           <a:p>
             <a:fld id="{EB0D839A-7E39-2C46-8BD6-3DA56612CC53}" type="datetimeFigureOut">
               <a:rPr lang="en-US" smtClean="0"/>
-              <a:t>2/8/17</a:t>
+              <a:t>2/9/17</a:t>
             </a:fld>
             <a:endParaRPr lang="en-US"/>
           </a:p>
@@ -5000,47 +5002,28 @@
           <a:p>
             <a:r>
               <a:rPr lang="ru-RU" dirty="0" smtClean="0"/>
-              <a:t>Специфический язык запросов. </a:t>
-            </a:r>
-            <a:r>
-              <a:rPr lang="en-US" dirty="0" smtClean="0"/>
-              <a:t>QA </a:t>
-            </a:r>
+              <a:t>Скорость.</a:t>
+            </a:r>
+            <a:endParaRPr lang="ru-RU" dirty="0"/>
+          </a:p>
+          <a:p>
+            <a:endParaRPr lang="ru-RU" dirty="0" smtClean="0"/>
+          </a:p>
+          <a:p>
             <a:r>
               <a:rPr lang="ru-RU" dirty="0" smtClean="0"/>
-              <a:t>и </a:t>
-            </a:r>
-            <a:r>
-              <a:rPr lang="en-US" dirty="0" smtClean="0"/>
-              <a:t>Ops </a:t>
-            </a:r>
+              <a:t>Надёжность записи на диск.</a:t>
+            </a:r>
+          </a:p>
+          <a:p>
+            <a:endParaRPr lang="ru-RU" dirty="0" smtClean="0"/>
+          </a:p>
+          <a:p>
             <a:r>
               <a:rPr lang="ru-RU" dirty="0" smtClean="0"/>
-              <a:t>страдают.</a:t>
+              <a:t>Вторичные индексы.</a:t>
             </a:r>
             <a:endParaRPr lang="en-US" dirty="0" smtClean="0"/>
-          </a:p>
-          <a:p>
-            <a:endParaRPr lang="ru-RU" dirty="0" smtClean="0"/>
-          </a:p>
-          <a:p>
-            <a:r>
-              <a:rPr lang="ru-RU" dirty="0" smtClean="0"/>
-              <a:t>Ждём </a:t>
-            </a:r>
-            <a:r>
-              <a:rPr lang="en-US" dirty="0" err="1" smtClean="0"/>
-              <a:t>sql</a:t>
-            </a:r>
-            <a:r>
-              <a:rPr lang="en-US" dirty="0" smtClean="0"/>
-              <a:t>. </a:t>
-            </a:r>
-            <a:r>
-              <a:rPr lang="ru-RU" smtClean="0"/>
-              <a:t>Вроде как в 1.8.</a:t>
-            </a:r>
-            <a:endParaRPr lang="en-US" dirty="0"/>
           </a:p>
         </p:txBody>
       </p:sp>
@@ -5048,6 +5031,569 @@
     <p:extLst>
       <p:ext uri="{BB962C8B-B14F-4D97-AF65-F5344CB8AC3E}">
         <p14:creationId xmlns:p14="http://schemas.microsoft.com/office/powerpoint/2010/main" val="3331560"/>
+      </p:ext>
+    </p:extLst>
+  </p:cSld>
+  <p:clrMapOvr>
+    <a:masterClrMapping/>
+  </p:clrMapOvr>
+  <p:timing>
+    <p:tnLst>
+      <p:par>
+        <p:cTn id="1" dur="indefinite" restart="never" nodeType="tmRoot">
+          <p:childTnLst>
+            <p:seq concurrent="1" nextAc="seek">
+              <p:cTn id="2" dur="indefinite" nodeType="mainSeq">
+                <p:childTnLst>
+                  <p:par>
+                    <p:cTn id="3" fill="hold">
+                      <p:stCondLst>
+                        <p:cond delay="indefinite"/>
+                      </p:stCondLst>
+                      <p:childTnLst>
+                        <p:par>
+                          <p:cTn id="4" fill="hold">
+                            <p:stCondLst>
+                              <p:cond delay="0"/>
+                            </p:stCondLst>
+                            <p:childTnLst>
+                              <p:par>
+                                <p:cTn id="5" presetID="1" presetClass="entr" presetSubtype="0" fill="hold" nodeType="clickEffect">
+                                  <p:stCondLst>
+                                    <p:cond delay="0"/>
+                                  </p:stCondLst>
+                                  <p:childTnLst>
+                                    <p:set>
+                                      <p:cBhvr>
+                                        <p:cTn id="6" dur="1" fill="hold">
+                                          <p:stCondLst>
+                                            <p:cond delay="0"/>
+                                          </p:stCondLst>
+                                        </p:cTn>
+                                        <p:tgtEl>
+                                          <p:spTgt spid="3">
+                                            <p:txEl>
+                                              <p:pRg st="0" end="0"/>
+                                            </p:txEl>
+                                          </p:spTgt>
+                                        </p:tgtEl>
+                                        <p:attrNameLst>
+                                          <p:attrName>style.visibility</p:attrName>
+                                        </p:attrNameLst>
+                                      </p:cBhvr>
+                                      <p:to>
+                                        <p:strVal val="visible"/>
+                                      </p:to>
+                                    </p:set>
+                                  </p:childTnLst>
+                                </p:cTn>
+                              </p:par>
+                            </p:childTnLst>
+                          </p:cTn>
+                        </p:par>
+                      </p:childTnLst>
+                    </p:cTn>
+                  </p:par>
+                  <p:par>
+                    <p:cTn id="7" fill="hold">
+                      <p:stCondLst>
+                        <p:cond delay="indefinite"/>
+                      </p:stCondLst>
+                      <p:childTnLst>
+                        <p:par>
+                          <p:cTn id="8" fill="hold">
+                            <p:stCondLst>
+                              <p:cond delay="0"/>
+                            </p:stCondLst>
+                            <p:childTnLst>
+                              <p:par>
+                                <p:cTn id="9" presetID="1" presetClass="entr" presetSubtype="0" fill="hold" nodeType="clickEffect">
+                                  <p:stCondLst>
+                                    <p:cond delay="0"/>
+                                  </p:stCondLst>
+                                  <p:childTnLst>
+                                    <p:set>
+                                      <p:cBhvr>
+                                        <p:cTn id="10" dur="1" fill="hold">
+                                          <p:stCondLst>
+                                            <p:cond delay="0"/>
+                                          </p:stCondLst>
+                                        </p:cTn>
+                                        <p:tgtEl>
+                                          <p:spTgt spid="3">
+                                            <p:txEl>
+                                              <p:pRg st="2" end="2"/>
+                                            </p:txEl>
+                                          </p:spTgt>
+                                        </p:tgtEl>
+                                        <p:attrNameLst>
+                                          <p:attrName>style.visibility</p:attrName>
+                                        </p:attrNameLst>
+                                      </p:cBhvr>
+                                      <p:to>
+                                        <p:strVal val="visible"/>
+                                      </p:to>
+                                    </p:set>
+                                  </p:childTnLst>
+                                </p:cTn>
+                              </p:par>
+                            </p:childTnLst>
+                          </p:cTn>
+                        </p:par>
+                      </p:childTnLst>
+                    </p:cTn>
+                  </p:par>
+                  <p:par>
+                    <p:cTn id="11" fill="hold">
+                      <p:stCondLst>
+                        <p:cond delay="indefinite"/>
+                      </p:stCondLst>
+                      <p:childTnLst>
+                        <p:par>
+                          <p:cTn id="12" fill="hold">
+                            <p:stCondLst>
+                              <p:cond delay="0"/>
+                            </p:stCondLst>
+                            <p:childTnLst>
+                              <p:par>
+                                <p:cTn id="13" presetID="1" presetClass="entr" presetSubtype="0" fill="hold" nodeType="clickEffect">
+                                  <p:stCondLst>
+                                    <p:cond delay="0"/>
+                                  </p:stCondLst>
+                                  <p:childTnLst>
+                                    <p:set>
+                                      <p:cBhvr>
+                                        <p:cTn id="14" dur="1" fill="hold">
+                                          <p:stCondLst>
+                                            <p:cond delay="0"/>
+                                          </p:stCondLst>
+                                        </p:cTn>
+                                        <p:tgtEl>
+                                          <p:spTgt spid="3">
+                                            <p:txEl>
+                                              <p:pRg st="4" end="4"/>
+                                            </p:txEl>
+                                          </p:spTgt>
+                                        </p:tgtEl>
+                                        <p:attrNameLst>
+                                          <p:attrName>style.visibility</p:attrName>
+                                        </p:attrNameLst>
+                                      </p:cBhvr>
+                                      <p:to>
+                                        <p:strVal val="visible"/>
+                                      </p:to>
+                                    </p:set>
+                                  </p:childTnLst>
+                                </p:cTn>
+                              </p:par>
+                            </p:childTnLst>
+                          </p:cTn>
+                        </p:par>
+                      </p:childTnLst>
+                    </p:cTn>
+                  </p:par>
+                </p:childTnLst>
+              </p:cTn>
+              <p:prevCondLst>
+                <p:cond evt="onPrev" delay="0">
+                  <p:tgtEl>
+                    <p:sldTgt/>
+                  </p:tgtEl>
+                </p:cond>
+              </p:prevCondLst>
+              <p:nextCondLst>
+                <p:cond evt="onNext" delay="0">
+                  <p:tgtEl>
+                    <p:sldTgt/>
+                  </p:tgtEl>
+                </p:cond>
+              </p:nextCondLst>
+            </p:seq>
+          </p:childTnLst>
+        </p:cTn>
+      </p:par>
+    </p:tnLst>
+  </p:timing>
+</p:sld>
+</file>
+
+<file path=ppt/slides/slide12.xml><?xml version="1.0" encoding="utf-8"?>
+<p:sld xmlns:a="http://schemas.openxmlformats.org/drawingml/2006/main" xmlns:r="http://schemas.openxmlformats.org/officeDocument/2006/relationships" xmlns:p="http://schemas.openxmlformats.org/presentationml/2006/main">
+  <p:cSld>
+    <p:spTree>
+      <p:nvGrpSpPr>
+        <p:cNvPr id="1" name=""/>
+        <p:cNvGrpSpPr/>
+        <p:nvPr/>
+      </p:nvGrpSpPr>
+      <p:grpSpPr>
+        <a:xfrm>
+          <a:off x="0" y="0"/>
+          <a:ext cx="0" cy="0"/>
+          <a:chOff x="0" y="0"/>
+          <a:chExt cx="0" cy="0"/>
+        </a:xfrm>
+      </p:grpSpPr>
+      <p:sp>
+        <p:nvSpPr>
+          <p:cNvPr id="2" name="Title 1"/>
+          <p:cNvSpPr>
+            <a:spLocks noGrp="1"/>
+          </p:cNvSpPr>
+          <p:nvPr>
+            <p:ph type="title"/>
+          </p:nvPr>
+        </p:nvSpPr>
+        <p:spPr/>
+        <p:txBody>
+          <a:bodyPr/>
+          <a:lstStyle/>
+          <a:p>
+            <a:r>
+              <a:rPr lang="ru-RU" smtClean="0"/>
+              <a:t>Достоинства</a:t>
+            </a:r>
+            <a:endParaRPr lang="en-US" dirty="0"/>
+          </a:p>
+        </p:txBody>
+      </p:sp>
+      <p:sp>
+        <p:nvSpPr>
+          <p:cNvPr id="3" name="Content Placeholder 2"/>
+          <p:cNvSpPr>
+            <a:spLocks noGrp="1"/>
+          </p:cNvSpPr>
+          <p:nvPr>
+            <p:ph idx="1"/>
+          </p:nvPr>
+        </p:nvSpPr>
+        <p:spPr/>
+        <p:txBody>
+          <a:bodyPr/>
+          <a:lstStyle/>
+          <a:p>
+            <a:r>
+              <a:rPr lang="ru-RU" dirty="0" smtClean="0"/>
+              <a:t>Нет </a:t>
+            </a:r>
+            <a:r>
+              <a:rPr lang="en-US" dirty="0" smtClean="0"/>
+              <a:t>Windows-binary</a:t>
+            </a:r>
+            <a:r>
+              <a:rPr lang="ru-RU" dirty="0" smtClean="0"/>
+              <a:t>.</a:t>
+            </a:r>
+            <a:endParaRPr lang="ru-RU" dirty="0"/>
+          </a:p>
+          <a:p>
+            <a:endParaRPr lang="ru-RU" dirty="0" smtClean="0"/>
+          </a:p>
+          <a:p>
+            <a:r>
+              <a:rPr lang="ru-RU" dirty="0" smtClean="0"/>
+              <a:t>Унификация конфигурации для </a:t>
+            </a:r>
+            <a:r>
+              <a:rPr lang="en-US" dirty="0" smtClean="0"/>
+              <a:t>master-master </a:t>
+            </a:r>
+            <a:r>
+              <a:rPr lang="ru-RU" dirty="0" smtClean="0"/>
+              <a:t>конфигурации.</a:t>
+            </a:r>
+          </a:p>
+          <a:p>
+            <a:endParaRPr lang="ru-RU" dirty="0" smtClean="0"/>
+          </a:p>
+          <a:p>
+            <a:r>
+              <a:rPr lang="ru-RU" dirty="0" smtClean="0"/>
+              <a:t>Сервера приложений.</a:t>
+            </a:r>
+            <a:endParaRPr lang="en-US" dirty="0" smtClean="0"/>
+          </a:p>
+        </p:txBody>
+      </p:sp>
+    </p:spTree>
+    <p:extLst>
+      <p:ext uri="{BB962C8B-B14F-4D97-AF65-F5344CB8AC3E}">
+        <p14:creationId xmlns:p14="http://schemas.microsoft.com/office/powerpoint/2010/main" val="1652160605"/>
+      </p:ext>
+    </p:extLst>
+  </p:cSld>
+  <p:clrMapOvr>
+    <a:masterClrMapping/>
+  </p:clrMapOvr>
+  <p:timing>
+    <p:tnLst>
+      <p:par>
+        <p:cTn id="1" dur="indefinite" restart="never" nodeType="tmRoot">
+          <p:childTnLst>
+            <p:seq concurrent="1" nextAc="seek">
+              <p:cTn id="2" dur="indefinite" nodeType="mainSeq">
+                <p:childTnLst>
+                  <p:par>
+                    <p:cTn id="3" fill="hold">
+                      <p:stCondLst>
+                        <p:cond delay="indefinite"/>
+                      </p:stCondLst>
+                      <p:childTnLst>
+                        <p:par>
+                          <p:cTn id="4" fill="hold">
+                            <p:stCondLst>
+                              <p:cond delay="0"/>
+                            </p:stCondLst>
+                            <p:childTnLst>
+                              <p:par>
+                                <p:cTn id="5" presetID="1" presetClass="entr" presetSubtype="0" fill="hold" nodeType="clickEffect">
+                                  <p:stCondLst>
+                                    <p:cond delay="0"/>
+                                  </p:stCondLst>
+                                  <p:childTnLst>
+                                    <p:set>
+                                      <p:cBhvr>
+                                        <p:cTn id="6" dur="1" fill="hold">
+                                          <p:stCondLst>
+                                            <p:cond delay="0"/>
+                                          </p:stCondLst>
+                                        </p:cTn>
+                                        <p:tgtEl>
+                                          <p:spTgt spid="3">
+                                            <p:txEl>
+                                              <p:pRg st="0" end="0"/>
+                                            </p:txEl>
+                                          </p:spTgt>
+                                        </p:tgtEl>
+                                        <p:attrNameLst>
+                                          <p:attrName>style.visibility</p:attrName>
+                                        </p:attrNameLst>
+                                      </p:cBhvr>
+                                      <p:to>
+                                        <p:strVal val="visible"/>
+                                      </p:to>
+                                    </p:set>
+                                  </p:childTnLst>
+                                </p:cTn>
+                              </p:par>
+                            </p:childTnLst>
+                          </p:cTn>
+                        </p:par>
+                      </p:childTnLst>
+                    </p:cTn>
+                  </p:par>
+                  <p:par>
+                    <p:cTn id="7" fill="hold">
+                      <p:stCondLst>
+                        <p:cond delay="indefinite"/>
+                      </p:stCondLst>
+                      <p:childTnLst>
+                        <p:par>
+                          <p:cTn id="8" fill="hold">
+                            <p:stCondLst>
+                              <p:cond delay="0"/>
+                            </p:stCondLst>
+                            <p:childTnLst>
+                              <p:par>
+                                <p:cTn id="9" presetID="1" presetClass="entr" presetSubtype="0" fill="hold" nodeType="clickEffect">
+                                  <p:stCondLst>
+                                    <p:cond delay="0"/>
+                                  </p:stCondLst>
+                                  <p:childTnLst>
+                                    <p:set>
+                                      <p:cBhvr>
+                                        <p:cTn id="10" dur="1" fill="hold">
+                                          <p:stCondLst>
+                                            <p:cond delay="0"/>
+                                          </p:stCondLst>
+                                        </p:cTn>
+                                        <p:tgtEl>
+                                          <p:spTgt spid="3">
+                                            <p:txEl>
+                                              <p:pRg st="2" end="2"/>
+                                            </p:txEl>
+                                          </p:spTgt>
+                                        </p:tgtEl>
+                                        <p:attrNameLst>
+                                          <p:attrName>style.visibility</p:attrName>
+                                        </p:attrNameLst>
+                                      </p:cBhvr>
+                                      <p:to>
+                                        <p:strVal val="visible"/>
+                                      </p:to>
+                                    </p:set>
+                                  </p:childTnLst>
+                                </p:cTn>
+                              </p:par>
+                            </p:childTnLst>
+                          </p:cTn>
+                        </p:par>
+                      </p:childTnLst>
+                    </p:cTn>
+                  </p:par>
+                  <p:par>
+                    <p:cTn id="11" fill="hold">
+                      <p:stCondLst>
+                        <p:cond delay="indefinite"/>
+                      </p:stCondLst>
+                      <p:childTnLst>
+                        <p:par>
+                          <p:cTn id="12" fill="hold">
+                            <p:stCondLst>
+                              <p:cond delay="0"/>
+                            </p:stCondLst>
+                            <p:childTnLst>
+                              <p:par>
+                                <p:cTn id="13" presetID="1" presetClass="entr" presetSubtype="0" fill="hold" nodeType="clickEffect">
+                                  <p:stCondLst>
+                                    <p:cond delay="0"/>
+                                  </p:stCondLst>
+                                  <p:childTnLst>
+                                    <p:set>
+                                      <p:cBhvr>
+                                        <p:cTn id="14" dur="1" fill="hold">
+                                          <p:stCondLst>
+                                            <p:cond delay="0"/>
+                                          </p:stCondLst>
+                                        </p:cTn>
+                                        <p:tgtEl>
+                                          <p:spTgt spid="3">
+                                            <p:txEl>
+                                              <p:pRg st="4" end="4"/>
+                                            </p:txEl>
+                                          </p:spTgt>
+                                        </p:tgtEl>
+                                        <p:attrNameLst>
+                                          <p:attrName>style.visibility</p:attrName>
+                                        </p:attrNameLst>
+                                      </p:cBhvr>
+                                      <p:to>
+                                        <p:strVal val="visible"/>
+                                      </p:to>
+                                    </p:set>
+                                  </p:childTnLst>
+                                </p:cTn>
+                              </p:par>
+                            </p:childTnLst>
+                          </p:cTn>
+                        </p:par>
+                      </p:childTnLst>
+                    </p:cTn>
+                  </p:par>
+                </p:childTnLst>
+              </p:cTn>
+              <p:prevCondLst>
+                <p:cond evt="onPrev" delay="0">
+                  <p:tgtEl>
+                    <p:sldTgt/>
+                  </p:tgtEl>
+                </p:cond>
+              </p:prevCondLst>
+              <p:nextCondLst>
+                <p:cond evt="onNext" delay="0">
+                  <p:tgtEl>
+                    <p:sldTgt/>
+                  </p:tgtEl>
+                </p:cond>
+              </p:nextCondLst>
+            </p:seq>
+          </p:childTnLst>
+        </p:cTn>
+      </p:par>
+    </p:tnLst>
+  </p:timing>
+</p:sld>
+</file>
+
+<file path=ppt/slides/slide13.xml><?xml version="1.0" encoding="utf-8"?>
+<p:sld xmlns:a="http://schemas.openxmlformats.org/drawingml/2006/main" xmlns:r="http://schemas.openxmlformats.org/officeDocument/2006/relationships" xmlns:p="http://schemas.openxmlformats.org/presentationml/2006/main">
+  <p:cSld>
+    <p:spTree>
+      <p:nvGrpSpPr>
+        <p:cNvPr id="1" name=""/>
+        <p:cNvGrpSpPr/>
+        <p:nvPr/>
+      </p:nvGrpSpPr>
+      <p:grpSpPr>
+        <a:xfrm>
+          <a:off x="0" y="0"/>
+          <a:ext cx="0" cy="0"/>
+          <a:chOff x="0" y="0"/>
+          <a:chExt cx="0" cy="0"/>
+        </a:xfrm>
+      </p:grpSpPr>
+      <p:sp>
+        <p:nvSpPr>
+          <p:cNvPr id="2" name="Title 1"/>
+          <p:cNvSpPr>
+            <a:spLocks noGrp="1"/>
+          </p:cNvSpPr>
+          <p:nvPr>
+            <p:ph type="title"/>
+          </p:nvPr>
+        </p:nvSpPr>
+        <p:spPr/>
+        <p:txBody>
+          <a:bodyPr/>
+          <a:lstStyle/>
+          <a:p>
+            <a:r>
+              <a:rPr lang="ru-RU" smtClean="0"/>
+              <a:t>Достоинства</a:t>
+            </a:r>
+            <a:endParaRPr lang="en-US" dirty="0"/>
+          </a:p>
+        </p:txBody>
+      </p:sp>
+      <p:sp>
+        <p:nvSpPr>
+          <p:cNvPr id="3" name="Content Placeholder 2"/>
+          <p:cNvSpPr>
+            <a:spLocks noGrp="1"/>
+          </p:cNvSpPr>
+          <p:nvPr>
+            <p:ph idx="1"/>
+          </p:nvPr>
+        </p:nvSpPr>
+        <p:spPr/>
+        <p:txBody>
+          <a:bodyPr/>
+          <a:lstStyle/>
+          <a:p>
+            <a:r>
+              <a:rPr lang="en-US" dirty="0" smtClean="0"/>
+              <a:t>Read recovery via </a:t>
+            </a:r>
+            <a:r>
+              <a:rPr lang="en-US" dirty="0" err="1" smtClean="0"/>
+              <a:t>Lua</a:t>
+            </a:r>
+            <a:r>
+              <a:rPr lang="ru-RU" dirty="0" smtClean="0"/>
+              <a:t>.</a:t>
+            </a:r>
+            <a:endParaRPr lang="ru-RU" dirty="0"/>
+          </a:p>
+          <a:p>
+            <a:endParaRPr lang="ru-RU" dirty="0" smtClean="0"/>
+          </a:p>
+          <a:p>
+            <a:r>
+              <a:rPr lang="ru-RU" smtClean="0"/>
+              <a:t>Разработчики</a:t>
+            </a:r>
+            <a:r>
+              <a:rPr lang="ru-RU" smtClean="0"/>
+              <a:t>.</a:t>
+            </a:r>
+            <a:endParaRPr lang="en-US" dirty="0" smtClean="0"/>
+          </a:p>
+        </p:txBody>
+      </p:sp>
+    </p:spTree>
+    <p:extLst>
+      <p:ext uri="{BB962C8B-B14F-4D97-AF65-F5344CB8AC3E}">
+        <p14:creationId xmlns:p14="http://schemas.microsoft.com/office/powerpoint/2010/main" val="1385280565"/>
       </p:ext>
     </p:extLst>
   </p:cSld>

--- a/2017/02/Tarantool for windows applications/Presentation.pptx
+++ b/2017/02/Tarantool for windows applications/Presentation.pptx
@@ -5,22 +5,27 @@
     <p:sldMasterId id="2147483648" r:id="rId1"/>
   </p:sldMasterIdLst>
   <p:notesMasterIdLst>
-    <p:notesMasterId r:id="rId15"/>
+    <p:notesMasterId r:id="rId20"/>
   </p:notesMasterIdLst>
   <p:sldIdLst>
     <p:sldId id="256" r:id="rId2"/>
-    <p:sldId id="257" r:id="rId3"/>
+    <p:sldId id="269" r:id="rId3"/>
     <p:sldId id="258" r:id="rId4"/>
-    <p:sldId id="259" r:id="rId5"/>
-    <p:sldId id="260" r:id="rId6"/>
-    <p:sldId id="261" r:id="rId7"/>
-    <p:sldId id="262" r:id="rId8"/>
-    <p:sldId id="263" r:id="rId9"/>
-    <p:sldId id="264" r:id="rId10"/>
-    <p:sldId id="265" r:id="rId11"/>
-    <p:sldId id="266" r:id="rId12"/>
-    <p:sldId id="267" r:id="rId13"/>
-    <p:sldId id="268" r:id="rId14"/>
+    <p:sldId id="266" r:id="rId5"/>
+    <p:sldId id="274" r:id="rId6"/>
+    <p:sldId id="259" r:id="rId7"/>
+    <p:sldId id="267" r:id="rId8"/>
+    <p:sldId id="271" r:id="rId9"/>
+    <p:sldId id="261" r:id="rId10"/>
+    <p:sldId id="272" r:id="rId11"/>
+    <p:sldId id="270" r:id="rId12"/>
+    <p:sldId id="262" r:id="rId13"/>
+    <p:sldId id="263" r:id="rId14"/>
+    <p:sldId id="264" r:id="rId15"/>
+    <p:sldId id="265" r:id="rId16"/>
+    <p:sldId id="273" r:id="rId17"/>
+    <p:sldId id="275" r:id="rId18"/>
+    <p:sldId id="276" r:id="rId19"/>
   </p:sldIdLst>
   <p:sldSz cx="12192000" cy="6858000"/>
   <p:notesSz cx="6858000" cy="9144000"/>
@@ -209,7 +214,7 @@
           <a:p>
             <a:fld id="{AA141E3B-D5A7-E249-8915-F3F967F6417F}" type="datetimeFigureOut">
               <a:rPr lang="en-US" smtClean="0"/>
-              <a:t>2/9/17</a:t>
+              <a:t>2/27/17</a:t>
             </a:fld>
             <a:endParaRPr lang="en-US"/>
           </a:p>
@@ -531,7 +536,7 @@
             </a:r>
             <a:r>
               <a:rPr lang="ru-RU" dirty="0" smtClean="0"/>
-              <a:t> я отвечаю за разработку и эксплуатацию серверного кода. Расскажу я о нашем опыте использования Тарантула для серверных приложений, написанных на .</a:t>
+              <a:t> я отвечаю за разработку и эксплуатацию серверного кода. Расскажу я о нашем опыте использования Тарантула для приложений, написанных на .</a:t>
             </a:r>
             <a:r>
               <a:rPr lang="ru-RU" dirty="0" err="1" smtClean="0"/>
@@ -572,6 +577,1399 @@
     <p:extLst>
       <p:ext uri="{BB962C8B-B14F-4D97-AF65-F5344CB8AC3E}">
         <p14:creationId xmlns:p14="http://schemas.microsoft.com/office/powerpoint/2010/main" val="1898803662"/>
+      </p:ext>
+    </p:extLst>
+  </p:cSld>
+  <p:clrMapOvr>
+    <a:masterClrMapping/>
+  </p:clrMapOvr>
+</p:notes>
+</file>
+
+<file path=ppt/notesSlides/notesSlide10.xml><?xml version="1.0" encoding="utf-8"?>
+<p:notes xmlns:a="http://schemas.openxmlformats.org/drawingml/2006/main" xmlns:r="http://schemas.openxmlformats.org/officeDocument/2006/relationships" xmlns:p="http://schemas.openxmlformats.org/presentationml/2006/main">
+  <p:cSld>
+    <p:spTree>
+      <p:nvGrpSpPr>
+        <p:cNvPr id="1" name=""/>
+        <p:cNvGrpSpPr/>
+        <p:nvPr/>
+      </p:nvGrpSpPr>
+      <p:grpSpPr>
+        <a:xfrm>
+          <a:off x="0" y="0"/>
+          <a:ext cx="0" cy="0"/>
+          <a:chOff x="0" y="0"/>
+          <a:chExt cx="0" cy="0"/>
+        </a:xfrm>
+      </p:grpSpPr>
+      <p:sp>
+        <p:nvSpPr>
+          <p:cNvPr id="2" name="Slide Image Placeholder 1"/>
+          <p:cNvSpPr>
+            <a:spLocks noGrp="1" noRot="1" noChangeAspect="1"/>
+          </p:cNvSpPr>
+          <p:nvPr>
+            <p:ph type="sldImg"/>
+          </p:nvPr>
+        </p:nvSpPr>
+        <p:spPr/>
+      </p:sp>
+      <p:sp>
+        <p:nvSpPr>
+          <p:cNvPr id="3" name="Notes Placeholder 2"/>
+          <p:cNvSpPr>
+            <a:spLocks noGrp="1"/>
+          </p:cNvSpPr>
+          <p:nvPr>
+            <p:ph type="body" idx="1"/>
+          </p:nvPr>
+        </p:nvSpPr>
+        <p:spPr/>
+        <p:txBody>
+          <a:bodyPr/>
+          <a:lstStyle/>
+          <a:p>
+            <a:r>
+              <a:rPr lang="ru-RU" dirty="0" smtClean="0"/>
+              <a:t>Ближайшие</a:t>
+            </a:r>
+            <a:r>
+              <a:rPr lang="ru-RU" baseline="0" dirty="0" smtClean="0"/>
+              <a:t> планы по нашему коннектору примерно такие: для начала мы переименуем пакет при следующем релизе, так как текущее название, как выяснилось, вводит коллег в заблуждение. Во-вторых, мы поддержим специальный тип </a:t>
+            </a:r>
+            <a:r>
+              <a:rPr lang="en-US" baseline="0" dirty="0" err="1" smtClean="0"/>
+              <a:t>MsgPackValue</a:t>
+            </a:r>
+            <a:r>
+              <a:rPr lang="ru-RU" baseline="0" dirty="0" smtClean="0"/>
+              <a:t>, который </a:t>
+            </a:r>
+            <a:r>
+              <a:rPr lang="mr-IN" baseline="0" dirty="0" smtClean="0"/>
+              <a:t>–</a:t>
+            </a:r>
+            <a:r>
+              <a:rPr lang="ru-RU" baseline="0" dirty="0" smtClean="0"/>
+              <a:t> непонятно что и пользователь сможет сам решить что это. Нужно это для нормальной работы со </a:t>
+            </a:r>
+            <a:r>
+              <a:rPr lang="en-US" baseline="0" dirty="0" smtClean="0"/>
+              <a:t>scalar index. </a:t>
+            </a:r>
+            <a:r>
+              <a:rPr lang="ru-RU" baseline="0" dirty="0" smtClean="0"/>
+              <a:t>Ну и обязательно посмотрим в сторону более удобной </a:t>
+            </a:r>
+            <a:r>
+              <a:rPr lang="ru-RU" baseline="0" dirty="0" err="1" smtClean="0"/>
+              <a:t>сериализации</a:t>
+            </a:r>
+            <a:r>
+              <a:rPr lang="ru-RU" baseline="0" dirty="0" smtClean="0"/>
+              <a:t> </a:t>
+            </a:r>
+            <a:r>
+              <a:rPr lang="en-US" baseline="0" dirty="0" smtClean="0"/>
+              <a:t>POCO </a:t>
+            </a:r>
+            <a:r>
+              <a:rPr lang="ru-RU" baseline="0" dirty="0" smtClean="0"/>
+              <a:t>в </a:t>
+            </a:r>
+            <a:r>
+              <a:rPr lang="en-US" baseline="0" dirty="0" err="1" smtClean="0"/>
+              <a:t>MsgPack</a:t>
+            </a:r>
+            <a:r>
+              <a:rPr lang="en-US" baseline="0" dirty="0" smtClean="0"/>
+              <a:t>.</a:t>
+            </a:r>
+            <a:r>
+              <a:rPr lang="ru-RU" baseline="0" dirty="0" smtClean="0"/>
+              <a:t> Это резко упростит работу с нашим коннектором.</a:t>
+            </a:r>
+            <a:endParaRPr lang="en-US" baseline="0" dirty="0" smtClean="0"/>
+          </a:p>
+        </p:txBody>
+      </p:sp>
+      <p:sp>
+        <p:nvSpPr>
+          <p:cNvPr id="4" name="Slide Number Placeholder 3"/>
+          <p:cNvSpPr>
+            <a:spLocks noGrp="1"/>
+          </p:cNvSpPr>
+          <p:nvPr>
+            <p:ph type="sldNum" sz="quarter" idx="10"/>
+          </p:nvPr>
+        </p:nvSpPr>
+        <p:spPr/>
+        <p:txBody>
+          <a:bodyPr/>
+          <a:lstStyle/>
+          <a:p>
+            <a:fld id="{2C4E26C2-1CCB-1B4E-9F60-F75E774EED06}" type="slidenum">
+              <a:rPr lang="en-US" smtClean="0"/>
+              <a:t>10</a:t>
+            </a:fld>
+            <a:endParaRPr lang="en-US"/>
+          </a:p>
+        </p:txBody>
+      </p:sp>
+    </p:spTree>
+    <p:extLst>
+      <p:ext uri="{BB962C8B-B14F-4D97-AF65-F5344CB8AC3E}">
+        <p14:creationId xmlns:p14="http://schemas.microsoft.com/office/powerpoint/2010/main" val="756759304"/>
+      </p:ext>
+    </p:extLst>
+  </p:cSld>
+  <p:clrMapOvr>
+    <a:masterClrMapping/>
+  </p:clrMapOvr>
+</p:notes>
+</file>
+
+<file path=ppt/notesSlides/notesSlide11.xml><?xml version="1.0" encoding="utf-8"?>
+<p:notes xmlns:a="http://schemas.openxmlformats.org/drawingml/2006/main" xmlns:r="http://schemas.openxmlformats.org/officeDocument/2006/relationships" xmlns:p="http://schemas.openxmlformats.org/presentationml/2006/main">
+  <p:cSld>
+    <p:spTree>
+      <p:nvGrpSpPr>
+        <p:cNvPr id="1" name=""/>
+        <p:cNvGrpSpPr/>
+        <p:nvPr/>
+      </p:nvGrpSpPr>
+      <p:grpSpPr>
+        <a:xfrm>
+          <a:off x="0" y="0"/>
+          <a:ext cx="0" cy="0"/>
+          <a:chOff x="0" y="0"/>
+          <a:chExt cx="0" cy="0"/>
+        </a:xfrm>
+      </p:grpSpPr>
+      <p:sp>
+        <p:nvSpPr>
+          <p:cNvPr id="2" name="Slide Image Placeholder 1"/>
+          <p:cNvSpPr>
+            <a:spLocks noGrp="1" noRot="1" noChangeAspect="1"/>
+          </p:cNvSpPr>
+          <p:nvPr>
+            <p:ph type="sldImg"/>
+          </p:nvPr>
+        </p:nvSpPr>
+        <p:spPr/>
+      </p:sp>
+      <p:sp>
+        <p:nvSpPr>
+          <p:cNvPr id="3" name="Notes Placeholder 2"/>
+          <p:cNvSpPr>
+            <a:spLocks noGrp="1"/>
+          </p:cNvSpPr>
+          <p:nvPr>
+            <p:ph type="body" idx="1"/>
+          </p:nvPr>
+        </p:nvSpPr>
+        <p:spPr/>
+        <p:txBody>
+          <a:bodyPr/>
+          <a:lstStyle/>
+          <a:p>
+            <a:r>
+              <a:rPr lang="ru-RU" dirty="0" smtClean="0"/>
+              <a:t>Богатейшие возможности для использования тарантула в качестве сервера приложений. Это</a:t>
+            </a:r>
+            <a:r>
+              <a:rPr lang="ru-RU" baseline="0" dirty="0" smtClean="0"/>
+              <a:t> его основное назначение, </a:t>
+            </a:r>
+            <a:r>
+              <a:rPr lang="ru-RU" baseline="0" dirty="0" smtClean="0"/>
+              <a:t>если я верно понимаю. </a:t>
+            </a:r>
+            <a:r>
+              <a:rPr lang="ru-RU" dirty="0" smtClean="0"/>
+              <a:t>Мы </a:t>
+            </a:r>
+            <a:r>
+              <a:rPr lang="ru-RU" dirty="0" smtClean="0"/>
+              <a:t>используем, например, модуль очередей (</a:t>
+            </a:r>
+            <a:r>
+              <a:rPr lang="ru-RU" dirty="0" err="1" smtClean="0"/>
+              <a:t>https</a:t>
+            </a:r>
+            <a:r>
+              <a:rPr lang="ru-RU" dirty="0" smtClean="0"/>
+              <a:t>://</a:t>
+            </a:r>
+            <a:r>
+              <a:rPr lang="ru-RU" dirty="0" err="1" smtClean="0"/>
+              <a:t>github.com</a:t>
+            </a:r>
+            <a:r>
+              <a:rPr lang="ru-RU" dirty="0" smtClean="0"/>
+              <a:t>/</a:t>
+            </a:r>
+            <a:r>
+              <a:rPr lang="ru-RU" dirty="0" err="1" smtClean="0"/>
+              <a:t>tarantool</a:t>
+            </a:r>
+            <a:r>
+              <a:rPr lang="ru-RU" dirty="0" smtClean="0"/>
+              <a:t>/</a:t>
+            </a:r>
+            <a:r>
+              <a:rPr lang="ru-RU" dirty="0" err="1" smtClean="0"/>
+              <a:t>queue</a:t>
+            </a:r>
+            <a:r>
+              <a:rPr lang="ru-RU" dirty="0" smtClean="0"/>
+              <a:t>). Благодаря</a:t>
+            </a:r>
+            <a:r>
+              <a:rPr lang="ru-RU" baseline="0" dirty="0" smtClean="0"/>
+              <a:t> тому, как работают </a:t>
+            </a:r>
+            <a:r>
+              <a:rPr lang="en-US" baseline="0" dirty="0" smtClean="0"/>
+              <a:t>yield point </a:t>
+            </a:r>
+            <a:r>
+              <a:rPr lang="ru-RU" baseline="0" dirty="0" smtClean="0"/>
+              <a:t>в тарантуле, очереди в тарантуле дают нам </a:t>
+            </a:r>
+            <a:r>
+              <a:rPr lang="en-US" baseline="0" dirty="0" smtClean="0"/>
+              <a:t>exactly once </a:t>
+            </a:r>
+            <a:r>
+              <a:rPr lang="ru-RU" baseline="0" dirty="0" smtClean="0"/>
+              <a:t>семантику.</a:t>
+            </a:r>
+            <a:r>
+              <a:rPr lang="en-US" baseline="0" dirty="0" smtClean="0"/>
+              <a:t> </a:t>
+            </a:r>
+            <a:r>
+              <a:rPr lang="ru-RU" baseline="0" dirty="0" smtClean="0"/>
+              <a:t>Бизнес-логика на </a:t>
+            </a:r>
+            <a:r>
+              <a:rPr lang="ru-RU" baseline="0" dirty="0" err="1" smtClean="0"/>
+              <a:t>луа</a:t>
+            </a:r>
+            <a:r>
+              <a:rPr lang="ru-RU" baseline="0" dirty="0" smtClean="0"/>
+              <a:t> у нас есть, но очень немного. В основном из-за отсутствия вменяемых инструментов для разработки на </a:t>
+            </a:r>
+            <a:r>
+              <a:rPr lang="ru-RU" baseline="0" dirty="0" err="1" smtClean="0"/>
+              <a:t>луа</a:t>
+            </a:r>
+            <a:r>
+              <a:rPr lang="ru-RU" baseline="0" dirty="0" smtClean="0"/>
+              <a:t>.</a:t>
+            </a:r>
+            <a:endParaRPr lang="en-US" dirty="0"/>
+          </a:p>
+        </p:txBody>
+      </p:sp>
+      <p:sp>
+        <p:nvSpPr>
+          <p:cNvPr id="4" name="Slide Number Placeholder 3"/>
+          <p:cNvSpPr>
+            <a:spLocks noGrp="1"/>
+          </p:cNvSpPr>
+          <p:nvPr>
+            <p:ph type="sldNum" sz="quarter" idx="10"/>
+          </p:nvPr>
+        </p:nvSpPr>
+        <p:spPr/>
+        <p:txBody>
+          <a:bodyPr/>
+          <a:lstStyle/>
+          <a:p>
+            <a:fld id="{2C4E26C2-1CCB-1B4E-9F60-F75E774EED06}" type="slidenum">
+              <a:rPr lang="en-US" smtClean="0"/>
+              <a:t>11</a:t>
+            </a:fld>
+            <a:endParaRPr lang="en-US"/>
+          </a:p>
+        </p:txBody>
+      </p:sp>
+    </p:spTree>
+    <p:extLst>
+      <p:ext uri="{BB962C8B-B14F-4D97-AF65-F5344CB8AC3E}">
+        <p14:creationId xmlns:p14="http://schemas.microsoft.com/office/powerpoint/2010/main" val="542278627"/>
+      </p:ext>
+    </p:extLst>
+  </p:cSld>
+  <p:clrMapOvr>
+    <a:masterClrMapping/>
+  </p:clrMapOvr>
+</p:notes>
+</file>
+
+<file path=ppt/notesSlides/notesSlide12.xml><?xml version="1.0" encoding="utf-8"?>
+<p:notes xmlns:a="http://schemas.openxmlformats.org/drawingml/2006/main" xmlns:r="http://schemas.openxmlformats.org/officeDocument/2006/relationships" xmlns:p="http://schemas.openxmlformats.org/presentationml/2006/main">
+  <p:cSld>
+    <p:spTree>
+      <p:nvGrpSpPr>
+        <p:cNvPr id="1" name=""/>
+        <p:cNvGrpSpPr/>
+        <p:nvPr/>
+      </p:nvGrpSpPr>
+      <p:grpSpPr>
+        <a:xfrm>
+          <a:off x="0" y="0"/>
+          <a:ext cx="0" cy="0"/>
+          <a:chOff x="0" y="0"/>
+          <a:chExt cx="0" cy="0"/>
+        </a:xfrm>
+      </p:grpSpPr>
+      <p:sp>
+        <p:nvSpPr>
+          <p:cNvPr id="2" name="Slide Image Placeholder 1"/>
+          <p:cNvSpPr>
+            <a:spLocks noGrp="1" noRot="1" noChangeAspect="1"/>
+          </p:cNvSpPr>
+          <p:nvPr>
+            <p:ph type="sldImg"/>
+          </p:nvPr>
+        </p:nvSpPr>
+        <p:spPr/>
+      </p:sp>
+      <p:sp>
+        <p:nvSpPr>
+          <p:cNvPr id="3" name="Notes Placeholder 2"/>
+          <p:cNvSpPr>
+            <a:spLocks noGrp="1"/>
+          </p:cNvSpPr>
+          <p:nvPr>
+            <p:ph type="body" idx="1"/>
+          </p:nvPr>
+        </p:nvSpPr>
+        <p:spPr/>
+        <p:txBody>
+          <a:bodyPr/>
+          <a:lstStyle/>
+          <a:p>
+            <a:r>
+              <a:rPr lang="ru-RU" dirty="0" smtClean="0"/>
+              <a:t>Не</a:t>
+            </a:r>
+            <a:r>
+              <a:rPr lang="ru-RU" baseline="0" dirty="0" smtClean="0"/>
+              <a:t> всё безоблачно и в эксплуатации. </a:t>
+            </a:r>
+            <a:r>
+              <a:rPr lang="ru-RU" dirty="0" smtClean="0"/>
+              <a:t>Во-первых, нет синхронной репликации, поэтому возможна потеря небольшого количества данных, в случае выхода мастера из строя. Это для нас не критично, потому что в Редисе всё несколько хуже. Ждём </a:t>
+            </a:r>
+            <a:r>
+              <a:rPr lang="en-US" dirty="0" err="1" smtClean="0"/>
+              <a:t>bsync</a:t>
+            </a:r>
+            <a:r>
+              <a:rPr lang="en-US" dirty="0" smtClean="0"/>
+              <a:t>.</a:t>
+            </a:r>
+            <a:endParaRPr lang="en-US" dirty="0"/>
+          </a:p>
+        </p:txBody>
+      </p:sp>
+      <p:sp>
+        <p:nvSpPr>
+          <p:cNvPr id="4" name="Slide Number Placeholder 3"/>
+          <p:cNvSpPr>
+            <a:spLocks noGrp="1"/>
+          </p:cNvSpPr>
+          <p:nvPr>
+            <p:ph type="sldNum" sz="quarter" idx="10"/>
+          </p:nvPr>
+        </p:nvSpPr>
+        <p:spPr/>
+        <p:txBody>
+          <a:bodyPr/>
+          <a:lstStyle/>
+          <a:p>
+            <a:fld id="{2C4E26C2-1CCB-1B4E-9F60-F75E774EED06}" type="slidenum">
+              <a:rPr lang="en-US" smtClean="0"/>
+              <a:t>12</a:t>
+            </a:fld>
+            <a:endParaRPr lang="en-US"/>
+          </a:p>
+        </p:txBody>
+      </p:sp>
+    </p:spTree>
+    <p:extLst>
+      <p:ext uri="{BB962C8B-B14F-4D97-AF65-F5344CB8AC3E}">
+        <p14:creationId xmlns:p14="http://schemas.microsoft.com/office/powerpoint/2010/main" val="1387679758"/>
+      </p:ext>
+    </p:extLst>
+  </p:cSld>
+  <p:clrMapOvr>
+    <a:masterClrMapping/>
+  </p:clrMapOvr>
+</p:notes>
+</file>
+
+<file path=ppt/notesSlides/notesSlide13.xml><?xml version="1.0" encoding="utf-8"?>
+<p:notes xmlns:a="http://schemas.openxmlformats.org/drawingml/2006/main" xmlns:r="http://schemas.openxmlformats.org/officeDocument/2006/relationships" xmlns:p="http://schemas.openxmlformats.org/presentationml/2006/main">
+  <p:cSld>
+    <p:spTree>
+      <p:nvGrpSpPr>
+        <p:cNvPr id="1" name=""/>
+        <p:cNvGrpSpPr/>
+        <p:nvPr/>
+      </p:nvGrpSpPr>
+      <p:grpSpPr>
+        <a:xfrm>
+          <a:off x="0" y="0"/>
+          <a:ext cx="0" cy="0"/>
+          <a:chOff x="0" y="0"/>
+          <a:chExt cx="0" cy="0"/>
+        </a:xfrm>
+      </p:grpSpPr>
+      <p:sp>
+        <p:nvSpPr>
+          <p:cNvPr id="2" name="Slide Image Placeholder 1"/>
+          <p:cNvSpPr>
+            <a:spLocks noGrp="1" noRot="1" noChangeAspect="1"/>
+          </p:cNvSpPr>
+          <p:nvPr>
+            <p:ph type="sldImg"/>
+          </p:nvPr>
+        </p:nvSpPr>
+        <p:spPr/>
+      </p:sp>
+      <p:sp>
+        <p:nvSpPr>
+          <p:cNvPr id="3" name="Notes Placeholder 2"/>
+          <p:cNvSpPr>
+            <a:spLocks noGrp="1"/>
+          </p:cNvSpPr>
+          <p:nvPr>
+            <p:ph type="body" idx="1"/>
+          </p:nvPr>
+        </p:nvSpPr>
+        <p:spPr/>
+        <p:txBody>
+          <a:bodyPr/>
+          <a:lstStyle/>
+          <a:p>
+            <a:r>
+              <a:rPr lang="ru-RU" dirty="0" smtClean="0"/>
+              <a:t>На </a:t>
+            </a:r>
+            <a:r>
+              <a:rPr lang="en-US" dirty="0" err="1" smtClean="0"/>
+              <a:t>Highload</a:t>
+            </a:r>
+            <a:r>
+              <a:rPr lang="en-US" dirty="0" smtClean="0"/>
+              <a:t> 2016 </a:t>
+            </a:r>
+            <a:r>
+              <a:rPr lang="ru-RU" dirty="0" smtClean="0"/>
+              <a:t>Илья Космодемьянский рассказывал</a:t>
+            </a:r>
+            <a:r>
+              <a:rPr lang="ru-RU" baseline="0" dirty="0" smtClean="0"/>
+              <a:t> зачем нужна мастер-мастер репликация. И его вывод заключался в том, что обычно она не нужна. В целом, я с ним согласен. Но у нас в одном из приложений, как раз тот случай, когда все ключи случайны, следовательно, записывать можно в любую </a:t>
+            </a:r>
+            <a:r>
+              <a:rPr lang="ru-RU" baseline="0" dirty="0" err="1" smtClean="0"/>
+              <a:t>ноду</a:t>
+            </a:r>
+            <a:r>
+              <a:rPr lang="ru-RU" baseline="0" dirty="0" smtClean="0"/>
+              <a:t>.</a:t>
+            </a:r>
+            <a:r>
+              <a:rPr lang="ru-RU" dirty="0" smtClean="0"/>
+              <a:t> Поэтому там у нас мастер-мастер</a:t>
+            </a:r>
+            <a:r>
+              <a:rPr lang="ru-RU" baseline="0" dirty="0" smtClean="0"/>
+              <a:t> используется. </a:t>
+            </a:r>
+            <a:r>
+              <a:rPr lang="ru-RU" dirty="0" smtClean="0"/>
+              <a:t>В версии 1.7.3-0, которая является первой версией 1.7.3, есть проблемы с поднятием кластера с одинаковой конфигурацией. Допустим, у нас простой кластер из трёх </a:t>
+            </a:r>
+            <a:r>
+              <a:rPr lang="ru-RU" dirty="0" err="1" smtClean="0"/>
+              <a:t>нод</a:t>
+            </a:r>
+            <a:r>
+              <a:rPr lang="ru-RU" dirty="0" smtClean="0"/>
+              <a:t>. Если все три </a:t>
+            </a:r>
+            <a:r>
+              <a:rPr lang="ru-RU" dirty="0" err="1" smtClean="0"/>
+              <a:t>ноды</a:t>
+            </a:r>
+            <a:r>
+              <a:rPr lang="ru-RU" dirty="0" smtClean="0"/>
+              <a:t> лежат, и мы запускаем их одновременно, то они не видят </a:t>
+            </a:r>
+            <a:r>
+              <a:rPr lang="ru-RU" dirty="0" err="1" smtClean="0"/>
+              <a:t>апстримы</a:t>
+            </a:r>
+            <a:r>
+              <a:rPr lang="ru-RU" dirty="0" smtClean="0"/>
+              <a:t> для репликации и через 30 секунд выключатся. Это уже исправлено в новых версиях, мы просто никак не обновим </a:t>
+            </a:r>
+            <a:r>
+              <a:rPr lang="ru-RU" dirty="0" err="1" smtClean="0"/>
+              <a:t>продакшен</a:t>
+            </a:r>
+            <a:r>
+              <a:rPr lang="ru-RU" dirty="0" smtClean="0"/>
+              <a:t>.</a:t>
+            </a:r>
+            <a:endParaRPr lang="en-US" dirty="0"/>
+          </a:p>
+        </p:txBody>
+      </p:sp>
+      <p:sp>
+        <p:nvSpPr>
+          <p:cNvPr id="4" name="Slide Number Placeholder 3"/>
+          <p:cNvSpPr>
+            <a:spLocks noGrp="1"/>
+          </p:cNvSpPr>
+          <p:nvPr>
+            <p:ph type="sldNum" sz="quarter" idx="10"/>
+          </p:nvPr>
+        </p:nvSpPr>
+        <p:spPr/>
+        <p:txBody>
+          <a:bodyPr/>
+          <a:lstStyle/>
+          <a:p>
+            <a:fld id="{2C4E26C2-1CCB-1B4E-9F60-F75E774EED06}" type="slidenum">
+              <a:rPr lang="en-US" smtClean="0"/>
+              <a:t>13</a:t>
+            </a:fld>
+            <a:endParaRPr lang="en-US"/>
+          </a:p>
+        </p:txBody>
+      </p:sp>
+    </p:spTree>
+    <p:extLst>
+      <p:ext uri="{BB962C8B-B14F-4D97-AF65-F5344CB8AC3E}">
+        <p14:creationId xmlns:p14="http://schemas.microsoft.com/office/powerpoint/2010/main" val="1061286286"/>
+      </p:ext>
+    </p:extLst>
+  </p:cSld>
+  <p:clrMapOvr>
+    <a:masterClrMapping/>
+  </p:clrMapOvr>
+</p:notes>
+</file>
+
+<file path=ppt/notesSlides/notesSlide14.xml><?xml version="1.0" encoding="utf-8"?>
+<p:notes xmlns:a="http://schemas.openxmlformats.org/drawingml/2006/main" xmlns:r="http://schemas.openxmlformats.org/officeDocument/2006/relationships" xmlns:p="http://schemas.openxmlformats.org/presentationml/2006/main">
+  <p:cSld>
+    <p:spTree>
+      <p:nvGrpSpPr>
+        <p:cNvPr id="1" name=""/>
+        <p:cNvGrpSpPr/>
+        <p:nvPr/>
+      </p:nvGrpSpPr>
+      <p:grpSpPr>
+        <a:xfrm>
+          <a:off x="0" y="0"/>
+          <a:ext cx="0" cy="0"/>
+          <a:chOff x="0" y="0"/>
+          <a:chExt cx="0" cy="0"/>
+        </a:xfrm>
+      </p:grpSpPr>
+      <p:sp>
+        <p:nvSpPr>
+          <p:cNvPr id="2" name="Slide Image Placeholder 1"/>
+          <p:cNvSpPr>
+            <a:spLocks noGrp="1" noRot="1" noChangeAspect="1"/>
+          </p:cNvSpPr>
+          <p:nvPr>
+            <p:ph type="sldImg"/>
+          </p:nvPr>
+        </p:nvSpPr>
+        <p:spPr/>
+      </p:sp>
+      <p:sp>
+        <p:nvSpPr>
+          <p:cNvPr id="3" name="Notes Placeholder 2"/>
+          <p:cNvSpPr>
+            <a:spLocks noGrp="1"/>
+          </p:cNvSpPr>
+          <p:nvPr>
+            <p:ph type="body" idx="1"/>
+          </p:nvPr>
+        </p:nvSpPr>
+        <p:spPr/>
+        <p:txBody>
+          <a:bodyPr/>
+          <a:lstStyle/>
+          <a:p>
+            <a:r>
+              <a:rPr lang="ru-RU" dirty="0" smtClean="0"/>
+              <a:t>Крайне неочевидна для нашей команды связь между версией официального докер-контейнера и версией тарантула. Например,</a:t>
+            </a:r>
+            <a:r>
+              <a:rPr lang="ru-RU" baseline="0" dirty="0" smtClean="0"/>
+              <a:t> хотим мы версию контейнера 1.7.3, потому что туда новый модуль </a:t>
+            </a:r>
+            <a:r>
+              <a:rPr lang="en-US" baseline="0" dirty="0" smtClean="0"/>
+              <a:t>queue </a:t>
+            </a:r>
+            <a:r>
+              <a:rPr lang="ru-RU" baseline="0" dirty="0" smtClean="0"/>
+              <a:t>добавили. А какая внутри версия тарантула? Или, наоборот, хотим мы самую версию тарантула 1.7.3-80, например. Какую версию контейнера брать? </a:t>
+            </a:r>
+            <a:r>
+              <a:rPr lang="ru-RU" dirty="0" smtClean="0"/>
+              <a:t>Поэтому, мы перешли на </a:t>
+            </a:r>
+            <a:r>
+              <a:rPr lang="ru-RU" dirty="0" err="1" smtClean="0"/>
+              <a:t>самосборный</a:t>
+            </a:r>
+            <a:r>
+              <a:rPr lang="ru-RU" dirty="0" smtClean="0"/>
+              <a:t> контейнер.</a:t>
+            </a:r>
+            <a:endParaRPr lang="en-US" dirty="0"/>
+          </a:p>
+        </p:txBody>
+      </p:sp>
+      <p:sp>
+        <p:nvSpPr>
+          <p:cNvPr id="4" name="Slide Number Placeholder 3"/>
+          <p:cNvSpPr>
+            <a:spLocks noGrp="1"/>
+          </p:cNvSpPr>
+          <p:nvPr>
+            <p:ph type="sldNum" sz="quarter" idx="10"/>
+          </p:nvPr>
+        </p:nvSpPr>
+        <p:spPr/>
+        <p:txBody>
+          <a:bodyPr/>
+          <a:lstStyle/>
+          <a:p>
+            <a:fld id="{2C4E26C2-1CCB-1B4E-9F60-F75E774EED06}" type="slidenum">
+              <a:rPr lang="en-US" smtClean="0"/>
+              <a:t>14</a:t>
+            </a:fld>
+            <a:endParaRPr lang="en-US"/>
+          </a:p>
+        </p:txBody>
+      </p:sp>
+    </p:spTree>
+    <p:extLst>
+      <p:ext uri="{BB962C8B-B14F-4D97-AF65-F5344CB8AC3E}">
+        <p14:creationId xmlns:p14="http://schemas.microsoft.com/office/powerpoint/2010/main" val="39436820"/>
+      </p:ext>
+    </p:extLst>
+  </p:cSld>
+  <p:clrMapOvr>
+    <a:masterClrMapping/>
+  </p:clrMapOvr>
+</p:notes>
+</file>
+
+<file path=ppt/notesSlides/notesSlide15.xml><?xml version="1.0" encoding="utf-8"?>
+<p:notes xmlns:a="http://schemas.openxmlformats.org/drawingml/2006/main" xmlns:r="http://schemas.openxmlformats.org/officeDocument/2006/relationships" xmlns:p="http://schemas.openxmlformats.org/presentationml/2006/main">
+  <p:cSld>
+    <p:spTree>
+      <p:nvGrpSpPr>
+        <p:cNvPr id="1" name=""/>
+        <p:cNvGrpSpPr/>
+        <p:nvPr/>
+      </p:nvGrpSpPr>
+      <p:grpSpPr>
+        <a:xfrm>
+          <a:off x="0" y="0"/>
+          <a:ext cx="0" cy="0"/>
+          <a:chOff x="0" y="0"/>
+          <a:chExt cx="0" cy="0"/>
+        </a:xfrm>
+      </p:grpSpPr>
+      <p:sp>
+        <p:nvSpPr>
+          <p:cNvPr id="2" name="Slide Image Placeholder 1"/>
+          <p:cNvSpPr>
+            <a:spLocks noGrp="1" noRot="1" noChangeAspect="1"/>
+          </p:cNvSpPr>
+          <p:nvPr>
+            <p:ph type="sldImg"/>
+          </p:nvPr>
+        </p:nvSpPr>
+        <p:spPr/>
+      </p:sp>
+      <p:sp>
+        <p:nvSpPr>
+          <p:cNvPr id="3" name="Notes Placeholder 2"/>
+          <p:cNvSpPr>
+            <a:spLocks noGrp="1"/>
+          </p:cNvSpPr>
+          <p:nvPr>
+            <p:ph type="body" idx="1"/>
+          </p:nvPr>
+        </p:nvSpPr>
+        <p:spPr/>
+        <p:txBody>
+          <a:bodyPr/>
+          <a:lstStyle/>
+          <a:p>
+            <a:r>
+              <a:rPr lang="ru-RU" dirty="0" smtClean="0"/>
+              <a:t>В редисе есть очень полезная команда</a:t>
+            </a:r>
+            <a:r>
+              <a:rPr lang="ru-RU" baseline="0" dirty="0" smtClean="0"/>
+              <a:t> </a:t>
+            </a:r>
+            <a:r>
+              <a:rPr lang="mr-IN" baseline="0" dirty="0" smtClean="0"/>
+              <a:t>–</a:t>
+            </a:r>
+            <a:r>
+              <a:rPr lang="ru-RU" baseline="0" dirty="0" smtClean="0"/>
+              <a:t> </a:t>
+            </a:r>
+            <a:r>
+              <a:rPr lang="en-US" baseline="0" dirty="0" smtClean="0"/>
+              <a:t>monitor. </a:t>
+            </a:r>
+            <a:r>
+              <a:rPr lang="ru-RU" baseline="0" dirty="0" smtClean="0"/>
+              <a:t>С её помощью можно видеть все запросы, приходящие на сервер. Понятно, что это не очень часто используемая вещь, но нам аналогичная функция была бы очень полезна для разработки и отладки коннектора</a:t>
+            </a:r>
+            <a:r>
+              <a:rPr lang="ru-RU" baseline="0" dirty="0" smtClean="0"/>
+              <a:t>.</a:t>
+            </a:r>
+          </a:p>
+          <a:p>
+            <a:r>
+              <a:rPr lang="ru-RU" baseline="0" dirty="0" smtClean="0"/>
+              <a:t>Ещё небольшой нюанс заключается в том, что переменная </a:t>
+            </a:r>
+            <a:r>
+              <a:rPr lang="en-US" baseline="0" dirty="0" err="1" smtClean="0"/>
+              <a:t>box.session.sync</a:t>
+            </a:r>
+            <a:r>
+              <a:rPr lang="en-US" baseline="0" dirty="0" smtClean="0"/>
+              <a:t> </a:t>
+            </a:r>
+            <a:r>
+              <a:rPr lang="ru-RU" baseline="0" dirty="0" smtClean="0"/>
+              <a:t>во время выполнения вашего запроса может измениться, если у вас есть </a:t>
+            </a:r>
+            <a:r>
+              <a:rPr lang="en-US" baseline="0" dirty="0" smtClean="0"/>
+              <a:t>yield point </a:t>
+            </a:r>
+            <a:r>
+              <a:rPr lang="ru-RU" baseline="0" dirty="0" smtClean="0"/>
+              <a:t>в запросе. Поэтому, необходимо её запоминать куда-нибудь до первого </a:t>
+            </a:r>
+            <a:r>
+              <a:rPr lang="en-US" baseline="0" dirty="0" smtClean="0"/>
+              <a:t>yield point</a:t>
+            </a:r>
+            <a:r>
+              <a:rPr lang="ru-RU" baseline="0" dirty="0" smtClean="0"/>
+              <a:t> и </a:t>
+            </a:r>
+            <a:r>
+              <a:rPr lang="ru-RU" baseline="0" dirty="0" err="1" smtClean="0"/>
+              <a:t>логировать</a:t>
+            </a:r>
+            <a:r>
+              <a:rPr lang="ru-RU" baseline="0" dirty="0" smtClean="0"/>
+              <a:t> потом запомненное значение.</a:t>
+            </a:r>
+            <a:endParaRPr lang="ru-RU" dirty="0" smtClean="0"/>
+          </a:p>
+          <a:p>
+            <a:r>
+              <a:rPr lang="ru-RU" dirty="0" smtClean="0"/>
+              <a:t>Общий недостаток Редиса, Тарантула, </a:t>
+            </a:r>
+            <a:r>
+              <a:rPr lang="en-US" dirty="0" err="1" smtClean="0"/>
+              <a:t>handlersocket</a:t>
+            </a:r>
+            <a:r>
+              <a:rPr lang="en-US" baseline="0" dirty="0" smtClean="0"/>
+              <a:t> </a:t>
+            </a:r>
+            <a:r>
+              <a:rPr lang="ru-RU" baseline="0" dirty="0" smtClean="0"/>
+              <a:t>и прочих </a:t>
+            </a:r>
+            <a:r>
+              <a:rPr lang="en-US" baseline="0" dirty="0" err="1" smtClean="0"/>
+              <a:t>noSql</a:t>
+            </a:r>
+            <a:r>
+              <a:rPr lang="en-US" baseline="0" dirty="0" smtClean="0"/>
+              <a:t> </a:t>
+            </a:r>
+            <a:r>
+              <a:rPr lang="ru-RU" baseline="0" dirty="0" smtClean="0"/>
+              <a:t>решений</a:t>
+            </a:r>
+            <a:r>
+              <a:rPr lang="ru-RU" dirty="0" smtClean="0"/>
+              <a:t> - это специфический язык запросов. Товарищи сисадмины и </a:t>
+            </a:r>
+            <a:r>
+              <a:rPr lang="ru-RU" dirty="0" err="1" smtClean="0"/>
+              <a:t>тестировщики</a:t>
+            </a:r>
+            <a:r>
+              <a:rPr lang="ru-RU" dirty="0" smtClean="0"/>
+              <a:t> более привычны к SQL.</a:t>
+            </a:r>
+            <a:r>
+              <a:rPr lang="ru-RU" baseline="0" dirty="0" smtClean="0"/>
+              <a:t> При этом они не являются разработчиками и учить даже </a:t>
+            </a:r>
+            <a:r>
+              <a:rPr lang="en-US" baseline="0" dirty="0" err="1" smtClean="0"/>
+              <a:t>Lua</a:t>
+            </a:r>
+            <a:r>
+              <a:rPr lang="en-US" baseline="0" dirty="0" smtClean="0"/>
+              <a:t> </a:t>
+            </a:r>
+            <a:r>
+              <a:rPr lang="ru-RU" baseline="0" dirty="0" smtClean="0"/>
+              <a:t>им достаточно непросто. Поэтому, очень ждут, когда в </a:t>
+            </a:r>
+            <a:r>
+              <a:rPr lang="en-US" baseline="0" dirty="0" err="1" smtClean="0"/>
+              <a:t>tarantool</a:t>
+            </a:r>
+            <a:r>
+              <a:rPr lang="en-US" baseline="0" dirty="0" smtClean="0"/>
+              <a:t> </a:t>
+            </a:r>
+            <a:r>
+              <a:rPr lang="ru-RU" baseline="0" dirty="0" smtClean="0"/>
+              <a:t>появится хоть какой-нибудь </a:t>
+            </a:r>
+            <a:r>
+              <a:rPr lang="en-US" baseline="0" dirty="0" err="1" smtClean="0"/>
+              <a:t>sql</a:t>
+            </a:r>
+            <a:r>
+              <a:rPr lang="en-US" baseline="0" dirty="0" smtClean="0"/>
+              <a:t>-engine.</a:t>
+            </a:r>
+            <a:endParaRPr lang="en-US" dirty="0"/>
+          </a:p>
+        </p:txBody>
+      </p:sp>
+      <p:sp>
+        <p:nvSpPr>
+          <p:cNvPr id="4" name="Slide Number Placeholder 3"/>
+          <p:cNvSpPr>
+            <a:spLocks noGrp="1"/>
+          </p:cNvSpPr>
+          <p:nvPr>
+            <p:ph type="sldNum" sz="quarter" idx="10"/>
+          </p:nvPr>
+        </p:nvSpPr>
+        <p:spPr/>
+        <p:txBody>
+          <a:bodyPr/>
+          <a:lstStyle/>
+          <a:p>
+            <a:fld id="{2C4E26C2-1CCB-1B4E-9F60-F75E774EED06}" type="slidenum">
+              <a:rPr lang="en-US" smtClean="0"/>
+              <a:t>15</a:t>
+            </a:fld>
+            <a:endParaRPr lang="en-US"/>
+          </a:p>
+        </p:txBody>
+      </p:sp>
+    </p:spTree>
+    <p:extLst>
+      <p:ext uri="{BB962C8B-B14F-4D97-AF65-F5344CB8AC3E}">
+        <p14:creationId xmlns:p14="http://schemas.microsoft.com/office/powerpoint/2010/main" val="1389670464"/>
+      </p:ext>
+    </p:extLst>
+  </p:cSld>
+  <p:clrMapOvr>
+    <a:masterClrMapping/>
+  </p:clrMapOvr>
+</p:notes>
+</file>
+
+<file path=ppt/notesSlides/notesSlide16.xml><?xml version="1.0" encoding="utf-8"?>
+<p:notes xmlns:a="http://schemas.openxmlformats.org/drawingml/2006/main" xmlns:r="http://schemas.openxmlformats.org/officeDocument/2006/relationships" xmlns:p="http://schemas.openxmlformats.org/presentationml/2006/main">
+  <p:cSld>
+    <p:spTree>
+      <p:nvGrpSpPr>
+        <p:cNvPr id="1" name=""/>
+        <p:cNvGrpSpPr/>
+        <p:nvPr/>
+      </p:nvGrpSpPr>
+      <p:grpSpPr>
+        <a:xfrm>
+          <a:off x="0" y="0"/>
+          <a:ext cx="0" cy="0"/>
+          <a:chOff x="0" y="0"/>
+          <a:chExt cx="0" cy="0"/>
+        </a:xfrm>
+      </p:grpSpPr>
+      <p:sp>
+        <p:nvSpPr>
+          <p:cNvPr id="2" name="Slide Image Placeholder 1"/>
+          <p:cNvSpPr>
+            <a:spLocks noGrp="1" noRot="1" noChangeAspect="1"/>
+          </p:cNvSpPr>
+          <p:nvPr>
+            <p:ph type="sldImg"/>
+          </p:nvPr>
+        </p:nvSpPr>
+        <p:spPr/>
+      </p:sp>
+      <p:sp>
+        <p:nvSpPr>
+          <p:cNvPr id="3" name="Notes Placeholder 2"/>
+          <p:cNvSpPr>
+            <a:spLocks noGrp="1"/>
+          </p:cNvSpPr>
+          <p:nvPr>
+            <p:ph type="body" idx="1"/>
+          </p:nvPr>
+        </p:nvSpPr>
+        <p:spPr/>
+        <p:txBody>
+          <a:bodyPr/>
+          <a:lstStyle/>
+          <a:p>
+            <a:r>
+              <a:rPr lang="ru-RU" dirty="0" smtClean="0"/>
+              <a:t>Для </a:t>
+            </a:r>
+            <a:r>
+              <a:rPr lang="ru-RU" dirty="0" err="1" smtClean="0"/>
+              <a:t>логирования</a:t>
+            </a:r>
+            <a:r>
+              <a:rPr lang="ru-RU" dirty="0" smtClean="0"/>
+              <a:t> и мониторинга происходящего в тарантуле там есть достаточно много инструментов.</a:t>
+            </a:r>
+            <a:r>
+              <a:rPr lang="ru-RU" baseline="0" dirty="0" smtClean="0"/>
+              <a:t> Мы используем </a:t>
+            </a:r>
+            <a:r>
+              <a:rPr lang="ru-RU" baseline="0" dirty="0" err="1" smtClean="0"/>
+              <a:t>логирование</a:t>
+            </a:r>
+            <a:r>
+              <a:rPr lang="ru-RU" baseline="0" dirty="0" smtClean="0"/>
+              <a:t> в </a:t>
+            </a:r>
+            <a:r>
+              <a:rPr lang="en-US" baseline="0" dirty="0" err="1" smtClean="0"/>
+              <a:t>stdout</a:t>
+            </a:r>
+            <a:r>
+              <a:rPr lang="en-US" baseline="0" dirty="0" smtClean="0"/>
+              <a:t> </a:t>
+            </a:r>
+            <a:r>
+              <a:rPr lang="ru-RU" baseline="0" dirty="0" smtClean="0"/>
+              <a:t>и собираем затем </a:t>
+            </a:r>
+            <a:r>
+              <a:rPr lang="ru-RU" baseline="0" dirty="0" err="1" smtClean="0"/>
+              <a:t>логи</a:t>
+            </a:r>
+            <a:r>
+              <a:rPr lang="ru-RU" baseline="0" dirty="0" smtClean="0"/>
+              <a:t> с помощью </a:t>
+            </a:r>
+            <a:r>
+              <a:rPr lang="en-US" baseline="0" dirty="0" err="1" smtClean="0"/>
+              <a:t>fluentd</a:t>
+            </a:r>
+            <a:r>
+              <a:rPr lang="en-US" baseline="0" dirty="0" smtClean="0"/>
+              <a:t> </a:t>
+            </a:r>
+            <a:r>
+              <a:rPr lang="en-US" baseline="0" dirty="0" err="1" smtClean="0"/>
+              <a:t>docker</a:t>
+            </a:r>
+            <a:r>
+              <a:rPr lang="en-US" baseline="0" dirty="0" smtClean="0"/>
+              <a:t> driver </a:t>
+            </a:r>
+            <a:r>
+              <a:rPr lang="ru-RU" baseline="0" dirty="0" smtClean="0"/>
+              <a:t>в центральное хранилище. Мониторинг у нас построен на </a:t>
+            </a:r>
+            <a:r>
+              <a:rPr lang="en-US" baseline="0" dirty="0" err="1" smtClean="0"/>
+              <a:t>prometheus</a:t>
+            </a:r>
+            <a:r>
+              <a:rPr lang="en-US" baseline="0" dirty="0" smtClean="0"/>
+              <a:t>, </a:t>
+            </a:r>
+            <a:r>
+              <a:rPr lang="ru-RU" baseline="0" dirty="0" smtClean="0"/>
+              <a:t>который сейчас является самым простым решением с точки зрения развёртывания и сбора данных для небольших команд. И очень удобно, что к тарантулу есть модуль </a:t>
+            </a:r>
+            <a:r>
+              <a:rPr lang="en-US" baseline="0" dirty="0" err="1" smtClean="0"/>
+              <a:t>tarantool</a:t>
+            </a:r>
+            <a:r>
+              <a:rPr lang="en-US" baseline="0" dirty="0" smtClean="0"/>
+              <a:t>/</a:t>
+            </a:r>
+            <a:r>
+              <a:rPr lang="en-US" baseline="0" dirty="0" err="1" smtClean="0"/>
+              <a:t>prometheus</a:t>
+            </a:r>
+            <a:r>
+              <a:rPr lang="en-US" baseline="0" dirty="0" smtClean="0"/>
+              <a:t>, </a:t>
+            </a:r>
+            <a:r>
+              <a:rPr lang="ru-RU" baseline="0" dirty="0" smtClean="0"/>
+              <a:t>который собирается различные метрики с запущенных тарантулов.</a:t>
+            </a:r>
+            <a:endParaRPr lang="en-US" dirty="0"/>
+          </a:p>
+        </p:txBody>
+      </p:sp>
+      <p:sp>
+        <p:nvSpPr>
+          <p:cNvPr id="4" name="Slide Number Placeholder 3"/>
+          <p:cNvSpPr>
+            <a:spLocks noGrp="1"/>
+          </p:cNvSpPr>
+          <p:nvPr>
+            <p:ph type="sldNum" sz="quarter" idx="10"/>
+          </p:nvPr>
+        </p:nvSpPr>
+        <p:spPr/>
+        <p:txBody>
+          <a:bodyPr/>
+          <a:lstStyle/>
+          <a:p>
+            <a:fld id="{2C4E26C2-1CCB-1B4E-9F60-F75E774EED06}" type="slidenum">
+              <a:rPr lang="en-US" smtClean="0"/>
+              <a:t>16</a:t>
+            </a:fld>
+            <a:endParaRPr lang="en-US"/>
+          </a:p>
+        </p:txBody>
+      </p:sp>
+    </p:spTree>
+    <p:extLst>
+      <p:ext uri="{BB962C8B-B14F-4D97-AF65-F5344CB8AC3E}">
+        <p14:creationId xmlns:p14="http://schemas.microsoft.com/office/powerpoint/2010/main" val="358248523"/>
+      </p:ext>
+    </p:extLst>
+  </p:cSld>
+  <p:clrMapOvr>
+    <a:masterClrMapping/>
+  </p:clrMapOvr>
+</p:notes>
+</file>
+
+<file path=ppt/notesSlides/notesSlide17.xml><?xml version="1.0" encoding="utf-8"?>
+<p:notes xmlns:a="http://schemas.openxmlformats.org/drawingml/2006/main" xmlns:r="http://schemas.openxmlformats.org/officeDocument/2006/relationships" xmlns:p="http://schemas.openxmlformats.org/presentationml/2006/main">
+  <p:cSld>
+    <p:spTree>
+      <p:nvGrpSpPr>
+        <p:cNvPr id="1" name=""/>
+        <p:cNvGrpSpPr/>
+        <p:nvPr/>
+      </p:nvGrpSpPr>
+      <p:grpSpPr>
+        <a:xfrm>
+          <a:off x="0" y="0"/>
+          <a:ext cx="0" cy="0"/>
+          <a:chOff x="0" y="0"/>
+          <a:chExt cx="0" cy="0"/>
+        </a:xfrm>
+      </p:grpSpPr>
+      <p:sp>
+        <p:nvSpPr>
+          <p:cNvPr id="2" name="Slide Image Placeholder 1"/>
+          <p:cNvSpPr>
+            <a:spLocks noGrp="1" noRot="1" noChangeAspect="1"/>
+          </p:cNvSpPr>
+          <p:nvPr>
+            <p:ph type="sldImg"/>
+          </p:nvPr>
+        </p:nvSpPr>
+        <p:spPr/>
+      </p:sp>
+      <p:sp>
+        <p:nvSpPr>
+          <p:cNvPr id="3" name="Notes Placeholder 2"/>
+          <p:cNvSpPr>
+            <a:spLocks noGrp="1"/>
+          </p:cNvSpPr>
+          <p:nvPr>
+            <p:ph type="body" idx="1"/>
+          </p:nvPr>
+        </p:nvSpPr>
+        <p:spPr/>
+        <p:txBody>
+          <a:bodyPr/>
+          <a:lstStyle/>
+          <a:p>
+            <a:pPr marL="0" marR="0" indent="0" algn="l" defTabSz="914400" rtl="0" eaLnBrk="1" fontAlgn="auto" latinLnBrk="0" hangingPunct="1">
+              <a:lnSpc>
+                <a:spcPct val="100000"/>
+              </a:lnSpc>
+              <a:spcBef>
+                <a:spcPts val="0"/>
+              </a:spcBef>
+              <a:spcAft>
+                <a:spcPts val="0"/>
+              </a:spcAft>
+              <a:buClrTx/>
+              <a:buSzTx/>
+              <a:buFontTx/>
+              <a:buNone/>
+              <a:tabLst/>
+              <a:defRPr/>
+            </a:pPr>
+            <a:r>
+              <a:rPr lang="ru-RU" dirty="0" smtClean="0"/>
+              <a:t>Какие выводы можно сделать?</a:t>
+            </a:r>
+            <a:r>
+              <a:rPr lang="ru-RU" baseline="0" dirty="0" smtClean="0"/>
+              <a:t> </a:t>
+            </a:r>
+            <a:r>
+              <a:rPr lang="ru-RU" baseline="0" dirty="0" smtClean="0"/>
+              <a:t>С развитием </a:t>
+            </a:r>
+            <a:r>
+              <a:rPr lang="en-US" baseline="0" dirty="0" smtClean="0"/>
+              <a:t>open source </a:t>
+            </a:r>
+            <a:r>
+              <a:rPr lang="ru-RU" baseline="0" dirty="0" smtClean="0"/>
+              <a:t>версии </a:t>
+            </a:r>
+            <a:r>
+              <a:rPr lang="en-US" baseline="0" dirty="0" err="1" smtClean="0"/>
+              <a:t>.net</a:t>
+            </a:r>
+            <a:r>
+              <a:rPr lang="en-US" baseline="0" dirty="0" smtClean="0"/>
+              <a:t> - </a:t>
+            </a:r>
+            <a:r>
+              <a:rPr lang="en-US" baseline="0" dirty="0" err="1" smtClean="0"/>
+              <a:t>.net</a:t>
+            </a:r>
+            <a:r>
+              <a:rPr lang="en-US" baseline="0" dirty="0" smtClean="0"/>
+              <a:t> core, </a:t>
+            </a:r>
+            <a:r>
+              <a:rPr lang="ru-RU" baseline="0" dirty="0" smtClean="0"/>
+              <a:t>которая прекрасно работает на самых разных ОС и архитектурах (например, </a:t>
+            </a:r>
+            <a:r>
+              <a:rPr lang="en-US" baseline="0" dirty="0" smtClean="0"/>
+              <a:t>x86, ARM, ARM64), </a:t>
+            </a:r>
+            <a:r>
+              <a:rPr lang="en-US" baseline="0" dirty="0" err="1" smtClean="0"/>
+              <a:t>.net</a:t>
+            </a:r>
+            <a:r>
+              <a:rPr lang="en-US" baseline="0" dirty="0" smtClean="0"/>
+              <a:t> </a:t>
+            </a:r>
+            <a:r>
+              <a:rPr lang="ru-RU" baseline="0" dirty="0" smtClean="0"/>
+              <a:t>разработчикам не следует ограничивать себя только </a:t>
+            </a:r>
+            <a:r>
+              <a:rPr lang="en-US" baseline="0" dirty="0" smtClean="0"/>
+              <a:t>Windows </a:t>
+            </a:r>
+            <a:r>
+              <a:rPr lang="ru-RU" baseline="0" dirty="0" smtClean="0"/>
+              <a:t>и необходимо рассматривать все доступные варианты на рынке и выбирать то, что больше подходит.</a:t>
+            </a:r>
+            <a:endParaRPr lang="en-US" dirty="0" smtClean="0"/>
+          </a:p>
+          <a:p>
+            <a:r>
+              <a:rPr lang="ru-RU" baseline="0" dirty="0" smtClean="0"/>
+              <a:t>Тарантул </a:t>
+            </a:r>
+            <a:r>
+              <a:rPr lang="mr-IN" baseline="0" dirty="0" smtClean="0"/>
+              <a:t>–</a:t>
+            </a:r>
+            <a:r>
+              <a:rPr lang="ru-RU" baseline="0" dirty="0" smtClean="0"/>
+              <a:t> прекрасная и быстрая СУБД, которую можно использовать как исключительно СУБД, так и в качестве, например, очереди для любых приложений, в том числе, написанных на </a:t>
+            </a:r>
+            <a:r>
+              <a:rPr lang="en-US" baseline="0" dirty="0" err="1" smtClean="0"/>
+              <a:t>.net</a:t>
+            </a:r>
+            <a:r>
+              <a:rPr lang="en-US" baseline="0" dirty="0" smtClean="0"/>
+              <a:t>. </a:t>
+            </a:r>
+            <a:r>
+              <a:rPr lang="ru-RU" baseline="0" dirty="0" smtClean="0"/>
+              <a:t>В нашем проекте мы полностью удовлетворены работоспособностью Тарантула и продолжим миграцию основных данных в него.</a:t>
+            </a:r>
+            <a:endParaRPr lang="en-US" dirty="0"/>
+          </a:p>
+        </p:txBody>
+      </p:sp>
+      <p:sp>
+        <p:nvSpPr>
+          <p:cNvPr id="4" name="Slide Number Placeholder 3"/>
+          <p:cNvSpPr>
+            <a:spLocks noGrp="1"/>
+          </p:cNvSpPr>
+          <p:nvPr>
+            <p:ph type="sldNum" sz="quarter" idx="10"/>
+          </p:nvPr>
+        </p:nvSpPr>
+        <p:spPr/>
+        <p:txBody>
+          <a:bodyPr/>
+          <a:lstStyle/>
+          <a:p>
+            <a:fld id="{2C4E26C2-1CCB-1B4E-9F60-F75E774EED06}" type="slidenum">
+              <a:rPr lang="en-US" smtClean="0"/>
+              <a:t>17</a:t>
+            </a:fld>
+            <a:endParaRPr lang="en-US"/>
+          </a:p>
+        </p:txBody>
+      </p:sp>
+    </p:spTree>
+    <p:extLst>
+      <p:ext uri="{BB962C8B-B14F-4D97-AF65-F5344CB8AC3E}">
+        <p14:creationId xmlns:p14="http://schemas.microsoft.com/office/powerpoint/2010/main" val="1158455303"/>
+      </p:ext>
+    </p:extLst>
+  </p:cSld>
+  <p:clrMapOvr>
+    <a:masterClrMapping/>
+  </p:clrMapOvr>
+</p:notes>
+</file>
+
+<file path=ppt/notesSlides/notesSlide18.xml><?xml version="1.0" encoding="utf-8"?>
+<p:notes xmlns:a="http://schemas.openxmlformats.org/drawingml/2006/main" xmlns:r="http://schemas.openxmlformats.org/officeDocument/2006/relationships" xmlns:p="http://schemas.openxmlformats.org/presentationml/2006/main">
+  <p:cSld>
+    <p:spTree>
+      <p:nvGrpSpPr>
+        <p:cNvPr id="1" name=""/>
+        <p:cNvGrpSpPr/>
+        <p:nvPr/>
+      </p:nvGrpSpPr>
+      <p:grpSpPr>
+        <a:xfrm>
+          <a:off x="0" y="0"/>
+          <a:ext cx="0" cy="0"/>
+          <a:chOff x="0" y="0"/>
+          <a:chExt cx="0" cy="0"/>
+        </a:xfrm>
+      </p:grpSpPr>
+      <p:sp>
+        <p:nvSpPr>
+          <p:cNvPr id="2" name="Slide Image Placeholder 1"/>
+          <p:cNvSpPr>
+            <a:spLocks noGrp="1" noRot="1" noChangeAspect="1"/>
+          </p:cNvSpPr>
+          <p:nvPr>
+            <p:ph type="sldImg"/>
+          </p:nvPr>
+        </p:nvSpPr>
+        <p:spPr/>
+      </p:sp>
+      <p:sp>
+        <p:nvSpPr>
+          <p:cNvPr id="3" name="Notes Placeholder 2"/>
+          <p:cNvSpPr>
+            <a:spLocks noGrp="1"/>
+          </p:cNvSpPr>
+          <p:nvPr>
+            <p:ph type="body" idx="1"/>
+          </p:nvPr>
+        </p:nvSpPr>
+        <p:spPr/>
+        <p:txBody>
+          <a:bodyPr/>
+          <a:lstStyle/>
+          <a:p>
+            <a:r>
+              <a:rPr lang="ru-RU" dirty="0" smtClean="0"/>
+              <a:t>На этом мой доклад закончен.</a:t>
+            </a:r>
+            <a:r>
+              <a:rPr lang="ru-RU" baseline="0" dirty="0" smtClean="0"/>
+              <a:t> Ваши вопросы.</a:t>
+            </a:r>
+            <a:endParaRPr lang="en-US" dirty="0"/>
+          </a:p>
+        </p:txBody>
+      </p:sp>
+      <p:sp>
+        <p:nvSpPr>
+          <p:cNvPr id="4" name="Slide Number Placeholder 3"/>
+          <p:cNvSpPr>
+            <a:spLocks noGrp="1"/>
+          </p:cNvSpPr>
+          <p:nvPr>
+            <p:ph type="sldNum" sz="quarter" idx="10"/>
+          </p:nvPr>
+        </p:nvSpPr>
+        <p:spPr/>
+        <p:txBody>
+          <a:bodyPr/>
+          <a:lstStyle/>
+          <a:p>
+            <a:fld id="{2C4E26C2-1CCB-1B4E-9F60-F75E774EED06}" type="slidenum">
+              <a:rPr lang="en-US" smtClean="0"/>
+              <a:t>18</a:t>
+            </a:fld>
+            <a:endParaRPr lang="en-US"/>
+          </a:p>
+        </p:txBody>
+      </p:sp>
+    </p:spTree>
+    <p:extLst>
+      <p:ext uri="{BB962C8B-B14F-4D97-AF65-F5344CB8AC3E}">
+        <p14:creationId xmlns:p14="http://schemas.microsoft.com/office/powerpoint/2010/main" val="757213996"/>
       </p:ext>
     </p:extLst>
   </p:cSld>
@@ -627,7 +2025,15 @@
           <a:p>
             <a:r>
               <a:rPr lang="ru-RU" dirty="0" smtClean="0"/>
-              <a:t>Почему мы выбрали именно тарантул? Мы делаем продукт для сбора обратной связи и голосований, подробнее могу рассказать потом, доклад не об этом. Модель данных получается достаточно простой и укладывается в ограничения, которые на нас накладывают </a:t>
+              <a:t>Каждый</a:t>
+            </a:r>
+            <a:r>
+              <a:rPr lang="ru-RU" baseline="0" dirty="0" smtClean="0"/>
+              <a:t> продукт в определённый момент своей жизни сталкивается с проблемой выбора СУБД. И наш </a:t>
+            </a:r>
+            <a:r>
+              <a:rPr lang="ru-RU" dirty="0" smtClean="0"/>
+              <a:t>продукт для сбора обратной связи и голосований совершенно не исключение. Модель данных у нас достаточно проста и укладывается в ограничения, которые накладывают </a:t>
             </a:r>
             <a:r>
               <a:rPr lang="ru-RU" dirty="0" err="1" smtClean="0"/>
@@ -635,7 +2041,7 @@
             </a:r>
             <a:r>
               <a:rPr lang="ru-RU" dirty="0" smtClean="0"/>
-              <a:t> хранилища. Изначально у нас был </a:t>
+              <a:t> хранилища. Поэтому мы выбирали между </a:t>
             </a:r>
             <a:r>
               <a:rPr lang="ru-RU" dirty="0" err="1" smtClean="0"/>
@@ -643,15 +2049,43 @@
             </a:r>
             <a:r>
               <a:rPr lang="ru-RU" dirty="0" smtClean="0"/>
-              <a:t>. Эта СУБД давно на рынке, к ней есть хороший коннектор для .</a:t>
-            </a:r>
-            <a:r>
-              <a:rPr lang="ru-RU" dirty="0" err="1" smtClean="0"/>
-              <a:t>net</a:t>
+              <a:t>,</a:t>
+            </a:r>
+            <a:r>
+              <a:rPr lang="ru-RU" baseline="0" dirty="0" smtClean="0"/>
+              <a:t> </a:t>
+            </a:r>
+            <a:r>
+              <a:rPr lang="en-US" baseline="0" dirty="0" err="1" smtClean="0"/>
+              <a:t>Tarantool</a:t>
+            </a:r>
+            <a:r>
+              <a:rPr lang="en-US" baseline="0" dirty="0" smtClean="0"/>
+              <a:t> </a:t>
+            </a:r>
+            <a:r>
+              <a:rPr lang="ru-RU" baseline="0" dirty="0" smtClean="0"/>
+              <a:t>и плагином на </a:t>
+            </a:r>
+            <a:r>
+              <a:rPr lang="en-US" baseline="0" dirty="0" err="1" smtClean="0"/>
+              <a:t>mysql</a:t>
+            </a:r>
+            <a:r>
+              <a:rPr lang="en-US" baseline="0" dirty="0" smtClean="0"/>
+              <a:t> - </a:t>
+            </a:r>
+            <a:r>
+              <a:rPr lang="en-US" baseline="0" dirty="0" err="1" smtClean="0"/>
+              <a:t>handlersocket</a:t>
             </a:r>
             <a:r>
               <a:rPr lang="ru-RU" dirty="0" smtClean="0"/>
               <a:t>.</a:t>
+            </a:r>
+            <a:r>
+              <a:rPr lang="en-US" dirty="0" smtClean="0"/>
+              <a:t> </a:t>
             </a:r>
             <a:endParaRPr lang="en-US" dirty="0"/>
           </a:p>
@@ -674,7 +2108,7 @@
           <a:p>
             <a:fld id="{2C4E26C2-1CCB-1B4E-9F60-F75E774EED06}" type="slidenum">
               <a:rPr lang="en-US" smtClean="0"/>
-              <a:t>3</a:t>
+              <a:t>2</a:t>
             </a:fld>
             <a:endParaRPr lang="en-US"/>
           </a:p>
@@ -683,7 +2117,7 @@
     </p:spTree>
     <p:extLst>
       <p:ext uri="{BB962C8B-B14F-4D97-AF65-F5344CB8AC3E}">
-        <p14:creationId xmlns:p14="http://schemas.microsoft.com/office/powerpoint/2010/main" val="1751954446"/>
+        <p14:creationId xmlns:p14="http://schemas.microsoft.com/office/powerpoint/2010/main" val="2087837088"/>
       </p:ext>
     </p:extLst>
   </p:cSld>
@@ -739,48 +2173,51 @@
           <a:p>
             <a:r>
               <a:rPr lang="ru-RU" dirty="0" smtClean="0"/>
-              <a:t>Несмотря на простоту модели данных, достаточно скоро нам потребовалось искать голосования, созданные каким-то автором. То есть, фактически нам потребовались вторичные индексы. Мы их реализовали на редисе дополнительными списками. В результате мы столкнулись с тем, что </a:t>
+              <a:t>Эта </a:t>
+            </a:r>
+            <a:r>
+              <a:rPr lang="ru-RU" dirty="0" smtClean="0"/>
+              <a:t>СУБД давно на рынке. К ней есть хороший коннектор для .</a:t>
             </a:r>
             <a:r>
               <a:rPr lang="ru-RU" dirty="0" err="1" smtClean="0"/>
-              <a:t>отстутствие</a:t>
-            </a:r>
-            <a:r>
-              <a:rPr lang="ru-RU" dirty="0" smtClean="0"/>
-              <a:t> атомарности при этих изменениях приводит к нарушению </a:t>
-            </a:r>
-            <a:r>
-              <a:rPr lang="ru-RU" dirty="0" err="1" smtClean="0"/>
-              <a:t>консистентности</a:t>
-            </a:r>
-            <a:r>
-              <a:rPr lang="ru-RU" dirty="0" smtClean="0"/>
-              <a:t> данных. Использование транзакций или </a:t>
-            </a:r>
-            <a:r>
-              <a:rPr lang="ru-RU" dirty="0" err="1" smtClean="0"/>
-              <a:t>луа</a:t>
-            </a:r>
-            <a:r>
-              <a:rPr lang="ru-RU" dirty="0" smtClean="0"/>
-              <a:t> в редисе значительно снижало производительность.</a:t>
-            </a:r>
-          </a:p>
-          <a:p>
-            <a:endParaRPr lang="ru-RU" dirty="0" smtClean="0"/>
-          </a:p>
-          <a:p>
-            <a:r>
-              <a:rPr lang="ru-RU" dirty="0" smtClean="0"/>
-              <a:t>Тарантул мы рассматривали с самого начала, в нём есть вторичные индексы, у него хорошие показатели по </a:t>
-            </a:r>
-            <a:r>
-              <a:rPr lang="ru-RU" dirty="0" err="1" smtClean="0"/>
-              <a:t>перфомансу</a:t>
-            </a:r>
-            <a:r>
-              <a:rPr lang="ru-RU" dirty="0" smtClean="0"/>
-              <a:t> и, учитывая проблемы с данными в редисе, мы решили его попробовать.</a:t>
+              <a:t>net</a:t>
+            </a:r>
+            <a:r>
+              <a:rPr lang="ru-RU" dirty="0" smtClean="0"/>
+              <a:t> (для Тарантула</a:t>
+            </a:r>
+            <a:r>
+              <a:rPr lang="ru-RU" baseline="0" dirty="0" smtClean="0"/>
+              <a:t> и </a:t>
+            </a:r>
+            <a:r>
+              <a:rPr lang="en-US" baseline="0" dirty="0" err="1" smtClean="0"/>
+              <a:t>handlersocket</a:t>
+            </a:r>
+            <a:r>
+              <a:rPr lang="en-US" baseline="0" dirty="0" smtClean="0"/>
+              <a:t> </a:t>
+            </a:r>
+            <a:r>
+              <a:rPr lang="ru-RU" baseline="0" dirty="0" smtClean="0"/>
+              <a:t>его не было)</a:t>
+            </a:r>
+            <a:r>
+              <a:rPr lang="ru-RU" dirty="0" smtClean="0"/>
+              <a:t>. Работает Редис примерно также быстро, как и тарантул (если</a:t>
+            </a:r>
+            <a:r>
+              <a:rPr lang="ru-RU" baseline="0" dirty="0" smtClean="0"/>
+              <a:t> верить нашим </a:t>
+            </a:r>
+            <a:r>
+              <a:rPr lang="ru-RU" baseline="0" dirty="0" err="1" smtClean="0"/>
+              <a:t>бенчмаркам</a:t>
+            </a:r>
+            <a:r>
+              <a:rPr lang="ru-RU" baseline="0" dirty="0" smtClean="0"/>
+              <a:t>). Отличная документация на сайте. В общем, всё выглядело неплохо.</a:t>
             </a:r>
             <a:endParaRPr lang="en-US" dirty="0"/>
           </a:p>
@@ -803,7 +2240,7 @@
           <a:p>
             <a:fld id="{2C4E26C2-1CCB-1B4E-9F60-F75E774EED06}" type="slidenum">
               <a:rPr lang="en-US" smtClean="0"/>
-              <a:t>4</a:t>
+              <a:t>3</a:t>
             </a:fld>
             <a:endParaRPr lang="en-US"/>
           </a:p>
@@ -812,7 +2249,7 @@
     </p:spTree>
     <p:extLst>
       <p:ext uri="{BB962C8B-B14F-4D97-AF65-F5344CB8AC3E}">
-        <p14:creationId xmlns:p14="http://schemas.microsoft.com/office/powerpoint/2010/main" val="1245855551"/>
+        <p14:creationId xmlns:p14="http://schemas.microsoft.com/office/powerpoint/2010/main" val="1751954446"/>
       </p:ext>
     </p:extLst>
   </p:cSld>
@@ -868,84 +2305,19 @@
           <a:p>
             <a:r>
               <a:rPr lang="ru-RU" dirty="0" smtClean="0"/>
-              <a:t>Во-первых, нет версии тарантул под </a:t>
-            </a:r>
-            <a:r>
-              <a:rPr lang="ru-RU" dirty="0" err="1" smtClean="0"/>
-              <a:t>Windows</a:t>
-            </a:r>
-            <a:r>
-              <a:rPr lang="ru-RU" dirty="0" smtClean="0"/>
-              <a:t>. Во-вторых, мы же </a:t>
-            </a:r>
-            <a:r>
-              <a:rPr lang="ru-RU" dirty="0" err="1" smtClean="0"/>
-              <a:t>дотнетчики</a:t>
-            </a:r>
-            <a:r>
-              <a:rPr lang="ru-RU" dirty="0" smtClean="0"/>
-              <a:t>, а </a:t>
-            </a:r>
-            <a:r>
-              <a:rPr lang="ru-RU" dirty="0" err="1" smtClean="0"/>
-              <a:t>дотнетного</a:t>
-            </a:r>
-            <a:r>
-              <a:rPr lang="ru-RU" dirty="0" smtClean="0"/>
-              <a:t> коннектора не было.</a:t>
-            </a:r>
-          </a:p>
-          <a:p>
-            <a:endParaRPr lang="ru-RU" dirty="0" smtClean="0"/>
-          </a:p>
-          <a:p>
-            <a:r>
-              <a:rPr lang="ru-RU" dirty="0" smtClean="0"/>
-              <a:t>Решали мы эти проблемы в лоб: тарантул мы используем в докер-контейнерах, которые обвязаны докер-</a:t>
-            </a:r>
-            <a:r>
-              <a:rPr lang="ru-RU" dirty="0" err="1" smtClean="0"/>
-              <a:t>композом</a:t>
-            </a:r>
-            <a:r>
-              <a:rPr lang="ru-RU" dirty="0" smtClean="0"/>
-              <a:t>, а под .</a:t>
-            </a:r>
-            <a:r>
-              <a:rPr lang="ru-RU" dirty="0" err="1" smtClean="0"/>
-              <a:t>net</a:t>
-            </a:r>
-            <a:r>
-              <a:rPr lang="ru-RU" dirty="0" smtClean="0"/>
-              <a:t> мы написали и поддерживаем свой коннектор: </a:t>
-            </a:r>
-            <a:r>
-              <a:rPr lang="ru-RU" dirty="0" err="1" smtClean="0"/>
-              <a:t>https</a:t>
-            </a:r>
-            <a:r>
-              <a:rPr lang="ru-RU" dirty="0" smtClean="0"/>
-              <a:t>://</a:t>
-            </a:r>
-            <a:r>
-              <a:rPr lang="ru-RU" dirty="0" err="1" smtClean="0"/>
-              <a:t>github.com</a:t>
-            </a:r>
-            <a:r>
-              <a:rPr lang="ru-RU" dirty="0" smtClean="0"/>
-              <a:t>/</a:t>
-            </a:r>
-            <a:r>
-              <a:rPr lang="ru-RU" dirty="0" err="1" smtClean="0"/>
-              <a:t>progaudi</a:t>
-            </a:r>
-            <a:r>
-              <a:rPr lang="ru-RU" dirty="0" smtClean="0"/>
-              <a:t>/</a:t>
-            </a:r>
-            <a:r>
-              <a:rPr lang="ru-RU" dirty="0" err="1" smtClean="0"/>
-              <a:t>tarantool-csharp</a:t>
+              <a:t>В пользу Тарантула</a:t>
+            </a:r>
+            <a:r>
+              <a:rPr lang="ru-RU" baseline="0" dirty="0" smtClean="0"/>
+              <a:t> говорила скорость, сравнимая с Редисом. Благодаря </a:t>
+            </a:r>
+            <a:r>
+              <a:rPr lang="en-US" baseline="0" dirty="0" smtClean="0"/>
+              <a:t>write-ahead logging </a:t>
+            </a:r>
+            <a:r>
+              <a:rPr lang="ru-RU" baseline="0" dirty="0" smtClean="0"/>
+              <a:t>запись на диск достаточно надёжна. Есть атомарно обновляемые вторичные индексы. Но нет коннектора.</a:t>
             </a:r>
             <a:endParaRPr lang="en-US" dirty="0"/>
           </a:p>
@@ -968,7 +2340,7 @@
           <a:p>
             <a:fld id="{2C4E26C2-1CCB-1B4E-9F60-F75E774EED06}" type="slidenum">
               <a:rPr lang="en-US" smtClean="0"/>
-              <a:t>5</a:t>
+              <a:t>4</a:t>
             </a:fld>
             <a:endParaRPr lang="en-US"/>
           </a:p>
@@ -977,7 +2349,7 @@
     </p:spTree>
     <p:extLst>
       <p:ext uri="{BB962C8B-B14F-4D97-AF65-F5344CB8AC3E}">
-        <p14:creationId xmlns:p14="http://schemas.microsoft.com/office/powerpoint/2010/main" val="669037153"/>
+        <p14:creationId xmlns:p14="http://schemas.microsoft.com/office/powerpoint/2010/main" val="159343676"/>
       </p:ext>
     </p:extLst>
   </p:cSld>
@@ -1032,8 +2404,672 @@
           <a:lstStyle/>
           <a:p>
             <a:r>
+              <a:rPr lang="en-US" dirty="0" err="1" smtClean="0"/>
+              <a:t>Handlersocket</a:t>
+            </a:r>
+            <a:r>
+              <a:rPr lang="en-US" baseline="0" dirty="0" smtClean="0"/>
+              <a:t> </a:t>
+            </a:r>
+            <a:endParaRPr lang="en-US" dirty="0"/>
+          </a:p>
+        </p:txBody>
+      </p:sp>
+      <p:sp>
+        <p:nvSpPr>
+          <p:cNvPr id="4" name="Slide Number Placeholder 3"/>
+          <p:cNvSpPr>
+            <a:spLocks noGrp="1"/>
+          </p:cNvSpPr>
+          <p:nvPr>
+            <p:ph type="sldNum" sz="quarter" idx="10"/>
+          </p:nvPr>
+        </p:nvSpPr>
+        <p:spPr/>
+        <p:txBody>
+          <a:bodyPr/>
+          <a:lstStyle/>
+          <a:p>
+            <a:fld id="{2C4E26C2-1CCB-1B4E-9F60-F75E774EED06}" type="slidenum">
+              <a:rPr lang="en-US" smtClean="0"/>
+              <a:t>5</a:t>
+            </a:fld>
+            <a:endParaRPr lang="en-US"/>
+          </a:p>
+        </p:txBody>
+      </p:sp>
+    </p:spTree>
+    <p:extLst>
+      <p:ext uri="{BB962C8B-B14F-4D97-AF65-F5344CB8AC3E}">
+        <p14:creationId xmlns:p14="http://schemas.microsoft.com/office/powerpoint/2010/main" val="2044798386"/>
+      </p:ext>
+    </p:extLst>
+  </p:cSld>
+  <p:clrMapOvr>
+    <a:masterClrMapping/>
+  </p:clrMapOvr>
+</p:notes>
+</file>
+
+<file path=ppt/notesSlides/notesSlide6.xml><?xml version="1.0" encoding="utf-8"?>
+<p:notes xmlns:a="http://schemas.openxmlformats.org/drawingml/2006/main" xmlns:r="http://schemas.openxmlformats.org/officeDocument/2006/relationships" xmlns:p="http://schemas.openxmlformats.org/presentationml/2006/main">
+  <p:cSld>
+    <p:spTree>
+      <p:nvGrpSpPr>
+        <p:cNvPr id="1" name=""/>
+        <p:cNvGrpSpPr/>
+        <p:nvPr/>
+      </p:nvGrpSpPr>
+      <p:grpSpPr>
+        <a:xfrm>
+          <a:off x="0" y="0"/>
+          <a:ext cx="0" cy="0"/>
+          <a:chOff x="0" y="0"/>
+          <a:chExt cx="0" cy="0"/>
+        </a:xfrm>
+      </p:grpSpPr>
+      <p:sp>
+        <p:nvSpPr>
+          <p:cNvPr id="2" name="Slide Image Placeholder 1"/>
+          <p:cNvSpPr>
+            <a:spLocks noGrp="1" noRot="1" noChangeAspect="1"/>
+          </p:cNvSpPr>
+          <p:nvPr>
+            <p:ph type="sldImg"/>
+          </p:nvPr>
+        </p:nvSpPr>
+        <p:spPr/>
+      </p:sp>
+      <p:sp>
+        <p:nvSpPr>
+          <p:cNvPr id="3" name="Notes Placeholder 2"/>
+          <p:cNvSpPr>
+            <a:spLocks noGrp="1"/>
+          </p:cNvSpPr>
+          <p:nvPr>
+            <p:ph type="body" idx="1"/>
+          </p:nvPr>
+        </p:nvSpPr>
+        <p:spPr/>
+        <p:txBody>
+          <a:bodyPr/>
+          <a:lstStyle/>
+          <a:p>
+            <a:r>
+              <a:rPr lang="ru-RU" dirty="0" smtClean="0"/>
+              <a:t>Как</a:t>
+            </a:r>
+            <a:r>
+              <a:rPr lang="ru-RU" baseline="0" dirty="0" smtClean="0"/>
+              <a:t> обычно, спустя какое-то время, радужная картинка стала менее радужной, но более реальной. </a:t>
+            </a:r>
+            <a:r>
+              <a:rPr lang="ru-RU" dirty="0" smtClean="0"/>
+              <a:t>Несмотря на простоту модели данных, достаточно скоро нам потребовалось искать голосования, созданные каким-то автором. Эти вторичные индексы мы реализовали на редисе дополнительными списками. В результате мы столкнулись с тем, что отсутствие атомарности при этих изменениях приводит к нарушению </a:t>
+            </a:r>
+            <a:r>
+              <a:rPr lang="ru-RU" dirty="0" err="1" smtClean="0"/>
+              <a:t>консистентности</a:t>
+            </a:r>
+            <a:r>
+              <a:rPr lang="ru-RU" dirty="0" smtClean="0"/>
+              <a:t> данных. Использование транзакций или </a:t>
+            </a:r>
+            <a:r>
+              <a:rPr lang="ru-RU" dirty="0" err="1" smtClean="0"/>
+              <a:t>луа</a:t>
+            </a:r>
+            <a:r>
+              <a:rPr lang="ru-RU" dirty="0" smtClean="0"/>
+              <a:t> в редисе значительно снижало производительность. Поэтому мы стали смотреть на</a:t>
+            </a:r>
+            <a:r>
+              <a:rPr lang="ru-RU" baseline="0" dirty="0" smtClean="0"/>
+              <a:t> его ближайшего конкурента: </a:t>
+            </a:r>
+            <a:r>
+              <a:rPr lang="en-US" baseline="0" dirty="0" err="1" smtClean="0"/>
+              <a:t>Tarantool</a:t>
+            </a:r>
+            <a:r>
+              <a:rPr lang="en-US" baseline="0" dirty="0" smtClean="0"/>
+              <a:t>.</a:t>
+            </a:r>
+            <a:endParaRPr lang="en-US" dirty="0"/>
+          </a:p>
+        </p:txBody>
+      </p:sp>
+      <p:sp>
+        <p:nvSpPr>
+          <p:cNvPr id="4" name="Slide Number Placeholder 3"/>
+          <p:cNvSpPr>
+            <a:spLocks noGrp="1"/>
+          </p:cNvSpPr>
+          <p:nvPr>
+            <p:ph type="sldNum" sz="quarter" idx="10"/>
+          </p:nvPr>
+        </p:nvSpPr>
+        <p:spPr/>
+        <p:txBody>
+          <a:bodyPr/>
+          <a:lstStyle/>
+          <a:p>
+            <a:fld id="{2C4E26C2-1CCB-1B4E-9F60-F75E774EED06}" type="slidenum">
+              <a:rPr lang="en-US" smtClean="0"/>
+              <a:t>6</a:t>
+            </a:fld>
+            <a:endParaRPr lang="en-US"/>
+          </a:p>
+        </p:txBody>
+      </p:sp>
+    </p:spTree>
+    <p:extLst>
+      <p:ext uri="{BB962C8B-B14F-4D97-AF65-F5344CB8AC3E}">
+        <p14:creationId xmlns:p14="http://schemas.microsoft.com/office/powerpoint/2010/main" val="1245855551"/>
+      </p:ext>
+    </p:extLst>
+  </p:cSld>
+  <p:clrMapOvr>
+    <a:masterClrMapping/>
+  </p:clrMapOvr>
+</p:notes>
+</file>
+
+<file path=ppt/notesSlides/notesSlide7.xml><?xml version="1.0" encoding="utf-8"?>
+<p:notes xmlns:a="http://schemas.openxmlformats.org/drawingml/2006/main" xmlns:r="http://schemas.openxmlformats.org/officeDocument/2006/relationships" xmlns:p="http://schemas.openxmlformats.org/presentationml/2006/main">
+  <p:cSld>
+    <p:spTree>
+      <p:nvGrpSpPr>
+        <p:cNvPr id="1" name=""/>
+        <p:cNvGrpSpPr/>
+        <p:nvPr/>
+      </p:nvGrpSpPr>
+      <p:grpSpPr>
+        <a:xfrm>
+          <a:off x="0" y="0"/>
+          <a:ext cx="0" cy="0"/>
+          <a:chOff x="0" y="0"/>
+          <a:chExt cx="0" cy="0"/>
+        </a:xfrm>
+      </p:grpSpPr>
+      <p:sp>
+        <p:nvSpPr>
+          <p:cNvPr id="2" name="Slide Image Placeholder 1"/>
+          <p:cNvSpPr>
+            <a:spLocks noGrp="1" noRot="1" noChangeAspect="1"/>
+          </p:cNvSpPr>
+          <p:nvPr>
+            <p:ph type="sldImg"/>
+          </p:nvPr>
+        </p:nvSpPr>
+        <p:spPr/>
+      </p:sp>
+      <p:sp>
+        <p:nvSpPr>
+          <p:cNvPr id="3" name="Notes Placeholder 2"/>
+          <p:cNvSpPr>
+            <a:spLocks noGrp="1"/>
+          </p:cNvSpPr>
+          <p:nvPr>
+            <p:ph type="body" idx="1"/>
+          </p:nvPr>
+        </p:nvSpPr>
+        <p:spPr/>
+        <p:txBody>
+          <a:bodyPr/>
+          <a:lstStyle/>
+          <a:p>
+            <a:r>
+              <a:rPr lang="ru-RU" dirty="0" smtClean="0"/>
+              <a:t>В ходе</a:t>
+            </a:r>
+            <a:r>
+              <a:rPr lang="ru-RU" baseline="0" dirty="0" smtClean="0"/>
+              <a:t> разработки нашего первого приложения на </a:t>
+            </a:r>
+            <a:r>
+              <a:rPr lang="en-US" baseline="0" dirty="0" err="1" smtClean="0"/>
+              <a:t>Tarantool</a:t>
+            </a:r>
+            <a:r>
+              <a:rPr lang="en-US" baseline="0" dirty="0" smtClean="0"/>
+              <a:t> </a:t>
+            </a:r>
+            <a:r>
+              <a:rPr lang="ru-RU" baseline="0" dirty="0" smtClean="0"/>
+              <a:t>мы сразу столкнулись со сложностями</a:t>
+            </a:r>
+            <a:r>
+              <a:rPr lang="en-US" baseline="0" dirty="0" smtClean="0"/>
+              <a:t> </a:t>
+            </a:r>
+            <a:r>
+              <a:rPr lang="ru-RU" baseline="0" dirty="0" smtClean="0"/>
+              <a:t>разного калибра. </a:t>
+            </a:r>
+            <a:r>
+              <a:rPr lang="ru-RU" dirty="0" smtClean="0"/>
+              <a:t>У </a:t>
+            </a:r>
+            <a:r>
+              <a:rPr lang="en-US" dirty="0" err="1" smtClean="0"/>
+              <a:t>Tarantool</a:t>
+            </a:r>
+            <a:r>
+              <a:rPr lang="en-US" dirty="0" smtClean="0"/>
+              <a:t> </a:t>
+            </a:r>
+            <a:r>
+              <a:rPr lang="ru-RU" dirty="0" smtClean="0"/>
+              <a:t>нет </a:t>
+            </a:r>
+            <a:r>
+              <a:rPr lang="ru-RU" dirty="0" err="1" smtClean="0"/>
+              <a:t>Windows-binary</a:t>
+            </a:r>
+            <a:r>
+              <a:rPr lang="ru-RU" dirty="0" smtClean="0"/>
+              <a:t>. </a:t>
+            </a:r>
+            <a:r>
+              <a:rPr lang="ru-RU" dirty="0" smtClean="0"/>
+              <a:t>В комментариях</a:t>
+            </a:r>
+            <a:r>
+              <a:rPr lang="ru-RU" baseline="0" dirty="0" smtClean="0"/>
+              <a:t> к одной из статей про Тарантул на </a:t>
+            </a:r>
+            <a:r>
+              <a:rPr lang="ru-RU" baseline="0" dirty="0" err="1" smtClean="0"/>
+              <a:t>хабре</a:t>
+            </a:r>
+            <a:r>
+              <a:rPr lang="ru-RU" baseline="0" dirty="0" smtClean="0"/>
+              <a:t> возник вопрос о готовности продукта из-за отсутствия </a:t>
+            </a:r>
+            <a:r>
+              <a:rPr lang="ru-RU" baseline="0" dirty="0" err="1" smtClean="0"/>
+              <a:t>бинарника</a:t>
+            </a:r>
+            <a:r>
+              <a:rPr lang="ru-RU" baseline="0" dirty="0" smtClean="0"/>
+              <a:t> под </a:t>
+            </a:r>
+            <a:r>
+              <a:rPr lang="ru-RU" baseline="0" dirty="0" err="1" smtClean="0"/>
+              <a:t>винду</a:t>
+            </a:r>
+            <a:r>
+              <a:rPr lang="ru-RU" baseline="0" dirty="0" smtClean="0"/>
+              <a:t>.</a:t>
+            </a:r>
+            <a:r>
+              <a:rPr lang="ru-RU" dirty="0" smtClean="0"/>
+              <a:t> Лично я считаю,</a:t>
+            </a:r>
+            <a:r>
+              <a:rPr lang="ru-RU" baseline="0" dirty="0" smtClean="0"/>
+              <a:t> что </a:t>
+            </a:r>
+            <a:r>
+              <a:rPr lang="ru-RU" baseline="0" dirty="0" err="1" smtClean="0"/>
+              <a:t>бинарник</a:t>
+            </a:r>
+            <a:r>
+              <a:rPr lang="ru-RU" baseline="0" dirty="0" smtClean="0"/>
+              <a:t> под </a:t>
+            </a:r>
+            <a:r>
+              <a:rPr lang="ru-RU" baseline="0" dirty="0" err="1" smtClean="0"/>
+              <a:t>винду</a:t>
+            </a:r>
+            <a:r>
+              <a:rPr lang="ru-RU" baseline="0" dirty="0" smtClean="0"/>
+              <a:t> только для разработки не нужен.</a:t>
+            </a:r>
+            <a:r>
+              <a:rPr lang="ru-RU" dirty="0" smtClean="0"/>
+              <a:t> Необходимость поставить </a:t>
+            </a:r>
+            <a:r>
+              <a:rPr lang="en-US" dirty="0" err="1" smtClean="0"/>
+              <a:t>docker</a:t>
+            </a:r>
+            <a:r>
+              <a:rPr lang="en-US" dirty="0" smtClean="0"/>
+              <a:t>, </a:t>
+            </a:r>
+            <a:r>
+              <a:rPr lang="ru-RU" dirty="0" smtClean="0"/>
+              <a:t>разобраться с контейнеризацией,</a:t>
+            </a:r>
+            <a:r>
+              <a:rPr lang="ru-RU" baseline="0" dirty="0" smtClean="0"/>
+              <a:t> с </a:t>
+            </a:r>
+            <a:r>
+              <a:rPr lang="en-US" baseline="0" dirty="0" smtClean="0"/>
+              <a:t>top </a:t>
+            </a:r>
+            <a:r>
+              <a:rPr lang="ru-RU" baseline="0" dirty="0" smtClean="0"/>
+              <a:t>и прочими </a:t>
+            </a:r>
+            <a:r>
+              <a:rPr lang="en-US" baseline="0" dirty="0" err="1" smtClean="0"/>
+              <a:t>linux</a:t>
+            </a:r>
+            <a:r>
+              <a:rPr lang="en-US" baseline="0" dirty="0" smtClean="0"/>
+              <a:t> </a:t>
+            </a:r>
+            <a:r>
+              <a:rPr lang="ru-RU" baseline="0" dirty="0" smtClean="0"/>
+              <a:t>инструментами </a:t>
+            </a:r>
+            <a:r>
+              <a:rPr lang="ru-RU" dirty="0" smtClean="0"/>
+              <a:t>заставляет </a:t>
+            </a:r>
+            <a:r>
+              <a:rPr lang="ru-RU" dirty="0" smtClean="0"/>
+              <a:t>разработчиков разбираться в той среде, в которой будут лежать их данные. </a:t>
+            </a:r>
+            <a:r>
+              <a:rPr lang="ru-RU" dirty="0" smtClean="0"/>
+              <a:t>Они будут сразу видеть именно то поведение,</a:t>
+            </a:r>
+            <a:r>
+              <a:rPr lang="ru-RU" baseline="0" dirty="0" smtClean="0"/>
+              <a:t> которое будет у них на </a:t>
+            </a:r>
+            <a:r>
+              <a:rPr lang="ru-RU" baseline="0" dirty="0" err="1" smtClean="0"/>
+              <a:t>продакшене</a:t>
+            </a:r>
+            <a:r>
+              <a:rPr lang="ru-RU" baseline="0" dirty="0" smtClean="0"/>
+              <a:t>.</a:t>
+            </a:r>
+            <a:endParaRPr lang="en-US" dirty="0"/>
+          </a:p>
+        </p:txBody>
+      </p:sp>
+      <p:sp>
+        <p:nvSpPr>
+          <p:cNvPr id="4" name="Slide Number Placeholder 3"/>
+          <p:cNvSpPr>
+            <a:spLocks noGrp="1"/>
+          </p:cNvSpPr>
+          <p:nvPr>
+            <p:ph type="sldNum" sz="quarter" idx="10"/>
+          </p:nvPr>
+        </p:nvSpPr>
+        <p:spPr/>
+        <p:txBody>
+          <a:bodyPr/>
+          <a:lstStyle/>
+          <a:p>
+            <a:fld id="{2C4E26C2-1CCB-1B4E-9F60-F75E774EED06}" type="slidenum">
+              <a:rPr lang="en-US" smtClean="0"/>
+              <a:t>7</a:t>
+            </a:fld>
+            <a:endParaRPr lang="en-US"/>
+          </a:p>
+        </p:txBody>
+      </p:sp>
+    </p:spTree>
+    <p:extLst>
+      <p:ext uri="{BB962C8B-B14F-4D97-AF65-F5344CB8AC3E}">
+        <p14:creationId xmlns:p14="http://schemas.microsoft.com/office/powerpoint/2010/main" val="177054723"/>
+      </p:ext>
+    </p:extLst>
+  </p:cSld>
+  <p:clrMapOvr>
+    <a:masterClrMapping/>
+  </p:clrMapOvr>
+</p:notes>
+</file>
+
+<file path=ppt/notesSlides/notesSlide8.xml><?xml version="1.0" encoding="utf-8"?>
+<p:notes xmlns:a="http://schemas.openxmlformats.org/drawingml/2006/main" xmlns:r="http://schemas.openxmlformats.org/officeDocument/2006/relationships" xmlns:p="http://schemas.openxmlformats.org/presentationml/2006/main">
+  <p:cSld>
+    <p:spTree>
+      <p:nvGrpSpPr>
+        <p:cNvPr id="1" name=""/>
+        <p:cNvGrpSpPr/>
+        <p:nvPr/>
+      </p:nvGrpSpPr>
+      <p:grpSpPr>
+        <a:xfrm>
+          <a:off x="0" y="0"/>
+          <a:ext cx="0" cy="0"/>
+          <a:chOff x="0" y="0"/>
+          <a:chExt cx="0" cy="0"/>
+        </a:xfrm>
+      </p:grpSpPr>
+      <p:sp>
+        <p:nvSpPr>
+          <p:cNvPr id="2" name="Slide Image Placeholder 1"/>
+          <p:cNvSpPr>
+            <a:spLocks noGrp="1" noRot="1" noChangeAspect="1"/>
+          </p:cNvSpPr>
+          <p:nvPr>
+            <p:ph type="sldImg"/>
+          </p:nvPr>
+        </p:nvSpPr>
+        <p:spPr/>
+      </p:sp>
+      <p:sp>
+        <p:nvSpPr>
+          <p:cNvPr id="3" name="Notes Placeholder 2"/>
+          <p:cNvSpPr>
+            <a:spLocks noGrp="1"/>
+          </p:cNvSpPr>
+          <p:nvPr>
+            <p:ph type="body" idx="1"/>
+          </p:nvPr>
+        </p:nvSpPr>
+        <p:spPr/>
+        <p:txBody>
+          <a:bodyPr/>
+          <a:lstStyle/>
+          <a:p>
+            <a:pPr marL="0" marR="0" indent="0" algn="l" defTabSz="914400" rtl="0" eaLnBrk="1" fontAlgn="auto" latinLnBrk="0" hangingPunct="1">
+              <a:lnSpc>
+                <a:spcPct val="100000"/>
+              </a:lnSpc>
+              <a:spcBef>
+                <a:spcPts val="0"/>
+              </a:spcBef>
+              <a:spcAft>
+                <a:spcPts val="0"/>
+              </a:spcAft>
+              <a:buClrTx/>
+              <a:buSzTx/>
+              <a:buFontTx/>
+              <a:buNone/>
+              <a:tabLst/>
+              <a:defRPr/>
+            </a:pPr>
+            <a:r>
+              <a:rPr lang="ru-RU" dirty="0" smtClean="0"/>
+              <a:t>Если</a:t>
+            </a:r>
+            <a:r>
+              <a:rPr lang="ru-RU" baseline="0" dirty="0" smtClean="0"/>
+              <a:t> же делать </a:t>
+            </a:r>
+            <a:r>
+              <a:rPr lang="en-US" baseline="0" dirty="0" smtClean="0"/>
+              <a:t>developer only binary, </a:t>
+            </a:r>
+            <a:r>
+              <a:rPr lang="ru-RU" baseline="0" dirty="0" smtClean="0"/>
+              <a:t>то всё равно у людей будет соблазн использовать его в </a:t>
+            </a:r>
+            <a:r>
+              <a:rPr lang="ru-RU" baseline="0" dirty="0" err="1" smtClean="0"/>
+              <a:t>продакшене</a:t>
+            </a:r>
+            <a:r>
+              <a:rPr lang="ru-RU" baseline="0" dirty="0" smtClean="0"/>
+              <a:t>. </a:t>
+            </a:r>
+            <a:r>
+              <a:rPr lang="ru-RU" dirty="0" smtClean="0"/>
+              <a:t>Например, у </a:t>
+            </a:r>
+            <a:r>
+              <a:rPr lang="ru-RU" dirty="0" err="1" smtClean="0"/>
+              <a:t>Redis</a:t>
+            </a:r>
+            <a:r>
+              <a:rPr lang="ru-RU" dirty="0" smtClean="0"/>
+              <a:t> есть порт под </a:t>
+            </a:r>
+            <a:r>
+              <a:rPr lang="ru-RU" dirty="0" err="1" smtClean="0"/>
+              <a:t>Windows</a:t>
+            </a:r>
+            <a:r>
+              <a:rPr lang="ru-RU" dirty="0" smtClean="0"/>
+              <a:t> и мы его использовали в самом начале, чтобы не разбираться с </a:t>
+            </a:r>
+            <a:r>
+              <a:rPr lang="ru-RU" dirty="0" err="1" smtClean="0"/>
+              <a:t>Linux</a:t>
+            </a:r>
+            <a:r>
+              <a:rPr lang="ru-RU" dirty="0" smtClean="0"/>
+              <a:t> и использовать полностью </a:t>
+            </a:r>
+            <a:r>
+              <a:rPr lang="ru-RU" dirty="0" err="1" smtClean="0"/>
+              <a:t>Windows</a:t>
+            </a:r>
+            <a:r>
+              <a:rPr lang="ru-RU" dirty="0" smtClean="0"/>
+              <a:t> стек. Следствием стало то, что мы наткнулись на замечательный баг в нём, который приводил к падению в ходе создания </a:t>
+            </a:r>
+            <a:r>
+              <a:rPr lang="ru-RU" dirty="0" err="1" smtClean="0"/>
+              <a:t>снапшота</a:t>
+            </a:r>
+            <a:r>
+              <a:rPr lang="ru-RU" dirty="0" smtClean="0"/>
+              <a:t>. Старого нет, новый </a:t>
+            </a:r>
+            <a:r>
+              <a:rPr lang="ru-RU" dirty="0" err="1" smtClean="0"/>
+              <a:t>недописан</a:t>
+            </a:r>
+            <a:r>
+              <a:rPr lang="ru-RU" dirty="0" smtClean="0"/>
+              <a:t>. Спасали данные с реплик.</a:t>
+            </a:r>
+            <a:endParaRPr lang="en-US" dirty="0" smtClean="0"/>
+          </a:p>
+          <a:p>
+            <a:endParaRPr lang="en-US" dirty="0"/>
+          </a:p>
+        </p:txBody>
+      </p:sp>
+      <p:sp>
+        <p:nvSpPr>
+          <p:cNvPr id="4" name="Slide Number Placeholder 3"/>
+          <p:cNvSpPr>
+            <a:spLocks noGrp="1"/>
+          </p:cNvSpPr>
+          <p:nvPr>
+            <p:ph type="sldNum" sz="quarter" idx="10"/>
+          </p:nvPr>
+        </p:nvSpPr>
+        <p:spPr/>
+        <p:txBody>
+          <a:bodyPr/>
+          <a:lstStyle/>
+          <a:p>
+            <a:fld id="{2C4E26C2-1CCB-1B4E-9F60-F75E774EED06}" type="slidenum">
+              <a:rPr lang="en-US" smtClean="0"/>
+              <a:t>8</a:t>
+            </a:fld>
+            <a:endParaRPr lang="en-US"/>
+          </a:p>
+        </p:txBody>
+      </p:sp>
+    </p:spTree>
+    <p:extLst>
+      <p:ext uri="{BB962C8B-B14F-4D97-AF65-F5344CB8AC3E}">
+        <p14:creationId xmlns:p14="http://schemas.microsoft.com/office/powerpoint/2010/main" val="895431808"/>
+      </p:ext>
+    </p:extLst>
+  </p:cSld>
+  <p:clrMapOvr>
+    <a:masterClrMapping/>
+  </p:clrMapOvr>
+</p:notes>
+</file>
+
+<file path=ppt/notesSlides/notesSlide9.xml><?xml version="1.0" encoding="utf-8"?>
+<p:notes xmlns:a="http://schemas.openxmlformats.org/drawingml/2006/main" xmlns:r="http://schemas.openxmlformats.org/officeDocument/2006/relationships" xmlns:p="http://schemas.openxmlformats.org/presentationml/2006/main">
+  <p:cSld>
+    <p:spTree>
+      <p:nvGrpSpPr>
+        <p:cNvPr id="1" name=""/>
+        <p:cNvGrpSpPr/>
+        <p:nvPr/>
+      </p:nvGrpSpPr>
+      <p:grpSpPr>
+        <a:xfrm>
+          <a:off x="0" y="0"/>
+          <a:ext cx="0" cy="0"/>
+          <a:chOff x="0" y="0"/>
+          <a:chExt cx="0" cy="0"/>
+        </a:xfrm>
+      </p:grpSpPr>
+      <p:sp>
+        <p:nvSpPr>
+          <p:cNvPr id="2" name="Slide Image Placeholder 1"/>
+          <p:cNvSpPr>
+            <a:spLocks noGrp="1" noRot="1" noChangeAspect="1"/>
+          </p:cNvSpPr>
+          <p:nvPr>
+            <p:ph type="sldImg"/>
+          </p:nvPr>
+        </p:nvSpPr>
+        <p:spPr/>
+      </p:sp>
+      <p:sp>
+        <p:nvSpPr>
+          <p:cNvPr id="3" name="Notes Placeholder 2"/>
+          <p:cNvSpPr>
+            <a:spLocks noGrp="1"/>
+          </p:cNvSpPr>
+          <p:nvPr>
+            <p:ph type="body" idx="1"/>
+          </p:nvPr>
+        </p:nvSpPr>
+        <p:spPr/>
+        <p:txBody>
+          <a:bodyPr/>
+          <a:lstStyle/>
+          <a:p>
+            <a:r>
+              <a:rPr lang="ru-RU" dirty="0" smtClean="0"/>
+              <a:t>Второй</a:t>
+            </a:r>
+            <a:r>
+              <a:rPr lang="ru-RU" baseline="0" dirty="0" smtClean="0"/>
+              <a:t> основной проблемой было отсутствие коннектора. Мы написали свой. </a:t>
+            </a:r>
+            <a:r>
+              <a:rPr lang="ru-RU" dirty="0" smtClean="0"/>
+              <a:t>Наш </a:t>
+            </a:r>
+            <a:r>
               <a:rPr lang="mr-IN" dirty="0" err="1" smtClean="0"/>
-              <a:t>Тут</a:t>
+              <a:t>коннектор</a:t>
             </a:r>
             <a:r>
               <a:rPr lang="mr-IN" dirty="0" smtClean="0"/>
@@ -1041,7 +3077,7 @@
             </a:r>
             <a:r>
               <a:rPr lang="mr-IN" dirty="0" err="1" smtClean="0"/>
-              <a:t>будет</a:t>
+              <a:t>доступен</a:t>
             </a:r>
             <a:r>
               <a:rPr lang="mr-IN" dirty="0" smtClean="0"/>
@@ -1049,7 +3085,7 @@
             </a:r>
             <a:r>
               <a:rPr lang="mr-IN" dirty="0" err="1" smtClean="0"/>
-              <a:t>минутка</a:t>
+              <a:t>в</a:t>
             </a:r>
             <a:r>
               <a:rPr lang="mr-IN" dirty="0" smtClean="0"/>
@@ -1057,15 +3093,47 @@
             </a:r>
             <a:r>
               <a:rPr lang="mr-IN" dirty="0" err="1" smtClean="0"/>
-              <a:t>пиара</a:t>
+              <a:t>nuget</a:t>
             </a:r>
             <a:r>
               <a:rPr lang="mr-IN" dirty="0" smtClean="0"/>
-              <a:t>:- </a:t>
+              <a:t>, </a:t>
             </a:r>
             <a:r>
               <a:rPr lang="mr-IN" dirty="0" err="1" smtClean="0"/>
-              <a:t>коннектор</a:t>
+              <a:t>поддерживает</a:t>
+            </a:r>
+            <a:r>
+              <a:rPr lang="mr-IN" dirty="0" smtClean="0"/>
+              <a:t> .net46 </a:t>
+            </a:r>
+            <a:r>
+              <a:rPr lang="mr-IN" dirty="0" err="1" smtClean="0"/>
+              <a:t>и</a:t>
+            </a:r>
+            <a:r>
+              <a:rPr lang="mr-IN" dirty="0" smtClean="0"/>
+              <a:t> .</a:t>
+            </a:r>
+            <a:r>
+              <a:rPr lang="mr-IN" dirty="0" err="1" smtClean="0"/>
+              <a:t>netstandard</a:t>
+            </a:r>
+            <a:r>
+              <a:rPr lang="mr-IN" dirty="0" smtClean="0"/>
+              <a:t> 1.4 </a:t>
+            </a:r>
+            <a:r>
+              <a:rPr lang="mr-IN" dirty="0" err="1" smtClean="0"/>
+              <a:t>для</a:t>
+            </a:r>
+            <a:r>
+              <a:rPr lang="mr-IN" dirty="0" smtClean="0"/>
+              <a:t> .</a:t>
+            </a:r>
+            <a:r>
+              <a:rPr lang="mr-IN" dirty="0" err="1" smtClean="0"/>
+              <a:t>net</a:t>
             </a:r>
             <a:r>
               <a:rPr lang="mr-IN" dirty="0" smtClean="0"/>
@@ -1073,7 +3141,59 @@
             </a:r>
             <a:r>
               <a:rPr lang="mr-IN" dirty="0" err="1" smtClean="0"/>
-              <a:t>доступен</a:t>
+              <a:t>core</a:t>
+            </a:r>
+            <a:r>
+              <a:rPr lang="mr-IN" dirty="0" smtClean="0"/>
+              <a:t>.</a:t>
+            </a:r>
+            <a:r>
+              <a:rPr lang="ru-RU" dirty="0" smtClean="0"/>
+              <a:t> Работает на всех трёх основных ОС: </a:t>
+            </a:r>
+            <a:r>
+              <a:rPr lang="en-US" dirty="0" smtClean="0"/>
+              <a:t>windows,</a:t>
+            </a:r>
+            <a:r>
+              <a:rPr lang="en-US" baseline="0" dirty="0" smtClean="0"/>
+              <a:t> </a:t>
+            </a:r>
+            <a:r>
+              <a:rPr lang="en-US" baseline="0" dirty="0" err="1" smtClean="0"/>
+              <a:t>linux</a:t>
+            </a:r>
+            <a:r>
+              <a:rPr lang="en-US" baseline="0" dirty="0" smtClean="0"/>
+              <a:t>, mac </a:t>
+            </a:r>
+            <a:r>
+              <a:rPr lang="en-US" baseline="0" dirty="0" err="1" smtClean="0"/>
+              <a:t>osx</a:t>
+            </a:r>
+            <a:r>
+              <a:rPr lang="en-US" baseline="0" dirty="0" smtClean="0"/>
+              <a:t>.</a:t>
+            </a:r>
+            <a:r>
+              <a:rPr lang="ru-RU" baseline="0" dirty="0" smtClean="0"/>
+              <a:t> Проверяют это автоматические тесты на </a:t>
+            </a:r>
+            <a:r>
+              <a:rPr lang="en-US" baseline="0" dirty="0" smtClean="0"/>
+              <a:t>Travis CI.</a:t>
+            </a:r>
+            <a:r>
+              <a:rPr lang="ru-RU" baseline="0" dirty="0" smtClean="0"/>
+              <a:t> </a:t>
+            </a:r>
+            <a:r>
+              <a:rPr lang="ru-RU" dirty="0" smtClean="0"/>
+              <a:t>П</a:t>
+            </a:r>
+            <a:r>
+              <a:rPr lang="mr-IN" dirty="0" err="1" smtClean="0"/>
+              <a:t>рактически</a:t>
             </a:r>
             <a:r>
               <a:rPr lang="mr-IN" dirty="0" smtClean="0"/>
@@ -1081,7 +3201,7 @@
             </a:r>
             <a:r>
               <a:rPr lang="mr-IN" dirty="0" err="1" smtClean="0"/>
-              <a:t>в</a:t>
+              <a:t>полностью</a:t>
             </a:r>
             <a:r>
               <a:rPr lang="mr-IN" dirty="0" smtClean="0"/>
@@ -1089,147 +3209,27 @@
             </a:r>
             <a:r>
               <a:rPr lang="mr-IN" dirty="0" err="1" smtClean="0"/>
-              <a:t>nuget</a:t>
+              <a:t>поддерживаем</a:t>
+            </a:r>
+            <a:r>
+              <a:rPr lang="mr-IN" dirty="0" smtClean="0"/>
+              <a:t> </a:t>
+            </a:r>
+            <a:r>
+              <a:rPr lang="mr-IN" dirty="0" err="1" smtClean="0"/>
+              <a:t>протокол</a:t>
+            </a:r>
+            <a:r>
+              <a:rPr lang="mr-IN" dirty="0" smtClean="0"/>
+              <a:t> </a:t>
+            </a:r>
+            <a:r>
+              <a:rPr lang="mr-IN" dirty="0" err="1" smtClean="0"/>
+              <a:t>тарантула</a:t>
             </a:r>
             <a:r>
               <a:rPr lang="mr-IN" dirty="0" smtClean="0"/>
               <a:t>, </a:t>
-            </a:r>
-            <a:r>
-              <a:rPr lang="mr-IN" dirty="0" err="1" smtClean="0"/>
-              <a:t>поддерживает</a:t>
-            </a:r>
-            <a:r>
-              <a:rPr lang="mr-IN" dirty="0" smtClean="0"/>
-              <a:t> .net46 </a:t>
-            </a:r>
-            <a:r>
-              <a:rPr lang="mr-IN" dirty="0" err="1" smtClean="0"/>
-              <a:t>и</a:t>
-            </a:r>
-            <a:r>
-              <a:rPr lang="mr-IN" dirty="0" smtClean="0"/>
-              <a:t> .</a:t>
-            </a:r>
-            <a:r>
-              <a:rPr lang="mr-IN" dirty="0" err="1" smtClean="0"/>
-              <a:t>netstandard</a:t>
-            </a:r>
-            <a:r>
-              <a:rPr lang="mr-IN" dirty="0" smtClean="0"/>
-              <a:t> 1.4 </a:t>
-            </a:r>
-            <a:r>
-              <a:rPr lang="mr-IN" dirty="0" err="1" smtClean="0"/>
-              <a:t>для</a:t>
-            </a:r>
-            <a:r>
-              <a:rPr lang="mr-IN" dirty="0" smtClean="0"/>
-              <a:t> .</a:t>
-            </a:r>
-            <a:r>
-              <a:rPr lang="mr-IN" dirty="0" err="1" smtClean="0"/>
-              <a:t>net</a:t>
-            </a:r>
-            <a:r>
-              <a:rPr lang="mr-IN" dirty="0" smtClean="0"/>
-              <a:t> </a:t>
-            </a:r>
-            <a:r>
-              <a:rPr lang="mr-IN" dirty="0" err="1" smtClean="0"/>
-              <a:t>core</a:t>
-            </a:r>
-            <a:r>
-              <a:rPr lang="mr-IN" dirty="0" smtClean="0"/>
-              <a:t>.</a:t>
-            </a:r>
-            <a:r>
-              <a:rPr lang="ru-RU" baseline="0" dirty="0" smtClean="0"/>
-              <a:t> </a:t>
-            </a:r>
-            <a:r>
-              <a:rPr lang="ru-RU" dirty="0" smtClean="0"/>
-              <a:t>П</a:t>
-            </a:r>
-            <a:r>
-              <a:rPr lang="mr-IN" dirty="0" err="1" smtClean="0"/>
-              <a:t>рактически</a:t>
-            </a:r>
-            <a:r>
-              <a:rPr lang="mr-IN" dirty="0" smtClean="0"/>
-              <a:t> </a:t>
-            </a:r>
-            <a:r>
-              <a:rPr lang="mr-IN" dirty="0" err="1" smtClean="0"/>
-              <a:t>полностью</a:t>
-            </a:r>
-            <a:r>
-              <a:rPr lang="mr-IN" dirty="0" smtClean="0"/>
-              <a:t> </a:t>
-            </a:r>
-            <a:r>
-              <a:rPr lang="mr-IN" dirty="0" err="1" smtClean="0"/>
-              <a:t>поддерживаем</a:t>
-            </a:r>
-            <a:r>
-              <a:rPr lang="mr-IN" dirty="0" smtClean="0"/>
-              <a:t> </a:t>
-            </a:r>
-            <a:r>
-              <a:rPr lang="mr-IN" dirty="0" err="1" smtClean="0"/>
-              <a:t>протокол</a:t>
-            </a:r>
-            <a:r>
-              <a:rPr lang="mr-IN" dirty="0" smtClean="0"/>
-              <a:t> </a:t>
-            </a:r>
-            <a:r>
-              <a:rPr lang="mr-IN" dirty="0" err="1" smtClean="0"/>
-              <a:t>тарантула</a:t>
-            </a:r>
-            <a:r>
-              <a:rPr lang="mr-IN" dirty="0" smtClean="0"/>
-              <a:t> (</a:t>
-            </a:r>
-            <a:r>
-              <a:rPr lang="mr-IN" dirty="0" err="1" smtClean="0"/>
-              <a:t>в</a:t>
-            </a:r>
-            <a:r>
-              <a:rPr lang="mr-IN" dirty="0" smtClean="0"/>
-              <a:t> </a:t>
-            </a:r>
-            <a:r>
-              <a:rPr lang="mr-IN" dirty="0" err="1" smtClean="0"/>
-              <a:t>том</a:t>
-            </a:r>
-            <a:r>
-              <a:rPr lang="mr-IN" dirty="0" smtClean="0"/>
-              <a:t> </a:t>
-            </a:r>
-            <a:r>
-              <a:rPr lang="mr-IN" dirty="0" err="1" smtClean="0"/>
-              <a:t>числе</a:t>
-            </a:r>
-            <a:r>
-              <a:rPr lang="mr-IN" dirty="0" smtClean="0"/>
-              <a:t>, call16 </a:t>
-            </a:r>
-            <a:r>
-              <a:rPr lang="mr-IN" dirty="0" err="1" smtClean="0"/>
-              <a:t>и</a:t>
-            </a:r>
-            <a:r>
-              <a:rPr lang="mr-IN" dirty="0" smtClean="0"/>
-              <a:t> </a:t>
-            </a:r>
-            <a:r>
-              <a:rPr lang="mr-IN" dirty="0" err="1" smtClean="0"/>
-              <a:t>call</a:t>
-            </a:r>
-            <a:r>
-              <a:rPr lang="mr-IN" dirty="0" smtClean="0"/>
-              <a:t>), </a:t>
             </a:r>
             <a:r>
               <a:rPr lang="mr-IN" dirty="0" err="1" smtClean="0"/>
@@ -1258,6 +3258,34 @@
               <a:rPr lang="mr-IN" dirty="0" smtClean="0"/>
               <a:t>DDL</a:t>
             </a:r>
+            <a:r>
+              <a:rPr lang="en-US" dirty="0" smtClean="0"/>
+              <a:t> (data</a:t>
+            </a:r>
+            <a:r>
+              <a:rPr lang="en-US" baseline="0" dirty="0" smtClean="0"/>
+              <a:t> definition language). </a:t>
+            </a:r>
+            <a:r>
+              <a:rPr lang="ru-RU" baseline="0" dirty="0" smtClean="0"/>
+              <a:t>Мы считаем, что разработчики должны создавать модель данных </a:t>
+            </a:r>
+            <a:r>
+              <a:rPr lang="ru-RU" baseline="0" dirty="0" err="1" smtClean="0"/>
+              <a:t>нативным</a:t>
+            </a:r>
+            <a:r>
+              <a:rPr lang="ru-RU" baseline="0" dirty="0" smtClean="0"/>
+              <a:t> образом для </a:t>
+            </a:r>
+            <a:r>
+              <a:rPr lang="en-US" baseline="0" dirty="0" err="1" smtClean="0"/>
+              <a:t>tarantool</a:t>
+            </a:r>
+            <a:r>
+              <a:rPr lang="en-US" baseline="0" dirty="0" smtClean="0"/>
+              <a:t>.</a:t>
+            </a:r>
             <a:endParaRPr lang="ru-RU" dirty="0" smtClean="0"/>
           </a:p>
           <a:p>
@@ -1330,8 +3358,8 @@
               <a:t>, </a:t>
             </a:r>
             <a:r>
-              <a:rPr lang="mr-IN" dirty="0" err="1" smtClean="0"/>
-              <a:t>я</a:t>
+              <a:rPr lang="ru-RU" dirty="0" smtClean="0"/>
+              <a:t>мы</a:t>
             </a:r>
             <a:r>
               <a:rPr lang="mr-IN" dirty="0" smtClean="0"/>
@@ -1356,6 +3384,10 @@
             <a:r>
               <a:rPr lang="mr-IN" dirty="0" err="1" smtClean="0"/>
               <a:t>придумал</a:t>
+            </a:r>
+            <a:r>
+              <a:rPr lang="ru-RU" dirty="0" smtClean="0"/>
+              <a:t>и</a:t>
             </a:r>
             <a:r>
               <a:rPr lang="mr-IN" dirty="0" smtClean="0"/>
@@ -1512,6 +3544,21 @@
               <a:rPr lang="mr-IN" dirty="0" err="1" smtClean="0"/>
               <a:t>время</a:t>
             </a:r>
+            <a:endParaRPr lang="en-US" dirty="0" smtClean="0"/>
+          </a:p>
+          <a:p>
+            <a:pPr marL="171450" indent="-171450">
+              <a:buFontTx/>
+              <a:buChar char="-"/>
+            </a:pPr>
+            <a:r>
+              <a:rPr lang="ru-RU" dirty="0" smtClean="0"/>
+              <a:t>Если у вас в одной</a:t>
+            </a:r>
+            <a:r>
+              <a:rPr lang="ru-RU" baseline="0" dirty="0" smtClean="0"/>
+              <a:t> колонке разнотипные данные, мы пока не сможем их прочитать. Работы над этим ведутся.</a:t>
+            </a:r>
             <a:endParaRPr lang="en-US" dirty="0"/>
           </a:p>
         </p:txBody>
@@ -1533,7 +3580,7 @@
           <a:p>
             <a:fld id="{2C4E26C2-1CCB-1B4E-9F60-F75E774EED06}" type="slidenum">
               <a:rPr lang="en-US" smtClean="0"/>
-              <a:t>6</a:t>
+              <a:t>9</a:t>
             </a:fld>
             <a:endParaRPr lang="en-US"/>
           </a:p>
@@ -1683,7 +3730,7 @@
           <a:p>
             <a:fld id="{EB0D839A-7E39-2C46-8BD6-3DA56612CC53}" type="datetimeFigureOut">
               <a:rPr lang="en-US" smtClean="0"/>
-              <a:t>2/9/17</a:t>
+              <a:t>2/27/17</a:t>
             </a:fld>
             <a:endParaRPr lang="en-US"/>
           </a:p>
@@ -1853,7 +3900,7 @@
           <a:p>
             <a:fld id="{EB0D839A-7E39-2C46-8BD6-3DA56612CC53}" type="datetimeFigureOut">
               <a:rPr lang="en-US" smtClean="0"/>
-              <a:t>2/9/17</a:t>
+              <a:t>2/27/17</a:t>
             </a:fld>
             <a:endParaRPr lang="en-US"/>
           </a:p>
@@ -2033,7 +4080,7 @@
           <a:p>
             <a:fld id="{EB0D839A-7E39-2C46-8BD6-3DA56612CC53}" type="datetimeFigureOut">
               <a:rPr lang="en-US" smtClean="0"/>
-              <a:t>2/9/17</a:t>
+              <a:t>2/27/17</a:t>
             </a:fld>
             <a:endParaRPr lang="en-US"/>
           </a:p>
@@ -2203,7 +4250,7 @@
           <a:p>
             <a:fld id="{EB0D839A-7E39-2C46-8BD6-3DA56612CC53}" type="datetimeFigureOut">
               <a:rPr lang="en-US" smtClean="0"/>
-              <a:t>2/9/17</a:t>
+              <a:t>2/27/17</a:t>
             </a:fld>
             <a:endParaRPr lang="en-US"/>
           </a:p>
@@ -2449,7 +4496,7 @@
           <a:p>
             <a:fld id="{EB0D839A-7E39-2C46-8BD6-3DA56612CC53}" type="datetimeFigureOut">
               <a:rPr lang="en-US" smtClean="0"/>
-              <a:t>2/9/17</a:t>
+              <a:t>2/27/17</a:t>
             </a:fld>
             <a:endParaRPr lang="en-US"/>
           </a:p>
@@ -2681,7 +4728,7 @@
           <a:p>
             <a:fld id="{EB0D839A-7E39-2C46-8BD6-3DA56612CC53}" type="datetimeFigureOut">
               <a:rPr lang="en-US" smtClean="0"/>
-              <a:t>2/9/17</a:t>
+              <a:t>2/27/17</a:t>
             </a:fld>
             <a:endParaRPr lang="en-US"/>
           </a:p>
@@ -3048,7 +5095,7 @@
           <a:p>
             <a:fld id="{EB0D839A-7E39-2C46-8BD6-3DA56612CC53}" type="datetimeFigureOut">
               <a:rPr lang="en-US" smtClean="0"/>
-              <a:t>2/9/17</a:t>
+              <a:t>2/27/17</a:t>
             </a:fld>
             <a:endParaRPr lang="en-US"/>
           </a:p>
@@ -3166,7 +5213,7 @@
           <a:p>
             <a:fld id="{EB0D839A-7E39-2C46-8BD6-3DA56612CC53}" type="datetimeFigureOut">
               <a:rPr lang="en-US" smtClean="0"/>
-              <a:t>2/9/17</a:t>
+              <a:t>2/27/17</a:t>
             </a:fld>
             <a:endParaRPr lang="en-US"/>
           </a:p>
@@ -3261,7 +5308,7 @@
           <a:p>
             <a:fld id="{EB0D839A-7E39-2C46-8BD6-3DA56612CC53}" type="datetimeFigureOut">
               <a:rPr lang="en-US" smtClean="0"/>
-              <a:t>2/9/17</a:t>
+              <a:t>2/27/17</a:t>
             </a:fld>
             <a:endParaRPr lang="en-US"/>
           </a:p>
@@ -3538,7 +5585,7 @@
           <a:p>
             <a:fld id="{EB0D839A-7E39-2C46-8BD6-3DA56612CC53}" type="datetimeFigureOut">
               <a:rPr lang="en-US" smtClean="0"/>
-              <a:t>2/9/17</a:t>
+              <a:t>2/27/17</a:t>
             </a:fld>
             <a:endParaRPr lang="en-US"/>
           </a:p>
@@ -3791,7 +5838,7 @@
           <a:p>
             <a:fld id="{EB0D839A-7E39-2C46-8BD6-3DA56612CC53}" type="datetimeFigureOut">
               <a:rPr lang="en-US" smtClean="0"/>
-              <a:t>2/9/17</a:t>
+              <a:t>2/27/17</a:t>
             </a:fld>
             <a:endParaRPr lang="en-US"/>
           </a:p>
@@ -4004,7 +6051,7 @@
           <a:p>
             <a:fld id="{EB0D839A-7E39-2C46-8BD6-3DA56612CC53}" type="datetimeFigureOut">
               <a:rPr lang="en-US" smtClean="0"/>
-              <a:t>2/9/17</a:t>
+              <a:t>2/27/17</a:t>
             </a:fld>
             <a:endParaRPr lang="en-US"/>
           </a:p>
@@ -4693,6 +6740,14 @@
   <p:clrMapOvr>
     <a:masterClrMapping/>
   </p:clrMapOvr>
+  <mc:AlternateContent xmlns:mc="http://schemas.openxmlformats.org/markup-compatibility/2006">
+    <mc:Choice xmlns:p14="http://schemas.microsoft.com/office/powerpoint/2010/main" Requires="p14">
+      <p:transition spd="slow" p14:dur="2000" advTm="2151"/>
+    </mc:Choice>
+    <mc:Fallback>
+      <p:transition spd="slow" advTm="2151"/>
+    </mc:Fallback>
+  </mc:AlternateContent>
   <p:timing>
     <p:tnLst>
       <p:par>
@@ -4737,7 +6792,7 @@
           <a:p>
             <a:r>
               <a:rPr lang="ru-RU" dirty="0" smtClean="0"/>
-              <a:t>Эксплуатация</a:t>
+              <a:t>Коннектор: планы</a:t>
             </a:r>
             <a:endParaRPr lang="en-US" dirty="0"/>
           </a:p>
@@ -4760,60 +6815,75 @@
           <a:p>
             <a:r>
               <a:rPr lang="ru-RU" dirty="0" smtClean="0"/>
-              <a:t>Специфический язык запросов. </a:t>
+              <a:t>Переименовать пакет</a:t>
+            </a:r>
+          </a:p>
+          <a:p>
+            <a:endParaRPr lang="ru-RU" dirty="0"/>
+          </a:p>
+          <a:p>
+            <a:r>
+              <a:rPr lang="ru-RU" dirty="0" smtClean="0"/>
+              <a:t>Поддержать </a:t>
+            </a:r>
+            <a:r>
+              <a:rPr lang="en-US" dirty="0" err="1" smtClean="0"/>
+              <a:t>MsgPackValue</a:t>
+            </a:r>
+            <a:endParaRPr lang="en-US" dirty="0" smtClean="0"/>
+          </a:p>
+          <a:p>
+            <a:endParaRPr lang="en-US" dirty="0"/>
+          </a:p>
+          <a:p>
+            <a:r>
+              <a:rPr lang="ru-RU" dirty="0" smtClean="0"/>
+              <a:t>Добавить более удобную </a:t>
+            </a:r>
+            <a:r>
+              <a:rPr lang="ru-RU" dirty="0" err="1" smtClean="0"/>
+              <a:t>сериализацию</a:t>
+            </a:r>
+            <a:r>
+              <a:rPr lang="ru-RU" dirty="0" smtClean="0"/>
+              <a:t> в </a:t>
+            </a:r>
+            <a:r>
+              <a:rPr lang="en-US" dirty="0" err="1" smtClean="0"/>
+              <a:t>MsgPack</a:t>
             </a:r>
             <a:r>
               <a:rPr lang="en-US" dirty="0" smtClean="0"/>
-              <a:t>QA </a:t>
-            </a:r>
-            <a:r>
-              <a:rPr lang="ru-RU" dirty="0" smtClean="0"/>
-              <a:t>и </a:t>
-            </a:r>
-            <a:r>
-              <a:rPr lang="en-US" dirty="0" smtClean="0"/>
-              <a:t>Ops </a:t>
-            </a:r>
-            <a:r>
-              <a:rPr lang="ru-RU" dirty="0" smtClean="0"/>
-              <a:t>страдают.</a:t>
-            </a:r>
-            <a:endParaRPr lang="en-US" dirty="0" smtClean="0"/>
-          </a:p>
-          <a:p>
-            <a:endParaRPr lang="ru-RU" dirty="0" smtClean="0"/>
-          </a:p>
-          <a:p>
-            <a:r>
-              <a:rPr lang="ru-RU" dirty="0" smtClean="0"/>
-              <a:t>Ждём </a:t>
-            </a:r>
-            <a:r>
-              <a:rPr lang="en-US" dirty="0" err="1" smtClean="0"/>
-              <a:t>sql</a:t>
-            </a:r>
-            <a:r>
-              <a:rPr lang="en-US" dirty="0" smtClean="0"/>
-              <a:t>. </a:t>
-            </a:r>
-            <a:r>
-              <a:rPr lang="ru-RU" dirty="0" smtClean="0"/>
-              <a:t>Вроде как в 1.8.</a:t>
-            </a:r>
+              <a:t>: mini-ORM</a:t>
+            </a:r>
+            <a:endParaRPr lang="ru-RU" dirty="0"/>
+          </a:p>
+          <a:p>
             <a:endParaRPr lang="en-US" dirty="0"/>
           </a:p>
         </p:txBody>
       </p:sp>
     </p:spTree>
+    <p:custDataLst>
+      <p:tags r:id="rId1"/>
+    </p:custDataLst>
     <p:extLst>
       <p:ext uri="{BB962C8B-B14F-4D97-AF65-F5344CB8AC3E}">
-        <p14:creationId xmlns:p14="http://schemas.microsoft.com/office/powerpoint/2010/main" val="1521737462"/>
+        <p14:creationId xmlns:p14="http://schemas.microsoft.com/office/powerpoint/2010/main" val="662788368"/>
       </p:ext>
     </p:extLst>
   </p:cSld>
   <p:clrMapOvr>
     <a:masterClrMapping/>
   </p:clrMapOvr>
+  <mc:AlternateContent xmlns:mc="http://schemas.openxmlformats.org/markup-compatibility/2006">
+    <mc:Choice xmlns:p14="http://schemas.microsoft.com/office/powerpoint/2010/main" Requires="p14">
+      <p:transition spd="slow" p14:dur="2000" advTm="54145"/>
+    </mc:Choice>
+    <mc:Fallback>
+      <p:transition spd="slow" advTm="54145"/>
+    </mc:Fallback>
+  </mc:AlternateContent>
   <p:timing>
     <p:tnLst>
       <p:par>
@@ -4920,6 +6990,55 @@
                       </p:childTnLst>
                     </p:cTn>
                   </p:par>
+                  <p:par>
+                    <p:cTn id="11" fill="hold">
+                      <p:stCondLst>
+                        <p:cond delay="indefinite"/>
+                      </p:stCondLst>
+                      <p:childTnLst>
+                        <p:par>
+                          <p:cTn id="12" fill="hold">
+                            <p:stCondLst>
+                              <p:cond delay="0"/>
+                            </p:stCondLst>
+                            <p:childTnLst>
+                              <p:par>
+                                <p:cTn id="13" presetID="1" presetClass="entr" presetSubtype="0" fill="hold" nodeType="clickEffect">
+                                  <p:stCondLst>
+                                    <p:cond delay="0"/>
+                                  </p:stCondLst>
+                                  <p:childTnLst>
+                                    <p:set>
+                                      <p:cBhvr>
+                                        <p:cTn id="14" dur="1" fill="hold">
+                                          <p:stCondLst>
+                                            <p:cond delay="0"/>
+                                          </p:stCondLst>
+                                        </p:cTn>
+                                        <p:tgtEl>
+                                          <p:spTgt spid="3">
+                                            <p:txEl>
+                                              <p:pRg st="4" end="4"/>
+                                            </p:txEl>
+                                          </p:spTgt>
+                                        </p:tgtEl>
+                                        <p:attrNameLst>
+                                          <p:attrName>style.visibility</p:attrName>
+                                        </p:attrNameLst>
+                                      </p:cBhvr>
+                                      <p:to>
+                                        <p:strVal val="visible"/>
+                                      </p:to>
+                                    </p:set>
+                                  </p:childTnLst>
+                                </p:cTn>
+                              </p:par>
+                            </p:childTnLst>
+                          </p:cTn>
+                        </p:par>
+                      </p:childTnLst>
+                    </p:cTn>
+                  </p:par>
                 </p:childTnLst>
               </p:cTn>
               <p:prevCondLst>
@@ -4978,8 +7097,12 @@
           <a:lstStyle/>
           <a:p>
             <a:r>
-              <a:rPr lang="ru-RU" smtClean="0"/>
-              <a:t>Достоинства</a:t>
+              <a:rPr lang="ru-RU" dirty="0" err="1" smtClean="0"/>
+              <a:t>Эксплутация</a:t>
+            </a:r>
+            <a:r>
+              <a:rPr lang="ru-RU" dirty="0" smtClean="0"/>
+              <a:t>: сервер приложений</a:t>
             </a:r>
             <a:endParaRPr lang="en-US" dirty="0"/>
           </a:p>
@@ -5002,41 +7125,70 @@
           <a:p>
             <a:r>
               <a:rPr lang="ru-RU" dirty="0" smtClean="0"/>
-              <a:t>Скорость.</a:t>
-            </a:r>
+              <a:t>Это его основное назначение</a:t>
+            </a:r>
+          </a:p>
+          <a:p>
             <a:endParaRPr lang="ru-RU" dirty="0"/>
           </a:p>
           <a:p>
+            <a:r>
+              <a:rPr lang="ru-RU" dirty="0" smtClean="0"/>
+              <a:t>Мы используем только </a:t>
+            </a:r>
+            <a:r>
+              <a:rPr lang="en-US" dirty="0" err="1" smtClean="0"/>
+              <a:t>tarantool</a:t>
+            </a:r>
+            <a:r>
+              <a:rPr lang="en-US" dirty="0" smtClean="0"/>
+              <a:t>/queue</a:t>
+            </a:r>
             <a:endParaRPr lang="ru-RU" dirty="0" smtClean="0"/>
           </a:p>
           <a:p>
-            <a:r>
-              <a:rPr lang="ru-RU" dirty="0" smtClean="0"/>
-              <a:t>Надёжность записи на диск.</a:t>
-            </a:r>
-          </a:p>
-          <a:p>
-            <a:endParaRPr lang="ru-RU" dirty="0" smtClean="0"/>
-          </a:p>
-          <a:p>
-            <a:r>
-              <a:rPr lang="ru-RU" dirty="0" smtClean="0"/>
-              <a:t>Вторичные индексы.</a:t>
+            <a:endParaRPr lang="ru-RU" dirty="0"/>
+          </a:p>
+          <a:p>
+            <a:r>
+              <a:rPr lang="ru-RU" dirty="0" smtClean="0"/>
+              <a:t>Также у нас есть немного своей логики на </a:t>
+            </a:r>
+            <a:r>
+              <a:rPr lang="en-US" dirty="0" err="1" smtClean="0"/>
+              <a:t>lua</a:t>
             </a:r>
             <a:endParaRPr lang="en-US" dirty="0" smtClean="0"/>
           </a:p>
+          <a:p>
+            <a:endParaRPr lang="en-US" dirty="0"/>
+          </a:p>
+          <a:p>
+            <a:endParaRPr lang="en-US" dirty="0" smtClean="0"/>
+          </a:p>
         </p:txBody>
       </p:sp>
     </p:spTree>
+    <p:custDataLst>
+      <p:tags r:id="rId1"/>
+    </p:custDataLst>
     <p:extLst>
       <p:ext uri="{BB962C8B-B14F-4D97-AF65-F5344CB8AC3E}">
-        <p14:creationId xmlns:p14="http://schemas.microsoft.com/office/powerpoint/2010/main" val="3331560"/>
+        <p14:creationId xmlns:p14="http://schemas.microsoft.com/office/powerpoint/2010/main" val="99950883"/>
       </p:ext>
     </p:extLst>
   </p:cSld>
   <p:clrMapOvr>
     <a:masterClrMapping/>
   </p:clrMapOvr>
+  <mc:AlternateContent xmlns:mc="http://schemas.openxmlformats.org/markup-compatibility/2006">
+    <mc:Choice xmlns:p14="http://schemas.microsoft.com/office/powerpoint/2010/main" Requires="p14">
+      <p:transition spd="slow" p14:dur="2000" advTm="63705"/>
+    </mc:Choice>
+    <mc:Fallback>
+      <p:transition spd="slow" advTm="63705"/>
+    </mc:Fallback>
+  </mc:AlternateContent>
   <p:timing>
     <p:tnLst>
       <p:par>
@@ -5250,8 +7402,8 @@
           <a:lstStyle/>
           <a:p>
             <a:r>
-              <a:rPr lang="ru-RU" smtClean="0"/>
-              <a:t>Достоинства</a:t>
+              <a:rPr lang="ru-RU" dirty="0" smtClean="0"/>
+              <a:t>Эксплуатация: синхронная репликация</a:t>
             </a:r>
             <a:endParaRPr lang="en-US" dirty="0"/>
           </a:p>
@@ -5274,51 +7426,1662 @@
           <a:p>
             <a:r>
               <a:rPr lang="ru-RU" dirty="0" smtClean="0"/>
-              <a:t>Нет </a:t>
+              <a:t>Ну и в редисе нет</a:t>
+            </a:r>
+            <a:endParaRPr lang="en-US" dirty="0" smtClean="0"/>
+          </a:p>
+          <a:p>
+            <a:endParaRPr lang="ru-RU" dirty="0" smtClean="0"/>
+          </a:p>
+          <a:p>
+            <a:r>
+              <a:rPr lang="ru-RU" dirty="0" smtClean="0"/>
+              <a:t>Ждём </a:t>
+            </a:r>
+            <a:r>
+              <a:rPr lang="en-US" dirty="0" err="1" smtClean="0"/>
+              <a:t>bsync</a:t>
+            </a:r>
+            <a:endParaRPr lang="en-US" dirty="0"/>
+          </a:p>
+        </p:txBody>
+      </p:sp>
+    </p:spTree>
+    <p:custDataLst>
+      <p:tags r:id="rId1"/>
+    </p:custDataLst>
+    <p:extLst>
+      <p:ext uri="{BB962C8B-B14F-4D97-AF65-F5344CB8AC3E}">
+        <p14:creationId xmlns:p14="http://schemas.microsoft.com/office/powerpoint/2010/main" val="996434679"/>
+      </p:ext>
+    </p:extLst>
+  </p:cSld>
+  <p:clrMapOvr>
+    <a:masterClrMapping/>
+  </p:clrMapOvr>
+  <mc:AlternateContent xmlns:mc="http://schemas.openxmlformats.org/markup-compatibility/2006">
+    <mc:Choice xmlns:p14="http://schemas.microsoft.com/office/powerpoint/2010/main" Requires="p14">
+      <p:transition spd="slow" p14:dur="2000" advTm="26301"/>
+    </mc:Choice>
+    <mc:Fallback>
+      <p:transition spd="slow" advTm="26301"/>
+    </mc:Fallback>
+  </mc:AlternateContent>
+  <p:timing>
+    <p:tnLst>
+      <p:par>
+        <p:cTn id="1" dur="indefinite" restart="never" nodeType="tmRoot">
+          <p:childTnLst>
+            <p:seq concurrent="1" nextAc="seek">
+              <p:cTn id="2" dur="indefinite" nodeType="mainSeq">
+                <p:childTnLst>
+                  <p:par>
+                    <p:cTn id="3" fill="hold">
+                      <p:stCondLst>
+                        <p:cond delay="indefinite"/>
+                      </p:stCondLst>
+                      <p:childTnLst>
+                        <p:par>
+                          <p:cTn id="4" fill="hold">
+                            <p:stCondLst>
+                              <p:cond delay="0"/>
+                            </p:stCondLst>
+                            <p:childTnLst>
+                              <p:par>
+                                <p:cTn id="5" presetID="1" presetClass="entr" presetSubtype="0" fill="hold" nodeType="clickEffect">
+                                  <p:stCondLst>
+                                    <p:cond delay="0"/>
+                                  </p:stCondLst>
+                                  <p:childTnLst>
+                                    <p:set>
+                                      <p:cBhvr>
+                                        <p:cTn id="6" dur="1" fill="hold">
+                                          <p:stCondLst>
+                                            <p:cond delay="0"/>
+                                          </p:stCondLst>
+                                        </p:cTn>
+                                        <p:tgtEl>
+                                          <p:spTgt spid="3">
+                                            <p:txEl>
+                                              <p:pRg st="0" end="0"/>
+                                            </p:txEl>
+                                          </p:spTgt>
+                                        </p:tgtEl>
+                                        <p:attrNameLst>
+                                          <p:attrName>style.visibility</p:attrName>
+                                        </p:attrNameLst>
+                                      </p:cBhvr>
+                                      <p:to>
+                                        <p:strVal val="visible"/>
+                                      </p:to>
+                                    </p:set>
+                                  </p:childTnLst>
+                                </p:cTn>
+                              </p:par>
+                            </p:childTnLst>
+                          </p:cTn>
+                        </p:par>
+                      </p:childTnLst>
+                    </p:cTn>
+                  </p:par>
+                  <p:par>
+                    <p:cTn id="7" fill="hold">
+                      <p:stCondLst>
+                        <p:cond delay="indefinite"/>
+                      </p:stCondLst>
+                      <p:childTnLst>
+                        <p:par>
+                          <p:cTn id="8" fill="hold">
+                            <p:stCondLst>
+                              <p:cond delay="0"/>
+                            </p:stCondLst>
+                            <p:childTnLst>
+                              <p:par>
+                                <p:cTn id="9" presetID="1" presetClass="entr" presetSubtype="0" fill="hold" nodeType="clickEffect">
+                                  <p:stCondLst>
+                                    <p:cond delay="0"/>
+                                  </p:stCondLst>
+                                  <p:childTnLst>
+                                    <p:set>
+                                      <p:cBhvr>
+                                        <p:cTn id="10" dur="1" fill="hold">
+                                          <p:stCondLst>
+                                            <p:cond delay="0"/>
+                                          </p:stCondLst>
+                                        </p:cTn>
+                                        <p:tgtEl>
+                                          <p:spTgt spid="3">
+                                            <p:txEl>
+                                              <p:pRg st="2" end="2"/>
+                                            </p:txEl>
+                                          </p:spTgt>
+                                        </p:tgtEl>
+                                        <p:attrNameLst>
+                                          <p:attrName>style.visibility</p:attrName>
+                                        </p:attrNameLst>
+                                      </p:cBhvr>
+                                      <p:to>
+                                        <p:strVal val="visible"/>
+                                      </p:to>
+                                    </p:set>
+                                  </p:childTnLst>
+                                </p:cTn>
+                              </p:par>
+                            </p:childTnLst>
+                          </p:cTn>
+                        </p:par>
+                      </p:childTnLst>
+                    </p:cTn>
+                  </p:par>
+                </p:childTnLst>
+              </p:cTn>
+              <p:prevCondLst>
+                <p:cond evt="onPrev" delay="0">
+                  <p:tgtEl>
+                    <p:sldTgt/>
+                  </p:tgtEl>
+                </p:cond>
+              </p:prevCondLst>
+              <p:nextCondLst>
+                <p:cond evt="onNext" delay="0">
+                  <p:tgtEl>
+                    <p:sldTgt/>
+                  </p:tgtEl>
+                </p:cond>
+              </p:nextCondLst>
+            </p:seq>
+          </p:childTnLst>
+        </p:cTn>
+      </p:par>
+    </p:tnLst>
+  </p:timing>
+</p:sld>
+</file>
+
+<file path=ppt/slides/slide13.xml><?xml version="1.0" encoding="utf-8"?>
+<p:sld xmlns:a="http://schemas.openxmlformats.org/drawingml/2006/main" xmlns:r="http://schemas.openxmlformats.org/officeDocument/2006/relationships" xmlns:p="http://schemas.openxmlformats.org/presentationml/2006/main">
+  <p:cSld>
+    <p:spTree>
+      <p:nvGrpSpPr>
+        <p:cNvPr id="1" name=""/>
+        <p:cNvGrpSpPr/>
+        <p:nvPr/>
+      </p:nvGrpSpPr>
+      <p:grpSpPr>
+        <a:xfrm>
+          <a:off x="0" y="0"/>
+          <a:ext cx="0" cy="0"/>
+          <a:chOff x="0" y="0"/>
+          <a:chExt cx="0" cy="0"/>
+        </a:xfrm>
+      </p:grpSpPr>
+      <p:sp>
+        <p:nvSpPr>
+          <p:cNvPr id="2" name="Title 1"/>
+          <p:cNvSpPr>
+            <a:spLocks noGrp="1"/>
+          </p:cNvSpPr>
+          <p:nvPr>
+            <p:ph type="title"/>
+          </p:nvPr>
+        </p:nvSpPr>
+        <p:spPr/>
+        <p:txBody>
+          <a:bodyPr/>
+          <a:lstStyle/>
+          <a:p>
+            <a:r>
+              <a:rPr lang="ru-RU" dirty="0" smtClean="0"/>
+              <a:t>Эксплуатация: </a:t>
             </a:r>
             <a:r>
               <a:rPr lang="en-US" dirty="0" smtClean="0"/>
-              <a:t>Windows-binary</a:t>
+              <a:t>master-master</a:t>
+            </a:r>
+            <a:endParaRPr lang="en-US" dirty="0"/>
+          </a:p>
+        </p:txBody>
+      </p:sp>
+      <p:sp>
+        <p:nvSpPr>
+          <p:cNvPr id="3" name="Content Placeholder 2"/>
+          <p:cNvSpPr>
+            <a:spLocks noGrp="1"/>
+          </p:cNvSpPr>
+          <p:nvPr>
+            <p:ph idx="1"/>
+          </p:nvPr>
+        </p:nvSpPr>
+        <p:spPr/>
+        <p:txBody>
+          <a:bodyPr/>
+          <a:lstStyle/>
+          <a:p>
+            <a:r>
+              <a:rPr lang="en-US" dirty="0" smtClean="0"/>
+              <a:t>Master-master </a:t>
+            </a:r>
+            <a:r>
+              <a:rPr lang="ru-RU" dirty="0" smtClean="0"/>
+              <a:t>не нужен © Илья Космодемьянский</a:t>
+            </a:r>
+            <a:endParaRPr lang="en-US" dirty="0" smtClean="0"/>
+          </a:p>
+          <a:p>
+            <a:endParaRPr lang="en-US" dirty="0"/>
+          </a:p>
+          <a:p>
+            <a:r>
+              <a:rPr lang="ru-RU" dirty="0" smtClean="0"/>
+              <a:t>В 1.7.3-0 кластер не всегда собирается:</a:t>
+            </a:r>
+          </a:p>
+          <a:p>
+            <a:pPr lvl="1"/>
+            <a:r>
+              <a:rPr lang="ru-RU" dirty="0" smtClean="0"/>
+              <a:t>три </a:t>
+            </a:r>
+            <a:r>
+              <a:rPr lang="ru-RU" dirty="0" err="1" smtClean="0"/>
+              <a:t>ноды</a:t>
+            </a:r>
+            <a:r>
+              <a:rPr lang="ru-RU" dirty="0" smtClean="0"/>
+              <a:t> с одинаковой конфигурацией</a:t>
+            </a:r>
+          </a:p>
+          <a:p>
+            <a:pPr lvl="1"/>
+            <a:r>
+              <a:rPr lang="ru-RU" dirty="0" smtClean="0"/>
+              <a:t>каждая поднимается и не видит две другие</a:t>
+            </a:r>
+          </a:p>
+          <a:p>
+            <a:pPr lvl="1"/>
+            <a:r>
+              <a:rPr lang="ru-RU" dirty="0" smtClean="0"/>
+              <a:t>через 30 секунд выключается</a:t>
+            </a:r>
+            <a:endParaRPr lang="en-US" dirty="0" smtClean="0"/>
+          </a:p>
+          <a:p>
+            <a:endParaRPr lang="ru-RU" dirty="0" smtClean="0"/>
+          </a:p>
+          <a:p>
+            <a:r>
+              <a:rPr lang="ru-RU" dirty="0" smtClean="0"/>
+              <a:t>Обновиться</a:t>
+            </a:r>
+            <a:endParaRPr lang="en-US" dirty="0"/>
+          </a:p>
+        </p:txBody>
+      </p:sp>
+    </p:spTree>
+    <p:custDataLst>
+      <p:tags r:id="rId1"/>
+    </p:custDataLst>
+    <p:extLst>
+      <p:ext uri="{BB962C8B-B14F-4D97-AF65-F5344CB8AC3E}">
+        <p14:creationId xmlns:p14="http://schemas.microsoft.com/office/powerpoint/2010/main" val="1411605"/>
+      </p:ext>
+    </p:extLst>
+  </p:cSld>
+  <p:clrMapOvr>
+    <a:masterClrMapping/>
+  </p:clrMapOvr>
+  <mc:AlternateContent xmlns:mc="http://schemas.openxmlformats.org/markup-compatibility/2006">
+    <mc:Choice xmlns:p14="http://schemas.microsoft.com/office/powerpoint/2010/main" Requires="p14">
+      <p:transition spd="slow" p14:dur="2000" advTm="88106"/>
+    </mc:Choice>
+    <mc:Fallback>
+      <p:transition spd="slow" advTm="88106"/>
+    </mc:Fallback>
+  </mc:AlternateContent>
+  <p:timing>
+    <p:tnLst>
+      <p:par>
+        <p:cTn id="1" dur="indefinite" restart="never" nodeType="tmRoot">
+          <p:childTnLst>
+            <p:seq concurrent="1" nextAc="seek">
+              <p:cTn id="2" dur="indefinite" nodeType="mainSeq">
+                <p:childTnLst>
+                  <p:par>
+                    <p:cTn id="3" fill="hold">
+                      <p:stCondLst>
+                        <p:cond delay="indefinite"/>
+                      </p:stCondLst>
+                      <p:childTnLst>
+                        <p:par>
+                          <p:cTn id="4" fill="hold">
+                            <p:stCondLst>
+                              <p:cond delay="0"/>
+                            </p:stCondLst>
+                            <p:childTnLst>
+                              <p:par>
+                                <p:cTn id="5" presetID="1" presetClass="entr" presetSubtype="0" fill="hold" nodeType="clickEffect">
+                                  <p:stCondLst>
+                                    <p:cond delay="0"/>
+                                  </p:stCondLst>
+                                  <p:childTnLst>
+                                    <p:set>
+                                      <p:cBhvr>
+                                        <p:cTn id="6" dur="1" fill="hold">
+                                          <p:stCondLst>
+                                            <p:cond delay="0"/>
+                                          </p:stCondLst>
+                                        </p:cTn>
+                                        <p:tgtEl>
+                                          <p:spTgt spid="3">
+                                            <p:txEl>
+                                              <p:pRg st="0" end="0"/>
+                                            </p:txEl>
+                                          </p:spTgt>
+                                        </p:tgtEl>
+                                        <p:attrNameLst>
+                                          <p:attrName>style.visibility</p:attrName>
+                                        </p:attrNameLst>
+                                      </p:cBhvr>
+                                      <p:to>
+                                        <p:strVal val="visible"/>
+                                      </p:to>
+                                    </p:set>
+                                  </p:childTnLst>
+                                </p:cTn>
+                              </p:par>
+                            </p:childTnLst>
+                          </p:cTn>
+                        </p:par>
+                      </p:childTnLst>
+                    </p:cTn>
+                  </p:par>
+                  <p:par>
+                    <p:cTn id="7" fill="hold">
+                      <p:stCondLst>
+                        <p:cond delay="indefinite"/>
+                      </p:stCondLst>
+                      <p:childTnLst>
+                        <p:par>
+                          <p:cTn id="8" fill="hold">
+                            <p:stCondLst>
+                              <p:cond delay="0"/>
+                            </p:stCondLst>
+                            <p:childTnLst>
+                              <p:par>
+                                <p:cTn id="9" presetID="1" presetClass="entr" presetSubtype="0" fill="hold" nodeType="clickEffect">
+                                  <p:stCondLst>
+                                    <p:cond delay="0"/>
+                                  </p:stCondLst>
+                                  <p:childTnLst>
+                                    <p:set>
+                                      <p:cBhvr>
+                                        <p:cTn id="10" dur="1" fill="hold">
+                                          <p:stCondLst>
+                                            <p:cond delay="0"/>
+                                          </p:stCondLst>
+                                        </p:cTn>
+                                        <p:tgtEl>
+                                          <p:spTgt spid="3">
+                                            <p:txEl>
+                                              <p:pRg st="2" end="2"/>
+                                            </p:txEl>
+                                          </p:spTgt>
+                                        </p:tgtEl>
+                                        <p:attrNameLst>
+                                          <p:attrName>style.visibility</p:attrName>
+                                        </p:attrNameLst>
+                                      </p:cBhvr>
+                                      <p:to>
+                                        <p:strVal val="visible"/>
+                                      </p:to>
+                                    </p:set>
+                                  </p:childTnLst>
+                                </p:cTn>
+                              </p:par>
+                            </p:childTnLst>
+                          </p:cTn>
+                        </p:par>
+                      </p:childTnLst>
+                    </p:cTn>
+                  </p:par>
+                  <p:par>
+                    <p:cTn id="11" fill="hold">
+                      <p:stCondLst>
+                        <p:cond delay="indefinite"/>
+                      </p:stCondLst>
+                      <p:childTnLst>
+                        <p:par>
+                          <p:cTn id="12" fill="hold">
+                            <p:stCondLst>
+                              <p:cond delay="0"/>
+                            </p:stCondLst>
+                            <p:childTnLst>
+                              <p:par>
+                                <p:cTn id="13" presetID="1" presetClass="entr" presetSubtype="0" fill="hold" nodeType="clickEffect">
+                                  <p:stCondLst>
+                                    <p:cond delay="0"/>
+                                  </p:stCondLst>
+                                  <p:childTnLst>
+                                    <p:set>
+                                      <p:cBhvr>
+                                        <p:cTn id="14" dur="1" fill="hold">
+                                          <p:stCondLst>
+                                            <p:cond delay="0"/>
+                                          </p:stCondLst>
+                                        </p:cTn>
+                                        <p:tgtEl>
+                                          <p:spTgt spid="3">
+                                            <p:txEl>
+                                              <p:pRg st="3" end="3"/>
+                                            </p:txEl>
+                                          </p:spTgt>
+                                        </p:tgtEl>
+                                        <p:attrNameLst>
+                                          <p:attrName>style.visibility</p:attrName>
+                                        </p:attrNameLst>
+                                      </p:cBhvr>
+                                      <p:to>
+                                        <p:strVal val="visible"/>
+                                      </p:to>
+                                    </p:set>
+                                  </p:childTnLst>
+                                </p:cTn>
+                              </p:par>
+                            </p:childTnLst>
+                          </p:cTn>
+                        </p:par>
+                      </p:childTnLst>
+                    </p:cTn>
+                  </p:par>
+                  <p:par>
+                    <p:cTn id="15" fill="hold">
+                      <p:stCondLst>
+                        <p:cond delay="indefinite"/>
+                      </p:stCondLst>
+                      <p:childTnLst>
+                        <p:par>
+                          <p:cTn id="16" fill="hold">
+                            <p:stCondLst>
+                              <p:cond delay="0"/>
+                            </p:stCondLst>
+                            <p:childTnLst>
+                              <p:par>
+                                <p:cTn id="17" presetID="1" presetClass="entr" presetSubtype="0" fill="hold" nodeType="clickEffect">
+                                  <p:stCondLst>
+                                    <p:cond delay="0"/>
+                                  </p:stCondLst>
+                                  <p:childTnLst>
+                                    <p:set>
+                                      <p:cBhvr>
+                                        <p:cTn id="18" dur="1" fill="hold">
+                                          <p:stCondLst>
+                                            <p:cond delay="0"/>
+                                          </p:stCondLst>
+                                        </p:cTn>
+                                        <p:tgtEl>
+                                          <p:spTgt spid="3">
+                                            <p:txEl>
+                                              <p:pRg st="4" end="4"/>
+                                            </p:txEl>
+                                          </p:spTgt>
+                                        </p:tgtEl>
+                                        <p:attrNameLst>
+                                          <p:attrName>style.visibility</p:attrName>
+                                        </p:attrNameLst>
+                                      </p:cBhvr>
+                                      <p:to>
+                                        <p:strVal val="visible"/>
+                                      </p:to>
+                                    </p:set>
+                                  </p:childTnLst>
+                                </p:cTn>
+                              </p:par>
+                            </p:childTnLst>
+                          </p:cTn>
+                        </p:par>
+                      </p:childTnLst>
+                    </p:cTn>
+                  </p:par>
+                  <p:par>
+                    <p:cTn id="19" fill="hold">
+                      <p:stCondLst>
+                        <p:cond delay="indefinite"/>
+                      </p:stCondLst>
+                      <p:childTnLst>
+                        <p:par>
+                          <p:cTn id="20" fill="hold">
+                            <p:stCondLst>
+                              <p:cond delay="0"/>
+                            </p:stCondLst>
+                            <p:childTnLst>
+                              <p:par>
+                                <p:cTn id="21" presetID="1" presetClass="entr" presetSubtype="0" fill="hold" nodeType="clickEffect">
+                                  <p:stCondLst>
+                                    <p:cond delay="0"/>
+                                  </p:stCondLst>
+                                  <p:childTnLst>
+                                    <p:set>
+                                      <p:cBhvr>
+                                        <p:cTn id="22" dur="1" fill="hold">
+                                          <p:stCondLst>
+                                            <p:cond delay="0"/>
+                                          </p:stCondLst>
+                                        </p:cTn>
+                                        <p:tgtEl>
+                                          <p:spTgt spid="3">
+                                            <p:txEl>
+                                              <p:pRg st="5" end="5"/>
+                                            </p:txEl>
+                                          </p:spTgt>
+                                        </p:tgtEl>
+                                        <p:attrNameLst>
+                                          <p:attrName>style.visibility</p:attrName>
+                                        </p:attrNameLst>
+                                      </p:cBhvr>
+                                      <p:to>
+                                        <p:strVal val="visible"/>
+                                      </p:to>
+                                    </p:set>
+                                  </p:childTnLst>
+                                </p:cTn>
+                              </p:par>
+                            </p:childTnLst>
+                          </p:cTn>
+                        </p:par>
+                      </p:childTnLst>
+                    </p:cTn>
+                  </p:par>
+                  <p:par>
+                    <p:cTn id="23" fill="hold">
+                      <p:stCondLst>
+                        <p:cond delay="indefinite"/>
+                      </p:stCondLst>
+                      <p:childTnLst>
+                        <p:par>
+                          <p:cTn id="24" fill="hold">
+                            <p:stCondLst>
+                              <p:cond delay="0"/>
+                            </p:stCondLst>
+                            <p:childTnLst>
+                              <p:par>
+                                <p:cTn id="25" presetID="1" presetClass="entr" presetSubtype="0" fill="hold" nodeType="clickEffect">
+                                  <p:stCondLst>
+                                    <p:cond delay="0"/>
+                                  </p:stCondLst>
+                                  <p:childTnLst>
+                                    <p:set>
+                                      <p:cBhvr>
+                                        <p:cTn id="26" dur="1" fill="hold">
+                                          <p:stCondLst>
+                                            <p:cond delay="0"/>
+                                          </p:stCondLst>
+                                        </p:cTn>
+                                        <p:tgtEl>
+                                          <p:spTgt spid="3">
+                                            <p:txEl>
+                                              <p:pRg st="7" end="7"/>
+                                            </p:txEl>
+                                          </p:spTgt>
+                                        </p:tgtEl>
+                                        <p:attrNameLst>
+                                          <p:attrName>style.visibility</p:attrName>
+                                        </p:attrNameLst>
+                                      </p:cBhvr>
+                                      <p:to>
+                                        <p:strVal val="visible"/>
+                                      </p:to>
+                                    </p:set>
+                                  </p:childTnLst>
+                                </p:cTn>
+                              </p:par>
+                            </p:childTnLst>
+                          </p:cTn>
+                        </p:par>
+                      </p:childTnLst>
+                    </p:cTn>
+                  </p:par>
+                </p:childTnLst>
+              </p:cTn>
+              <p:prevCondLst>
+                <p:cond evt="onPrev" delay="0">
+                  <p:tgtEl>
+                    <p:sldTgt/>
+                  </p:tgtEl>
+                </p:cond>
+              </p:prevCondLst>
+              <p:nextCondLst>
+                <p:cond evt="onNext" delay="0">
+                  <p:tgtEl>
+                    <p:sldTgt/>
+                  </p:tgtEl>
+                </p:cond>
+              </p:nextCondLst>
+            </p:seq>
+          </p:childTnLst>
+        </p:cTn>
+      </p:par>
+    </p:tnLst>
+  </p:timing>
+</p:sld>
+</file>
+
+<file path=ppt/slides/slide14.xml><?xml version="1.0" encoding="utf-8"?>
+<p:sld xmlns:a="http://schemas.openxmlformats.org/drawingml/2006/main" xmlns:r="http://schemas.openxmlformats.org/officeDocument/2006/relationships" xmlns:p="http://schemas.openxmlformats.org/presentationml/2006/main">
+  <p:cSld>
+    <p:spTree>
+      <p:nvGrpSpPr>
+        <p:cNvPr id="1" name=""/>
+        <p:cNvGrpSpPr/>
+        <p:nvPr/>
+      </p:nvGrpSpPr>
+      <p:grpSpPr>
+        <a:xfrm>
+          <a:off x="0" y="0"/>
+          <a:ext cx="0" cy="0"/>
+          <a:chOff x="0" y="0"/>
+          <a:chExt cx="0" cy="0"/>
+        </a:xfrm>
+      </p:grpSpPr>
+      <p:sp>
+        <p:nvSpPr>
+          <p:cNvPr id="2" name="Title 1"/>
+          <p:cNvSpPr>
+            <a:spLocks noGrp="1"/>
+          </p:cNvSpPr>
+          <p:nvPr>
+            <p:ph type="title"/>
+          </p:nvPr>
+        </p:nvSpPr>
+        <p:spPr/>
+        <p:txBody>
+          <a:bodyPr/>
+          <a:lstStyle/>
+          <a:p>
+            <a:r>
+              <a:rPr lang="ru-RU" dirty="0" smtClean="0"/>
+              <a:t>Эксплуатация: </a:t>
+            </a:r>
+            <a:r>
+              <a:rPr lang="ru-RU" dirty="0" err="1" smtClean="0"/>
+              <a:t>версионирование</a:t>
+            </a:r>
+            <a:endParaRPr lang="en-US" dirty="0"/>
+          </a:p>
+        </p:txBody>
+      </p:sp>
+      <p:sp>
+        <p:nvSpPr>
+          <p:cNvPr id="3" name="Content Placeholder 2"/>
+          <p:cNvSpPr>
+            <a:spLocks noGrp="1"/>
+          </p:cNvSpPr>
+          <p:nvPr>
+            <p:ph idx="1"/>
+          </p:nvPr>
+        </p:nvSpPr>
+        <p:spPr>
+          <a:xfrm>
+            <a:off x="838200" y="1859491"/>
+            <a:ext cx="10515600" cy="4351338"/>
+          </a:xfrm>
+        </p:spPr>
+        <p:txBody>
+          <a:bodyPr/>
+          <a:lstStyle/>
+          <a:p>
+            <a:r>
+              <a:rPr lang="ru-RU" dirty="0" smtClean="0"/>
+              <a:t>Версия докер-контейнера </a:t>
+            </a:r>
+            <a:r>
+              <a:rPr lang="mr-IN" dirty="0" smtClean="0"/>
+              <a:t>–</a:t>
+            </a:r>
+            <a:r>
+              <a:rPr lang="ru-RU" dirty="0" smtClean="0"/>
+              <a:t> 1.7.3. Версия тарантула?</a:t>
+            </a:r>
+          </a:p>
+          <a:p>
+            <a:endParaRPr lang="ru-RU" dirty="0"/>
+          </a:p>
+          <a:p>
+            <a:r>
+              <a:rPr lang="ru-RU" dirty="0" smtClean="0"/>
+              <a:t>Версия тарантула </a:t>
+            </a:r>
+            <a:r>
+              <a:rPr lang="mr-IN" dirty="0" smtClean="0"/>
+              <a:t>–</a:t>
+            </a:r>
+            <a:r>
+              <a:rPr lang="ru-RU" dirty="0" smtClean="0"/>
+              <a:t> 1.7.3-х. Версия докер-контейнера?</a:t>
+            </a:r>
+            <a:endParaRPr lang="en-US" dirty="0" smtClean="0"/>
+          </a:p>
+          <a:p>
+            <a:endParaRPr lang="ru-RU" dirty="0" smtClean="0"/>
+          </a:p>
+          <a:p>
+            <a:r>
+              <a:rPr lang="ru-RU" dirty="0" smtClean="0"/>
+              <a:t>Мы перешли на </a:t>
+            </a:r>
+            <a:r>
+              <a:rPr lang="ru-RU" dirty="0" err="1" smtClean="0"/>
+              <a:t>самосборный</a:t>
+            </a:r>
+            <a:r>
+              <a:rPr lang="ru-RU" dirty="0" smtClean="0"/>
+              <a:t> контейнер</a:t>
             </a:r>
             <a:r>
               <a:rPr lang="ru-RU" dirty="0" smtClean="0"/>
               <a:t>.</a:t>
             </a:r>
+            <a:endParaRPr lang="en-US" dirty="0"/>
+          </a:p>
+        </p:txBody>
+      </p:sp>
+    </p:spTree>
+    <p:custDataLst>
+      <p:tags r:id="rId1"/>
+    </p:custDataLst>
+    <p:extLst>
+      <p:ext uri="{BB962C8B-B14F-4D97-AF65-F5344CB8AC3E}">
+        <p14:creationId xmlns:p14="http://schemas.microsoft.com/office/powerpoint/2010/main" val="1882184382"/>
+      </p:ext>
+    </p:extLst>
+  </p:cSld>
+  <p:clrMapOvr>
+    <a:masterClrMapping/>
+  </p:clrMapOvr>
+  <mc:AlternateContent xmlns:mc="http://schemas.openxmlformats.org/markup-compatibility/2006">
+    <mc:Choice xmlns:p14="http://schemas.microsoft.com/office/powerpoint/2010/main" Requires="p14">
+      <p:transition spd="slow" p14:dur="2000" advTm="51818"/>
+    </mc:Choice>
+    <mc:Fallback>
+      <p:transition spd="slow" advTm="51818"/>
+    </mc:Fallback>
+  </mc:AlternateContent>
+  <p:timing>
+    <p:tnLst>
+      <p:par>
+        <p:cTn id="1" dur="indefinite" restart="never" nodeType="tmRoot">
+          <p:childTnLst>
+            <p:seq concurrent="1" nextAc="seek">
+              <p:cTn id="2" dur="indefinite" nodeType="mainSeq">
+                <p:childTnLst>
+                  <p:par>
+                    <p:cTn id="3" fill="hold">
+                      <p:stCondLst>
+                        <p:cond delay="indefinite"/>
+                      </p:stCondLst>
+                      <p:childTnLst>
+                        <p:par>
+                          <p:cTn id="4" fill="hold">
+                            <p:stCondLst>
+                              <p:cond delay="0"/>
+                            </p:stCondLst>
+                            <p:childTnLst>
+                              <p:par>
+                                <p:cTn id="5" presetID="1" presetClass="entr" presetSubtype="0" fill="hold" nodeType="clickEffect">
+                                  <p:stCondLst>
+                                    <p:cond delay="0"/>
+                                  </p:stCondLst>
+                                  <p:childTnLst>
+                                    <p:set>
+                                      <p:cBhvr>
+                                        <p:cTn id="6" dur="1" fill="hold">
+                                          <p:stCondLst>
+                                            <p:cond delay="0"/>
+                                          </p:stCondLst>
+                                        </p:cTn>
+                                        <p:tgtEl>
+                                          <p:spTgt spid="3">
+                                            <p:txEl>
+                                              <p:pRg st="0" end="0"/>
+                                            </p:txEl>
+                                          </p:spTgt>
+                                        </p:tgtEl>
+                                        <p:attrNameLst>
+                                          <p:attrName>style.visibility</p:attrName>
+                                        </p:attrNameLst>
+                                      </p:cBhvr>
+                                      <p:to>
+                                        <p:strVal val="visible"/>
+                                      </p:to>
+                                    </p:set>
+                                  </p:childTnLst>
+                                </p:cTn>
+                              </p:par>
+                            </p:childTnLst>
+                          </p:cTn>
+                        </p:par>
+                      </p:childTnLst>
+                    </p:cTn>
+                  </p:par>
+                  <p:par>
+                    <p:cTn id="7" fill="hold">
+                      <p:stCondLst>
+                        <p:cond delay="indefinite"/>
+                      </p:stCondLst>
+                      <p:childTnLst>
+                        <p:par>
+                          <p:cTn id="8" fill="hold">
+                            <p:stCondLst>
+                              <p:cond delay="0"/>
+                            </p:stCondLst>
+                            <p:childTnLst>
+                              <p:par>
+                                <p:cTn id="9" presetID="1" presetClass="entr" presetSubtype="0" fill="hold" nodeType="clickEffect">
+                                  <p:stCondLst>
+                                    <p:cond delay="0"/>
+                                  </p:stCondLst>
+                                  <p:childTnLst>
+                                    <p:set>
+                                      <p:cBhvr>
+                                        <p:cTn id="10" dur="1" fill="hold">
+                                          <p:stCondLst>
+                                            <p:cond delay="0"/>
+                                          </p:stCondLst>
+                                        </p:cTn>
+                                        <p:tgtEl>
+                                          <p:spTgt spid="3">
+                                            <p:txEl>
+                                              <p:pRg st="2" end="2"/>
+                                            </p:txEl>
+                                          </p:spTgt>
+                                        </p:tgtEl>
+                                        <p:attrNameLst>
+                                          <p:attrName>style.visibility</p:attrName>
+                                        </p:attrNameLst>
+                                      </p:cBhvr>
+                                      <p:to>
+                                        <p:strVal val="visible"/>
+                                      </p:to>
+                                    </p:set>
+                                  </p:childTnLst>
+                                </p:cTn>
+                              </p:par>
+                            </p:childTnLst>
+                          </p:cTn>
+                        </p:par>
+                      </p:childTnLst>
+                    </p:cTn>
+                  </p:par>
+                  <p:par>
+                    <p:cTn id="11" fill="hold">
+                      <p:stCondLst>
+                        <p:cond delay="indefinite"/>
+                      </p:stCondLst>
+                      <p:childTnLst>
+                        <p:par>
+                          <p:cTn id="12" fill="hold">
+                            <p:stCondLst>
+                              <p:cond delay="0"/>
+                            </p:stCondLst>
+                            <p:childTnLst>
+                              <p:par>
+                                <p:cTn id="13" presetID="1" presetClass="entr" presetSubtype="0" fill="hold" nodeType="clickEffect">
+                                  <p:stCondLst>
+                                    <p:cond delay="0"/>
+                                  </p:stCondLst>
+                                  <p:childTnLst>
+                                    <p:set>
+                                      <p:cBhvr>
+                                        <p:cTn id="14" dur="1" fill="hold">
+                                          <p:stCondLst>
+                                            <p:cond delay="0"/>
+                                          </p:stCondLst>
+                                        </p:cTn>
+                                        <p:tgtEl>
+                                          <p:spTgt spid="3">
+                                            <p:txEl>
+                                              <p:pRg st="4" end="4"/>
+                                            </p:txEl>
+                                          </p:spTgt>
+                                        </p:tgtEl>
+                                        <p:attrNameLst>
+                                          <p:attrName>style.visibility</p:attrName>
+                                        </p:attrNameLst>
+                                      </p:cBhvr>
+                                      <p:to>
+                                        <p:strVal val="visible"/>
+                                      </p:to>
+                                    </p:set>
+                                  </p:childTnLst>
+                                </p:cTn>
+                              </p:par>
+                            </p:childTnLst>
+                          </p:cTn>
+                        </p:par>
+                      </p:childTnLst>
+                    </p:cTn>
+                  </p:par>
+                </p:childTnLst>
+              </p:cTn>
+              <p:prevCondLst>
+                <p:cond evt="onPrev" delay="0">
+                  <p:tgtEl>
+                    <p:sldTgt/>
+                  </p:tgtEl>
+                </p:cond>
+              </p:prevCondLst>
+              <p:nextCondLst>
+                <p:cond evt="onNext" delay="0">
+                  <p:tgtEl>
+                    <p:sldTgt/>
+                  </p:tgtEl>
+                </p:cond>
+              </p:nextCondLst>
+            </p:seq>
+          </p:childTnLst>
+        </p:cTn>
+      </p:par>
+    </p:tnLst>
+  </p:timing>
+</p:sld>
+</file>
+
+<file path=ppt/slides/slide15.xml><?xml version="1.0" encoding="utf-8"?>
+<p:sld xmlns:a="http://schemas.openxmlformats.org/drawingml/2006/main" xmlns:r="http://schemas.openxmlformats.org/officeDocument/2006/relationships" xmlns:p="http://schemas.openxmlformats.org/presentationml/2006/main">
+  <p:cSld>
+    <p:spTree>
+      <p:nvGrpSpPr>
+        <p:cNvPr id="1" name=""/>
+        <p:cNvGrpSpPr/>
+        <p:nvPr/>
+      </p:nvGrpSpPr>
+      <p:grpSpPr>
+        <a:xfrm>
+          <a:off x="0" y="0"/>
+          <a:ext cx="0" cy="0"/>
+          <a:chOff x="0" y="0"/>
+          <a:chExt cx="0" cy="0"/>
+        </a:xfrm>
+      </p:grpSpPr>
+      <p:sp>
+        <p:nvSpPr>
+          <p:cNvPr id="2" name="Title 1"/>
+          <p:cNvSpPr>
+            <a:spLocks noGrp="1"/>
+          </p:cNvSpPr>
+          <p:nvPr>
+            <p:ph type="title"/>
+          </p:nvPr>
+        </p:nvSpPr>
+        <p:spPr/>
+        <p:txBody>
+          <a:bodyPr/>
+          <a:lstStyle/>
+          <a:p>
+            <a:r>
+              <a:rPr lang="en-US" dirty="0"/>
+              <a:t> </a:t>
+            </a:r>
+            <a:r>
+              <a:rPr lang="ru-RU" dirty="0" smtClean="0"/>
+              <a:t>Эксплуатация: запросы</a:t>
+            </a:r>
+            <a:endParaRPr lang="en-US" dirty="0"/>
+          </a:p>
+        </p:txBody>
+      </p:sp>
+      <p:sp>
+        <p:nvSpPr>
+          <p:cNvPr id="3" name="Content Placeholder 2"/>
+          <p:cNvSpPr>
+            <a:spLocks noGrp="1"/>
+          </p:cNvSpPr>
+          <p:nvPr>
+            <p:ph idx="1"/>
+          </p:nvPr>
+        </p:nvSpPr>
+        <p:spPr/>
+        <p:txBody>
+          <a:bodyPr>
+            <a:normAutofit/>
+          </a:bodyPr>
+          <a:lstStyle/>
+          <a:p>
+            <a:r>
+              <a:rPr lang="ru-RU" dirty="0" smtClean="0"/>
+              <a:t>Нет возможности </a:t>
+            </a:r>
+            <a:r>
+              <a:rPr lang="ru-RU" dirty="0" err="1" smtClean="0"/>
+              <a:t>залогировать</a:t>
+            </a:r>
+            <a:r>
+              <a:rPr lang="ru-RU" dirty="0" smtClean="0"/>
+              <a:t> все запросы на сервере</a:t>
+            </a:r>
+            <a:r>
+              <a:rPr lang="ru-RU" dirty="0" smtClean="0"/>
+              <a:t>.</a:t>
+            </a:r>
+            <a:endParaRPr lang="en-US" dirty="0" smtClean="0"/>
+          </a:p>
+          <a:p>
+            <a:endParaRPr lang="en-US" dirty="0"/>
+          </a:p>
+          <a:p>
+            <a:r>
+              <a:rPr lang="en-US" dirty="0" err="1" smtClean="0"/>
+              <a:t>box.session.sync</a:t>
+            </a:r>
+            <a:r>
+              <a:rPr lang="en-US" dirty="0" smtClean="0"/>
+              <a:t> </a:t>
+            </a:r>
+            <a:r>
+              <a:rPr lang="mr-IN" dirty="0"/>
+              <a:t>–</a:t>
+            </a:r>
+            <a:r>
+              <a:rPr lang="en-US" dirty="0"/>
+              <a:t> shared </a:t>
+            </a:r>
+            <a:r>
+              <a:rPr lang="ru-RU" dirty="0" smtClean="0"/>
+              <a:t>между запросами</a:t>
+            </a:r>
+            <a:endParaRPr lang="ru-RU" dirty="0" smtClean="0"/>
+          </a:p>
+          <a:p>
             <a:endParaRPr lang="ru-RU" dirty="0"/>
           </a:p>
           <a:p>
+            <a:r>
+              <a:rPr lang="ru-RU" dirty="0" smtClean="0"/>
+              <a:t>Специфический язык запросов. </a:t>
+            </a:r>
+            <a:r>
+              <a:rPr lang="en-US" dirty="0" smtClean="0"/>
+              <a:t>QA </a:t>
+            </a:r>
+            <a:r>
+              <a:rPr lang="ru-RU" dirty="0" smtClean="0"/>
+              <a:t>и </a:t>
+            </a:r>
+            <a:r>
+              <a:rPr lang="en-US" dirty="0" smtClean="0"/>
+              <a:t>Ops </a:t>
+            </a:r>
+            <a:r>
+              <a:rPr lang="ru-RU" dirty="0" smtClean="0"/>
+              <a:t>страдают.</a:t>
+            </a:r>
+            <a:endParaRPr lang="en-US" dirty="0" smtClean="0"/>
+          </a:p>
+          <a:p>
             <a:endParaRPr lang="ru-RU" dirty="0" smtClean="0"/>
           </a:p>
           <a:p>
             <a:r>
               <a:rPr lang="ru-RU" dirty="0" smtClean="0"/>
-              <a:t>Унификация конфигурации для </a:t>
+              <a:t>Ждём </a:t>
+            </a:r>
+            <a:r>
+              <a:rPr lang="en-US" dirty="0" err="1" smtClean="0"/>
+              <a:t>sql</a:t>
             </a:r>
             <a:r>
               <a:rPr lang="en-US" dirty="0" smtClean="0"/>
-              <a:t>master-master </a:t>
-            </a:r>
-            <a:r>
-              <a:rPr lang="ru-RU" dirty="0" smtClean="0"/>
-              <a:t>конфигурации.</a:t>
-            </a:r>
-          </a:p>
-          <a:p>
-            <a:endParaRPr lang="ru-RU" dirty="0" smtClean="0"/>
-          </a:p>
-          <a:p>
-            <a:r>
-              <a:rPr lang="ru-RU" dirty="0" smtClean="0"/>
-              <a:t>Сервера приложений.</a:t>
-            </a:r>
-            <a:endParaRPr lang="en-US" dirty="0" smtClean="0"/>
+              <a:t>.</a:t>
+            </a:r>
+            <a:endParaRPr lang="en-US" dirty="0"/>
+          </a:p>
+        </p:txBody>
+      </p:sp>
+    </p:spTree>
+    <p:custDataLst>
+      <p:tags r:id="rId1"/>
+    </p:custDataLst>
+    <p:extLst>
+      <p:ext uri="{BB962C8B-B14F-4D97-AF65-F5344CB8AC3E}">
+        <p14:creationId xmlns:p14="http://schemas.microsoft.com/office/powerpoint/2010/main" val="1521737462"/>
+      </p:ext>
+    </p:extLst>
+  </p:cSld>
+  <p:clrMapOvr>
+    <a:masterClrMapping/>
+  </p:clrMapOvr>
+  <mc:AlternateContent xmlns:mc="http://schemas.openxmlformats.org/markup-compatibility/2006">
+    <mc:Choice xmlns:p14="http://schemas.microsoft.com/office/powerpoint/2010/main" Requires="p14">
+      <p:transition spd="slow" p14:dur="2000" advTm="63286"/>
+    </mc:Choice>
+    <mc:Fallback>
+      <p:transition spd="slow" advTm="63286"/>
+    </mc:Fallback>
+  </mc:AlternateContent>
+  <p:timing>
+    <p:tnLst>
+      <p:par>
+        <p:cTn id="1" dur="indefinite" restart="never" nodeType="tmRoot">
+          <p:childTnLst>
+            <p:seq concurrent="1" nextAc="seek">
+              <p:cTn id="2" dur="indefinite" nodeType="mainSeq">
+                <p:childTnLst>
+                  <p:par>
+                    <p:cTn id="3" fill="hold">
+                      <p:stCondLst>
+                        <p:cond delay="indefinite"/>
+                      </p:stCondLst>
+                      <p:childTnLst>
+                        <p:par>
+                          <p:cTn id="4" fill="hold">
+                            <p:stCondLst>
+                              <p:cond delay="0"/>
+                            </p:stCondLst>
+                            <p:childTnLst>
+                              <p:par>
+                                <p:cTn id="5" presetID="1" presetClass="entr" presetSubtype="0" fill="hold" nodeType="clickEffect">
+                                  <p:stCondLst>
+                                    <p:cond delay="0"/>
+                                  </p:stCondLst>
+                                  <p:childTnLst>
+                                    <p:set>
+                                      <p:cBhvr>
+                                        <p:cTn id="6" dur="1" fill="hold">
+                                          <p:stCondLst>
+                                            <p:cond delay="0"/>
+                                          </p:stCondLst>
+                                        </p:cTn>
+                                        <p:tgtEl>
+                                          <p:spTgt spid="3">
+                                            <p:txEl>
+                                              <p:pRg st="0" end="0"/>
+                                            </p:txEl>
+                                          </p:spTgt>
+                                        </p:tgtEl>
+                                        <p:attrNameLst>
+                                          <p:attrName>style.visibility</p:attrName>
+                                        </p:attrNameLst>
+                                      </p:cBhvr>
+                                      <p:to>
+                                        <p:strVal val="visible"/>
+                                      </p:to>
+                                    </p:set>
+                                  </p:childTnLst>
+                                </p:cTn>
+                              </p:par>
+                            </p:childTnLst>
+                          </p:cTn>
+                        </p:par>
+                      </p:childTnLst>
+                    </p:cTn>
+                  </p:par>
+                  <p:par>
+                    <p:cTn id="7" fill="hold">
+                      <p:stCondLst>
+                        <p:cond delay="indefinite"/>
+                      </p:stCondLst>
+                      <p:childTnLst>
+                        <p:par>
+                          <p:cTn id="8" fill="hold">
+                            <p:stCondLst>
+                              <p:cond delay="0"/>
+                            </p:stCondLst>
+                            <p:childTnLst>
+                              <p:par>
+                                <p:cTn id="9" presetID="1" presetClass="entr" presetSubtype="0" fill="hold" nodeType="clickEffect">
+                                  <p:stCondLst>
+                                    <p:cond delay="0"/>
+                                  </p:stCondLst>
+                                  <p:childTnLst>
+                                    <p:set>
+                                      <p:cBhvr>
+                                        <p:cTn id="10" dur="1" fill="hold">
+                                          <p:stCondLst>
+                                            <p:cond delay="0"/>
+                                          </p:stCondLst>
+                                        </p:cTn>
+                                        <p:tgtEl>
+                                          <p:spTgt spid="3">
+                                            <p:txEl>
+                                              <p:pRg st="2" end="2"/>
+                                            </p:txEl>
+                                          </p:spTgt>
+                                        </p:tgtEl>
+                                        <p:attrNameLst>
+                                          <p:attrName>style.visibility</p:attrName>
+                                        </p:attrNameLst>
+                                      </p:cBhvr>
+                                      <p:to>
+                                        <p:strVal val="visible"/>
+                                      </p:to>
+                                    </p:set>
+                                  </p:childTnLst>
+                                </p:cTn>
+                              </p:par>
+                            </p:childTnLst>
+                          </p:cTn>
+                        </p:par>
+                      </p:childTnLst>
+                    </p:cTn>
+                  </p:par>
+                  <p:par>
+                    <p:cTn id="11" fill="hold">
+                      <p:stCondLst>
+                        <p:cond delay="indefinite"/>
+                      </p:stCondLst>
+                      <p:childTnLst>
+                        <p:par>
+                          <p:cTn id="12" fill="hold">
+                            <p:stCondLst>
+                              <p:cond delay="0"/>
+                            </p:stCondLst>
+                            <p:childTnLst>
+                              <p:par>
+                                <p:cTn id="13" presetID="1" presetClass="entr" presetSubtype="0" fill="hold" nodeType="clickEffect">
+                                  <p:stCondLst>
+                                    <p:cond delay="0"/>
+                                  </p:stCondLst>
+                                  <p:childTnLst>
+                                    <p:set>
+                                      <p:cBhvr>
+                                        <p:cTn id="14" dur="1" fill="hold">
+                                          <p:stCondLst>
+                                            <p:cond delay="0"/>
+                                          </p:stCondLst>
+                                        </p:cTn>
+                                        <p:tgtEl>
+                                          <p:spTgt spid="3">
+                                            <p:txEl>
+                                              <p:pRg st="4" end="4"/>
+                                            </p:txEl>
+                                          </p:spTgt>
+                                        </p:tgtEl>
+                                        <p:attrNameLst>
+                                          <p:attrName>style.visibility</p:attrName>
+                                        </p:attrNameLst>
+                                      </p:cBhvr>
+                                      <p:to>
+                                        <p:strVal val="visible"/>
+                                      </p:to>
+                                    </p:set>
+                                  </p:childTnLst>
+                                </p:cTn>
+                              </p:par>
+                            </p:childTnLst>
+                          </p:cTn>
+                        </p:par>
+                      </p:childTnLst>
+                    </p:cTn>
+                  </p:par>
+                  <p:par>
+                    <p:cTn id="15" fill="hold">
+                      <p:stCondLst>
+                        <p:cond delay="indefinite"/>
+                      </p:stCondLst>
+                      <p:childTnLst>
+                        <p:par>
+                          <p:cTn id="16" fill="hold">
+                            <p:stCondLst>
+                              <p:cond delay="0"/>
+                            </p:stCondLst>
+                            <p:childTnLst>
+                              <p:par>
+                                <p:cTn id="17" presetID="1" presetClass="entr" presetSubtype="0" fill="hold" nodeType="clickEffect">
+                                  <p:stCondLst>
+                                    <p:cond delay="0"/>
+                                  </p:stCondLst>
+                                  <p:childTnLst>
+                                    <p:set>
+                                      <p:cBhvr>
+                                        <p:cTn id="18" dur="1" fill="hold">
+                                          <p:stCondLst>
+                                            <p:cond delay="0"/>
+                                          </p:stCondLst>
+                                        </p:cTn>
+                                        <p:tgtEl>
+                                          <p:spTgt spid="3">
+                                            <p:txEl>
+                                              <p:pRg st="6" end="6"/>
+                                            </p:txEl>
+                                          </p:spTgt>
+                                        </p:tgtEl>
+                                        <p:attrNameLst>
+                                          <p:attrName>style.visibility</p:attrName>
+                                        </p:attrNameLst>
+                                      </p:cBhvr>
+                                      <p:to>
+                                        <p:strVal val="visible"/>
+                                      </p:to>
+                                    </p:set>
+                                  </p:childTnLst>
+                                </p:cTn>
+                              </p:par>
+                            </p:childTnLst>
+                          </p:cTn>
+                        </p:par>
+                      </p:childTnLst>
+                    </p:cTn>
+                  </p:par>
+                </p:childTnLst>
+              </p:cTn>
+              <p:prevCondLst>
+                <p:cond evt="onPrev" delay="0">
+                  <p:tgtEl>
+                    <p:sldTgt/>
+                  </p:tgtEl>
+                </p:cond>
+              </p:prevCondLst>
+              <p:nextCondLst>
+                <p:cond evt="onNext" delay="0">
+                  <p:tgtEl>
+                    <p:sldTgt/>
+                  </p:tgtEl>
+                </p:cond>
+              </p:nextCondLst>
+            </p:seq>
+          </p:childTnLst>
+        </p:cTn>
+      </p:par>
+    </p:tnLst>
+  </p:timing>
+</p:sld>
+</file>
+
+<file path=ppt/slides/slide16.xml><?xml version="1.0" encoding="utf-8"?>
+<p:sld xmlns:a="http://schemas.openxmlformats.org/drawingml/2006/main" xmlns:r="http://schemas.openxmlformats.org/officeDocument/2006/relationships" xmlns:p="http://schemas.openxmlformats.org/presentationml/2006/main">
+  <p:cSld>
+    <p:spTree>
+      <p:nvGrpSpPr>
+        <p:cNvPr id="1" name=""/>
+        <p:cNvGrpSpPr/>
+        <p:nvPr/>
+      </p:nvGrpSpPr>
+      <p:grpSpPr>
+        <a:xfrm>
+          <a:off x="0" y="0"/>
+          <a:ext cx="0" cy="0"/>
+          <a:chOff x="0" y="0"/>
+          <a:chExt cx="0" cy="0"/>
+        </a:xfrm>
+      </p:grpSpPr>
+      <p:sp>
+        <p:nvSpPr>
+          <p:cNvPr id="2" name="Title 1"/>
+          <p:cNvSpPr>
+            <a:spLocks noGrp="1"/>
+          </p:cNvSpPr>
+          <p:nvPr>
+            <p:ph type="title"/>
+          </p:nvPr>
+        </p:nvSpPr>
+        <p:spPr/>
+        <p:txBody>
+          <a:bodyPr/>
+          <a:lstStyle/>
+          <a:p>
+            <a:r>
+              <a:rPr lang="ru-RU" dirty="0" smtClean="0"/>
+              <a:t>Эксплуатация: мониторинг и </a:t>
+            </a:r>
+            <a:r>
+              <a:rPr lang="ru-RU" dirty="0" err="1" smtClean="0"/>
+              <a:t>логгинг</a:t>
+            </a:r>
+            <a:endParaRPr lang="en-US" dirty="0"/>
+          </a:p>
+        </p:txBody>
+      </p:sp>
+      <p:sp>
+        <p:nvSpPr>
+          <p:cNvPr id="3" name="Content Placeholder 2"/>
+          <p:cNvSpPr>
+            <a:spLocks noGrp="1"/>
+          </p:cNvSpPr>
+          <p:nvPr>
+            <p:ph idx="1"/>
+          </p:nvPr>
+        </p:nvSpPr>
+        <p:spPr/>
+        <p:txBody>
+          <a:bodyPr/>
+          <a:lstStyle/>
+          <a:p>
+            <a:r>
+              <a:rPr lang="en-US" dirty="0" err="1" smtClean="0"/>
+              <a:t>Fluentd</a:t>
+            </a:r>
+            <a:r>
+              <a:rPr lang="en-US" dirty="0" smtClean="0"/>
+              <a:t> </a:t>
+            </a:r>
+            <a:r>
+              <a:rPr lang="en-US" dirty="0" err="1" smtClean="0"/>
+              <a:t>docker</a:t>
+            </a:r>
+            <a:r>
+              <a:rPr lang="en-US" dirty="0" smtClean="0"/>
+              <a:t> loggin</a:t>
+            </a:r>
+            <a:r>
+              <a:rPr lang="en-US" dirty="0"/>
+              <a:t>g</a:t>
+            </a:r>
+            <a:r>
+              <a:rPr lang="en-US" dirty="0" smtClean="0"/>
+              <a:t> driver</a:t>
+            </a:r>
+          </a:p>
+          <a:p>
+            <a:endParaRPr lang="en-US" dirty="0"/>
+          </a:p>
+          <a:p>
+            <a:r>
+              <a:rPr lang="en-US" dirty="0" err="1" smtClean="0"/>
+              <a:t>tarantool</a:t>
+            </a:r>
+            <a:r>
+              <a:rPr lang="en-US" dirty="0" smtClean="0"/>
+              <a:t>/</a:t>
+            </a:r>
+            <a:r>
+              <a:rPr lang="en-US" dirty="0" err="1" smtClean="0"/>
+              <a:t>prometheus</a:t>
+            </a:r>
+            <a:endParaRPr lang="en-US" dirty="0"/>
           </a:p>
         </p:txBody>
       </p:sp>
     </p:spTree>
     <p:extLst>
       <p:ext uri="{BB962C8B-B14F-4D97-AF65-F5344CB8AC3E}">
-        <p14:creationId xmlns:p14="http://schemas.microsoft.com/office/powerpoint/2010/main" val="1652160605"/>
+        <p14:creationId xmlns:p14="http://schemas.microsoft.com/office/powerpoint/2010/main" val="1504290801"/>
+      </p:ext>
+    </p:extLst>
+  </p:cSld>
+  <p:clrMapOvr>
+    <a:masterClrMapping/>
+  </p:clrMapOvr>
+  <p:timing>
+    <p:tnLst>
+      <p:par>
+        <p:cTn id="1" dur="indefinite" restart="never" nodeType="tmRoot"/>
+      </p:par>
+    </p:tnLst>
+  </p:timing>
+</p:sld>
+</file>
+
+<file path=ppt/slides/slide17.xml><?xml version="1.0" encoding="utf-8"?>
+<p:sld xmlns:a="http://schemas.openxmlformats.org/drawingml/2006/main" xmlns:r="http://schemas.openxmlformats.org/officeDocument/2006/relationships" xmlns:p="http://schemas.openxmlformats.org/presentationml/2006/main">
+  <p:cSld>
+    <p:spTree>
+      <p:nvGrpSpPr>
+        <p:cNvPr id="1" name=""/>
+        <p:cNvGrpSpPr/>
+        <p:nvPr/>
+      </p:nvGrpSpPr>
+      <p:grpSpPr>
+        <a:xfrm>
+          <a:off x="0" y="0"/>
+          <a:ext cx="0" cy="0"/>
+          <a:chOff x="0" y="0"/>
+          <a:chExt cx="0" cy="0"/>
+        </a:xfrm>
+      </p:grpSpPr>
+      <p:sp>
+        <p:nvSpPr>
+          <p:cNvPr id="2" name="Title 1"/>
+          <p:cNvSpPr>
+            <a:spLocks noGrp="1"/>
+          </p:cNvSpPr>
+          <p:nvPr>
+            <p:ph type="title"/>
+          </p:nvPr>
+        </p:nvSpPr>
+        <p:spPr/>
+        <p:txBody>
+          <a:bodyPr/>
+          <a:lstStyle/>
+          <a:p>
+            <a:r>
+              <a:rPr lang="ru-RU" dirty="0" smtClean="0"/>
+              <a:t>Выводы?</a:t>
+            </a:r>
+            <a:endParaRPr lang="en-US" dirty="0"/>
+          </a:p>
+        </p:txBody>
+      </p:sp>
+      <p:sp>
+        <p:nvSpPr>
+          <p:cNvPr id="3" name="Content Placeholder 2"/>
+          <p:cNvSpPr>
+            <a:spLocks noGrp="1"/>
+          </p:cNvSpPr>
+          <p:nvPr>
+            <p:ph idx="1"/>
+          </p:nvPr>
+        </p:nvSpPr>
+        <p:spPr>
+          <a:xfrm>
+            <a:off x="838200" y="1844287"/>
+            <a:ext cx="10515600" cy="4351338"/>
+          </a:xfrm>
+        </p:spPr>
+        <p:txBody>
+          <a:bodyPr/>
+          <a:lstStyle/>
+          <a:p>
+            <a:r>
+              <a:rPr lang="en-US" dirty="0" err="1"/>
+              <a:t>.net</a:t>
+            </a:r>
+            <a:r>
+              <a:rPr lang="en-US" dirty="0"/>
+              <a:t> core </a:t>
+            </a:r>
+            <a:r>
+              <a:rPr lang="ru-RU" dirty="0"/>
+              <a:t>работает на </a:t>
+            </a:r>
+            <a:r>
+              <a:rPr lang="en-US" dirty="0" smtClean="0"/>
+              <a:t>Linux, ARM, ARM64 (</a:t>
+            </a:r>
+            <a:r>
+              <a:rPr lang="ru-RU" dirty="0" smtClean="0"/>
+              <a:t>ну, почти ;))</a:t>
+            </a:r>
+            <a:endParaRPr lang="ru-RU" dirty="0"/>
+          </a:p>
+          <a:p>
+            <a:endParaRPr lang="en-US" dirty="0"/>
+          </a:p>
+          <a:p>
+            <a:r>
+              <a:rPr lang="en-US" dirty="0" err="1" smtClean="0"/>
+              <a:t>Tarantool</a:t>
+            </a:r>
+            <a:r>
+              <a:rPr lang="en-US" dirty="0" smtClean="0"/>
+              <a:t> </a:t>
+            </a:r>
+            <a:r>
+              <a:rPr lang="mr-IN" dirty="0" smtClean="0"/>
+              <a:t>–</a:t>
+            </a:r>
+            <a:r>
+              <a:rPr lang="en-US" dirty="0" smtClean="0"/>
+              <a:t> </a:t>
+            </a:r>
+            <a:r>
+              <a:rPr lang="ru-RU" dirty="0" smtClean="0"/>
+              <a:t>хорошая СУБД для </a:t>
+            </a:r>
+            <a:r>
+              <a:rPr lang="en-US" dirty="0" err="1" smtClean="0"/>
+              <a:t>.net</a:t>
+            </a:r>
+            <a:r>
+              <a:rPr lang="ru-RU" dirty="0" smtClean="0"/>
+              <a:t> приложений.</a:t>
+            </a:r>
+            <a:endParaRPr lang="en-US" dirty="0" smtClean="0"/>
+          </a:p>
+          <a:p>
+            <a:endParaRPr lang="en-US" dirty="0"/>
+          </a:p>
+          <a:p>
+            <a:r>
+              <a:rPr lang="en-US" dirty="0" err="1" smtClean="0"/>
+              <a:t>Tarantool</a:t>
+            </a:r>
+            <a:r>
+              <a:rPr lang="en-US" dirty="0" smtClean="0"/>
+              <a:t> </a:t>
+            </a:r>
+            <a:r>
+              <a:rPr lang="mr-IN" dirty="0" smtClean="0"/>
+              <a:t>–</a:t>
+            </a:r>
+            <a:r>
+              <a:rPr lang="en-US" dirty="0" smtClean="0"/>
+              <a:t> </a:t>
+            </a:r>
+            <a:r>
+              <a:rPr lang="ru-RU" dirty="0" smtClean="0"/>
+              <a:t>хорошая очередь</a:t>
+            </a:r>
+            <a:r>
+              <a:rPr lang="en-US" dirty="0" smtClean="0"/>
+              <a:t> </a:t>
+            </a:r>
+            <a:r>
+              <a:rPr lang="ru-RU" dirty="0" smtClean="0"/>
+              <a:t>для </a:t>
+            </a:r>
+            <a:r>
+              <a:rPr lang="en-US" dirty="0" err="1" smtClean="0"/>
+              <a:t>.net</a:t>
+            </a:r>
+            <a:r>
+              <a:rPr lang="en-US" dirty="0" smtClean="0"/>
+              <a:t> </a:t>
+            </a:r>
+            <a:r>
+              <a:rPr lang="ru-RU" dirty="0" smtClean="0"/>
+              <a:t>приложений.</a:t>
+            </a:r>
+            <a:endParaRPr lang="en-US" dirty="0" smtClean="0"/>
+          </a:p>
+          <a:p>
+            <a:endParaRPr lang="en-US" dirty="0"/>
+          </a:p>
+        </p:txBody>
+      </p:sp>
+    </p:spTree>
+    <p:extLst>
+      <p:ext uri="{BB962C8B-B14F-4D97-AF65-F5344CB8AC3E}">
+        <p14:creationId xmlns:p14="http://schemas.microsoft.com/office/powerpoint/2010/main" val="1614708702"/>
       </p:ext>
     </p:extLst>
   </p:cSld>
@@ -5505,7 +9268,7 @@
 </p:sld>
 </file>
 
-<file path=ppt/slides/slide13.xml><?xml version="1.0" encoding="utf-8"?>
+<file path=ppt/slides/slide18.xml><?xml version="1.0" encoding="utf-8"?>
 <p:sld xmlns:a="http://schemas.openxmlformats.org/drawingml/2006/main" xmlns:r="http://schemas.openxmlformats.org/officeDocument/2006/relationships" xmlns:p="http://schemas.openxmlformats.org/presentationml/2006/main">
   <p:cSld>
     <p:spTree>
@@ -5538,8 +9301,8 @@
           <a:lstStyle/>
           <a:p>
             <a:r>
-              <a:rPr lang="ru-RU" smtClean="0"/>
-              <a:t>Достоинства</a:t>
+              <a:rPr lang="ru-RU" dirty="0" smtClean="0"/>
+              <a:t>Вопросы?</a:t>
             </a:r>
             <a:endParaRPr lang="en-US" dirty="0"/>
           </a:p>
@@ -5547,59 +9310,235 @@
       </p:sp>
       <p:sp>
         <p:nvSpPr>
-          <p:cNvPr id="3" name="Content Placeholder 2"/>
-          <p:cNvSpPr>
-            <a:spLocks noGrp="1"/>
-          </p:cNvSpPr>
-          <p:nvPr>
-            <p:ph idx="1"/>
-          </p:nvPr>
-        </p:nvSpPr>
-        <p:spPr/>
-        <p:txBody>
-          <a:bodyPr/>
-          <a:lstStyle/>
-          <a:p>
-            <a:r>
-              <a:rPr lang="en-US" dirty="0" smtClean="0"/>
-              <a:t>Read recovery via </a:t>
-            </a:r>
-            <a:r>
-              <a:rPr lang="en-US" dirty="0" err="1" smtClean="0"/>
-              <a:t>Lua</a:t>
-            </a:r>
-            <a:r>
-              <a:rPr lang="ru-RU" dirty="0" smtClean="0"/>
-              <a:t>.</a:t>
-            </a:r>
-            <a:endParaRPr lang="ru-RU" dirty="0"/>
-          </a:p>
-          <a:p>
-            <a:endParaRPr lang="ru-RU" dirty="0" smtClean="0"/>
-          </a:p>
-          <a:p>
-            <a:r>
-              <a:rPr lang="ru-RU" smtClean="0"/>
-              <a:t>Разработчики</a:t>
-            </a:r>
-            <a:r>
-              <a:rPr lang="ru-RU" smtClean="0"/>
-              <a:t>.</a:t>
-            </a:r>
-            <a:endParaRPr lang="en-US" dirty="0" smtClean="0"/>
+          <p:cNvPr id="4" name="Title 1"/>
+          <p:cNvSpPr txBox="1">
+            <a:spLocks/>
+          </p:cNvSpPr>
+          <p:nvPr/>
+        </p:nvSpPr>
+        <p:spPr>
+          <a:xfrm>
+            <a:off x="873125" y="3209925"/>
+            <a:ext cx="10515600" cy="2389735"/>
+          </a:xfrm>
+          <a:prstGeom prst="rect">
+            <a:avLst/>
+          </a:prstGeom>
+        </p:spPr>
+        <p:txBody>
+          <a:bodyPr vert="horz" lIns="91440" tIns="45720" rIns="91440" bIns="45720" rtlCol="0" anchor="ctr">
+            <a:normAutofit/>
+          </a:bodyPr>
+          <a:lstStyle>
+            <a:lvl1pPr algn="l" defTabSz="914400" rtl="0" eaLnBrk="1" latinLnBrk="0" hangingPunct="1">
+              <a:lnSpc>
+                <a:spcPct val="90000"/>
+              </a:lnSpc>
+              <a:spcBef>
+                <a:spcPct val="0"/>
+              </a:spcBef>
+              <a:buNone/>
+              <a:defRPr sz="4400" kern="1200">
+                <a:solidFill>
+                  <a:schemeClr val="tx1"/>
+                </a:solidFill>
+                <a:latin typeface="+mj-lt"/>
+                <a:ea typeface="+mj-ea"/>
+                <a:cs typeface="+mj-cs"/>
+              </a:defRPr>
+            </a:lvl1pPr>
+          </a:lstStyle>
+          <a:p>
+            <a:r>
+              <a:rPr lang="az-Cyrl-AZ" sz="3600" dirty="0">
+                <a:latin typeface="Calibri Light"/>
+              </a:rPr>
+              <a:t>Анатолий Попов</a:t>
+            </a:r>
+          </a:p>
+          <a:p>
+            <a:r>
+              <a:rPr lang="en-US" sz="2400" dirty="0" err="1" smtClean="0">
+                <a:latin typeface="Calibri Light"/>
+              </a:rPr>
+              <a:t>evote.com</a:t>
+            </a:r>
+            <a:r>
+              <a:rPr lang="en-US" sz="2400" dirty="0" smtClean="0">
+                <a:latin typeface="Calibri Light"/>
+              </a:rPr>
+              <a:t>, server team lead</a:t>
+            </a:r>
+            <a:endParaRPr lang="en-US" sz="2400" dirty="0">
+              <a:latin typeface="Calibri Light"/>
+            </a:endParaRPr>
+          </a:p>
+          <a:p>
+            <a:r>
+              <a:rPr lang="en-US" sz="2400" dirty="0">
+                <a:latin typeface="Calibri Light"/>
+                <a:hlinkClick r:id="rId3"/>
+              </a:rPr>
+              <a:t>me@aensidhe.ru</a:t>
+            </a:r>
+          </a:p>
+          <a:p>
+            <a:r>
+              <a:rPr lang="en-US" sz="2400" dirty="0">
+                <a:latin typeface="Calibri Light"/>
+                <a:hlinkClick r:id="rId4"/>
+              </a:rPr>
+              <a:t>https://github.com/aensidhe</a:t>
+            </a:r>
           </a:p>
         </p:txBody>
       </p:sp>
     </p:spTree>
     <p:extLst>
       <p:ext uri="{BB962C8B-B14F-4D97-AF65-F5344CB8AC3E}">
-        <p14:creationId xmlns:p14="http://schemas.microsoft.com/office/powerpoint/2010/main" val="1385280565"/>
+        <p14:creationId xmlns:p14="http://schemas.microsoft.com/office/powerpoint/2010/main" val="1243461348"/>
       </p:ext>
     </p:extLst>
   </p:cSld>
   <p:clrMapOvr>
     <a:masterClrMapping/>
   </p:clrMapOvr>
+  <p:timing>
+    <p:tnLst>
+      <p:par>
+        <p:cTn id="1" dur="indefinite" restart="never" nodeType="tmRoot"/>
+      </p:par>
+    </p:tnLst>
+  </p:timing>
+</p:sld>
+</file>
+
+<file path=ppt/slides/slide2.xml><?xml version="1.0" encoding="utf-8"?>
+<p:sld xmlns:a="http://schemas.openxmlformats.org/drawingml/2006/main" xmlns:r="http://schemas.openxmlformats.org/officeDocument/2006/relationships" xmlns:p="http://schemas.openxmlformats.org/presentationml/2006/main">
+  <p:cSld>
+    <p:spTree>
+      <p:nvGrpSpPr>
+        <p:cNvPr id="1" name=""/>
+        <p:cNvGrpSpPr/>
+        <p:nvPr/>
+      </p:nvGrpSpPr>
+      <p:grpSpPr>
+        <a:xfrm>
+          <a:off x="0" y="0"/>
+          <a:ext cx="0" cy="0"/>
+          <a:chOff x="0" y="0"/>
+          <a:chExt cx="0" cy="0"/>
+        </a:xfrm>
+      </p:grpSpPr>
+      <p:sp>
+        <p:nvSpPr>
+          <p:cNvPr id="2" name="Title 1"/>
+          <p:cNvSpPr>
+            <a:spLocks noGrp="1"/>
+          </p:cNvSpPr>
+          <p:nvPr>
+            <p:ph type="title"/>
+          </p:nvPr>
+        </p:nvSpPr>
+        <p:spPr/>
+        <p:txBody>
+          <a:bodyPr/>
+          <a:lstStyle/>
+          <a:p>
+            <a:r>
+              <a:rPr lang="ru-RU" dirty="0" smtClean="0"/>
+              <a:t>Выбор СУБД</a:t>
+            </a:r>
+            <a:endParaRPr lang="en-US" dirty="0"/>
+          </a:p>
+        </p:txBody>
+      </p:sp>
+      <p:sp>
+        <p:nvSpPr>
+          <p:cNvPr id="3" name="Content Placeholder 2"/>
+          <p:cNvSpPr>
+            <a:spLocks noGrp="1"/>
+          </p:cNvSpPr>
+          <p:nvPr>
+            <p:ph idx="1"/>
+          </p:nvPr>
+        </p:nvSpPr>
+        <p:spPr/>
+        <p:txBody>
+          <a:bodyPr/>
+          <a:lstStyle/>
+          <a:p>
+            <a:r>
+              <a:rPr lang="ru-RU" dirty="0"/>
+              <a:t>Нам подходят </a:t>
+            </a:r>
+            <a:r>
+              <a:rPr lang="en-US" dirty="0"/>
+              <a:t>key-value </a:t>
+            </a:r>
+            <a:r>
+              <a:rPr lang="ru-RU" dirty="0"/>
+              <a:t>хранилища</a:t>
+            </a:r>
+            <a:endParaRPr lang="en-US" dirty="0"/>
+          </a:p>
+          <a:p>
+            <a:endParaRPr lang="ru-RU" dirty="0" smtClean="0"/>
+          </a:p>
+          <a:p>
+            <a:r>
+              <a:rPr lang="en-US" dirty="0" err="1" smtClean="0"/>
+              <a:t>Redis</a:t>
+            </a:r>
+            <a:endParaRPr lang="en-US" dirty="0" smtClean="0"/>
+          </a:p>
+          <a:p>
+            <a:endParaRPr lang="en-US" dirty="0"/>
+          </a:p>
+          <a:p>
+            <a:r>
+              <a:rPr lang="en-US" dirty="0" err="1" smtClean="0"/>
+              <a:t>Tarantool</a:t>
+            </a:r>
+            <a:endParaRPr lang="en-US" dirty="0" smtClean="0"/>
+          </a:p>
+          <a:p>
+            <a:endParaRPr lang="en-US" dirty="0"/>
+          </a:p>
+          <a:p>
+            <a:r>
+              <a:rPr lang="en-US" dirty="0" smtClean="0"/>
+              <a:t>MySQL + </a:t>
+            </a:r>
+            <a:r>
+              <a:rPr lang="en-US" dirty="0" err="1" smtClean="0"/>
+              <a:t>handlersocket</a:t>
+            </a:r>
+            <a:endParaRPr lang="en-US" dirty="0"/>
+          </a:p>
+        </p:txBody>
+      </p:sp>
+    </p:spTree>
+    <p:custDataLst>
+      <p:tags r:id="rId1"/>
+    </p:custDataLst>
+    <p:extLst>
+      <p:ext uri="{BB962C8B-B14F-4D97-AF65-F5344CB8AC3E}">
+        <p14:creationId xmlns:p14="http://schemas.microsoft.com/office/powerpoint/2010/main" val="1639964167"/>
+      </p:ext>
+    </p:extLst>
+  </p:cSld>
+  <p:clrMapOvr>
+    <a:masterClrMapping/>
+  </p:clrMapOvr>
+  <mc:AlternateContent xmlns:mc="http://schemas.openxmlformats.org/markup-compatibility/2006">
+    <mc:Choice xmlns:p14="http://schemas.microsoft.com/office/powerpoint/2010/main" Requires="p14">
+      <p:transition spd="slow" p14:dur="2000" advTm="3504"/>
+    </mc:Choice>
+    <mc:Fallback>
+      <p:transition spd="slow" advTm="3504"/>
+    </mc:Fallback>
+  </mc:AlternateContent>
   <p:timing>
     <p:tnLst>
       <p:par>
@@ -5706,6 +9645,104 @@
                       </p:childTnLst>
                     </p:cTn>
                   </p:par>
+                  <p:par>
+                    <p:cTn id="11" fill="hold">
+                      <p:stCondLst>
+                        <p:cond delay="indefinite"/>
+                      </p:stCondLst>
+                      <p:childTnLst>
+                        <p:par>
+                          <p:cTn id="12" fill="hold">
+                            <p:stCondLst>
+                              <p:cond delay="0"/>
+                            </p:stCondLst>
+                            <p:childTnLst>
+                              <p:par>
+                                <p:cTn id="13" presetID="1" presetClass="entr" presetSubtype="0" fill="hold" nodeType="clickEffect">
+                                  <p:stCondLst>
+                                    <p:cond delay="0"/>
+                                  </p:stCondLst>
+                                  <p:childTnLst>
+                                    <p:set>
+                                      <p:cBhvr>
+                                        <p:cTn id="14" dur="1" fill="hold">
+                                          <p:stCondLst>
+                                            <p:cond delay="0"/>
+                                          </p:stCondLst>
+                                        </p:cTn>
+                                        <p:tgtEl>
+                                          <p:spTgt spid="3">
+                                            <p:txEl>
+                                              <p:pRg st="4" end="4"/>
+                                            </p:txEl>
+                                          </p:spTgt>
+                                        </p:tgtEl>
+                                        <p:attrNameLst>
+                                          <p:attrName>style.visibility</p:attrName>
+                                        </p:attrNameLst>
+                                      </p:cBhvr>
+                                      <p:to>
+                                        <p:strVal val="visible"/>
+                                      </p:to>
+                                    </p:set>
+                                  </p:childTnLst>
+                                </p:cTn>
+                              </p:par>
+                            </p:childTnLst>
+                          </p:cTn>
+                        </p:par>
+                      </p:childTnLst>
+                    </p:cTn>
+                  </p:par>
+                  <p:par>
+                    <p:cTn id="15" fill="hold">
+                      <p:stCondLst>
+                        <p:cond delay="indefinite"/>
+                      </p:stCondLst>
+                      <p:childTnLst>
+                        <p:par>
+                          <p:cTn id="16" fill="hold">
+                            <p:stCondLst>
+                              <p:cond delay="0"/>
+                            </p:stCondLst>
+                            <p:childTnLst>
+                              <p:par>
+                                <p:cTn id="17" presetID="1" presetClass="entr" presetSubtype="0" fill="hold" nodeType="clickEffect">
+                                  <p:stCondLst>
+                                    <p:cond delay="0"/>
+                                  </p:stCondLst>
+                                  <p:childTnLst>
+                                    <p:set>
+                                      <p:cBhvr>
+                                        <p:cTn id="18" dur="1" fill="hold">
+                                          <p:stCondLst>
+                                            <p:cond delay="0"/>
+                                          </p:stCondLst>
+                                        </p:cTn>
+                                        <p:tgtEl>
+                                          <p:spTgt spid="3">
+                                            <p:txEl>
+                                              <p:pRg st="6" end="6"/>
+                                            </p:txEl>
+                                          </p:spTgt>
+                                        </p:tgtEl>
+                                        <p:attrNameLst>
+                                          <p:attrName>style.visibility</p:attrName>
+                                        </p:attrNameLst>
+                                      </p:cBhvr>
+                                      <p:to>
+                                        <p:strVal val="visible"/>
+                                      </p:to>
+                                    </p:set>
+                                  </p:childTnLst>
+                                </p:cTn>
+                              </p:par>
+                            </p:childTnLst>
+                          </p:cTn>
+                        </p:par>
+                      </p:childTnLst>
+                    </p:cTn>
+                  </p:par>
                 </p:childTnLst>
               </p:cTn>
               <p:prevCondLst>
@@ -5731,125 +9768,6 @@
 </p:sld>
 </file>
 
-<file path=ppt/slides/slide2.xml><?xml version="1.0" encoding="utf-8"?>
-<p:sld xmlns:a="http://schemas.openxmlformats.org/drawingml/2006/main" xmlns:r="http://schemas.openxmlformats.org/officeDocument/2006/relationships" xmlns:p="http://schemas.openxmlformats.org/presentationml/2006/main" show="0">
-  <p:cSld>
-    <p:spTree>
-      <p:nvGrpSpPr>
-        <p:cNvPr id="1" name=""/>
-        <p:cNvGrpSpPr/>
-        <p:nvPr/>
-      </p:nvGrpSpPr>
-      <p:grpSpPr>
-        <a:xfrm>
-          <a:off x="0" y="0"/>
-          <a:ext cx="0" cy="0"/>
-          <a:chOff x="0" y="0"/>
-          <a:chExt cx="0" cy="0"/>
-        </a:xfrm>
-      </p:grpSpPr>
-      <p:sp>
-        <p:nvSpPr>
-          <p:cNvPr id="2" name="Title 1"/>
-          <p:cNvSpPr>
-            <a:spLocks noGrp="1"/>
-          </p:cNvSpPr>
-          <p:nvPr>
-            <p:ph type="title"/>
-          </p:nvPr>
-        </p:nvSpPr>
-        <p:spPr/>
-        <p:txBody>
-          <a:bodyPr/>
-          <a:lstStyle/>
-          <a:p>
-            <a:r>
-              <a:rPr lang="ru-RU" dirty="0" smtClean="0"/>
-              <a:t>Обо мне</a:t>
-            </a:r>
-            <a:endParaRPr lang="en-US" dirty="0"/>
-          </a:p>
-        </p:txBody>
-      </p:sp>
-      <p:sp>
-        <p:nvSpPr>
-          <p:cNvPr id="3" name="Content Placeholder 2"/>
-          <p:cNvSpPr>
-            <a:spLocks noGrp="1"/>
-          </p:cNvSpPr>
-          <p:nvPr>
-            <p:ph idx="1"/>
-          </p:nvPr>
-        </p:nvSpPr>
-        <p:spPr/>
-        <p:txBody>
-          <a:bodyPr/>
-          <a:lstStyle/>
-          <a:p>
-            <a:r>
-              <a:rPr lang="en-US" dirty="0" smtClean="0"/>
-              <a:t>Server team lead</a:t>
-            </a:r>
-          </a:p>
-          <a:p>
-            <a:r>
-              <a:rPr lang="en-US" dirty="0" smtClean="0"/>
-              <a:t>10 </a:t>
-            </a:r>
-            <a:r>
-              <a:rPr lang="ru-RU" dirty="0" smtClean="0"/>
-              <a:t>лет опыта</a:t>
-            </a:r>
-          </a:p>
-          <a:p>
-            <a:r>
-              <a:rPr lang="ru-RU" dirty="0" smtClean="0"/>
-              <a:t>Телеком</a:t>
-            </a:r>
-          </a:p>
-          <a:p>
-            <a:r>
-              <a:rPr lang="ru-RU" dirty="0" smtClean="0"/>
-              <a:t>ММОРПГ</a:t>
-            </a:r>
-          </a:p>
-          <a:p>
-            <a:r>
-              <a:rPr lang="en-US" dirty="0" smtClean="0"/>
-              <a:t>Web</a:t>
-            </a:r>
-            <a:endParaRPr lang="en-US" dirty="0"/>
-          </a:p>
-        </p:txBody>
-      </p:sp>
-    </p:spTree>
-    <p:extLst>
-      <p:ext uri="{BB962C8B-B14F-4D97-AF65-F5344CB8AC3E}">
-        <p14:creationId xmlns:p14="http://schemas.microsoft.com/office/powerpoint/2010/main" val="1786851503"/>
-      </p:ext>
-    </p:extLst>
-  </p:cSld>
-  <p:clrMapOvr>
-    <a:masterClrMapping/>
-  </p:clrMapOvr>
-  <mc:AlternateContent xmlns:mc="http://schemas.openxmlformats.org/markup-compatibility/2006">
-    <mc:Choice xmlns:p14="http://schemas.microsoft.com/office/powerpoint/2010/main" Requires="p14">
-      <p:transition spd="slow" p14:dur="2000"/>
-    </mc:Choice>
-    <mc:Fallback>
-      <p:transition spd="slow"/>
-    </mc:Fallback>
-  </mc:AlternateContent>
-  <p:timing>
-    <p:tnLst>
-      <p:par>
-        <p:cTn id="1" dur="indefinite" restart="never" nodeType="tmRoot"/>
-      </p:par>
-    </p:tnLst>
-  </p:timing>
-</p:sld>
-</file>
-
 <file path=ppt/slides/slide3.xml><?xml version="1.0" encoding="utf-8"?>
 <p:sld xmlns:a="http://schemas.openxmlformats.org/drawingml/2006/main" xmlns:r="http://schemas.openxmlformats.org/officeDocument/2006/relationships" xmlns:p="http://schemas.openxmlformats.org/presentationml/2006/main">
   <p:cSld>
@@ -5907,24 +9825,6 @@
           <a:p>
             <a:r>
               <a:rPr lang="ru-RU" dirty="0" smtClean="0"/>
-              <a:t>Нам подходят </a:t>
-            </a:r>
-            <a:r>
-              <a:rPr lang="en-US" dirty="0" smtClean="0"/>
-              <a:t>key-value </a:t>
-            </a:r>
-            <a:r>
-              <a:rPr lang="ru-RU" dirty="0" smtClean="0"/>
-              <a:t>хранилища</a:t>
-            </a:r>
-            <a:endParaRPr lang="en-US" dirty="0" smtClean="0"/>
-          </a:p>
-          <a:p>
-            <a:endParaRPr lang="en-US" dirty="0" smtClean="0"/>
-          </a:p>
-          <a:p>
-            <a:r>
-              <a:rPr lang="ru-RU" dirty="0" smtClean="0"/>
               <a:t>Давно на рынке</a:t>
             </a:r>
           </a:p>
@@ -5956,14 +9856,35 @@
               <a:rPr lang="en-US" dirty="0" smtClean="0"/>
               <a:t>]</a:t>
             </a:r>
-            <a:endParaRPr lang="ru-RU" dirty="0" smtClean="0"/>
           </a:p>
           <a:p>
             <a:endParaRPr lang="en-US" dirty="0"/>
           </a:p>
+          <a:p>
+            <a:r>
+              <a:rPr lang="ru-RU" dirty="0" smtClean="0"/>
+              <a:t>Очень быстрый</a:t>
+            </a:r>
+            <a:endParaRPr lang="en-US" dirty="0" smtClean="0"/>
+          </a:p>
+          <a:p>
+            <a:endParaRPr lang="en-US" dirty="0"/>
+          </a:p>
+          <a:p>
+            <a:r>
+              <a:rPr lang="ru-RU" dirty="0" smtClean="0"/>
+              <a:t>Прекрасная документация</a:t>
+            </a:r>
+          </a:p>
+          <a:p>
+            <a:endParaRPr lang="en-US" dirty="0"/>
+          </a:p>
         </p:txBody>
       </p:sp>
     </p:spTree>
+    <p:custDataLst>
+      <p:tags r:id="rId1"/>
+    </p:custDataLst>
     <p:extLst>
       <p:ext uri="{BB962C8B-B14F-4D97-AF65-F5344CB8AC3E}">
         <p14:creationId xmlns:p14="http://schemas.microsoft.com/office/powerpoint/2010/main" val="1586152814"/>
@@ -5973,6 +9894,1487 @@
   <p:clrMapOvr>
     <a:masterClrMapping/>
   </p:clrMapOvr>
+  <mc:AlternateContent xmlns:mc="http://schemas.openxmlformats.org/markup-compatibility/2006">
+    <mc:Choice xmlns:p14="http://schemas.microsoft.com/office/powerpoint/2010/main" Requires="p14">
+      <p:transition spd="slow" p14:dur="2000" advTm="6936"/>
+    </mc:Choice>
+    <mc:Fallback>
+      <p:transition spd="slow" advTm="6936"/>
+    </mc:Fallback>
+  </mc:AlternateContent>
+  <p:timing>
+    <p:tnLst>
+      <p:par>
+        <p:cTn id="1" dur="indefinite" restart="never" nodeType="tmRoot">
+          <p:childTnLst>
+            <p:seq concurrent="1" nextAc="seek">
+              <p:cTn id="2" dur="indefinite" nodeType="mainSeq">
+                <p:childTnLst>
+                  <p:par>
+                    <p:cTn id="3" fill="hold">
+                      <p:stCondLst>
+                        <p:cond delay="indefinite"/>
+                      </p:stCondLst>
+                      <p:childTnLst>
+                        <p:par>
+                          <p:cTn id="4" fill="hold">
+                            <p:stCondLst>
+                              <p:cond delay="0"/>
+                            </p:stCondLst>
+                            <p:childTnLst>
+                              <p:par>
+                                <p:cTn id="5" presetID="1" presetClass="entr" presetSubtype="0" fill="hold" nodeType="clickEffect">
+                                  <p:stCondLst>
+                                    <p:cond delay="0"/>
+                                  </p:stCondLst>
+                                  <p:childTnLst>
+                                    <p:set>
+                                      <p:cBhvr>
+                                        <p:cTn id="6" dur="1" fill="hold">
+                                          <p:stCondLst>
+                                            <p:cond delay="0"/>
+                                          </p:stCondLst>
+                                        </p:cTn>
+                                        <p:tgtEl>
+                                          <p:spTgt spid="3">
+                                            <p:txEl>
+                                              <p:pRg st="0" end="0"/>
+                                            </p:txEl>
+                                          </p:spTgt>
+                                        </p:tgtEl>
+                                        <p:attrNameLst>
+                                          <p:attrName>style.visibility</p:attrName>
+                                        </p:attrNameLst>
+                                      </p:cBhvr>
+                                      <p:to>
+                                        <p:strVal val="visible"/>
+                                      </p:to>
+                                    </p:set>
+                                  </p:childTnLst>
+                                </p:cTn>
+                              </p:par>
+                            </p:childTnLst>
+                          </p:cTn>
+                        </p:par>
+                      </p:childTnLst>
+                    </p:cTn>
+                  </p:par>
+                  <p:par>
+                    <p:cTn id="7" fill="hold">
+                      <p:stCondLst>
+                        <p:cond delay="indefinite"/>
+                      </p:stCondLst>
+                      <p:childTnLst>
+                        <p:par>
+                          <p:cTn id="8" fill="hold">
+                            <p:stCondLst>
+                              <p:cond delay="0"/>
+                            </p:stCondLst>
+                            <p:childTnLst>
+                              <p:par>
+                                <p:cTn id="9" presetID="1" presetClass="entr" presetSubtype="0" fill="hold" nodeType="clickEffect">
+                                  <p:stCondLst>
+                                    <p:cond delay="0"/>
+                                  </p:stCondLst>
+                                  <p:childTnLst>
+                                    <p:set>
+                                      <p:cBhvr>
+                                        <p:cTn id="10" dur="1" fill="hold">
+                                          <p:stCondLst>
+                                            <p:cond delay="0"/>
+                                          </p:stCondLst>
+                                        </p:cTn>
+                                        <p:tgtEl>
+                                          <p:spTgt spid="3">
+                                            <p:txEl>
+                                              <p:pRg st="2" end="2"/>
+                                            </p:txEl>
+                                          </p:spTgt>
+                                        </p:tgtEl>
+                                        <p:attrNameLst>
+                                          <p:attrName>style.visibility</p:attrName>
+                                        </p:attrNameLst>
+                                      </p:cBhvr>
+                                      <p:to>
+                                        <p:strVal val="visible"/>
+                                      </p:to>
+                                    </p:set>
+                                  </p:childTnLst>
+                                </p:cTn>
+                              </p:par>
+                            </p:childTnLst>
+                          </p:cTn>
+                        </p:par>
+                      </p:childTnLst>
+                    </p:cTn>
+                  </p:par>
+                  <p:par>
+                    <p:cTn id="11" fill="hold">
+                      <p:stCondLst>
+                        <p:cond delay="indefinite"/>
+                      </p:stCondLst>
+                      <p:childTnLst>
+                        <p:par>
+                          <p:cTn id="12" fill="hold">
+                            <p:stCondLst>
+                              <p:cond delay="0"/>
+                            </p:stCondLst>
+                            <p:childTnLst>
+                              <p:par>
+                                <p:cTn id="13" presetID="1" presetClass="entr" presetSubtype="0" fill="hold" nodeType="clickEffect">
+                                  <p:stCondLst>
+                                    <p:cond delay="0"/>
+                                  </p:stCondLst>
+                                  <p:childTnLst>
+                                    <p:set>
+                                      <p:cBhvr>
+                                        <p:cTn id="14" dur="1" fill="hold">
+                                          <p:stCondLst>
+                                            <p:cond delay="0"/>
+                                          </p:stCondLst>
+                                        </p:cTn>
+                                        <p:tgtEl>
+                                          <p:spTgt spid="3">
+                                            <p:txEl>
+                                              <p:pRg st="4" end="4"/>
+                                            </p:txEl>
+                                          </p:spTgt>
+                                        </p:tgtEl>
+                                        <p:attrNameLst>
+                                          <p:attrName>style.visibility</p:attrName>
+                                        </p:attrNameLst>
+                                      </p:cBhvr>
+                                      <p:to>
+                                        <p:strVal val="visible"/>
+                                      </p:to>
+                                    </p:set>
+                                  </p:childTnLst>
+                                </p:cTn>
+                              </p:par>
+                            </p:childTnLst>
+                          </p:cTn>
+                        </p:par>
+                      </p:childTnLst>
+                    </p:cTn>
+                  </p:par>
+                  <p:par>
+                    <p:cTn id="15" fill="hold">
+                      <p:stCondLst>
+                        <p:cond delay="indefinite"/>
+                      </p:stCondLst>
+                      <p:childTnLst>
+                        <p:par>
+                          <p:cTn id="16" fill="hold">
+                            <p:stCondLst>
+                              <p:cond delay="0"/>
+                            </p:stCondLst>
+                            <p:childTnLst>
+                              <p:par>
+                                <p:cTn id="17" presetID="1" presetClass="entr" presetSubtype="0" fill="hold" nodeType="clickEffect">
+                                  <p:stCondLst>
+                                    <p:cond delay="0"/>
+                                  </p:stCondLst>
+                                  <p:childTnLst>
+                                    <p:set>
+                                      <p:cBhvr>
+                                        <p:cTn id="18" dur="1" fill="hold">
+                                          <p:stCondLst>
+                                            <p:cond delay="0"/>
+                                          </p:stCondLst>
+                                        </p:cTn>
+                                        <p:tgtEl>
+                                          <p:spTgt spid="3">
+                                            <p:txEl>
+                                              <p:pRg st="6" end="6"/>
+                                            </p:txEl>
+                                          </p:spTgt>
+                                        </p:tgtEl>
+                                        <p:attrNameLst>
+                                          <p:attrName>style.visibility</p:attrName>
+                                        </p:attrNameLst>
+                                      </p:cBhvr>
+                                      <p:to>
+                                        <p:strVal val="visible"/>
+                                      </p:to>
+                                    </p:set>
+                                  </p:childTnLst>
+                                </p:cTn>
+                              </p:par>
+                            </p:childTnLst>
+                          </p:cTn>
+                        </p:par>
+                      </p:childTnLst>
+                    </p:cTn>
+                  </p:par>
+                </p:childTnLst>
+              </p:cTn>
+              <p:prevCondLst>
+                <p:cond evt="onPrev" delay="0">
+                  <p:tgtEl>
+                    <p:sldTgt/>
+                  </p:tgtEl>
+                </p:cond>
+              </p:prevCondLst>
+              <p:nextCondLst>
+                <p:cond evt="onNext" delay="0">
+                  <p:tgtEl>
+                    <p:sldTgt/>
+                  </p:tgtEl>
+                </p:cond>
+              </p:nextCondLst>
+            </p:seq>
+          </p:childTnLst>
+        </p:cTn>
+      </p:par>
+    </p:tnLst>
+  </p:timing>
+</p:sld>
+</file>
+
+<file path=ppt/slides/slide4.xml><?xml version="1.0" encoding="utf-8"?>
+<p:sld xmlns:a="http://schemas.openxmlformats.org/drawingml/2006/main" xmlns:r="http://schemas.openxmlformats.org/officeDocument/2006/relationships" xmlns:p="http://schemas.openxmlformats.org/presentationml/2006/main">
+  <p:cSld>
+    <p:spTree>
+      <p:nvGrpSpPr>
+        <p:cNvPr id="1" name=""/>
+        <p:cNvGrpSpPr/>
+        <p:nvPr/>
+      </p:nvGrpSpPr>
+      <p:grpSpPr>
+        <a:xfrm>
+          <a:off x="0" y="0"/>
+          <a:ext cx="0" cy="0"/>
+          <a:chOff x="0" y="0"/>
+          <a:chExt cx="0" cy="0"/>
+        </a:xfrm>
+      </p:grpSpPr>
+      <p:sp>
+        <p:nvSpPr>
+          <p:cNvPr id="2" name="Title 1"/>
+          <p:cNvSpPr>
+            <a:spLocks noGrp="1"/>
+          </p:cNvSpPr>
+          <p:nvPr>
+            <p:ph type="title"/>
+          </p:nvPr>
+        </p:nvSpPr>
+        <p:spPr/>
+        <p:txBody>
+          <a:bodyPr/>
+          <a:lstStyle/>
+          <a:p>
+            <a:r>
+              <a:rPr lang="en-US" dirty="0" err="1" smtClean="0"/>
+              <a:t>Tarantool</a:t>
+            </a:r>
+            <a:endParaRPr lang="en-US" dirty="0"/>
+          </a:p>
+        </p:txBody>
+      </p:sp>
+      <p:sp>
+        <p:nvSpPr>
+          <p:cNvPr id="3" name="Content Placeholder 2"/>
+          <p:cNvSpPr>
+            <a:spLocks noGrp="1"/>
+          </p:cNvSpPr>
+          <p:nvPr>
+            <p:ph idx="1"/>
+          </p:nvPr>
+        </p:nvSpPr>
+        <p:spPr/>
+        <p:txBody>
+          <a:bodyPr/>
+          <a:lstStyle/>
+          <a:p>
+            <a:r>
+              <a:rPr lang="ru-RU" dirty="0" smtClean="0"/>
+              <a:t>Скорость.</a:t>
+            </a:r>
+            <a:endParaRPr lang="ru-RU" dirty="0"/>
+          </a:p>
+          <a:p>
+            <a:endParaRPr lang="ru-RU" dirty="0" smtClean="0"/>
+          </a:p>
+          <a:p>
+            <a:r>
+              <a:rPr lang="ru-RU" dirty="0" smtClean="0"/>
+              <a:t>Надёжность записи на диск.</a:t>
+            </a:r>
+          </a:p>
+          <a:p>
+            <a:endParaRPr lang="ru-RU" dirty="0" smtClean="0"/>
+          </a:p>
+          <a:p>
+            <a:r>
+              <a:rPr lang="ru-RU" dirty="0" smtClean="0"/>
+              <a:t>Вторичные индексы</a:t>
+            </a:r>
+            <a:r>
+              <a:rPr lang="ru-RU" dirty="0" smtClean="0"/>
+              <a:t>.</a:t>
+            </a:r>
+            <a:endParaRPr lang="en-US" dirty="0" smtClean="0"/>
+          </a:p>
+          <a:p>
+            <a:endParaRPr lang="en-US" dirty="0"/>
+          </a:p>
+          <a:p>
+            <a:r>
+              <a:rPr lang="ru-RU" dirty="0" smtClean="0"/>
+              <a:t>Но нет коннектора</a:t>
+            </a:r>
+            <a:endParaRPr lang="en-US" dirty="0" smtClean="0"/>
+          </a:p>
+        </p:txBody>
+      </p:sp>
+    </p:spTree>
+    <p:custDataLst>
+      <p:tags r:id="rId1"/>
+    </p:custDataLst>
+    <p:extLst>
+      <p:ext uri="{BB962C8B-B14F-4D97-AF65-F5344CB8AC3E}">
+        <p14:creationId xmlns:p14="http://schemas.microsoft.com/office/powerpoint/2010/main" val="3331560"/>
+      </p:ext>
+    </p:extLst>
+  </p:cSld>
+  <p:clrMapOvr>
+    <a:masterClrMapping/>
+  </p:clrMapOvr>
+  <mc:AlternateContent xmlns:mc="http://schemas.openxmlformats.org/markup-compatibility/2006">
+    <mc:Choice xmlns:p14="http://schemas.microsoft.com/office/powerpoint/2010/main" Requires="p14">
+      <p:transition spd="slow" p14:dur="2000" advTm="87545"/>
+    </mc:Choice>
+    <mc:Fallback>
+      <p:transition spd="slow" advTm="87545"/>
+    </mc:Fallback>
+  </mc:AlternateContent>
+  <p:timing>
+    <p:tnLst>
+      <p:par>
+        <p:cTn id="1" dur="indefinite" restart="never" nodeType="tmRoot">
+          <p:childTnLst>
+            <p:seq concurrent="1" nextAc="seek">
+              <p:cTn id="2" dur="indefinite" nodeType="mainSeq">
+                <p:childTnLst>
+                  <p:par>
+                    <p:cTn id="3" fill="hold">
+                      <p:stCondLst>
+                        <p:cond delay="indefinite"/>
+                      </p:stCondLst>
+                      <p:childTnLst>
+                        <p:par>
+                          <p:cTn id="4" fill="hold">
+                            <p:stCondLst>
+                              <p:cond delay="0"/>
+                            </p:stCondLst>
+                            <p:childTnLst>
+                              <p:par>
+                                <p:cTn id="5" presetID="1" presetClass="entr" presetSubtype="0" fill="hold" nodeType="clickEffect">
+                                  <p:stCondLst>
+                                    <p:cond delay="0"/>
+                                  </p:stCondLst>
+                                  <p:childTnLst>
+                                    <p:set>
+                                      <p:cBhvr>
+                                        <p:cTn id="6" dur="1" fill="hold">
+                                          <p:stCondLst>
+                                            <p:cond delay="0"/>
+                                          </p:stCondLst>
+                                        </p:cTn>
+                                        <p:tgtEl>
+                                          <p:spTgt spid="3">
+                                            <p:txEl>
+                                              <p:pRg st="0" end="0"/>
+                                            </p:txEl>
+                                          </p:spTgt>
+                                        </p:tgtEl>
+                                        <p:attrNameLst>
+                                          <p:attrName>style.visibility</p:attrName>
+                                        </p:attrNameLst>
+                                      </p:cBhvr>
+                                      <p:to>
+                                        <p:strVal val="visible"/>
+                                      </p:to>
+                                    </p:set>
+                                  </p:childTnLst>
+                                </p:cTn>
+                              </p:par>
+                            </p:childTnLst>
+                          </p:cTn>
+                        </p:par>
+                      </p:childTnLst>
+                    </p:cTn>
+                  </p:par>
+                  <p:par>
+                    <p:cTn id="7" fill="hold">
+                      <p:stCondLst>
+                        <p:cond delay="indefinite"/>
+                      </p:stCondLst>
+                      <p:childTnLst>
+                        <p:par>
+                          <p:cTn id="8" fill="hold">
+                            <p:stCondLst>
+                              <p:cond delay="0"/>
+                            </p:stCondLst>
+                            <p:childTnLst>
+                              <p:par>
+                                <p:cTn id="9" presetID="1" presetClass="entr" presetSubtype="0" fill="hold" nodeType="clickEffect">
+                                  <p:stCondLst>
+                                    <p:cond delay="0"/>
+                                  </p:stCondLst>
+                                  <p:childTnLst>
+                                    <p:set>
+                                      <p:cBhvr>
+                                        <p:cTn id="10" dur="1" fill="hold">
+                                          <p:stCondLst>
+                                            <p:cond delay="0"/>
+                                          </p:stCondLst>
+                                        </p:cTn>
+                                        <p:tgtEl>
+                                          <p:spTgt spid="3">
+                                            <p:txEl>
+                                              <p:pRg st="2" end="2"/>
+                                            </p:txEl>
+                                          </p:spTgt>
+                                        </p:tgtEl>
+                                        <p:attrNameLst>
+                                          <p:attrName>style.visibility</p:attrName>
+                                        </p:attrNameLst>
+                                      </p:cBhvr>
+                                      <p:to>
+                                        <p:strVal val="visible"/>
+                                      </p:to>
+                                    </p:set>
+                                  </p:childTnLst>
+                                </p:cTn>
+                              </p:par>
+                            </p:childTnLst>
+                          </p:cTn>
+                        </p:par>
+                      </p:childTnLst>
+                    </p:cTn>
+                  </p:par>
+                  <p:par>
+                    <p:cTn id="11" fill="hold">
+                      <p:stCondLst>
+                        <p:cond delay="indefinite"/>
+                      </p:stCondLst>
+                      <p:childTnLst>
+                        <p:par>
+                          <p:cTn id="12" fill="hold">
+                            <p:stCondLst>
+                              <p:cond delay="0"/>
+                            </p:stCondLst>
+                            <p:childTnLst>
+                              <p:par>
+                                <p:cTn id="13" presetID="1" presetClass="entr" presetSubtype="0" fill="hold" nodeType="clickEffect">
+                                  <p:stCondLst>
+                                    <p:cond delay="0"/>
+                                  </p:stCondLst>
+                                  <p:childTnLst>
+                                    <p:set>
+                                      <p:cBhvr>
+                                        <p:cTn id="14" dur="1" fill="hold">
+                                          <p:stCondLst>
+                                            <p:cond delay="0"/>
+                                          </p:stCondLst>
+                                        </p:cTn>
+                                        <p:tgtEl>
+                                          <p:spTgt spid="3">
+                                            <p:txEl>
+                                              <p:pRg st="4" end="4"/>
+                                            </p:txEl>
+                                          </p:spTgt>
+                                        </p:tgtEl>
+                                        <p:attrNameLst>
+                                          <p:attrName>style.visibility</p:attrName>
+                                        </p:attrNameLst>
+                                      </p:cBhvr>
+                                      <p:to>
+                                        <p:strVal val="visible"/>
+                                      </p:to>
+                                    </p:set>
+                                  </p:childTnLst>
+                                </p:cTn>
+                              </p:par>
+                            </p:childTnLst>
+                          </p:cTn>
+                        </p:par>
+                      </p:childTnLst>
+                    </p:cTn>
+                  </p:par>
+                  <p:par>
+                    <p:cTn id="15" fill="hold">
+                      <p:stCondLst>
+                        <p:cond delay="indefinite"/>
+                      </p:stCondLst>
+                      <p:childTnLst>
+                        <p:par>
+                          <p:cTn id="16" fill="hold">
+                            <p:stCondLst>
+                              <p:cond delay="0"/>
+                            </p:stCondLst>
+                            <p:childTnLst>
+                              <p:par>
+                                <p:cTn id="17" presetID="1" presetClass="entr" presetSubtype="0" fill="hold" nodeType="clickEffect">
+                                  <p:stCondLst>
+                                    <p:cond delay="0"/>
+                                  </p:stCondLst>
+                                  <p:childTnLst>
+                                    <p:set>
+                                      <p:cBhvr>
+                                        <p:cTn id="18" dur="1" fill="hold">
+                                          <p:stCondLst>
+                                            <p:cond delay="0"/>
+                                          </p:stCondLst>
+                                        </p:cTn>
+                                        <p:tgtEl>
+                                          <p:spTgt spid="3">
+                                            <p:txEl>
+                                              <p:pRg st="6" end="6"/>
+                                            </p:txEl>
+                                          </p:spTgt>
+                                        </p:tgtEl>
+                                        <p:attrNameLst>
+                                          <p:attrName>style.visibility</p:attrName>
+                                        </p:attrNameLst>
+                                      </p:cBhvr>
+                                      <p:to>
+                                        <p:strVal val="visible"/>
+                                      </p:to>
+                                    </p:set>
+                                  </p:childTnLst>
+                                </p:cTn>
+                              </p:par>
+                            </p:childTnLst>
+                          </p:cTn>
+                        </p:par>
+                      </p:childTnLst>
+                    </p:cTn>
+                  </p:par>
+                </p:childTnLst>
+              </p:cTn>
+              <p:prevCondLst>
+                <p:cond evt="onPrev" delay="0">
+                  <p:tgtEl>
+                    <p:sldTgt/>
+                  </p:tgtEl>
+                </p:cond>
+              </p:prevCondLst>
+              <p:nextCondLst>
+                <p:cond evt="onNext" delay="0">
+                  <p:tgtEl>
+                    <p:sldTgt/>
+                  </p:tgtEl>
+                </p:cond>
+              </p:nextCondLst>
+            </p:seq>
+          </p:childTnLst>
+        </p:cTn>
+      </p:par>
+    </p:tnLst>
+  </p:timing>
+</p:sld>
+</file>
+
+<file path=ppt/slides/slide5.xml><?xml version="1.0" encoding="utf-8"?>
+<p:sld xmlns:a="http://schemas.openxmlformats.org/drawingml/2006/main" xmlns:r="http://schemas.openxmlformats.org/officeDocument/2006/relationships" xmlns:p="http://schemas.openxmlformats.org/presentationml/2006/main">
+  <p:cSld>
+    <p:spTree>
+      <p:nvGrpSpPr>
+        <p:cNvPr id="1" name=""/>
+        <p:cNvGrpSpPr/>
+        <p:nvPr/>
+      </p:nvGrpSpPr>
+      <p:grpSpPr>
+        <a:xfrm>
+          <a:off x="0" y="0"/>
+          <a:ext cx="0" cy="0"/>
+          <a:chOff x="0" y="0"/>
+          <a:chExt cx="0" cy="0"/>
+        </a:xfrm>
+      </p:grpSpPr>
+      <p:sp>
+        <p:nvSpPr>
+          <p:cNvPr id="2" name="Title 1"/>
+          <p:cNvSpPr>
+            <a:spLocks noGrp="1"/>
+          </p:cNvSpPr>
+          <p:nvPr>
+            <p:ph type="title"/>
+          </p:nvPr>
+        </p:nvSpPr>
+        <p:spPr/>
+        <p:txBody>
+          <a:bodyPr/>
+          <a:lstStyle/>
+          <a:p>
+            <a:r>
+              <a:rPr lang="en-US" dirty="0" err="1" smtClean="0"/>
+              <a:t>MySql</a:t>
+            </a:r>
+            <a:r>
+              <a:rPr lang="en-US" dirty="0" smtClean="0"/>
+              <a:t> + </a:t>
+            </a:r>
+            <a:r>
+              <a:rPr lang="en-US" dirty="0" err="1" smtClean="0"/>
+              <a:t>handlersocket</a:t>
+            </a:r>
+            <a:endParaRPr lang="en-US" dirty="0"/>
+          </a:p>
+        </p:txBody>
+      </p:sp>
+      <p:sp>
+        <p:nvSpPr>
+          <p:cNvPr id="3" name="Content Placeholder 2"/>
+          <p:cNvSpPr>
+            <a:spLocks noGrp="1"/>
+          </p:cNvSpPr>
+          <p:nvPr>
+            <p:ph idx="1"/>
+          </p:nvPr>
+        </p:nvSpPr>
+        <p:spPr/>
+        <p:txBody>
+          <a:bodyPr/>
+          <a:lstStyle/>
+          <a:p>
+            <a:r>
+              <a:rPr lang="ru-RU" dirty="0" smtClean="0"/>
+              <a:t>Скорость</a:t>
+            </a:r>
+            <a:r>
+              <a:rPr lang="en-US" dirty="0" smtClean="0"/>
+              <a:t> </a:t>
+            </a:r>
+            <a:r>
+              <a:rPr lang="ru-RU" dirty="0" smtClean="0"/>
+              <a:t>ниже, чем у Редиса и Тарантула</a:t>
+            </a:r>
+            <a:endParaRPr lang="ru-RU" dirty="0"/>
+          </a:p>
+          <a:p>
+            <a:endParaRPr lang="ru-RU" dirty="0" smtClean="0"/>
+          </a:p>
+          <a:p>
+            <a:r>
+              <a:rPr lang="en-US" dirty="0" smtClean="0"/>
+              <a:t>ACID (</a:t>
+            </a:r>
+            <a:r>
+              <a:rPr lang="en-US" dirty="0" err="1" smtClean="0"/>
+              <a:t>InnoDb</a:t>
+            </a:r>
+            <a:r>
+              <a:rPr lang="en-US" dirty="0" smtClean="0"/>
+              <a:t>).</a:t>
+            </a:r>
+            <a:endParaRPr lang="ru-RU" dirty="0" smtClean="0"/>
+          </a:p>
+          <a:p>
+            <a:endParaRPr lang="ru-RU" dirty="0" smtClean="0"/>
+          </a:p>
+          <a:p>
+            <a:r>
+              <a:rPr lang="ru-RU" dirty="0" smtClean="0"/>
+              <a:t>Вся инфраструктура от </a:t>
+            </a:r>
+            <a:r>
+              <a:rPr lang="en-US" dirty="0" err="1" smtClean="0"/>
+              <a:t>mySql</a:t>
+            </a:r>
+            <a:r>
+              <a:rPr lang="en-US" dirty="0" smtClean="0"/>
+              <a:t> </a:t>
+            </a:r>
+            <a:r>
+              <a:rPr lang="ru-RU" dirty="0" smtClean="0"/>
+              <a:t>доступна.</a:t>
+            </a:r>
+            <a:endParaRPr lang="en-US" dirty="0" smtClean="0"/>
+          </a:p>
+          <a:p>
+            <a:endParaRPr lang="en-US" dirty="0"/>
+          </a:p>
+          <a:p>
+            <a:r>
+              <a:rPr lang="ru-RU" dirty="0" smtClean="0"/>
+              <a:t>Но нет коннектора.</a:t>
+            </a:r>
+            <a:endParaRPr lang="en-US" dirty="0" smtClean="0"/>
+          </a:p>
+        </p:txBody>
+      </p:sp>
+    </p:spTree>
+    <p:custDataLst>
+      <p:tags r:id="rId1"/>
+    </p:custDataLst>
+    <p:extLst>
+      <p:ext uri="{BB962C8B-B14F-4D97-AF65-F5344CB8AC3E}">
+        <p14:creationId xmlns:p14="http://schemas.microsoft.com/office/powerpoint/2010/main" val="329137573"/>
+      </p:ext>
+    </p:extLst>
+  </p:cSld>
+  <p:clrMapOvr>
+    <a:masterClrMapping/>
+  </p:clrMapOvr>
+  <mc:AlternateContent xmlns:mc="http://schemas.openxmlformats.org/markup-compatibility/2006">
+    <mc:Choice xmlns:p14="http://schemas.microsoft.com/office/powerpoint/2010/main" Requires="p14">
+      <p:transition spd="slow" p14:dur="2000" advTm="87545"/>
+    </mc:Choice>
+    <mc:Fallback>
+      <p:transition spd="slow" advTm="87545"/>
+    </mc:Fallback>
+  </mc:AlternateContent>
+  <p:timing>
+    <p:tnLst>
+      <p:par>
+        <p:cTn id="1" dur="indefinite" restart="never" nodeType="tmRoot">
+          <p:childTnLst>
+            <p:seq concurrent="1" nextAc="seek">
+              <p:cTn id="2" dur="indefinite" nodeType="mainSeq">
+                <p:childTnLst>
+                  <p:par>
+                    <p:cTn id="3" fill="hold">
+                      <p:stCondLst>
+                        <p:cond delay="indefinite"/>
+                      </p:stCondLst>
+                      <p:childTnLst>
+                        <p:par>
+                          <p:cTn id="4" fill="hold">
+                            <p:stCondLst>
+                              <p:cond delay="0"/>
+                            </p:stCondLst>
+                            <p:childTnLst>
+                              <p:par>
+                                <p:cTn id="5" presetID="1" presetClass="entr" presetSubtype="0" fill="hold" nodeType="clickEffect">
+                                  <p:stCondLst>
+                                    <p:cond delay="0"/>
+                                  </p:stCondLst>
+                                  <p:childTnLst>
+                                    <p:set>
+                                      <p:cBhvr>
+                                        <p:cTn id="6" dur="1" fill="hold">
+                                          <p:stCondLst>
+                                            <p:cond delay="0"/>
+                                          </p:stCondLst>
+                                        </p:cTn>
+                                        <p:tgtEl>
+                                          <p:spTgt spid="3">
+                                            <p:txEl>
+                                              <p:pRg st="0" end="0"/>
+                                            </p:txEl>
+                                          </p:spTgt>
+                                        </p:tgtEl>
+                                        <p:attrNameLst>
+                                          <p:attrName>style.visibility</p:attrName>
+                                        </p:attrNameLst>
+                                      </p:cBhvr>
+                                      <p:to>
+                                        <p:strVal val="visible"/>
+                                      </p:to>
+                                    </p:set>
+                                  </p:childTnLst>
+                                </p:cTn>
+                              </p:par>
+                            </p:childTnLst>
+                          </p:cTn>
+                        </p:par>
+                      </p:childTnLst>
+                    </p:cTn>
+                  </p:par>
+                  <p:par>
+                    <p:cTn id="7" fill="hold">
+                      <p:stCondLst>
+                        <p:cond delay="indefinite"/>
+                      </p:stCondLst>
+                      <p:childTnLst>
+                        <p:par>
+                          <p:cTn id="8" fill="hold">
+                            <p:stCondLst>
+                              <p:cond delay="0"/>
+                            </p:stCondLst>
+                            <p:childTnLst>
+                              <p:par>
+                                <p:cTn id="9" presetID="1" presetClass="entr" presetSubtype="0" fill="hold" nodeType="clickEffect">
+                                  <p:stCondLst>
+                                    <p:cond delay="0"/>
+                                  </p:stCondLst>
+                                  <p:childTnLst>
+                                    <p:set>
+                                      <p:cBhvr>
+                                        <p:cTn id="10" dur="1" fill="hold">
+                                          <p:stCondLst>
+                                            <p:cond delay="0"/>
+                                          </p:stCondLst>
+                                        </p:cTn>
+                                        <p:tgtEl>
+                                          <p:spTgt spid="3">
+                                            <p:txEl>
+                                              <p:pRg st="2" end="2"/>
+                                            </p:txEl>
+                                          </p:spTgt>
+                                        </p:tgtEl>
+                                        <p:attrNameLst>
+                                          <p:attrName>style.visibility</p:attrName>
+                                        </p:attrNameLst>
+                                      </p:cBhvr>
+                                      <p:to>
+                                        <p:strVal val="visible"/>
+                                      </p:to>
+                                    </p:set>
+                                  </p:childTnLst>
+                                </p:cTn>
+                              </p:par>
+                            </p:childTnLst>
+                          </p:cTn>
+                        </p:par>
+                      </p:childTnLst>
+                    </p:cTn>
+                  </p:par>
+                  <p:par>
+                    <p:cTn id="11" fill="hold">
+                      <p:stCondLst>
+                        <p:cond delay="indefinite"/>
+                      </p:stCondLst>
+                      <p:childTnLst>
+                        <p:par>
+                          <p:cTn id="12" fill="hold">
+                            <p:stCondLst>
+                              <p:cond delay="0"/>
+                            </p:stCondLst>
+                            <p:childTnLst>
+                              <p:par>
+                                <p:cTn id="13" presetID="1" presetClass="entr" presetSubtype="0" fill="hold" nodeType="clickEffect">
+                                  <p:stCondLst>
+                                    <p:cond delay="0"/>
+                                  </p:stCondLst>
+                                  <p:childTnLst>
+                                    <p:set>
+                                      <p:cBhvr>
+                                        <p:cTn id="14" dur="1" fill="hold">
+                                          <p:stCondLst>
+                                            <p:cond delay="0"/>
+                                          </p:stCondLst>
+                                        </p:cTn>
+                                        <p:tgtEl>
+                                          <p:spTgt spid="3">
+                                            <p:txEl>
+                                              <p:pRg st="4" end="4"/>
+                                            </p:txEl>
+                                          </p:spTgt>
+                                        </p:tgtEl>
+                                        <p:attrNameLst>
+                                          <p:attrName>style.visibility</p:attrName>
+                                        </p:attrNameLst>
+                                      </p:cBhvr>
+                                      <p:to>
+                                        <p:strVal val="visible"/>
+                                      </p:to>
+                                    </p:set>
+                                  </p:childTnLst>
+                                </p:cTn>
+                              </p:par>
+                            </p:childTnLst>
+                          </p:cTn>
+                        </p:par>
+                      </p:childTnLst>
+                    </p:cTn>
+                  </p:par>
+                  <p:par>
+                    <p:cTn id="15" fill="hold">
+                      <p:stCondLst>
+                        <p:cond delay="indefinite"/>
+                      </p:stCondLst>
+                      <p:childTnLst>
+                        <p:par>
+                          <p:cTn id="16" fill="hold">
+                            <p:stCondLst>
+                              <p:cond delay="0"/>
+                            </p:stCondLst>
+                            <p:childTnLst>
+                              <p:par>
+                                <p:cTn id="17" presetID="1" presetClass="entr" presetSubtype="0" fill="hold" nodeType="clickEffect">
+                                  <p:stCondLst>
+                                    <p:cond delay="0"/>
+                                  </p:stCondLst>
+                                  <p:childTnLst>
+                                    <p:set>
+                                      <p:cBhvr>
+                                        <p:cTn id="18" dur="1" fill="hold">
+                                          <p:stCondLst>
+                                            <p:cond delay="0"/>
+                                          </p:stCondLst>
+                                        </p:cTn>
+                                        <p:tgtEl>
+                                          <p:spTgt spid="3">
+                                            <p:txEl>
+                                              <p:pRg st="6" end="6"/>
+                                            </p:txEl>
+                                          </p:spTgt>
+                                        </p:tgtEl>
+                                        <p:attrNameLst>
+                                          <p:attrName>style.visibility</p:attrName>
+                                        </p:attrNameLst>
+                                      </p:cBhvr>
+                                      <p:to>
+                                        <p:strVal val="visible"/>
+                                      </p:to>
+                                    </p:set>
+                                  </p:childTnLst>
+                                </p:cTn>
+                              </p:par>
+                            </p:childTnLst>
+                          </p:cTn>
+                        </p:par>
+                      </p:childTnLst>
+                    </p:cTn>
+                  </p:par>
+                </p:childTnLst>
+              </p:cTn>
+              <p:prevCondLst>
+                <p:cond evt="onPrev" delay="0">
+                  <p:tgtEl>
+                    <p:sldTgt/>
+                  </p:tgtEl>
+                </p:cond>
+              </p:prevCondLst>
+              <p:nextCondLst>
+                <p:cond evt="onNext" delay="0">
+                  <p:tgtEl>
+                    <p:sldTgt/>
+                  </p:tgtEl>
+                </p:cond>
+              </p:nextCondLst>
+            </p:seq>
+          </p:childTnLst>
+        </p:cTn>
+      </p:par>
+    </p:tnLst>
+  </p:timing>
+</p:sld>
+</file>
+
+<file path=ppt/slides/slide6.xml><?xml version="1.0" encoding="utf-8"?>
+<p:sld xmlns:a="http://schemas.openxmlformats.org/drawingml/2006/main" xmlns:r="http://schemas.openxmlformats.org/officeDocument/2006/relationships" xmlns:p="http://schemas.openxmlformats.org/presentationml/2006/main">
+  <p:cSld>
+    <p:spTree>
+      <p:nvGrpSpPr>
+        <p:cNvPr id="1" name=""/>
+        <p:cNvGrpSpPr/>
+        <p:nvPr/>
+      </p:nvGrpSpPr>
+      <p:grpSpPr>
+        <a:xfrm>
+          <a:off x="0" y="0"/>
+          <a:ext cx="0" cy="0"/>
+          <a:chOff x="0" y="0"/>
+          <a:chExt cx="0" cy="0"/>
+        </a:xfrm>
+      </p:grpSpPr>
+      <p:sp>
+        <p:nvSpPr>
+          <p:cNvPr id="2" name="Title 1"/>
+          <p:cNvSpPr>
+            <a:spLocks noGrp="1"/>
+          </p:cNvSpPr>
+          <p:nvPr>
+            <p:ph type="title"/>
+          </p:nvPr>
+        </p:nvSpPr>
+        <p:spPr/>
+        <p:txBody>
+          <a:bodyPr/>
+          <a:lstStyle/>
+          <a:p>
+            <a:r>
+              <a:rPr lang="ru-RU" dirty="0" smtClean="0"/>
+              <a:t>Недостатки </a:t>
+            </a:r>
+            <a:r>
+              <a:rPr lang="en-US" dirty="0" err="1" smtClean="0"/>
+              <a:t>Redis</a:t>
+            </a:r>
+            <a:endParaRPr lang="en-US" dirty="0"/>
+          </a:p>
+        </p:txBody>
+      </p:sp>
+      <p:sp>
+        <p:nvSpPr>
+          <p:cNvPr id="3" name="Content Placeholder 2"/>
+          <p:cNvSpPr>
+            <a:spLocks noGrp="1"/>
+          </p:cNvSpPr>
+          <p:nvPr>
+            <p:ph idx="1"/>
+          </p:nvPr>
+        </p:nvSpPr>
+        <p:spPr/>
+        <p:txBody>
+          <a:bodyPr/>
+          <a:lstStyle/>
+          <a:p>
+            <a:r>
+              <a:rPr lang="ru-RU" dirty="0" smtClean="0"/>
+              <a:t>Нет вторичных индексов</a:t>
+            </a:r>
+          </a:p>
+          <a:p>
+            <a:endParaRPr lang="ru-RU" dirty="0"/>
+          </a:p>
+          <a:p>
+            <a:r>
+              <a:rPr lang="ru-RU" dirty="0" smtClean="0"/>
+              <a:t>Данные со временем теряют </a:t>
+            </a:r>
+            <a:r>
+              <a:rPr lang="ru-RU" dirty="0" err="1" smtClean="0"/>
+              <a:t>консистентность</a:t>
+            </a:r>
+            <a:endParaRPr lang="ru-RU" dirty="0" smtClean="0"/>
+          </a:p>
+          <a:p>
+            <a:endParaRPr lang="ru-RU" dirty="0"/>
+          </a:p>
+          <a:p>
+            <a:r>
+              <a:rPr lang="ru-RU" dirty="0" smtClean="0"/>
+              <a:t>Атомарная реализация через </a:t>
+            </a:r>
+            <a:r>
+              <a:rPr lang="en-US" dirty="0" err="1" smtClean="0"/>
+              <a:t>lua</a:t>
+            </a:r>
+            <a:r>
+              <a:rPr lang="en-US" dirty="0" smtClean="0"/>
+              <a:t> </a:t>
+            </a:r>
+            <a:r>
+              <a:rPr lang="ru-RU" dirty="0" smtClean="0"/>
+              <a:t>или транзакции </a:t>
+            </a:r>
+            <a:r>
+              <a:rPr lang="mr-IN" dirty="0" smtClean="0"/>
+              <a:t>–</a:t>
+            </a:r>
+            <a:r>
+              <a:rPr lang="ru-RU" dirty="0" smtClean="0"/>
+              <a:t> медленная</a:t>
+            </a:r>
+          </a:p>
+          <a:p>
+            <a:endParaRPr lang="ru-RU" dirty="0"/>
+          </a:p>
+          <a:p>
+            <a:r>
+              <a:rPr lang="ru-RU" dirty="0" smtClean="0"/>
+              <a:t>Выкидываем </a:t>
+            </a:r>
+            <a:r>
+              <a:rPr lang="en-US" dirty="0" err="1" smtClean="0"/>
+              <a:t>Redis</a:t>
+            </a:r>
+            <a:r>
+              <a:rPr lang="en-US" dirty="0" smtClean="0"/>
+              <a:t>, </a:t>
+            </a:r>
+            <a:r>
+              <a:rPr lang="ru-RU" dirty="0" smtClean="0"/>
+              <a:t>берём </a:t>
+            </a:r>
+            <a:r>
+              <a:rPr lang="en-US" dirty="0" err="1" smtClean="0"/>
+              <a:t>Tarantool</a:t>
+            </a:r>
+            <a:endParaRPr lang="en-US" dirty="0"/>
+          </a:p>
+        </p:txBody>
+      </p:sp>
+    </p:spTree>
+    <p:custDataLst>
+      <p:tags r:id="rId1"/>
+    </p:custDataLst>
+    <p:extLst>
+      <p:ext uri="{BB962C8B-B14F-4D97-AF65-F5344CB8AC3E}">
+        <p14:creationId xmlns:p14="http://schemas.microsoft.com/office/powerpoint/2010/main" val="2112287560"/>
+      </p:ext>
+    </p:extLst>
+  </p:cSld>
+  <p:clrMapOvr>
+    <a:masterClrMapping/>
+  </p:clrMapOvr>
+  <mc:AlternateContent xmlns:mc="http://schemas.openxmlformats.org/markup-compatibility/2006">
+    <mc:Choice xmlns:p14="http://schemas.microsoft.com/office/powerpoint/2010/main" Requires="p14">
+      <p:transition spd="slow" p14:dur="2000" advTm="66246"/>
+    </mc:Choice>
+    <mc:Fallback>
+      <p:transition spd="slow" advTm="66246"/>
+    </mc:Fallback>
+  </mc:AlternateContent>
+  <p:timing>
+    <p:tnLst>
+      <p:par>
+        <p:cTn id="1" dur="indefinite" restart="never" nodeType="tmRoot">
+          <p:childTnLst>
+            <p:seq concurrent="1" nextAc="seek">
+              <p:cTn id="2" dur="indefinite" nodeType="mainSeq">
+                <p:childTnLst>
+                  <p:par>
+                    <p:cTn id="3" fill="hold">
+                      <p:stCondLst>
+                        <p:cond delay="indefinite"/>
+                      </p:stCondLst>
+                      <p:childTnLst>
+                        <p:par>
+                          <p:cTn id="4" fill="hold">
+                            <p:stCondLst>
+                              <p:cond delay="0"/>
+                            </p:stCondLst>
+                            <p:childTnLst>
+                              <p:par>
+                                <p:cTn id="5" presetID="1" presetClass="entr" presetSubtype="0" fill="hold" nodeType="clickEffect">
+                                  <p:stCondLst>
+                                    <p:cond delay="0"/>
+                                  </p:stCondLst>
+                                  <p:childTnLst>
+                                    <p:set>
+                                      <p:cBhvr>
+                                        <p:cTn id="6" dur="1" fill="hold">
+                                          <p:stCondLst>
+                                            <p:cond delay="0"/>
+                                          </p:stCondLst>
+                                        </p:cTn>
+                                        <p:tgtEl>
+                                          <p:spTgt spid="3">
+                                            <p:txEl>
+                                              <p:pRg st="0" end="0"/>
+                                            </p:txEl>
+                                          </p:spTgt>
+                                        </p:tgtEl>
+                                        <p:attrNameLst>
+                                          <p:attrName>style.visibility</p:attrName>
+                                        </p:attrNameLst>
+                                      </p:cBhvr>
+                                      <p:to>
+                                        <p:strVal val="visible"/>
+                                      </p:to>
+                                    </p:set>
+                                  </p:childTnLst>
+                                </p:cTn>
+                              </p:par>
+                            </p:childTnLst>
+                          </p:cTn>
+                        </p:par>
+                      </p:childTnLst>
+                    </p:cTn>
+                  </p:par>
+                  <p:par>
+                    <p:cTn id="7" fill="hold">
+                      <p:stCondLst>
+                        <p:cond delay="indefinite"/>
+                      </p:stCondLst>
+                      <p:childTnLst>
+                        <p:par>
+                          <p:cTn id="8" fill="hold">
+                            <p:stCondLst>
+                              <p:cond delay="0"/>
+                            </p:stCondLst>
+                            <p:childTnLst>
+                              <p:par>
+                                <p:cTn id="9" presetID="1" presetClass="entr" presetSubtype="0" fill="hold" nodeType="clickEffect">
+                                  <p:stCondLst>
+                                    <p:cond delay="0"/>
+                                  </p:stCondLst>
+                                  <p:childTnLst>
+                                    <p:set>
+                                      <p:cBhvr>
+                                        <p:cTn id="10" dur="1" fill="hold">
+                                          <p:stCondLst>
+                                            <p:cond delay="0"/>
+                                          </p:stCondLst>
+                                        </p:cTn>
+                                        <p:tgtEl>
+                                          <p:spTgt spid="3">
+                                            <p:txEl>
+                                              <p:pRg st="2" end="2"/>
+                                            </p:txEl>
+                                          </p:spTgt>
+                                        </p:tgtEl>
+                                        <p:attrNameLst>
+                                          <p:attrName>style.visibility</p:attrName>
+                                        </p:attrNameLst>
+                                      </p:cBhvr>
+                                      <p:to>
+                                        <p:strVal val="visible"/>
+                                      </p:to>
+                                    </p:set>
+                                  </p:childTnLst>
+                                </p:cTn>
+                              </p:par>
+                            </p:childTnLst>
+                          </p:cTn>
+                        </p:par>
+                      </p:childTnLst>
+                    </p:cTn>
+                  </p:par>
+                  <p:par>
+                    <p:cTn id="11" fill="hold">
+                      <p:stCondLst>
+                        <p:cond delay="indefinite"/>
+                      </p:stCondLst>
+                      <p:childTnLst>
+                        <p:par>
+                          <p:cTn id="12" fill="hold">
+                            <p:stCondLst>
+                              <p:cond delay="0"/>
+                            </p:stCondLst>
+                            <p:childTnLst>
+                              <p:par>
+                                <p:cTn id="13" presetID="1" presetClass="entr" presetSubtype="0" fill="hold" nodeType="clickEffect">
+                                  <p:stCondLst>
+                                    <p:cond delay="0"/>
+                                  </p:stCondLst>
+                                  <p:childTnLst>
+                                    <p:set>
+                                      <p:cBhvr>
+                                        <p:cTn id="14" dur="1" fill="hold">
+                                          <p:stCondLst>
+                                            <p:cond delay="0"/>
+                                          </p:stCondLst>
+                                        </p:cTn>
+                                        <p:tgtEl>
+                                          <p:spTgt spid="3">
+                                            <p:txEl>
+                                              <p:pRg st="4" end="4"/>
+                                            </p:txEl>
+                                          </p:spTgt>
+                                        </p:tgtEl>
+                                        <p:attrNameLst>
+                                          <p:attrName>style.visibility</p:attrName>
+                                        </p:attrNameLst>
+                                      </p:cBhvr>
+                                      <p:to>
+                                        <p:strVal val="visible"/>
+                                      </p:to>
+                                    </p:set>
+                                  </p:childTnLst>
+                                </p:cTn>
+                              </p:par>
+                            </p:childTnLst>
+                          </p:cTn>
+                        </p:par>
+                      </p:childTnLst>
+                    </p:cTn>
+                  </p:par>
+                  <p:par>
+                    <p:cTn id="15" fill="hold">
+                      <p:stCondLst>
+                        <p:cond delay="indefinite"/>
+                      </p:stCondLst>
+                      <p:childTnLst>
+                        <p:par>
+                          <p:cTn id="16" fill="hold">
+                            <p:stCondLst>
+                              <p:cond delay="0"/>
+                            </p:stCondLst>
+                            <p:childTnLst>
+                              <p:par>
+                                <p:cTn id="17" presetID="1" presetClass="entr" presetSubtype="0" fill="hold" nodeType="clickEffect">
+                                  <p:stCondLst>
+                                    <p:cond delay="0"/>
+                                  </p:stCondLst>
+                                  <p:childTnLst>
+                                    <p:set>
+                                      <p:cBhvr>
+                                        <p:cTn id="18" dur="1" fill="hold">
+                                          <p:stCondLst>
+                                            <p:cond delay="0"/>
+                                          </p:stCondLst>
+                                        </p:cTn>
+                                        <p:tgtEl>
+                                          <p:spTgt spid="3">
+                                            <p:txEl>
+                                              <p:pRg st="6" end="6"/>
+                                            </p:txEl>
+                                          </p:spTgt>
+                                        </p:tgtEl>
+                                        <p:attrNameLst>
+                                          <p:attrName>style.visibility</p:attrName>
+                                        </p:attrNameLst>
+                                      </p:cBhvr>
+                                      <p:to>
+                                        <p:strVal val="visible"/>
+                                      </p:to>
+                                    </p:set>
+                                  </p:childTnLst>
+                                </p:cTn>
+                              </p:par>
+                            </p:childTnLst>
+                          </p:cTn>
+                        </p:par>
+                      </p:childTnLst>
+                    </p:cTn>
+                  </p:par>
+                </p:childTnLst>
+              </p:cTn>
+              <p:prevCondLst>
+                <p:cond evt="onPrev" delay="0">
+                  <p:tgtEl>
+                    <p:sldTgt/>
+                  </p:tgtEl>
+                </p:cond>
+              </p:prevCondLst>
+              <p:nextCondLst>
+                <p:cond evt="onNext" delay="0">
+                  <p:tgtEl>
+                    <p:sldTgt/>
+                  </p:tgtEl>
+                </p:cond>
+              </p:nextCondLst>
+            </p:seq>
+          </p:childTnLst>
+        </p:cTn>
+      </p:par>
+    </p:tnLst>
+  </p:timing>
+</p:sld>
+</file>
+
+<file path=ppt/slides/slide7.xml><?xml version="1.0" encoding="utf-8"?>
+<p:sld xmlns:a="http://schemas.openxmlformats.org/drawingml/2006/main" xmlns:r="http://schemas.openxmlformats.org/officeDocument/2006/relationships" xmlns:p="http://schemas.openxmlformats.org/presentationml/2006/main">
+  <p:cSld>
+    <p:spTree>
+      <p:nvGrpSpPr>
+        <p:cNvPr id="1" name=""/>
+        <p:cNvGrpSpPr/>
+        <p:nvPr/>
+      </p:nvGrpSpPr>
+      <p:grpSpPr>
+        <a:xfrm>
+          <a:off x="0" y="0"/>
+          <a:ext cx="0" cy="0"/>
+          <a:chOff x="0" y="0"/>
+          <a:chExt cx="0" cy="0"/>
+        </a:xfrm>
+      </p:grpSpPr>
+      <p:sp>
+        <p:nvSpPr>
+          <p:cNvPr id="2" name="Title 1"/>
+          <p:cNvSpPr>
+            <a:spLocks noGrp="1"/>
+          </p:cNvSpPr>
+          <p:nvPr>
+            <p:ph type="title"/>
+          </p:nvPr>
+        </p:nvSpPr>
+        <p:spPr/>
+        <p:txBody>
+          <a:bodyPr/>
+          <a:lstStyle/>
+          <a:p>
+            <a:r>
+              <a:rPr lang="ru-RU" dirty="0" smtClean="0"/>
+              <a:t>Отсутствие </a:t>
+            </a:r>
+            <a:r>
+              <a:rPr lang="en-US" dirty="0" smtClean="0"/>
+              <a:t>Windows-binary</a:t>
+            </a:r>
+            <a:r>
+              <a:rPr lang="ru-RU" dirty="0" smtClean="0"/>
+              <a:t>.</a:t>
+            </a:r>
+            <a:endParaRPr lang="en-US" dirty="0"/>
+          </a:p>
+        </p:txBody>
+      </p:sp>
+      <p:sp>
+        <p:nvSpPr>
+          <p:cNvPr id="3" name="Content Placeholder 2"/>
+          <p:cNvSpPr>
+            <a:spLocks noGrp="1"/>
+          </p:cNvSpPr>
+          <p:nvPr>
+            <p:ph idx="1"/>
+          </p:nvPr>
+        </p:nvSpPr>
+        <p:spPr/>
+        <p:txBody>
+          <a:bodyPr/>
+          <a:lstStyle/>
+          <a:p>
+            <a:r>
+              <a:rPr lang="ru-RU" dirty="0" smtClean="0"/>
+              <a:t>Минус или плюс?</a:t>
+            </a:r>
+          </a:p>
+          <a:p>
+            <a:endParaRPr lang="ru-RU" dirty="0" smtClean="0"/>
+          </a:p>
+          <a:p>
+            <a:r>
+              <a:rPr lang="ru-RU" dirty="0" smtClean="0"/>
+              <a:t>Заставляет </a:t>
+            </a:r>
+            <a:r>
+              <a:rPr lang="ru-RU" dirty="0" smtClean="0"/>
+              <a:t>разбираться в </a:t>
+            </a:r>
+            <a:r>
+              <a:rPr lang="ru-RU" dirty="0" err="1" smtClean="0"/>
+              <a:t>продакшен</a:t>
+            </a:r>
+            <a:r>
+              <a:rPr lang="ru-RU" dirty="0" smtClean="0"/>
+              <a:t> среде</a:t>
+            </a:r>
+            <a:r>
+              <a:rPr lang="ru-RU" dirty="0" smtClean="0"/>
+              <a:t>.</a:t>
+            </a:r>
+          </a:p>
+          <a:p>
+            <a:endParaRPr lang="en-US" dirty="0" smtClean="0"/>
+          </a:p>
+          <a:p>
+            <a:r>
+              <a:rPr lang="ru-RU" dirty="0" smtClean="0"/>
+              <a:t>Код сразу имеет те показатели, которые имеет на </a:t>
+            </a:r>
+            <a:r>
+              <a:rPr lang="ru-RU" dirty="0" err="1" smtClean="0"/>
+              <a:t>продакшене</a:t>
+            </a:r>
+            <a:r>
+              <a:rPr lang="ru-RU" dirty="0" smtClean="0"/>
+              <a:t>.</a:t>
+            </a:r>
+            <a:endParaRPr lang="en-US" dirty="0" smtClean="0"/>
+          </a:p>
+        </p:txBody>
+      </p:sp>
+    </p:spTree>
+    <p:custDataLst>
+      <p:tags r:id="rId1"/>
+    </p:custDataLst>
+    <p:extLst>
+      <p:ext uri="{BB962C8B-B14F-4D97-AF65-F5344CB8AC3E}">
+        <p14:creationId xmlns:p14="http://schemas.microsoft.com/office/powerpoint/2010/main" val="1652160605"/>
+      </p:ext>
+    </p:extLst>
+  </p:cSld>
+  <p:clrMapOvr>
+    <a:masterClrMapping/>
+  </p:clrMapOvr>
+  <mc:AlternateContent xmlns:mc="http://schemas.openxmlformats.org/markup-compatibility/2006">
+    <mc:Choice xmlns:p14="http://schemas.microsoft.com/office/powerpoint/2010/main" Requires="p14">
+      <p:transition spd="slow" p14:dur="2000" advTm="83518"/>
+    </mc:Choice>
+    <mc:Fallback>
+      <p:transition spd="slow" advTm="83518"/>
+    </mc:Fallback>
+  </mc:AlternateContent>
   <p:timing>
     <p:tnLst>
       <p:par>
@@ -6153,7 +11555,7 @@
 </p:sld>
 </file>
 
-<file path=ppt/slides/slide4.xml><?xml version="1.0" encoding="utf-8"?>
+<file path=ppt/slides/slide8.xml><?xml version="1.0" encoding="utf-8"?>
 <p:sld xmlns:a="http://schemas.openxmlformats.org/drawingml/2006/main" xmlns:r="http://schemas.openxmlformats.org/officeDocument/2006/relationships" xmlns:p="http://schemas.openxmlformats.org/presentationml/2006/main">
   <p:cSld>
     <p:spTree>
@@ -6186,12 +11588,8 @@
           <a:lstStyle/>
           <a:p>
             <a:r>
-              <a:rPr lang="ru-RU" dirty="0" smtClean="0"/>
-              <a:t>Недостатки </a:t>
-            </a:r>
-            <a:r>
-              <a:rPr lang="en-US" dirty="0" err="1" smtClean="0"/>
-              <a:t>Redis</a:t>
+              <a:rPr lang="en-US" dirty="0" smtClean="0"/>
+              <a:t>”Developer-only” windows binary</a:t>
             </a:r>
             <a:endParaRPr lang="en-US" dirty="0"/>
           </a:p>
@@ -6207,14 +11605,31 @@
             <p:ph idx="1"/>
           </p:nvPr>
         </p:nvSpPr>
-        <p:spPr/>
+        <p:spPr>
+          <a:xfrm>
+            <a:off x="838200" y="1862947"/>
+            <a:ext cx="10515600" cy="4351338"/>
+          </a:xfrm>
+        </p:spPr>
         <p:txBody>
           <a:bodyPr/>
           <a:lstStyle/>
           <a:p>
             <a:r>
               <a:rPr lang="ru-RU" dirty="0" smtClean="0"/>
-              <a:t>Нет вторичных индексов</a:t>
+              <a:t>У </a:t>
+            </a:r>
+            <a:r>
+              <a:rPr lang="en-US" dirty="0" err="1"/>
+              <a:t>Redis</a:t>
+            </a:r>
+            <a:r>
+              <a:rPr lang="en-US" dirty="0"/>
+              <a:t>, </a:t>
+            </a:r>
+            <a:r>
+              <a:rPr lang="ru-RU" dirty="0"/>
+              <a:t>например, есть.</a:t>
             </a:r>
           </a:p>
           <a:p>
@@ -6222,28 +11637,8 @@
           </a:p>
           <a:p>
             <a:r>
-              <a:rPr lang="ru-RU" dirty="0" smtClean="0"/>
-              <a:t>Атомарная реализация через </a:t>
-            </a:r>
-            <a:r>
-              <a:rPr lang="en-US" dirty="0" err="1" smtClean="0"/>
-              <a:t>lua</a:t>
-            </a:r>
-            <a:r>
-              <a:rPr lang="en-US" dirty="0" smtClean="0"/>
-              <a:t> </a:t>
-            </a:r>
-            <a:r>
-              <a:rPr lang="ru-RU" dirty="0" smtClean="0"/>
-              <a:t>или транзакции </a:t>
-            </a:r>
-            <a:r>
-              <a:rPr lang="mr-IN" dirty="0" smtClean="0"/>
-              <a:t>–</a:t>
-            </a:r>
-            <a:r>
-              <a:rPr lang="ru-RU" dirty="0" smtClean="0"/>
-              <a:t> медленная</a:t>
+              <a:rPr lang="ru-RU" dirty="0"/>
+              <a:t>В дополнение к обычным багам, новые.</a:t>
             </a:r>
           </a:p>
           <a:p>
@@ -6251,39 +11646,38 @@
           </a:p>
           <a:p>
             <a:r>
-              <a:rPr lang="ru-RU" dirty="0" smtClean="0"/>
-              <a:t>Выкидываем </a:t>
-            </a:r>
-            <a:r>
-              <a:rPr lang="en-US" dirty="0" err="1" smtClean="0"/>
-              <a:t>Redis</a:t>
-            </a:r>
-            <a:r>
-              <a:rPr lang="en-US" dirty="0" smtClean="0"/>
-              <a:t>, </a:t>
-            </a:r>
-            <a:r>
-              <a:rPr lang="ru-RU" dirty="0" smtClean="0"/>
-              <a:t>берём </a:t>
-            </a:r>
-            <a:r>
-              <a:rPr lang="en-US" dirty="0" err="1" smtClean="0"/>
-              <a:t>Tarantool</a:t>
-            </a:r>
-            <a:endParaRPr lang="en-US" dirty="0"/>
+              <a:rPr lang="ru-RU" dirty="0"/>
+              <a:t>Вплоть до потери данных</a:t>
+            </a:r>
+            <a:r>
+              <a:rPr lang="ru-RU" dirty="0" smtClean="0"/>
+              <a:t>.</a:t>
+            </a:r>
+            <a:endParaRPr lang="en-US" dirty="0" smtClean="0"/>
           </a:p>
         </p:txBody>
       </p:sp>
     </p:spTree>
+    <p:custDataLst>
+      <p:tags r:id="rId1"/>
+    </p:custDataLst>
     <p:extLst>
       <p:ext uri="{BB962C8B-B14F-4D97-AF65-F5344CB8AC3E}">
-        <p14:creationId xmlns:p14="http://schemas.microsoft.com/office/powerpoint/2010/main" val="2112287560"/>
+        <p14:creationId xmlns:p14="http://schemas.microsoft.com/office/powerpoint/2010/main" val="1566538484"/>
       </p:ext>
     </p:extLst>
   </p:cSld>
   <p:clrMapOvr>
     <a:masterClrMapping/>
   </p:clrMapOvr>
+  <mc:AlternateContent xmlns:mc="http://schemas.openxmlformats.org/markup-compatibility/2006">
+    <mc:Choice xmlns:p14="http://schemas.microsoft.com/office/powerpoint/2010/main" Requires="p14">
+      <p:transition spd="slow" p14:dur="2000" advTm="50497"/>
+    </mc:Choice>
+    <mc:Fallback>
+      <p:transition spd="slow" advTm="50497"/>
+    </mc:Fallback>
+  </mc:AlternateContent>
   <p:timing>
     <p:tnLst>
       <p:par>
@@ -6464,7 +11858,7 @@
 </p:sld>
 </file>
 
-<file path=ppt/slides/slide5.xml><?xml version="1.0" encoding="utf-8"?>
+<file path=ppt/slides/slide9.xml><?xml version="1.0" encoding="utf-8"?>
 <p:sld xmlns:a="http://schemas.openxmlformats.org/drawingml/2006/main" xmlns:r="http://schemas.openxmlformats.org/officeDocument/2006/relationships" xmlns:p="http://schemas.openxmlformats.org/presentationml/2006/main">
   <p:cSld>
     <p:spTree>
@@ -6497,8 +11891,8 @@
           <a:lstStyle/>
           <a:p>
             <a:r>
-              <a:rPr lang="ru-RU" dirty="0" smtClean="0"/>
-              <a:t>Разработка</a:t>
+              <a:rPr lang="en-US" dirty="0" err="1"/>
+              <a:t>Tarantool.CSharp</a:t>
             </a:r>
             <a:endParaRPr lang="en-US" dirty="0"/>
           </a:p>
@@ -6506,12 +11900,12 @@
       </p:sp>
       <p:sp>
         <p:nvSpPr>
-          <p:cNvPr id="3" name="Text Placeholder 2"/>
-          <p:cNvSpPr>
-            <a:spLocks noGrp="1"/>
-          </p:cNvSpPr>
-          <p:nvPr>
-            <p:ph type="body" idx="1"/>
+          <p:cNvPr id="3" name="Content Placeholder 2"/>
+          <p:cNvSpPr>
+            <a:spLocks noGrp="1"/>
+          </p:cNvSpPr>
+          <p:nvPr>
+            <p:ph idx="1"/>
           </p:nvPr>
         </p:nvSpPr>
         <p:spPr/>
@@ -6521,528 +11915,6 @@
           <a:p>
             <a:r>
               <a:rPr lang="ru-RU" dirty="0" smtClean="0"/>
-              <a:t>Проблемы</a:t>
-            </a:r>
-            <a:endParaRPr lang="en-US" dirty="0"/>
-          </a:p>
-        </p:txBody>
-      </p:sp>
-      <p:sp>
-        <p:nvSpPr>
-          <p:cNvPr id="4" name="Content Placeholder 3"/>
-          <p:cNvSpPr>
-            <a:spLocks noGrp="1"/>
-          </p:cNvSpPr>
-          <p:nvPr>
-            <p:ph sz="half" idx="2"/>
-          </p:nvPr>
-        </p:nvSpPr>
-        <p:spPr/>
-        <p:txBody>
-          <a:bodyPr/>
-          <a:lstStyle/>
-          <a:p>
-            <a:r>
-              <a:rPr lang="ru-RU" dirty="0" smtClean="0"/>
-              <a:t>Нет </a:t>
-            </a:r>
-            <a:r>
-              <a:rPr lang="en-US" dirty="0" smtClean="0"/>
-              <a:t>windows-binary</a:t>
-            </a:r>
-          </a:p>
-          <a:p>
-            <a:endParaRPr lang="en-US" dirty="0"/>
-          </a:p>
-          <a:p>
-            <a:r>
-              <a:rPr lang="ru-RU" dirty="0" smtClean="0"/>
-              <a:t>Нет </a:t>
-            </a:r>
-            <a:r>
-              <a:rPr lang="en-US" dirty="0" err="1" smtClean="0"/>
-              <a:t>.net</a:t>
-            </a:r>
-            <a:r>
-              <a:rPr lang="en-US" dirty="0" smtClean="0"/>
-              <a:t> </a:t>
-            </a:r>
-            <a:r>
-              <a:rPr lang="ru-RU" dirty="0" smtClean="0"/>
-              <a:t>коннектора</a:t>
-            </a:r>
-            <a:endParaRPr lang="en-US" dirty="0"/>
-          </a:p>
-        </p:txBody>
-      </p:sp>
-      <p:sp>
-        <p:nvSpPr>
-          <p:cNvPr id="5" name="Text Placeholder 4"/>
-          <p:cNvSpPr>
-            <a:spLocks noGrp="1"/>
-          </p:cNvSpPr>
-          <p:nvPr>
-            <p:ph type="body" sz="quarter" idx="3"/>
-          </p:nvPr>
-        </p:nvSpPr>
-        <p:spPr/>
-        <p:txBody>
-          <a:bodyPr/>
-          <a:lstStyle/>
-          <a:p>
-            <a:r>
-              <a:rPr lang="ru-RU" dirty="0" smtClean="0"/>
-              <a:t>Решение</a:t>
-            </a:r>
-            <a:endParaRPr lang="en-US" dirty="0"/>
-          </a:p>
-        </p:txBody>
-      </p:sp>
-      <p:sp>
-        <p:nvSpPr>
-          <p:cNvPr id="6" name="Content Placeholder 5"/>
-          <p:cNvSpPr>
-            <a:spLocks noGrp="1"/>
-          </p:cNvSpPr>
-          <p:nvPr>
-            <p:ph sz="quarter" idx="4"/>
-          </p:nvPr>
-        </p:nvSpPr>
-        <p:spPr/>
-        <p:txBody>
-          <a:bodyPr/>
-          <a:lstStyle/>
-          <a:p>
-            <a:r>
-              <a:rPr lang="en-US" dirty="0" err="1"/>
-              <a:t>d</a:t>
-            </a:r>
-            <a:r>
-              <a:rPr lang="en-US" dirty="0" err="1" smtClean="0"/>
-              <a:t>ocker</a:t>
-            </a:r>
-            <a:r>
-              <a:rPr lang="en-US" dirty="0" smtClean="0"/>
-              <a:t> + </a:t>
-            </a:r>
-            <a:r>
-              <a:rPr lang="en-US" dirty="0" err="1" smtClean="0"/>
-              <a:t>docker</a:t>
-            </a:r>
-            <a:r>
-              <a:rPr lang="en-US" dirty="0" smtClean="0"/>
-              <a:t> compose</a:t>
-            </a:r>
-          </a:p>
-          <a:p>
-            <a:endParaRPr lang="en-US" dirty="0"/>
-          </a:p>
-          <a:p>
-            <a:r>
-              <a:rPr lang="ru-RU" dirty="0" smtClean="0"/>
-              <a:t>Написать свой</a:t>
-            </a:r>
-            <a:endParaRPr lang="en-US" dirty="0"/>
-          </a:p>
-        </p:txBody>
-      </p:sp>
-    </p:spTree>
-    <p:extLst>
-      <p:ext uri="{BB962C8B-B14F-4D97-AF65-F5344CB8AC3E}">
-        <p14:creationId xmlns:p14="http://schemas.microsoft.com/office/powerpoint/2010/main" val="1789418988"/>
-      </p:ext>
-    </p:extLst>
-  </p:cSld>
-  <p:clrMapOvr>
-    <a:masterClrMapping/>
-  </p:clrMapOvr>
-  <p:timing>
-    <p:tnLst>
-      <p:par>
-        <p:cTn id="1" dur="indefinite" restart="never" nodeType="tmRoot">
-          <p:childTnLst>
-            <p:seq concurrent="1" nextAc="seek">
-              <p:cTn id="2" dur="indefinite" nodeType="mainSeq">
-                <p:childTnLst>
-                  <p:par>
-                    <p:cTn id="3" fill="hold">
-                      <p:stCondLst>
-                        <p:cond delay="indefinite"/>
-                      </p:stCondLst>
-                      <p:childTnLst>
-                        <p:par>
-                          <p:cTn id="4" fill="hold">
-                            <p:stCondLst>
-                              <p:cond delay="0"/>
-                            </p:stCondLst>
-                            <p:childTnLst>
-                              <p:par>
-                                <p:cTn id="5" presetID="1" presetClass="entr" presetSubtype="0" fill="hold" grpId="0" nodeType="clickEffect">
-                                  <p:stCondLst>
-                                    <p:cond delay="0"/>
-                                  </p:stCondLst>
-                                  <p:childTnLst>
-                                    <p:set>
-                                      <p:cBhvr>
-                                        <p:cTn id="6" dur="1" fill="hold">
-                                          <p:stCondLst>
-                                            <p:cond delay="0"/>
-                                          </p:stCondLst>
-                                        </p:cTn>
-                                        <p:tgtEl>
-                                          <p:spTgt spid="3">
-                                            <p:txEl>
-                                              <p:pRg st="0" end="0"/>
-                                            </p:txEl>
-                                          </p:spTgt>
-                                        </p:tgtEl>
-                                        <p:attrNameLst>
-                                          <p:attrName>style.visibility</p:attrName>
-                                        </p:attrNameLst>
-                                      </p:cBhvr>
-                                      <p:to>
-                                        <p:strVal val="visible"/>
-                                      </p:to>
-                                    </p:set>
-                                  </p:childTnLst>
-                                </p:cTn>
-                              </p:par>
-                            </p:childTnLst>
-                          </p:cTn>
-                        </p:par>
-                      </p:childTnLst>
-                    </p:cTn>
-                  </p:par>
-                  <p:par>
-                    <p:cTn id="7" fill="hold">
-                      <p:stCondLst>
-                        <p:cond delay="indefinite"/>
-                      </p:stCondLst>
-                      <p:childTnLst>
-                        <p:par>
-                          <p:cTn id="8" fill="hold">
-                            <p:stCondLst>
-                              <p:cond delay="0"/>
-                            </p:stCondLst>
-                            <p:childTnLst>
-                              <p:par>
-                                <p:cTn id="9" presetID="1" presetClass="entr" presetSubtype="0" fill="hold" nodeType="clickEffect">
-                                  <p:stCondLst>
-                                    <p:cond delay="0"/>
-                                  </p:stCondLst>
-                                  <p:childTnLst>
-                                    <p:set>
-                                      <p:cBhvr>
-                                        <p:cTn id="10" dur="1" fill="hold">
-                                          <p:stCondLst>
-                                            <p:cond delay="0"/>
-                                          </p:stCondLst>
-                                        </p:cTn>
-                                        <p:tgtEl>
-                                          <p:spTgt spid="4">
-                                            <p:txEl>
-                                              <p:pRg st="0" end="0"/>
-                                            </p:txEl>
-                                          </p:spTgt>
-                                        </p:tgtEl>
-                                        <p:attrNameLst>
-                                          <p:attrName>style.visibility</p:attrName>
-                                        </p:attrNameLst>
-                                      </p:cBhvr>
-                                      <p:to>
-                                        <p:strVal val="visible"/>
-                                      </p:to>
-                                    </p:set>
-                                  </p:childTnLst>
-                                </p:cTn>
-                              </p:par>
-                            </p:childTnLst>
-                          </p:cTn>
-                        </p:par>
-                      </p:childTnLst>
-                    </p:cTn>
-                  </p:par>
-                  <p:par>
-                    <p:cTn id="11" fill="hold">
-                      <p:stCondLst>
-                        <p:cond delay="indefinite"/>
-                      </p:stCondLst>
-                      <p:childTnLst>
-                        <p:par>
-                          <p:cTn id="12" fill="hold">
-                            <p:stCondLst>
-                              <p:cond delay="0"/>
-                            </p:stCondLst>
-                            <p:childTnLst>
-                              <p:par>
-                                <p:cTn id="13" presetID="1" presetClass="entr" presetSubtype="0" fill="hold" nodeType="clickEffect">
-                                  <p:stCondLst>
-                                    <p:cond delay="0"/>
-                                  </p:stCondLst>
-                                  <p:childTnLst>
-                                    <p:set>
-                                      <p:cBhvr>
-                                        <p:cTn id="14" dur="1" fill="hold">
-                                          <p:stCondLst>
-                                            <p:cond delay="0"/>
-                                          </p:stCondLst>
-                                        </p:cTn>
-                                        <p:tgtEl>
-                                          <p:spTgt spid="4">
-                                            <p:txEl>
-                                              <p:pRg st="2" end="2"/>
-                                            </p:txEl>
-                                          </p:spTgt>
-                                        </p:tgtEl>
-                                        <p:attrNameLst>
-                                          <p:attrName>style.visibility</p:attrName>
-                                        </p:attrNameLst>
-                                      </p:cBhvr>
-                                      <p:to>
-                                        <p:strVal val="visible"/>
-                                      </p:to>
-                                    </p:set>
-                                  </p:childTnLst>
-                                </p:cTn>
-                              </p:par>
-                            </p:childTnLst>
-                          </p:cTn>
-                        </p:par>
-                      </p:childTnLst>
-                    </p:cTn>
-                  </p:par>
-                  <p:par>
-                    <p:cTn id="15" fill="hold">
-                      <p:stCondLst>
-                        <p:cond delay="indefinite"/>
-                      </p:stCondLst>
-                      <p:childTnLst>
-                        <p:par>
-                          <p:cTn id="16" fill="hold">
-                            <p:stCondLst>
-                              <p:cond delay="0"/>
-                            </p:stCondLst>
-                            <p:childTnLst>
-                              <p:par>
-                                <p:cTn id="17" presetID="1" presetClass="entr" presetSubtype="0" fill="hold" nodeType="clickEffect">
-                                  <p:stCondLst>
-                                    <p:cond delay="0"/>
-                                  </p:stCondLst>
-                                  <p:childTnLst>
-                                    <p:set>
-                                      <p:cBhvr>
-                                        <p:cTn id="18" dur="1" fill="hold">
-                                          <p:stCondLst>
-                                            <p:cond delay="0"/>
-                                          </p:stCondLst>
-                                        </p:cTn>
-                                        <p:tgtEl>
-                                          <p:spTgt spid="5">
-                                            <p:txEl>
-                                              <p:pRg st="0" end="0"/>
-                                            </p:txEl>
-                                          </p:spTgt>
-                                        </p:tgtEl>
-                                        <p:attrNameLst>
-                                          <p:attrName>style.visibility</p:attrName>
-                                        </p:attrNameLst>
-                                      </p:cBhvr>
-                                      <p:to>
-                                        <p:strVal val="visible"/>
-                                      </p:to>
-                                    </p:set>
-                                  </p:childTnLst>
-                                </p:cTn>
-                              </p:par>
-                            </p:childTnLst>
-                          </p:cTn>
-                        </p:par>
-                      </p:childTnLst>
-                    </p:cTn>
-                  </p:par>
-                  <p:par>
-                    <p:cTn id="19" fill="hold">
-                      <p:stCondLst>
-                        <p:cond delay="indefinite"/>
-                      </p:stCondLst>
-                      <p:childTnLst>
-                        <p:par>
-                          <p:cTn id="20" fill="hold">
-                            <p:stCondLst>
-                              <p:cond delay="0"/>
-                            </p:stCondLst>
-                            <p:childTnLst>
-                              <p:par>
-                                <p:cTn id="21" presetID="1" presetClass="entr" presetSubtype="0" fill="hold" nodeType="clickEffect">
-                                  <p:stCondLst>
-                                    <p:cond delay="0"/>
-                                  </p:stCondLst>
-                                  <p:childTnLst>
-                                    <p:set>
-                                      <p:cBhvr>
-                                        <p:cTn id="22" dur="1" fill="hold">
-                                          <p:stCondLst>
-                                            <p:cond delay="0"/>
-                                          </p:stCondLst>
-                                        </p:cTn>
-                                        <p:tgtEl>
-                                          <p:spTgt spid="6">
-                                            <p:txEl>
-                                              <p:pRg st="0" end="0"/>
-                                            </p:txEl>
-                                          </p:spTgt>
-                                        </p:tgtEl>
-                                        <p:attrNameLst>
-                                          <p:attrName>style.visibility</p:attrName>
-                                        </p:attrNameLst>
-                                      </p:cBhvr>
-                                      <p:to>
-                                        <p:strVal val="visible"/>
-                                      </p:to>
-                                    </p:set>
-                                  </p:childTnLst>
-                                </p:cTn>
-                              </p:par>
-                            </p:childTnLst>
-                          </p:cTn>
-                        </p:par>
-                      </p:childTnLst>
-                    </p:cTn>
-                  </p:par>
-                  <p:par>
-                    <p:cTn id="23" fill="hold">
-                      <p:stCondLst>
-                        <p:cond delay="indefinite"/>
-                      </p:stCondLst>
-                      <p:childTnLst>
-                        <p:par>
-                          <p:cTn id="24" fill="hold">
-                            <p:stCondLst>
-                              <p:cond delay="0"/>
-                            </p:stCondLst>
-                            <p:childTnLst>
-                              <p:par>
-                                <p:cTn id="25" presetID="1" presetClass="entr" presetSubtype="0" fill="hold" nodeType="clickEffect">
-                                  <p:stCondLst>
-                                    <p:cond delay="0"/>
-                                  </p:stCondLst>
-                                  <p:childTnLst>
-                                    <p:set>
-                                      <p:cBhvr>
-                                        <p:cTn id="26" dur="1" fill="hold">
-                                          <p:stCondLst>
-                                            <p:cond delay="0"/>
-                                          </p:stCondLst>
-                                        </p:cTn>
-                                        <p:tgtEl>
-                                          <p:spTgt spid="6">
-                                            <p:txEl>
-                                              <p:pRg st="2" end="2"/>
-                                            </p:txEl>
-                                          </p:spTgt>
-                                        </p:tgtEl>
-                                        <p:attrNameLst>
-                                          <p:attrName>style.visibility</p:attrName>
-                                        </p:attrNameLst>
-                                      </p:cBhvr>
-                                      <p:to>
-                                        <p:strVal val="visible"/>
-                                      </p:to>
-                                    </p:set>
-                                  </p:childTnLst>
-                                </p:cTn>
-                              </p:par>
-                            </p:childTnLst>
-                          </p:cTn>
-                        </p:par>
-                      </p:childTnLst>
-                    </p:cTn>
-                  </p:par>
-                </p:childTnLst>
-              </p:cTn>
-              <p:prevCondLst>
-                <p:cond evt="onPrev" delay="0">
-                  <p:tgtEl>
-                    <p:sldTgt/>
-                  </p:tgtEl>
-                </p:cond>
-              </p:prevCondLst>
-              <p:nextCondLst>
-                <p:cond evt="onNext" delay="0">
-                  <p:tgtEl>
-                    <p:sldTgt/>
-                  </p:tgtEl>
-                </p:cond>
-              </p:nextCondLst>
-            </p:seq>
-          </p:childTnLst>
-        </p:cTn>
-      </p:par>
-    </p:tnLst>
-    <p:bldLst>
-      <p:bldP spid="3" grpId="0" build="p"/>
-    </p:bldLst>
-  </p:timing>
-</p:sld>
-</file>
-
-<file path=ppt/slides/slide6.xml><?xml version="1.0" encoding="utf-8"?>
-<p:sld xmlns:a="http://schemas.openxmlformats.org/drawingml/2006/main" xmlns:r="http://schemas.openxmlformats.org/officeDocument/2006/relationships" xmlns:p="http://schemas.openxmlformats.org/presentationml/2006/main">
-  <p:cSld>
-    <p:spTree>
-      <p:nvGrpSpPr>
-        <p:cNvPr id="1" name=""/>
-        <p:cNvGrpSpPr/>
-        <p:nvPr/>
-      </p:nvGrpSpPr>
-      <p:grpSpPr>
-        <a:xfrm>
-          <a:off x="0" y="0"/>
-          <a:ext cx="0" cy="0"/>
-          <a:chOff x="0" y="0"/>
-          <a:chExt cx="0" cy="0"/>
-        </a:xfrm>
-      </p:grpSpPr>
-      <p:sp>
-        <p:nvSpPr>
-          <p:cNvPr id="2" name="Title 1"/>
-          <p:cNvSpPr>
-            <a:spLocks noGrp="1"/>
-          </p:cNvSpPr>
-          <p:nvPr>
-            <p:ph type="title"/>
-          </p:nvPr>
-        </p:nvSpPr>
-        <p:spPr/>
-        <p:txBody>
-          <a:bodyPr/>
-          <a:lstStyle/>
-          <a:p>
-            <a:r>
-              <a:rPr lang="en-US" dirty="0" err="1"/>
-              <a:t>Tarantool.CSharp</a:t>
-            </a:r>
-            <a:endParaRPr lang="en-US" dirty="0"/>
-          </a:p>
-        </p:txBody>
-      </p:sp>
-      <p:sp>
-        <p:nvSpPr>
-          <p:cNvPr id="3" name="Content Placeholder 2"/>
-          <p:cNvSpPr>
-            <a:spLocks noGrp="1"/>
-          </p:cNvSpPr>
-          <p:nvPr>
-            <p:ph idx="1"/>
-          </p:nvPr>
-        </p:nvSpPr>
-        <p:spPr/>
-        <p:txBody>
-          <a:bodyPr/>
-          <a:lstStyle/>
-          <a:p>
-            <a:r>
-              <a:rPr lang="ru-RU" dirty="0" smtClean="0"/>
               <a:t>Поддерживаем </a:t>
             </a:r>
             <a:r>
@@ -7122,11 +11994,26 @@
               <a:rPr lang="ru-RU" dirty="0" err="1" smtClean="0"/>
               <a:t>нодой</a:t>
             </a:r>
+            <a:endParaRPr lang="ru-RU" dirty="0" smtClean="0"/>
+          </a:p>
+          <a:p>
+            <a:pPr lvl="1"/>
+            <a:r>
+              <a:rPr lang="ru-RU" dirty="0" smtClean="0"/>
+              <a:t>Плохо поддерживаются разнотипные данные в одной колонке, например, </a:t>
+            </a:r>
+            <a:r>
+              <a:rPr lang="en-US" dirty="0" smtClean="0"/>
+              <a:t>Scalar index</a:t>
+            </a:r>
             <a:endParaRPr lang="en-US" dirty="0"/>
           </a:p>
         </p:txBody>
       </p:sp>
     </p:spTree>
+    <p:custDataLst>
+      <p:tags r:id="rId1"/>
+    </p:custDataLst>
     <p:extLst>
       <p:ext uri="{BB962C8B-B14F-4D97-AF65-F5344CB8AC3E}">
         <p14:creationId xmlns:p14="http://schemas.microsoft.com/office/powerpoint/2010/main" val="815472801"/>
@@ -7136,6 +12023,14 @@
   <p:clrMapOvr>
     <a:masterClrMapping/>
   </p:clrMapOvr>
+  <mc:AlternateContent xmlns:mc="http://schemas.openxmlformats.org/markup-compatibility/2006">
+    <mc:Choice xmlns:p14="http://schemas.microsoft.com/office/powerpoint/2010/main" Requires="p14">
+      <p:transition spd="slow" p14:dur="2000" advTm="78435"/>
+    </mc:Choice>
+    <mc:Fallback>
+      <p:transition spd="slow" advTm="78435"/>
+    </mc:Fallback>
+  </mc:AlternateContent>
   <p:timing>
     <p:tnLst>
       <p:par>
@@ -7396,159 +12291,15 @@
                                   </p:childTnLst>
                                 </p:cTn>
                               </p:par>
-                            </p:childTnLst>
-                          </p:cTn>
-                        </p:par>
-                      </p:childTnLst>
-                    </p:cTn>
-                  </p:par>
-                </p:childTnLst>
-              </p:cTn>
-              <p:prevCondLst>
-                <p:cond evt="onPrev" delay="0">
-                  <p:tgtEl>
-                    <p:sldTgt/>
-                  </p:tgtEl>
-                </p:cond>
-              </p:prevCondLst>
-              <p:nextCondLst>
-                <p:cond evt="onNext" delay="0">
-                  <p:tgtEl>
-                    <p:sldTgt/>
-                  </p:tgtEl>
-                </p:cond>
-              </p:nextCondLst>
-            </p:seq>
-          </p:childTnLst>
-        </p:cTn>
-      </p:par>
-    </p:tnLst>
-  </p:timing>
-</p:sld>
-</file>
-
-<file path=ppt/slides/slide7.xml><?xml version="1.0" encoding="utf-8"?>
-<p:sld xmlns:a="http://schemas.openxmlformats.org/drawingml/2006/main" xmlns:r="http://schemas.openxmlformats.org/officeDocument/2006/relationships" xmlns:p="http://schemas.openxmlformats.org/presentationml/2006/main">
-  <p:cSld>
-    <p:spTree>
-      <p:nvGrpSpPr>
-        <p:cNvPr id="1" name=""/>
-        <p:cNvGrpSpPr/>
-        <p:nvPr/>
-      </p:nvGrpSpPr>
-      <p:grpSpPr>
-        <a:xfrm>
-          <a:off x="0" y="0"/>
-          <a:ext cx="0" cy="0"/>
-          <a:chOff x="0" y="0"/>
-          <a:chExt cx="0" cy="0"/>
-        </a:xfrm>
-      </p:grpSpPr>
-      <p:sp>
-        <p:nvSpPr>
-          <p:cNvPr id="2" name="Title 1"/>
-          <p:cNvSpPr>
-            <a:spLocks noGrp="1"/>
-          </p:cNvSpPr>
-          <p:nvPr>
-            <p:ph type="title"/>
-          </p:nvPr>
-        </p:nvSpPr>
-        <p:spPr/>
-        <p:txBody>
-          <a:bodyPr/>
-          <a:lstStyle/>
-          <a:p>
-            <a:r>
-              <a:rPr lang="ru-RU" dirty="0" smtClean="0"/>
-              <a:t>Эксплуатация</a:t>
-            </a:r>
-            <a:endParaRPr lang="en-US" dirty="0"/>
-          </a:p>
-        </p:txBody>
-      </p:sp>
-      <p:sp>
-        <p:nvSpPr>
-          <p:cNvPr id="3" name="Content Placeholder 2"/>
-          <p:cNvSpPr>
-            <a:spLocks noGrp="1"/>
-          </p:cNvSpPr>
-          <p:nvPr>
-            <p:ph idx="1"/>
-          </p:nvPr>
-        </p:nvSpPr>
-        <p:spPr/>
-        <p:txBody>
-          <a:bodyPr/>
-          <a:lstStyle/>
-          <a:p>
-            <a:r>
-              <a:rPr lang="ru-RU" dirty="0" smtClean="0"/>
-              <a:t>Нет синхронной репликации</a:t>
-            </a:r>
-          </a:p>
-          <a:p>
-            <a:r>
-              <a:rPr lang="ru-RU" dirty="0" smtClean="0"/>
-              <a:t>Ну и в редисе нет</a:t>
-            </a:r>
-            <a:endParaRPr lang="en-US" dirty="0" smtClean="0"/>
-          </a:p>
-          <a:p>
-            <a:endParaRPr lang="ru-RU" dirty="0" smtClean="0"/>
-          </a:p>
-          <a:p>
-            <a:r>
-              <a:rPr lang="ru-RU" dirty="0" smtClean="0"/>
-              <a:t>Ждём </a:t>
-            </a:r>
-            <a:r>
-              <a:rPr lang="en-US" dirty="0" err="1" smtClean="0"/>
-              <a:t>bsync</a:t>
-            </a:r>
-            <a:endParaRPr lang="en-US" dirty="0"/>
-          </a:p>
-        </p:txBody>
-      </p:sp>
-    </p:spTree>
-    <p:extLst>
-      <p:ext uri="{BB962C8B-B14F-4D97-AF65-F5344CB8AC3E}">
-        <p14:creationId xmlns:p14="http://schemas.microsoft.com/office/powerpoint/2010/main" val="996434679"/>
-      </p:ext>
-    </p:extLst>
-  </p:cSld>
-  <p:clrMapOvr>
-    <a:masterClrMapping/>
-  </p:clrMapOvr>
-  <p:timing>
-    <p:tnLst>
-      <p:par>
-        <p:cTn id="1" dur="indefinite" restart="never" nodeType="tmRoot">
-          <p:childTnLst>
-            <p:seq concurrent="1" nextAc="seek">
-              <p:cTn id="2" dur="indefinite" nodeType="mainSeq">
-                <p:childTnLst>
-                  <p:par>
-                    <p:cTn id="3" fill="hold">
-                      <p:stCondLst>
-                        <p:cond delay="indefinite"/>
-                      </p:stCondLst>
-                      <p:childTnLst>
-                        <p:par>
-                          <p:cTn id="4" fill="hold">
-                            <p:stCondLst>
-                              <p:cond delay="0"/>
-                            </p:stCondLst>
-                            <p:childTnLst>
                               <p:par>
-                                <p:cTn id="5" presetID="1" presetClass="entr" presetSubtype="0" fill="hold" nodeType="clickEffect">
+                                <p:cTn id="23" presetID="1" presetClass="entr" presetSubtype="0" fill="hold" nodeType="withEffect">
                                   <p:stCondLst>
                                     <p:cond delay="0"/>
                                   </p:stCondLst>
                                   <p:childTnLst>
                                     <p:set>
                                       <p:cBhvr>
-                                        <p:cTn id="6" dur="1" fill="hold">
+                                        <p:cTn id="24" dur="1" fill="hold">
                                           <p:stCondLst>
                                             <p:cond delay="0"/>
                                           </p:stCondLst>
@@ -7556,105 +12307,7 @@
                                         <p:tgtEl>
                                           <p:spTgt spid="3">
                                             <p:txEl>
-                                              <p:pRg st="0" end="0"/>
-                                            </p:txEl>
-                                          </p:spTgt>
-                                        </p:tgtEl>
-                                        <p:attrNameLst>
-                                          <p:attrName>style.visibility</p:attrName>
-                                        </p:attrNameLst>
-                                      </p:cBhvr>
-                                      <p:to>
-                                        <p:strVal val="visible"/>
-                                      </p:to>
-                                    </p:set>
-                                  </p:childTnLst>
-                                </p:cTn>
-                              </p:par>
-                            </p:childTnLst>
-                          </p:cTn>
-                        </p:par>
-                      </p:childTnLst>
-                    </p:cTn>
-                  </p:par>
-                  <p:par>
-                    <p:cTn id="7" fill="hold">
-                      <p:stCondLst>
-                        <p:cond delay="indefinite"/>
-                      </p:stCondLst>
-                      <p:childTnLst>
-                        <p:par>
-                          <p:cTn id="8" fill="hold">
-                            <p:stCondLst>
-                              <p:cond delay="0"/>
-                            </p:stCondLst>
-                            <p:childTnLst>
-                              <p:par>
-                                <p:cTn id="9" presetID="1" presetClass="entr" presetSubtype="0" fill="hold" nodeType="clickEffect">
-                                  <p:stCondLst>
-                                    <p:cond delay="0"/>
-                                  </p:stCondLst>
-                                  <p:childTnLst>
-                                    <p:set>
-                                      <p:cBhvr>
-                                        <p:cTn id="10" dur="1" fill="hold">
-                                          <p:stCondLst>
-                                            <p:cond delay="0"/>
-                                          </p:stCondLst>
-                                        </p:cTn>
-                                        <p:tgtEl>
-                                          <p:spTgt spid="3">
-                                            <p:txEl>
-                                              <p:pRg st="1" end="1"/>
-                                            </p:txEl>
-                                          </p:spTgt>
-                                        </p:tgtEl>
-                                        <p:attrNameLst>
-                                          <p:attrName>style.visibility</p:attrName>
-                                        </p:attrNameLst>
-                                      </p:cBhvr>
-                                      <p:to>
-                                        <p:strVal val="visible"/>
-                                      </p:to>
-                                    </p:set>
-                                  </p:childTnLst>
-                                </p:cTn>
-                              </p:par>
-                            </p:childTnLst>
-                          </p:cTn>
-                        </p:par>
-                      </p:childTnLst>
-                    </p:cTn>
-                  </p:par>
-                  <p:par>
-                    <p:cTn id="11" fill="hold">
-                      <p:stCondLst>
-                        <p:cond delay="indefinite"/>
-                      </p:stCondLst>
-                      <p:childTnLst>
-                        <p:par>
-                          <p:cTn id="12" fill="hold">
-                            <p:stCondLst>
-                              <p:cond delay="0"/>
-                            </p:stCondLst>
-                            <p:childTnLst>
-                              <p:par>
-                                <p:cTn id="13" presetID="1" presetClass="entr" presetSubtype="0" fill="hold" nodeType="clickEffect">
-                                  <p:stCondLst>
-                                    <p:cond delay="0"/>
-                                  </p:stCondLst>
-                                  <p:childTnLst>
-                                    <p:set>
-                                      <p:cBhvr>
-                                        <p:cTn id="14" dur="1" fill="hold">
-                                          <p:stCondLst>
-                                            <p:cond delay="0"/>
-                                          </p:stCondLst>
-                                        </p:cTn>
-                                        <p:tgtEl>
-                                          <p:spTgt spid="3">
-                                            <p:txEl>
-                                              <p:pRg st="3" end="3"/>
+                                              <p:pRg st="6" end="6"/>
                                             </p:txEl>
                                           </p:spTgt>
                                         </p:tgtEl>
@@ -7700,444 +12353,88 @@
 </p:sld>
 </file>
 
-<file path=ppt/slides/slide8.xml><?xml version="1.0" encoding="utf-8"?>
-<p:sld xmlns:a="http://schemas.openxmlformats.org/drawingml/2006/main" xmlns:r="http://schemas.openxmlformats.org/officeDocument/2006/relationships" xmlns:p="http://schemas.openxmlformats.org/presentationml/2006/main">
-  <p:cSld>
-    <p:spTree>
-      <p:nvGrpSpPr>
-        <p:cNvPr id="1" name=""/>
-        <p:cNvGrpSpPr/>
-        <p:nvPr/>
-      </p:nvGrpSpPr>
-      <p:grpSpPr>
-        <a:xfrm>
-          <a:off x="0" y="0"/>
-          <a:ext cx="0" cy="0"/>
-          <a:chOff x="0" y="0"/>
-          <a:chExt cx="0" cy="0"/>
-        </a:xfrm>
-      </p:grpSpPr>
-      <p:sp>
-        <p:nvSpPr>
-          <p:cNvPr id="2" name="Title 1"/>
-          <p:cNvSpPr>
-            <a:spLocks noGrp="1"/>
-          </p:cNvSpPr>
-          <p:nvPr>
-            <p:ph type="title"/>
-          </p:nvPr>
-        </p:nvSpPr>
-        <p:spPr/>
-        <p:txBody>
-          <a:bodyPr/>
-          <a:lstStyle/>
-          <a:p>
-            <a:r>
-              <a:rPr lang="ru-RU" dirty="0" smtClean="0"/>
-              <a:t>Эксплуатация</a:t>
-            </a:r>
-            <a:endParaRPr lang="en-US" dirty="0"/>
-          </a:p>
-        </p:txBody>
-      </p:sp>
-      <p:sp>
-        <p:nvSpPr>
-          <p:cNvPr id="3" name="Content Placeholder 2"/>
-          <p:cNvSpPr>
-            <a:spLocks noGrp="1"/>
-          </p:cNvSpPr>
-          <p:nvPr>
-            <p:ph idx="1"/>
-          </p:nvPr>
-        </p:nvSpPr>
-        <p:spPr/>
-        <p:txBody>
-          <a:bodyPr/>
-          <a:lstStyle/>
-          <a:p>
-            <a:r>
-              <a:rPr lang="ru-RU" dirty="0" smtClean="0"/>
-              <a:t>В 1.7.3-0 кластер не всегда собирается</a:t>
-            </a:r>
-            <a:endParaRPr lang="en-US" dirty="0" smtClean="0"/>
-          </a:p>
-          <a:p>
-            <a:endParaRPr lang="ru-RU" dirty="0" smtClean="0"/>
-          </a:p>
-          <a:p>
-            <a:r>
-              <a:rPr lang="ru-RU" dirty="0" smtClean="0"/>
-              <a:t>Обновиться</a:t>
-            </a:r>
-            <a:endParaRPr lang="en-US" dirty="0"/>
-          </a:p>
-        </p:txBody>
-      </p:sp>
-    </p:spTree>
-    <p:extLst>
-      <p:ext uri="{BB962C8B-B14F-4D97-AF65-F5344CB8AC3E}">
-        <p14:creationId xmlns:p14="http://schemas.microsoft.com/office/powerpoint/2010/main" val="1411605"/>
-      </p:ext>
-    </p:extLst>
-  </p:cSld>
-  <p:clrMapOvr>
-    <a:masterClrMapping/>
-  </p:clrMapOvr>
-  <p:timing>
-    <p:tnLst>
-      <p:par>
-        <p:cTn id="1" dur="indefinite" restart="never" nodeType="tmRoot">
-          <p:childTnLst>
-            <p:seq concurrent="1" nextAc="seek">
-              <p:cTn id="2" dur="indefinite" nodeType="mainSeq">
-                <p:childTnLst>
-                  <p:par>
-                    <p:cTn id="3" fill="hold">
-                      <p:stCondLst>
-                        <p:cond delay="indefinite"/>
-                      </p:stCondLst>
-                      <p:childTnLst>
-                        <p:par>
-                          <p:cTn id="4" fill="hold">
-                            <p:stCondLst>
-                              <p:cond delay="0"/>
-                            </p:stCondLst>
-                            <p:childTnLst>
-                              <p:par>
-                                <p:cTn id="5" presetID="1" presetClass="entr" presetSubtype="0" fill="hold" nodeType="clickEffect">
-                                  <p:stCondLst>
-                                    <p:cond delay="0"/>
-                                  </p:stCondLst>
-                                  <p:childTnLst>
-                                    <p:set>
-                                      <p:cBhvr>
-                                        <p:cTn id="6" dur="1" fill="hold">
-                                          <p:stCondLst>
-                                            <p:cond delay="0"/>
-                                          </p:stCondLst>
-                                        </p:cTn>
-                                        <p:tgtEl>
-                                          <p:spTgt spid="3">
-                                            <p:txEl>
-                                              <p:pRg st="0" end="0"/>
-                                            </p:txEl>
-                                          </p:spTgt>
-                                        </p:tgtEl>
-                                        <p:attrNameLst>
-                                          <p:attrName>style.visibility</p:attrName>
-                                        </p:attrNameLst>
-                                      </p:cBhvr>
-                                      <p:to>
-                                        <p:strVal val="visible"/>
-                                      </p:to>
-                                    </p:set>
-                                  </p:childTnLst>
-                                </p:cTn>
-                              </p:par>
-                            </p:childTnLst>
-                          </p:cTn>
-                        </p:par>
-                      </p:childTnLst>
-                    </p:cTn>
-                  </p:par>
-                  <p:par>
-                    <p:cTn id="7" fill="hold">
-                      <p:stCondLst>
-                        <p:cond delay="indefinite"/>
-                      </p:stCondLst>
-                      <p:childTnLst>
-                        <p:par>
-                          <p:cTn id="8" fill="hold">
-                            <p:stCondLst>
-                              <p:cond delay="0"/>
-                            </p:stCondLst>
-                            <p:childTnLst>
-                              <p:par>
-                                <p:cTn id="9" presetID="1" presetClass="entr" presetSubtype="0" fill="hold" nodeType="clickEffect">
-                                  <p:stCondLst>
-                                    <p:cond delay="0"/>
-                                  </p:stCondLst>
-                                  <p:childTnLst>
-                                    <p:set>
-                                      <p:cBhvr>
-                                        <p:cTn id="10" dur="1" fill="hold">
-                                          <p:stCondLst>
-                                            <p:cond delay="0"/>
-                                          </p:stCondLst>
-                                        </p:cTn>
-                                        <p:tgtEl>
-                                          <p:spTgt spid="3">
-                                            <p:txEl>
-                                              <p:pRg st="2" end="2"/>
-                                            </p:txEl>
-                                          </p:spTgt>
-                                        </p:tgtEl>
-                                        <p:attrNameLst>
-                                          <p:attrName>style.visibility</p:attrName>
-                                        </p:attrNameLst>
-                                      </p:cBhvr>
-                                      <p:to>
-                                        <p:strVal val="visible"/>
-                                      </p:to>
-                                    </p:set>
-                                  </p:childTnLst>
-                                </p:cTn>
-                              </p:par>
-                            </p:childTnLst>
-                          </p:cTn>
-                        </p:par>
-                      </p:childTnLst>
-                    </p:cTn>
-                  </p:par>
-                </p:childTnLst>
-              </p:cTn>
-              <p:prevCondLst>
-                <p:cond evt="onPrev" delay="0">
-                  <p:tgtEl>
-                    <p:sldTgt/>
-                  </p:tgtEl>
-                </p:cond>
-              </p:prevCondLst>
-              <p:nextCondLst>
-                <p:cond evt="onNext" delay="0">
-                  <p:tgtEl>
-                    <p:sldTgt/>
-                  </p:tgtEl>
-                </p:cond>
-              </p:nextCondLst>
-            </p:seq>
-          </p:childTnLst>
-        </p:cTn>
-      </p:par>
-    </p:tnLst>
-  </p:timing>
-</p:sld>
+<file path=ppt/tags/tag1.xml><?xml version="1.0" encoding="utf-8"?>
+<p:tagLst xmlns:a="http://schemas.openxmlformats.org/drawingml/2006/main" xmlns:r="http://schemas.openxmlformats.org/officeDocument/2006/relationships" xmlns:p="http://schemas.openxmlformats.org/presentationml/2006/main">
+  <p:tag name="TIMING" val="|0.3|0.4|0.4|0.6"/>
+</p:tagLst>
 </file>
 
-<file path=ppt/slides/slide9.xml><?xml version="1.0" encoding="utf-8"?>
-<p:sld xmlns:a="http://schemas.openxmlformats.org/drawingml/2006/main" xmlns:r="http://schemas.openxmlformats.org/officeDocument/2006/relationships" xmlns:p="http://schemas.openxmlformats.org/presentationml/2006/main">
-  <p:cSld>
-    <p:spTree>
-      <p:nvGrpSpPr>
-        <p:cNvPr id="1" name=""/>
-        <p:cNvGrpSpPr/>
-        <p:nvPr/>
-      </p:nvGrpSpPr>
-      <p:grpSpPr>
-        <a:xfrm>
-          <a:off x="0" y="0"/>
-          <a:ext cx="0" cy="0"/>
-          <a:chOff x="0" y="0"/>
-          <a:chExt cx="0" cy="0"/>
-        </a:xfrm>
-      </p:grpSpPr>
-      <p:sp>
-        <p:nvSpPr>
-          <p:cNvPr id="2" name="Title 1"/>
-          <p:cNvSpPr>
-            <a:spLocks noGrp="1"/>
-          </p:cNvSpPr>
-          <p:nvPr>
-            <p:ph type="title"/>
-          </p:nvPr>
-        </p:nvSpPr>
-        <p:spPr/>
-        <p:txBody>
-          <a:bodyPr/>
-          <a:lstStyle/>
-          <a:p>
-            <a:r>
-              <a:rPr lang="ru-RU" dirty="0" smtClean="0"/>
-              <a:t>Эксплуатация</a:t>
-            </a:r>
-            <a:endParaRPr lang="en-US" dirty="0"/>
-          </a:p>
-        </p:txBody>
-      </p:sp>
-      <p:sp>
-        <p:nvSpPr>
-          <p:cNvPr id="3" name="Content Placeholder 2"/>
-          <p:cNvSpPr>
-            <a:spLocks noGrp="1"/>
-          </p:cNvSpPr>
-          <p:nvPr>
-            <p:ph idx="1"/>
-          </p:nvPr>
-        </p:nvSpPr>
-        <p:spPr/>
-        <p:txBody>
-          <a:bodyPr/>
-          <a:lstStyle/>
-          <a:p>
-            <a:r>
-              <a:rPr lang="ru-RU" dirty="0" smtClean="0"/>
-              <a:t>Версия докер-контейнера </a:t>
-            </a:r>
-            <a:r>
-              <a:rPr lang="mr-IN" dirty="0" smtClean="0"/>
-              <a:t>–</a:t>
-            </a:r>
-            <a:r>
-              <a:rPr lang="ru-RU" dirty="0" smtClean="0"/>
-              <a:t> 1.7.3. Версия тарантула?</a:t>
-            </a:r>
-            <a:endParaRPr lang="en-US" dirty="0" smtClean="0"/>
-          </a:p>
-          <a:p>
-            <a:endParaRPr lang="ru-RU" dirty="0" smtClean="0"/>
-          </a:p>
-          <a:p>
-            <a:r>
-              <a:rPr lang="ru-RU" dirty="0" smtClean="0"/>
-              <a:t>Мы перешли на </a:t>
-            </a:r>
-            <a:r>
-              <a:rPr lang="ru-RU" dirty="0" err="1" smtClean="0"/>
-              <a:t>самосбор</a:t>
-            </a:r>
-            <a:endParaRPr lang="en-US" dirty="0"/>
-          </a:p>
-        </p:txBody>
-      </p:sp>
-    </p:spTree>
-    <p:extLst>
-      <p:ext uri="{BB962C8B-B14F-4D97-AF65-F5344CB8AC3E}">
-        <p14:creationId xmlns:p14="http://schemas.microsoft.com/office/powerpoint/2010/main" val="1882184382"/>
-      </p:ext>
-    </p:extLst>
-  </p:cSld>
-  <p:clrMapOvr>
-    <a:masterClrMapping/>
-  </p:clrMapOvr>
-  <p:timing>
-    <p:tnLst>
-      <p:par>
-        <p:cTn id="1" dur="indefinite" restart="never" nodeType="tmRoot">
-          <p:childTnLst>
-            <p:seq concurrent="1" nextAc="seek">
-              <p:cTn id="2" dur="indefinite" nodeType="mainSeq">
-                <p:childTnLst>
-                  <p:par>
-                    <p:cTn id="3" fill="hold">
-                      <p:stCondLst>
-                        <p:cond delay="indefinite"/>
-                      </p:stCondLst>
-                      <p:childTnLst>
-                        <p:par>
-                          <p:cTn id="4" fill="hold">
-                            <p:stCondLst>
-                              <p:cond delay="0"/>
-                            </p:stCondLst>
-                            <p:childTnLst>
-                              <p:par>
-                                <p:cTn id="5" presetID="1" presetClass="entr" presetSubtype="0" fill="hold" nodeType="clickEffect">
-                                  <p:stCondLst>
-                                    <p:cond delay="0"/>
-                                  </p:stCondLst>
-                                  <p:childTnLst>
-                                    <p:set>
-                                      <p:cBhvr>
-                                        <p:cTn id="6" dur="1" fill="hold">
-                                          <p:stCondLst>
-                                            <p:cond delay="0"/>
-                                          </p:stCondLst>
-                                        </p:cTn>
-                                        <p:tgtEl>
-                                          <p:spTgt spid="3">
-                                            <p:txEl>
-                                              <p:pRg st="0" end="0"/>
-                                            </p:txEl>
-                                          </p:spTgt>
-                                        </p:tgtEl>
-                                        <p:attrNameLst>
-                                          <p:attrName>style.visibility</p:attrName>
-                                        </p:attrNameLst>
-                                      </p:cBhvr>
-                                      <p:to>
-                                        <p:strVal val="visible"/>
-                                      </p:to>
-                                    </p:set>
-                                  </p:childTnLst>
-                                </p:cTn>
-                              </p:par>
-                            </p:childTnLst>
-                          </p:cTn>
-                        </p:par>
-                      </p:childTnLst>
-                    </p:cTn>
-                  </p:par>
-                  <p:par>
-                    <p:cTn id="7" fill="hold">
-                      <p:stCondLst>
-                        <p:cond delay="indefinite"/>
-                      </p:stCondLst>
-                      <p:childTnLst>
-                        <p:par>
-                          <p:cTn id="8" fill="hold">
-                            <p:stCondLst>
-                              <p:cond delay="0"/>
-                            </p:stCondLst>
-                            <p:childTnLst>
-                              <p:par>
-                                <p:cTn id="9" presetID="1" presetClass="entr" presetSubtype="0" fill="hold" nodeType="clickEffect">
-                                  <p:stCondLst>
-                                    <p:cond delay="0"/>
-                                  </p:stCondLst>
-                                  <p:childTnLst>
-                                    <p:set>
-                                      <p:cBhvr>
-                                        <p:cTn id="10" dur="1" fill="hold">
-                                          <p:stCondLst>
-                                            <p:cond delay="0"/>
-                                          </p:stCondLst>
-                                        </p:cTn>
-                                        <p:tgtEl>
-                                          <p:spTgt spid="3">
-                                            <p:txEl>
-                                              <p:pRg st="2" end="2"/>
-                                            </p:txEl>
-                                          </p:spTgt>
-                                        </p:tgtEl>
-                                        <p:attrNameLst>
-                                          <p:attrName>style.visibility</p:attrName>
-                                        </p:attrNameLst>
-                                      </p:cBhvr>
-                                      <p:to>
-                                        <p:strVal val="visible"/>
-                                      </p:to>
-                                    </p:set>
-                                  </p:childTnLst>
-                                </p:cTn>
-                              </p:par>
-                            </p:childTnLst>
-                          </p:cTn>
-                        </p:par>
-                      </p:childTnLst>
-                    </p:cTn>
-                  </p:par>
-                </p:childTnLst>
-              </p:cTn>
-              <p:prevCondLst>
-                <p:cond evt="onPrev" delay="0">
-                  <p:tgtEl>
-                    <p:sldTgt/>
-                  </p:tgtEl>
-                </p:cond>
-              </p:prevCondLst>
-              <p:nextCondLst>
-                <p:cond evt="onNext" delay="0">
-                  <p:tgtEl>
-                    <p:sldTgt/>
-                  </p:tgtEl>
-                </p:cond>
-              </p:nextCondLst>
-            </p:seq>
-          </p:childTnLst>
-        </p:cTn>
-      </p:par>
-    </p:tnLst>
-  </p:timing>
-</p:sld>
+<file path=ppt/tags/tag10.xml><?xml version="1.0" encoding="utf-8"?>
+<p:tagLst xmlns:a="http://schemas.openxmlformats.org/drawingml/2006/main" xmlns:r="http://schemas.openxmlformats.org/officeDocument/2006/relationships" xmlns:p="http://schemas.openxmlformats.org/presentationml/2006/main">
+  <p:tag name="TIMING" val="|12.5|10.2|11.3"/>
+</p:tagLst>
+</file>
+
+<file path=ppt/tags/tag11.xml><?xml version="1.0" encoding="utf-8"?>
+<p:tagLst xmlns:a="http://schemas.openxmlformats.org/drawingml/2006/main" xmlns:r="http://schemas.openxmlformats.org/officeDocument/2006/relationships" xmlns:p="http://schemas.openxmlformats.org/presentationml/2006/main">
+  <p:tag name="TIMING" val="|9.3|10.9"/>
+</p:tagLst>
+</file>
+
+<file path=ppt/tags/tag12.xml><?xml version="1.0" encoding="utf-8"?>
+<p:tagLst xmlns:a="http://schemas.openxmlformats.org/drawingml/2006/main" xmlns:r="http://schemas.openxmlformats.org/officeDocument/2006/relationships" xmlns:p="http://schemas.openxmlformats.org/presentationml/2006/main">
+  <p:tag name="TIMING" val="|38|3.6|6.5|2.9|11.1|11.1"/>
+</p:tagLst>
+</file>
+
+<file path=ppt/tags/tag13.xml><?xml version="1.0" encoding="utf-8"?>
+<p:tagLst xmlns:a="http://schemas.openxmlformats.org/drawingml/2006/main" xmlns:r="http://schemas.openxmlformats.org/officeDocument/2006/relationships" xmlns:p="http://schemas.openxmlformats.org/presentationml/2006/main">
+  <p:tag name="TIMING" val="|10.5|14.7|13.8"/>
+</p:tagLst>
+</file>
+
+<file path=ppt/tags/tag14.xml><?xml version="1.0" encoding="utf-8"?>
+<p:tagLst xmlns:a="http://schemas.openxmlformats.org/drawingml/2006/main" xmlns:r="http://schemas.openxmlformats.org/officeDocument/2006/relationships" xmlns:p="http://schemas.openxmlformats.org/presentationml/2006/main">
+  <p:tag name="TIMING" val="|12.1|14.6|26.2"/>
+</p:tagLst>
+</file>
+
+<file path=ppt/tags/tag2.xml><?xml version="1.0" encoding="utf-8"?>
+<p:tagLst xmlns:a="http://schemas.openxmlformats.org/drawingml/2006/main" xmlns:r="http://schemas.openxmlformats.org/officeDocument/2006/relationships" xmlns:p="http://schemas.openxmlformats.org/presentationml/2006/main">
+  <p:tag name="TIMING" val="|1|0.8|1.7|1.1"/>
+</p:tagLst>
+</file>
+
+<file path=ppt/tags/tag3.xml><?xml version="1.0" encoding="utf-8"?>
+<p:tagLst xmlns:a="http://schemas.openxmlformats.org/drawingml/2006/main" xmlns:r="http://schemas.openxmlformats.org/officeDocument/2006/relationships" xmlns:p="http://schemas.openxmlformats.org/presentationml/2006/main">
+  <p:tag name="TIMING" val="|12.1|18.8|31.1"/>
+</p:tagLst>
+</file>
+
+<file path=ppt/tags/tag4.xml><?xml version="1.0" encoding="utf-8"?>
+<p:tagLst xmlns:a="http://schemas.openxmlformats.org/drawingml/2006/main" xmlns:r="http://schemas.openxmlformats.org/officeDocument/2006/relationships" xmlns:p="http://schemas.openxmlformats.org/presentationml/2006/main">
+  <p:tag name="TIMING" val="|12.1|18.8|31.1"/>
+</p:tagLst>
+</file>
+
+<file path=ppt/tags/tag5.xml><?xml version="1.0" encoding="utf-8"?>
+<p:tagLst xmlns:a="http://schemas.openxmlformats.org/drawingml/2006/main" xmlns:r="http://schemas.openxmlformats.org/officeDocument/2006/relationships" xmlns:p="http://schemas.openxmlformats.org/presentationml/2006/main">
+  <p:tag name="TIMING" val="|9.3|26.2|12.4|14.6"/>
+</p:tagLst>
+</file>
+
+<file path=ppt/tags/tag6.xml><?xml version="1.0" encoding="utf-8"?>
+<p:tagLst xmlns:a="http://schemas.openxmlformats.org/drawingml/2006/main" xmlns:r="http://schemas.openxmlformats.org/officeDocument/2006/relationships" xmlns:p="http://schemas.openxmlformats.org/presentationml/2006/main">
+  <p:tag name="TIMING" val="|18.3|3.8|34"/>
+</p:tagLst>
+</file>
+
+<file path=ppt/tags/tag7.xml><?xml version="1.0" encoding="utf-8"?>
+<p:tagLst xmlns:a="http://schemas.openxmlformats.org/drawingml/2006/main" xmlns:r="http://schemas.openxmlformats.org/officeDocument/2006/relationships" xmlns:p="http://schemas.openxmlformats.org/presentationml/2006/main">
+  <p:tag name="TIMING" val="|13.3|11|6.9"/>
+</p:tagLst>
+</file>
+
+<file path=ppt/tags/tag8.xml><?xml version="1.0" encoding="utf-8"?>
+<p:tagLst xmlns:a="http://schemas.openxmlformats.org/drawingml/2006/main" xmlns:r="http://schemas.openxmlformats.org/officeDocument/2006/relationships" xmlns:p="http://schemas.openxmlformats.org/presentationml/2006/main">
+  <p:tag name="TIMING" val="|14|1.3|10.7|2.6"/>
+</p:tagLst>
+</file>
+
+<file path=ppt/tags/tag9.xml><?xml version="1.0" encoding="utf-8"?>
+<p:tagLst xmlns:a="http://schemas.openxmlformats.org/drawingml/2006/main" xmlns:r="http://schemas.openxmlformats.org/officeDocument/2006/relationships" xmlns:p="http://schemas.openxmlformats.org/presentationml/2006/main">
+  <p:tag name="TIMING" val="|4.7|11.9|13.4"/>
+</p:tagLst>
 </file>
 
 <file path=ppt/theme/theme1.xml><?xml version="1.0" encoding="utf-8"?>

--- a/2017/02/Tarantool for windows applications/Presentation.pptx
+++ b/2017/02/Tarantool for windows applications/Presentation.pptx
@@ -5,7 +5,7 @@
     <p:sldMasterId id="2147483648" r:id="rId1"/>
   </p:sldMasterIdLst>
   <p:notesMasterIdLst>
-    <p:notesMasterId r:id="rId20"/>
+    <p:notesMasterId r:id="rId21"/>
   </p:notesMasterIdLst>
   <p:sldIdLst>
     <p:sldId id="256" r:id="rId2"/>
@@ -18,14 +18,15 @@
     <p:sldId id="271" r:id="rId9"/>
     <p:sldId id="261" r:id="rId10"/>
     <p:sldId id="272" r:id="rId11"/>
-    <p:sldId id="270" r:id="rId12"/>
-    <p:sldId id="262" r:id="rId13"/>
-    <p:sldId id="263" r:id="rId14"/>
-    <p:sldId id="264" r:id="rId15"/>
-    <p:sldId id="265" r:id="rId16"/>
-    <p:sldId id="273" r:id="rId17"/>
-    <p:sldId id="275" r:id="rId18"/>
-    <p:sldId id="276" r:id="rId19"/>
+    <p:sldId id="277" r:id="rId12"/>
+    <p:sldId id="270" r:id="rId13"/>
+    <p:sldId id="262" r:id="rId14"/>
+    <p:sldId id="263" r:id="rId15"/>
+    <p:sldId id="264" r:id="rId16"/>
+    <p:sldId id="265" r:id="rId17"/>
+    <p:sldId id="273" r:id="rId18"/>
+    <p:sldId id="275" r:id="rId19"/>
+    <p:sldId id="276" r:id="rId20"/>
   </p:sldIdLst>
   <p:sldSz cx="12192000" cy="6858000"/>
   <p:notesSz cx="6858000" cy="9144000"/>
@@ -214,7 +215,7 @@
           <a:p>
             <a:fld id="{AA141E3B-D5A7-E249-8915-F3F967F6417F}" type="datetimeFigureOut">
               <a:rPr lang="en-US" smtClean="0"/>
-              <a:t>2/27/17</a:t>
+              <a:t>2/28/17</a:t>
             </a:fld>
             <a:endParaRPr lang="en-US"/>
           </a:p>
@@ -776,59 +777,45 @@
           <a:p>
             <a:r>
               <a:rPr lang="ru-RU" dirty="0" smtClean="0"/>
-              <a:t>Богатейшие возможности для использования тарантула в качестве сервера приложений. Это</a:t>
+              <a:t>В редисе есть очень полезная команда</a:t>
             </a:r>
             <a:r>
               <a:rPr lang="ru-RU" baseline="0" dirty="0" smtClean="0"/>
-              <a:t> его основное назначение, </a:t>
+              <a:t> </a:t>
+            </a:r>
+            <a:r>
+              <a:rPr lang="mr-IN" baseline="0" dirty="0" smtClean="0"/>
+              <a:t>–</a:t>
             </a:r>
             <a:r>
               <a:rPr lang="ru-RU" baseline="0" dirty="0" smtClean="0"/>
-              <a:t>если я верно понимаю. </a:t>
-            </a:r>
-            <a:r>
-              <a:rPr lang="ru-RU" dirty="0" smtClean="0"/>
-              <a:t>Мы </a:t>
-            </a:r>
-            <a:r>
-              <a:rPr lang="ru-RU" dirty="0" smtClean="0"/>
-              <a:t>используем, например, модуль очередей (</a:t>
-            </a:r>
-            <a:r>
-              <a:rPr lang="ru-RU" dirty="0" err="1" smtClean="0"/>
-              <a:t>https</a:t>
-            </a:r>
-            <a:r>
-              <a:rPr lang="ru-RU" dirty="0" smtClean="0"/>
-              <a:t>://</a:t>
-            </a:r>
-            <a:r>
-              <a:rPr lang="ru-RU" dirty="0" err="1" smtClean="0"/>
-              <a:t>github.com</a:t>
-            </a:r>
-            <a:r>
-              <a:rPr lang="ru-RU" dirty="0" smtClean="0"/>
-              <a:t>/</a:t>
-            </a:r>
-            <a:r>
-              <a:rPr lang="ru-RU" dirty="0" err="1" smtClean="0"/>
-              <a:t>tarantool</a:t>
-            </a:r>
-            <a:r>
-              <a:rPr lang="ru-RU" dirty="0" smtClean="0"/>
-              <a:t>/</a:t>
-            </a:r>
-            <a:r>
-              <a:rPr lang="ru-RU" dirty="0" err="1" smtClean="0"/>
-              <a:t>queue</a:t>
-            </a:r>
-            <a:r>
-              <a:rPr lang="ru-RU" dirty="0" smtClean="0"/>
-              <a:t>). Благодаря</a:t>
+              <a:t> </a:t>
+            </a:r>
+            <a:r>
+              <a:rPr lang="en-US" baseline="0" dirty="0" smtClean="0"/>
+              <a:t>monitor. </a:t>
             </a:r>
             <a:r>
               <a:rPr lang="ru-RU" baseline="0" dirty="0" smtClean="0"/>
-              <a:t> тому, как работают </a:t>
+              <a:t>С её помощью можно видеть все запросы, приходящие на сервер. Понятно, что это не очень часто используемая вещь, но нам аналогичная функция была бы очень полезна для разработки и отладки коннектора.</a:t>
+            </a:r>
+          </a:p>
+          <a:p>
+            <a:r>
+              <a:rPr lang="ru-RU" baseline="0" dirty="0" smtClean="0"/>
+              <a:t>Ещё небольшой нюанс заключается в том, что переменная </a:t>
+            </a:r>
+            <a:r>
+              <a:rPr lang="en-US" baseline="0" dirty="0" err="1" smtClean="0"/>
+              <a:t>box.session.sync</a:t>
+            </a:r>
+            <a:r>
+              <a:rPr lang="en-US" baseline="0" dirty="0" smtClean="0"/>
+              <a:t> </a:t>
+            </a:r>
+            <a:r>
+              <a:rPr lang="ru-RU" baseline="0" dirty="0" smtClean="0"/>
+              <a:t>во время выполнения вашего запроса может измениться, если у вас есть </a:t>
             </a:r>
             <a:r>
               <a:rPr lang="en-US" baseline="0" dirty="0" smtClean="0"/>
@@ -836,40 +823,27 @@
             </a:r>
             <a:r>
               <a:rPr lang="ru-RU" baseline="0" dirty="0" smtClean="0"/>
-              <a:t>в тарантуле, очереди в тарантуле дают нам </a:t>
+              <a:t>в запросе. Поэтому, необходимо её запоминать куда-нибудь до первого </a:t>
             </a:r>
             <a:r>
               <a:rPr lang="en-US" baseline="0" dirty="0" smtClean="0"/>
-              <a:t>exactly once </a:t>
+              <a:t>yield point</a:t>
             </a:r>
             <a:r>
               <a:rPr lang="ru-RU" baseline="0" dirty="0" smtClean="0"/>
-              <a:t>семантику.</a:t>
-            </a:r>
-            <a:r>
-              <a:rPr lang="en-US" baseline="0" dirty="0" smtClean="0"/>
-              <a:t> </a:t>
+              <a:t> и </a:t>
+            </a:r>
+            <a:r>
+              <a:rPr lang="ru-RU" baseline="0" dirty="0" err="1" smtClean="0"/>
+              <a:t>логировать</a:t>
             </a:r>
             <a:r>
               <a:rPr lang="ru-RU" baseline="0" dirty="0" smtClean="0"/>
-              <a:t>Бизнес-логика на </a:t>
-            </a:r>
-            <a:r>
-              <a:rPr lang="ru-RU" baseline="0" dirty="0" err="1" smtClean="0"/>
-              <a:t>луа</a:t>
-            </a:r>
-            <a:r>
-              <a:rPr lang="ru-RU" baseline="0" dirty="0" smtClean="0"/>
-              <a:t> у нас есть, но очень немного. В основном из-за отсутствия вменяемых инструментов для разработки на </a:t>
-            </a:r>
-            <a:r>
-              <a:rPr lang="ru-RU" baseline="0" dirty="0" err="1" smtClean="0"/>
-              <a:t>луа</a:t>
-            </a:r>
-            <a:r>
-              <a:rPr lang="ru-RU" baseline="0" dirty="0" smtClean="0"/>
-              <a:t>.</a:t>
-            </a:r>
+              <a:t> потом запомненное значение.</a:t>
+            </a:r>
+            <a:endParaRPr lang="ru-RU" dirty="0" smtClean="0"/>
+          </a:p>
+          <a:p>
             <a:endParaRPr lang="en-US" dirty="0"/>
           </a:p>
         </p:txBody>
@@ -900,7 +874,7 @@
     </p:spTree>
     <p:extLst>
       <p:ext uri="{BB962C8B-B14F-4D97-AF65-F5344CB8AC3E}">
-        <p14:creationId xmlns:p14="http://schemas.microsoft.com/office/powerpoint/2010/main" val="542278627"/>
+        <p14:creationId xmlns:p14="http://schemas.microsoft.com/office/powerpoint/2010/main" val="1058673304"/>
       </p:ext>
     </p:extLst>
   </p:cSld>
@@ -956,22 +930,90 @@
           <a:p>
             <a:r>
               <a:rPr lang="ru-RU" dirty="0" smtClean="0"/>
-              <a:t>Не</a:t>
+              <a:t>Богатейшие возможности для использования тарантула в качестве сервера приложений. Это</a:t>
             </a:r>
             <a:r>
               <a:rPr lang="ru-RU" baseline="0" dirty="0" smtClean="0"/>
-              <a:t> всё безоблачно и в эксплуатации. </a:t>
-            </a:r>
-            <a:r>
-              <a:rPr lang="ru-RU" dirty="0" smtClean="0"/>
-              <a:t>Во-первых, нет синхронной репликации, поэтому возможна потеря небольшого количества данных, в случае выхода мастера из строя. Это для нас не критично, потому что в Редисе всё несколько хуже. Ждём </a:t>
-            </a:r>
-            <a:r>
-              <a:rPr lang="en-US" dirty="0" err="1" smtClean="0"/>
-              <a:t>bsync</a:t>
-            </a:r>
-            <a:r>
-              <a:rPr lang="en-US" dirty="0" smtClean="0"/>
+              <a:t> его основное назначение, если я верно понимаю. </a:t>
+            </a:r>
+            <a:r>
+              <a:rPr lang="ru-RU" dirty="0" smtClean="0"/>
+              <a:t>Мы используем, например, модуль очередей (</a:t>
+            </a:r>
+            <a:r>
+              <a:rPr lang="ru-RU" dirty="0" err="1" smtClean="0"/>
+              <a:t>https</a:t>
+            </a:r>
+            <a:r>
+              <a:rPr lang="ru-RU" dirty="0" smtClean="0"/>
+              <a:t>://</a:t>
+            </a:r>
+            <a:r>
+              <a:rPr lang="ru-RU" dirty="0" err="1" smtClean="0"/>
+              <a:t>github.com</a:t>
+            </a:r>
+            <a:r>
+              <a:rPr lang="ru-RU" dirty="0" smtClean="0"/>
+              <a:t>/</a:t>
+            </a:r>
+            <a:r>
+              <a:rPr lang="ru-RU" dirty="0" err="1" smtClean="0"/>
+              <a:t>tarantool</a:t>
+            </a:r>
+            <a:r>
+              <a:rPr lang="ru-RU" dirty="0" smtClean="0"/>
+              <a:t>/</a:t>
+            </a:r>
+            <a:r>
+              <a:rPr lang="ru-RU" dirty="0" err="1" smtClean="0"/>
+              <a:t>queue</a:t>
+            </a:r>
+            <a:r>
+              <a:rPr lang="ru-RU" dirty="0" smtClean="0"/>
+              <a:t>). Благодаря</a:t>
+            </a:r>
+            <a:r>
+              <a:rPr lang="ru-RU" baseline="0" dirty="0" smtClean="0"/>
+              <a:t> тому, как работают </a:t>
+            </a:r>
+            <a:r>
+              <a:rPr lang="en-US" baseline="0" dirty="0" smtClean="0"/>
+              <a:t>yield point </a:t>
+            </a:r>
+            <a:r>
+              <a:rPr lang="ru-RU" baseline="0" dirty="0" smtClean="0"/>
+              <a:t>в тарантуле, очереди в тарантуле дают нам </a:t>
+            </a:r>
+            <a:r>
+              <a:rPr lang="en-US" baseline="0" dirty="0" smtClean="0"/>
+              <a:t>exactly once </a:t>
+            </a:r>
+            <a:r>
+              <a:rPr lang="ru-RU" baseline="0" dirty="0" smtClean="0"/>
+              <a:t>семантику.</a:t>
+            </a:r>
+            <a:r>
+              <a:rPr lang="en-US" baseline="0" dirty="0" smtClean="0"/>
+              <a:t> </a:t>
+            </a:r>
+            <a:r>
+              <a:rPr lang="ru-RU" baseline="0" dirty="0" smtClean="0"/>
+              <a:t>Бизнес-логика на </a:t>
+            </a:r>
+            <a:r>
+              <a:rPr lang="ru-RU" baseline="0" dirty="0" err="1" smtClean="0"/>
+              <a:t>луа</a:t>
+            </a:r>
+            <a:r>
+              <a:rPr lang="ru-RU" baseline="0" dirty="0" smtClean="0"/>
+              <a:t> у нас есть, но очень немного. В основном из-за отсутствия вменяемых инструментов для разработки на </a:t>
+            </a:r>
+            <a:r>
+              <a:rPr lang="ru-RU" baseline="0" dirty="0" err="1" smtClean="0"/>
+              <a:t>луа</a:t>
+            </a:r>
+            <a:r>
+              <a:rPr lang="ru-RU" baseline="0" dirty="0" smtClean="0"/>
               <a:t>.</a:t>
             </a:r>
             <a:endParaRPr lang="en-US" dirty="0"/>
@@ -1004,7 +1046,7 @@
     </p:spTree>
     <p:extLst>
       <p:ext uri="{BB962C8B-B14F-4D97-AF65-F5344CB8AC3E}">
-        <p14:creationId xmlns:p14="http://schemas.microsoft.com/office/powerpoint/2010/main" val="1387679758"/>
+        <p14:creationId xmlns:p14="http://schemas.microsoft.com/office/powerpoint/2010/main" val="542278627"/>
       </p:ext>
     </p:extLst>
   </p:cSld>
@@ -1060,74 +1102,22 @@
           <a:p>
             <a:r>
               <a:rPr lang="ru-RU" dirty="0" smtClean="0"/>
-              <a:t>На </a:t>
+              <a:t>Не</a:t>
+            </a:r>
+            <a:r>
+              <a:rPr lang="ru-RU" baseline="0" dirty="0" smtClean="0"/>
+              <a:t> всё безоблачно и в эксплуатации. </a:t>
+            </a:r>
+            <a:r>
+              <a:rPr lang="ru-RU" dirty="0" smtClean="0"/>
+              <a:t>Во-первых, нет синхронной репликации, поэтому возможна потеря небольшого количества данных, в случае выхода мастера из строя. Это для нас не критично, потому что в Редисе всё несколько хуже. Ждём </a:t>
             </a:r>
             <a:r>
               <a:rPr lang="en-US" dirty="0" err="1" smtClean="0"/>
-              <a:t>Highload</a:t>
+              <a:t>bsync</a:t>
             </a:r>
             <a:r>
               <a:rPr lang="en-US" dirty="0" smtClean="0"/>
-              <a:t> 2016 </a:t>
-            </a:r>
-            <a:r>
-              <a:rPr lang="ru-RU" dirty="0" smtClean="0"/>
-              <a:t>Илья Космодемьянский рассказывал</a:t>
-            </a:r>
-            <a:r>
-              <a:rPr lang="ru-RU" baseline="0" dirty="0" smtClean="0"/>
-              <a:t> зачем нужна мастер-мастер репликация. И его вывод заключался в том, что обычно она не нужна. В целом, я с ним согласен. Но у нас в одном из приложений, как раз тот случай, когда все ключи случайны, следовательно, записывать можно в любую </a:t>
-            </a:r>
-            <a:r>
-              <a:rPr lang="ru-RU" baseline="0" dirty="0" err="1" smtClean="0"/>
-              <a:t>ноду</a:t>
-            </a:r>
-            <a:r>
-              <a:rPr lang="ru-RU" baseline="0" dirty="0" smtClean="0"/>
-              <a:t>.</a:t>
-            </a:r>
-            <a:r>
-              <a:rPr lang="ru-RU" dirty="0" smtClean="0"/>
-              <a:t> Поэтому там у нас мастер-мастер</a:t>
-            </a:r>
-            <a:r>
-              <a:rPr lang="ru-RU" baseline="0" dirty="0" smtClean="0"/>
-              <a:t> используется. </a:t>
-            </a:r>
-            <a:r>
-              <a:rPr lang="ru-RU" dirty="0" smtClean="0"/>
-              <a:t>В версии 1.7.3-0, которая является первой версией 1.7.3, есть проблемы с поднятием кластера с одинаковой конфигурацией. Допустим, у нас простой кластер из трёх </a:t>
-            </a:r>
-            <a:r>
-              <a:rPr lang="ru-RU" dirty="0" err="1" smtClean="0"/>
-              <a:t>нод</a:t>
-            </a:r>
-            <a:r>
-              <a:rPr lang="ru-RU" dirty="0" smtClean="0"/>
-              <a:t>. Если все три </a:t>
-            </a:r>
-            <a:r>
-              <a:rPr lang="ru-RU" dirty="0" err="1" smtClean="0"/>
-              <a:t>ноды</a:t>
-            </a:r>
-            <a:r>
-              <a:rPr lang="ru-RU" dirty="0" smtClean="0"/>
-              <a:t> лежат, и мы запускаем их одновременно, то они не видят </a:t>
-            </a:r>
-            <a:r>
-              <a:rPr lang="ru-RU" dirty="0" err="1" smtClean="0"/>
-              <a:t>апстримы</a:t>
-            </a:r>
-            <a:r>
-              <a:rPr lang="ru-RU" dirty="0" smtClean="0"/>
-              <a:t> для репликации и через 30 секунд выключатся. Это уже исправлено в новых версиях, мы просто никак не обновим </a:t>
-            </a:r>
-            <a:r>
-              <a:rPr lang="ru-RU" dirty="0" err="1" smtClean="0"/>
-              <a:t>продакшен</a:t>
-            </a:r>
-            <a:r>
-              <a:rPr lang="ru-RU" dirty="0" smtClean="0"/>
               <a:t>.</a:t>
             </a:r>
             <a:endParaRPr lang="en-US" dirty="0"/>
@@ -1160,7 +1150,7 @@
     </p:spTree>
     <p:extLst>
       <p:ext uri="{BB962C8B-B14F-4D97-AF65-F5344CB8AC3E}">
-        <p14:creationId xmlns:p14="http://schemas.microsoft.com/office/powerpoint/2010/main" val="1061286286"/>
+        <p14:creationId xmlns:p14="http://schemas.microsoft.com/office/powerpoint/2010/main" val="1387679758"/>
       </p:ext>
     </p:extLst>
   </p:cSld>
@@ -1216,31 +1206,75 @@
           <a:p>
             <a:r>
               <a:rPr lang="ru-RU" dirty="0" smtClean="0"/>
-              <a:t>Крайне неочевидна для нашей команды связь между версией официального докер-контейнера и версией тарантула. Например,</a:t>
+              <a:t>На </a:t>
+            </a:r>
+            <a:r>
+              <a:rPr lang="en-US" dirty="0" err="1" smtClean="0"/>
+              <a:t>Highload</a:t>
+            </a:r>
+            <a:r>
+              <a:rPr lang="en-US" dirty="0" smtClean="0"/>
+              <a:t> 2016 </a:t>
+            </a:r>
+            <a:r>
+              <a:rPr lang="ru-RU" dirty="0" smtClean="0"/>
+              <a:t>Илья Космодемьянский рассказывал</a:t>
             </a:r>
             <a:r>
               <a:rPr lang="ru-RU" baseline="0" dirty="0" smtClean="0"/>
-              <a:t> хотим мы версию контейнера 1.7.3, потому что туда новый модуль </a:t>
-            </a:r>
-            <a:r>
-              <a:rPr lang="en-US" baseline="0" dirty="0" smtClean="0"/>
-              <a:t>queue </a:t>
+              <a:t> зачем нужна мастер-мастер репликация. И его вывод заключался в том, что обычно она не нужна. В целом, я с ним согласен. Но у нас в одном из приложений, как раз тот случай, когда все ключи случайны, следовательно, записывать можно в любую </a:t>
+            </a:r>
+            <a:r>
+              <a:rPr lang="ru-RU" baseline="0" dirty="0" err="1" smtClean="0"/>
+              <a:t>ноду</a:t>
             </a:r>
             <a:r>
               <a:rPr lang="ru-RU" baseline="0" dirty="0" smtClean="0"/>
-              <a:t>добавили. А какая внутри версия тарантула? Или, наоборот, хотим мы самую версию тарантула 1.7.3-80, например. Какую версию контейнера брать? </a:t>
-            </a:r>
-            <a:r>
-              <a:rPr lang="ru-RU" dirty="0" smtClean="0"/>
-              <a:t>Поэтому, мы перешли на </a:t>
+              <a:t>.</a:t>
+            </a:r>
+            <a:r>
+              <a:rPr lang="ru-RU" dirty="0" smtClean="0"/>
+              <a:t> Поэтому там у нас мастер-мастер</a:t>
+            </a:r>
+            <a:r>
+              <a:rPr lang="ru-RU" baseline="0" dirty="0" smtClean="0"/>
+              <a:t> используется. </a:t>
+            </a:r>
+            <a:r>
+              <a:rPr lang="ru-RU" dirty="0" smtClean="0"/>
+              <a:t>В версии 1.7.3-0, которая является первой версией 1.7.3, есть проблемы с поднятием кластера с одинаковой конфигурацией. Допустим, у нас простой кластер из трёх </a:t>
             </a:r>
             <a:r>
               <a:rPr lang="ru-RU" dirty="0" err="1" smtClean="0"/>
-              <a:t>самосборный</a:t>
-            </a:r>
-            <a:r>
-              <a:rPr lang="ru-RU" dirty="0" smtClean="0"/>
-              <a:t> контейнер.</a:t>
+              <a:t>нод</a:t>
+            </a:r>
+            <a:r>
+              <a:rPr lang="ru-RU" dirty="0" smtClean="0"/>
+              <a:t>. Если все три </a:t>
+            </a:r>
+            <a:r>
+              <a:rPr lang="ru-RU" dirty="0" err="1" smtClean="0"/>
+              <a:t>ноды</a:t>
+            </a:r>
+            <a:r>
+              <a:rPr lang="ru-RU" dirty="0" smtClean="0"/>
+              <a:t> лежат, и мы запускаем их одновременно, то они не видят </a:t>
+            </a:r>
+            <a:r>
+              <a:rPr lang="ru-RU" dirty="0" err="1" smtClean="0"/>
+              <a:t>апстримы</a:t>
+            </a:r>
+            <a:r>
+              <a:rPr lang="ru-RU" dirty="0" smtClean="0"/>
+              <a:t> для репликации и через 30 секунд выключатся. Это уже исправлено в новых версиях, мы просто никак не обновим </a:t>
+            </a:r>
+            <a:r>
+              <a:rPr lang="ru-RU" dirty="0" err="1" smtClean="0"/>
+              <a:t>продакшен</a:t>
+            </a:r>
+            <a:r>
+              <a:rPr lang="ru-RU" dirty="0" smtClean="0"/>
+              <a:t>.</a:t>
             </a:r>
             <a:endParaRPr lang="en-US" dirty="0"/>
           </a:p>
@@ -1272,7 +1306,7 @@
     </p:spTree>
     <p:extLst>
       <p:ext uri="{BB962C8B-B14F-4D97-AF65-F5344CB8AC3E}">
-        <p14:creationId xmlns:p14="http://schemas.microsoft.com/office/powerpoint/2010/main" val="39436820"/>
+        <p14:creationId xmlns:p14="http://schemas.microsoft.com/office/powerpoint/2010/main" val="1061286286"/>
       </p:ext>
     </p:extLst>
   </p:cSld>
@@ -1328,152 +1362,31 @@
           <a:p>
             <a:r>
               <a:rPr lang="ru-RU" dirty="0" smtClean="0"/>
-              <a:t>В редисе есть очень полезная команда</a:t>
+              <a:t>Крайне неочевидна для нашей команды связь между версией официального докер-контейнера и версией тарантула. Например,</a:t>
             </a:r>
             <a:r>
               <a:rPr lang="ru-RU" baseline="0" dirty="0" smtClean="0"/>
-              <a:t> </a:t>
-            </a:r>
-            <a:r>
-              <a:rPr lang="mr-IN" baseline="0" dirty="0" smtClean="0"/>
-              <a:t>–</a:t>
+              <a:t> хотим мы версию контейнера 1.7.3, потому что туда новый модуль </a:t>
+            </a:r>
+            <a:r>
+              <a:rPr lang="en-US" baseline="0" dirty="0" smtClean="0"/>
+              <a:t>queue </a:t>
             </a:r>
             <a:r>
               <a:rPr lang="ru-RU" baseline="0" dirty="0" smtClean="0"/>
-              <a:t> </a:t>
-            </a:r>
-            <a:r>
-              <a:rPr lang="en-US" baseline="0" dirty="0" smtClean="0"/>
-              <a:t>monitor. </a:t>
-            </a:r>
-            <a:r>
-              <a:rPr lang="ru-RU" baseline="0" dirty="0" smtClean="0"/>
-              <a:t>С её помощью можно видеть все запросы, приходящие на сервер. Понятно, что это не очень часто используемая вещь, но нам аналогичная функция была бы очень полезна для разработки и отладки коннектора</a:t>
-            </a:r>
-            <a:r>
-              <a:rPr lang="ru-RU" baseline="0" dirty="0" smtClean="0"/>
-              <a:t>.</a:t>
-            </a:r>
-          </a:p>
-          <a:p>
-            <a:r>
-              <a:rPr lang="ru-RU" baseline="0" dirty="0" smtClean="0"/>
-              <a:t>Ещё небольшой нюанс заключается в том, что переменная </a:t>
-            </a:r>
-            <a:r>
-              <a:rPr lang="en-US" baseline="0" dirty="0" err="1" smtClean="0"/>
-              <a:t>box.session.sync</a:t>
-            </a:r>
-            <a:r>
-              <a:rPr lang="en-US" baseline="0" dirty="0" smtClean="0"/>
-              <a:t> </a:t>
-            </a:r>
-            <a:r>
-              <a:rPr lang="ru-RU" baseline="0" dirty="0" smtClean="0"/>
-              <a:t>во время выполнения вашего запроса может измениться, если у вас есть </a:t>
-            </a:r>
-            <a:r>
-              <a:rPr lang="en-US" baseline="0" dirty="0" smtClean="0"/>
-              <a:t>yield point </a:t>
-            </a:r>
-            <a:r>
-              <a:rPr lang="ru-RU" baseline="0" dirty="0" smtClean="0"/>
-              <a:t>в запросе. Поэтому, необходимо её запоминать куда-нибудь до первого </a:t>
-            </a:r>
-            <a:r>
-              <a:rPr lang="en-US" baseline="0" dirty="0" smtClean="0"/>
-              <a:t>yield point</a:t>
-            </a:r>
-            <a:r>
-              <a:rPr lang="ru-RU" baseline="0" dirty="0" smtClean="0"/>
-              <a:t> и </a:t>
-            </a:r>
-            <a:r>
-              <a:rPr lang="ru-RU" baseline="0" dirty="0" err="1" smtClean="0"/>
-              <a:t>логировать</a:t>
-            </a:r>
-            <a:r>
-              <a:rPr lang="ru-RU" baseline="0" dirty="0" smtClean="0"/>
-              <a:t> потом запомненное значение.</a:t>
-            </a:r>
-            <a:endParaRPr lang="ru-RU" dirty="0" smtClean="0"/>
-          </a:p>
-          <a:p>
-            <a:r>
-              <a:rPr lang="ru-RU" dirty="0" smtClean="0"/>
-              <a:t>Общий недостаток Редиса, Тарантула, </a:t>
-            </a:r>
-            <a:r>
-              <a:rPr lang="en-US" dirty="0" err="1" smtClean="0"/>
-              <a:t>handlersocket</a:t>
-            </a:r>
-            <a:r>
-              <a:rPr lang="en-US" baseline="0" dirty="0" smtClean="0"/>
-              <a:t> </a:t>
-            </a:r>
-            <a:r>
-              <a:rPr lang="ru-RU" baseline="0" dirty="0" smtClean="0"/>
-              <a:t>и прочих </a:t>
-            </a:r>
-            <a:r>
-              <a:rPr lang="en-US" baseline="0" dirty="0" err="1" smtClean="0"/>
-              <a:t>noSql</a:t>
-            </a:r>
-            <a:r>
-              <a:rPr lang="en-US" baseline="0" dirty="0" smtClean="0"/>
-              <a:t> </a:t>
-            </a:r>
-            <a:r>
-              <a:rPr lang="ru-RU" baseline="0" dirty="0" smtClean="0"/>
-              <a:t>решений</a:t>
-            </a:r>
-            <a:r>
-              <a:rPr lang="ru-RU" dirty="0" smtClean="0"/>
-              <a:t> - это специфический язык запросов. Товарищи сисадмины и </a:t>
+              <a:t>добавили. А какая внутри версия тарантула? Или, наоборот, хотим мы самую версию тарантула 1.7.3-80, например. Какую версию контейнера брать? </a:t>
+            </a:r>
+            <a:r>
+              <a:rPr lang="ru-RU" dirty="0" smtClean="0"/>
+              <a:t>Поэтому, мы перешли на </a:t>
             </a:r>
             <a:r>
               <a:rPr lang="ru-RU" dirty="0" err="1" smtClean="0"/>
-              <a:t>тестировщики</a:t>
-            </a:r>
-            <a:r>
-              <a:rPr lang="ru-RU" dirty="0" smtClean="0"/>
-              <a:t> более привычны к SQL.</a:t>
-            </a:r>
-            <a:r>
-              <a:rPr lang="ru-RU" baseline="0" dirty="0" smtClean="0"/>
-              <a:t> При этом они не являются разработчиками и учить даже </a:t>
-            </a:r>
-            <a:r>
-              <a:rPr lang="en-US" baseline="0" dirty="0" err="1" smtClean="0"/>
-              <a:t>Lua</a:t>
-            </a:r>
-            <a:r>
-              <a:rPr lang="en-US" baseline="0" dirty="0" smtClean="0"/>
-              <a:t> </a:t>
-            </a:r>
-            <a:r>
-              <a:rPr lang="ru-RU" baseline="0" dirty="0" smtClean="0"/>
-              <a:t>им достаточно непросто. Поэтому, очень ждут, когда в </a:t>
-            </a:r>
-            <a:r>
-              <a:rPr lang="en-US" baseline="0" dirty="0" err="1" smtClean="0"/>
-              <a:t>tarantool</a:t>
-            </a:r>
-            <a:r>
-              <a:rPr lang="en-US" baseline="0" dirty="0" smtClean="0"/>
-              <a:t> </a:t>
-            </a:r>
-            <a:r>
-              <a:rPr lang="ru-RU" baseline="0" dirty="0" smtClean="0"/>
-              <a:t>появится хоть какой-нибудь </a:t>
-            </a:r>
-            <a:r>
-              <a:rPr lang="en-US" baseline="0" dirty="0" err="1" smtClean="0"/>
-              <a:t>sql</a:t>
-            </a:r>
-            <a:r>
-              <a:rPr lang="en-US" baseline="0" dirty="0" smtClean="0"/>
-              <a:t>-engine.</a:t>
+              <a:t>самосборный</a:t>
+            </a:r>
+            <a:r>
+              <a:rPr lang="ru-RU" dirty="0" smtClean="0"/>
+              <a:t> контейнер.</a:t>
             </a:r>
             <a:endParaRPr lang="en-US" dirty="0"/>
           </a:p>
@@ -1505,7 +1418,7 @@
     </p:spTree>
     <p:extLst>
       <p:ext uri="{BB962C8B-B14F-4D97-AF65-F5344CB8AC3E}">
-        <p14:creationId xmlns:p14="http://schemas.microsoft.com/office/powerpoint/2010/main" val="1389670464"/>
+        <p14:creationId xmlns:p14="http://schemas.microsoft.com/office/powerpoint/2010/main" val="39436820"/>
       </p:ext>
     </p:extLst>
   </p:cSld>
@@ -1561,31 +1474,15 @@
           <a:p>
             <a:r>
               <a:rPr lang="ru-RU" dirty="0" smtClean="0"/>
-              <a:t>Для </a:t>
-            </a:r>
-            <a:r>
-              <a:rPr lang="ru-RU" dirty="0" err="1" smtClean="0"/>
-              <a:t>логирования</a:t>
-            </a:r>
-            <a:r>
-              <a:rPr lang="ru-RU" dirty="0" smtClean="0"/>
-              <a:t> и мониторинга происходящего в тарантуле там есть достаточно много инструментов.</a:t>
-            </a:r>
-            <a:r>
-              <a:rPr lang="ru-RU" baseline="0" dirty="0" smtClean="0"/>
-              <a:t> Мы используем </a:t>
-            </a:r>
-            <a:r>
-              <a:rPr lang="ru-RU" baseline="0" dirty="0" err="1" smtClean="0"/>
-              <a:t>логирование</a:t>
-            </a:r>
-            <a:r>
-              <a:rPr lang="ru-RU" baseline="0" dirty="0" smtClean="0"/>
-              <a:t> в </a:t>
-            </a:r>
-            <a:r>
-              <a:rPr lang="en-US" baseline="0" dirty="0" err="1" smtClean="0"/>
-              <a:t>stdout</a:t>
+              <a:t>Общий </a:t>
+            </a:r>
+            <a:r>
+              <a:rPr lang="ru-RU" dirty="0" smtClean="0"/>
+              <a:t>недостаток Редиса, Тарантула, </a:t>
+            </a:r>
+            <a:r>
+              <a:rPr lang="en-US" dirty="0" err="1" smtClean="0"/>
+              <a:t>handlersocket</a:t>
             </a:r>
             <a:r>
               <a:rPr lang="en-US" baseline="0" dirty="0" smtClean="0"/>
@@ -1593,47 +1490,47 @@
             </a:r>
             <a:r>
               <a:rPr lang="ru-RU" baseline="0" dirty="0" smtClean="0"/>
-              <a:t>и собираем затем </a:t>
-            </a:r>
-            <a:r>
-              <a:rPr lang="ru-RU" baseline="0" dirty="0" err="1" smtClean="0"/>
-              <a:t>логи</a:t>
-            </a:r>
-            <a:r>
-              <a:rPr lang="ru-RU" baseline="0" dirty="0" smtClean="0"/>
-              <a:t> с помощью </a:t>
+              <a:t>и прочих </a:t>
             </a:r>
             <a:r>
               <a:rPr lang="en-US" baseline="0" dirty="0" err="1" smtClean="0"/>
-              <a:t>fluentd</a:t>
+              <a:t>noSql</a:t>
             </a:r>
             <a:r>
               <a:rPr lang="en-US" baseline="0" dirty="0" smtClean="0"/>
               <a:t> </a:t>
             </a:r>
             <a:r>
+              <a:rPr lang="ru-RU" baseline="0" dirty="0" smtClean="0"/>
+              <a:t>решений</a:t>
+            </a:r>
+            <a:r>
+              <a:rPr lang="ru-RU" dirty="0" smtClean="0"/>
+              <a:t> - это специфический язык запросов. Товарищи сисадмины и </a:t>
+            </a:r>
+            <a:r>
+              <a:rPr lang="ru-RU" dirty="0" err="1" smtClean="0"/>
+              <a:t>тестировщики</a:t>
+            </a:r>
+            <a:r>
+              <a:rPr lang="ru-RU" dirty="0" smtClean="0"/>
+              <a:t> более привычны к SQL.</a:t>
+            </a:r>
+            <a:r>
+              <a:rPr lang="ru-RU" baseline="0" dirty="0" smtClean="0"/>
+              <a:t> При этом они не являются разработчиками и учить даже </a:t>
+            </a:r>
+            <a:r>
               <a:rPr lang="en-US" baseline="0" dirty="0" err="1" smtClean="0"/>
-              <a:t>docker</a:t>
+              <a:t>Lua</a:t>
             </a:r>
             <a:r>
               <a:rPr lang="en-US" baseline="0" dirty="0" smtClean="0"/>
-              <a:t> driver </a:t>
+              <a:t> </a:t>
             </a:r>
             <a:r>
               <a:rPr lang="ru-RU" baseline="0" dirty="0" smtClean="0"/>
-              <a:t>в центральное хранилище. Мониторинг у нас построен на </a:t>
-            </a:r>
-            <a:r>
-              <a:rPr lang="en-US" baseline="0" dirty="0" err="1" smtClean="0"/>
-              <a:t>prometheus</a:t>
-            </a:r>
-            <a:r>
-              <a:rPr lang="en-US" baseline="0" dirty="0" smtClean="0"/>
-              <a:t>, </a:t>
-            </a:r>
-            <a:r>
-              <a:rPr lang="ru-RU" baseline="0" dirty="0" smtClean="0"/>
-              <a:t>который сейчас является самым простым решением с точки зрения развёртывания и сбора данных для небольших команд. И очень удобно, что к тарантулу есть модуль </a:t>
+              <a:t>им достаточно непросто. Поэтому, очень ждут, когда в </a:t>
             </a:r>
             <a:r>
               <a:rPr lang="en-US" baseline="0" dirty="0" err="1" smtClean="0"/>
@@ -1641,19 +1538,19 @@
             </a:r>
             <a:r>
               <a:rPr lang="en-US" baseline="0" dirty="0" smtClean="0"/>
-              <a:t>/</a:t>
+              <a:t> </a:t>
+            </a:r>
+            <a:r>
+              <a:rPr lang="ru-RU" baseline="0" dirty="0" smtClean="0"/>
+              <a:t>появится хоть какой-нибудь </a:t>
             </a:r>
             <a:r>
               <a:rPr lang="en-US" baseline="0" dirty="0" err="1" smtClean="0"/>
-              <a:t>prometheus</a:t>
+              <a:t>sql</a:t>
             </a:r>
             <a:r>
               <a:rPr lang="en-US" baseline="0" dirty="0" smtClean="0"/>
-              <a:t>, </a:t>
-            </a:r>
-            <a:r>
-              <a:rPr lang="ru-RU" baseline="0" dirty="0" smtClean="0"/>
-              <a:t>который собирается различные метрики с запущенных тарантулов.</a:t>
+              <a:t>-engine.</a:t>
             </a:r>
             <a:endParaRPr lang="en-US" dirty="0"/>
           </a:p>
@@ -1685,7 +1582,7 @@
     </p:spTree>
     <p:extLst>
       <p:ext uri="{BB962C8B-B14F-4D97-AF65-F5344CB8AC3E}">
-        <p14:creationId xmlns:p14="http://schemas.microsoft.com/office/powerpoint/2010/main" val="358248523"/>
+        <p14:creationId xmlns:p14="http://schemas.microsoft.com/office/powerpoint/2010/main" val="1389670464"/>
       </p:ext>
     </p:extLst>
   </p:cSld>
@@ -1739,70 +1636,33 @@
           <a:bodyPr/>
           <a:lstStyle/>
           <a:p>
-            <a:pPr marL="0" marR="0" indent="0" algn="l" defTabSz="914400" rtl="0" eaLnBrk="1" fontAlgn="auto" latinLnBrk="0" hangingPunct="1">
-              <a:lnSpc>
-                <a:spcPct val="100000"/>
-              </a:lnSpc>
-              <a:spcBef>
-                <a:spcPts val="0"/>
-              </a:spcBef>
-              <a:spcAft>
-                <a:spcPts val="0"/>
-              </a:spcAft>
-              <a:buClrTx/>
-              <a:buSzTx/>
-              <a:buFontTx/>
-              <a:buNone/>
-              <a:tabLst/>
-              <a:defRPr/>
-            </a:pPr>
-            <a:r>
-              <a:rPr lang="ru-RU" dirty="0" smtClean="0"/>
-              <a:t>Какие выводы можно сделать?</a:t>
+            <a:r>
+              <a:rPr lang="ru-RU" dirty="0" smtClean="0"/>
+              <a:t>Для </a:t>
+            </a:r>
+            <a:r>
+              <a:rPr lang="ru-RU" dirty="0" err="1" smtClean="0"/>
+              <a:t>логирования</a:t>
+            </a:r>
+            <a:r>
+              <a:rPr lang="ru-RU" dirty="0" smtClean="0"/>
+              <a:t> и мониторинга происходящего в тарантуле там есть достаточно много инструментов.</a:t>
             </a:r>
             <a:r>
               <a:rPr lang="ru-RU" baseline="0" dirty="0" smtClean="0"/>
-              <a:t> </a:t>
+              <a:t> Мы используем </a:t>
+            </a:r>
+            <a:r>
+              <a:rPr lang="ru-RU" baseline="0" dirty="0" err="1" smtClean="0"/>
+              <a:t>логирование</a:t>
             </a:r>
             <a:r>
               <a:rPr lang="ru-RU" baseline="0" dirty="0" smtClean="0"/>
-              <a:t>С развитием </a:t>
-            </a:r>
-            <a:r>
-              <a:rPr lang="en-US" baseline="0" dirty="0" smtClean="0"/>
-              <a:t>open source </a:t>
-            </a:r>
-            <a:r>
-              <a:rPr lang="ru-RU" baseline="0" dirty="0" smtClean="0"/>
-              <a:t>версии </a:t>
+              <a:t> в </a:t>
             </a:r>
             <a:r>
               <a:rPr lang="en-US" baseline="0" dirty="0" err="1" smtClean="0"/>
-              <a:t>.net</a:t>
-            </a:r>
-            <a:r>
-              <a:rPr lang="en-US" baseline="0" dirty="0" smtClean="0"/>
-              <a:t> - </a:t>
-            </a:r>
-            <a:r>
-              <a:rPr lang="en-US" baseline="0" dirty="0" err="1" smtClean="0"/>
-              <a:t>.net</a:t>
-            </a:r>
-            <a:r>
-              <a:rPr lang="en-US" baseline="0" dirty="0" smtClean="0"/>
-              <a:t> core, </a:t>
-            </a:r>
-            <a:r>
-              <a:rPr lang="ru-RU" baseline="0" dirty="0" smtClean="0"/>
-              <a:t>которая прекрасно работает на самых разных ОС и архитектурах (например, </a:t>
-            </a:r>
-            <a:r>
-              <a:rPr lang="en-US" baseline="0" dirty="0" smtClean="0"/>
-              <a:t>x86, ARM, ARM64), </a:t>
-            </a:r>
-            <a:r>
-              <a:rPr lang="en-US" baseline="0" dirty="0" err="1" smtClean="0"/>
-              <a:t>.net</a:t>
+              <a:t>stdout</a:t>
             </a:r>
             <a:r>
               <a:rPr lang="en-US" baseline="0" dirty="0" smtClean="0"/>
@@ -1810,42 +1670,67 @@
             </a:r>
             <a:r>
               <a:rPr lang="ru-RU" baseline="0" dirty="0" smtClean="0"/>
-              <a:t>разработчикам не следует ограничивать себя только </a:t>
+              <a:t>и собираем затем </a:t>
+            </a:r>
+            <a:r>
+              <a:rPr lang="ru-RU" baseline="0" dirty="0" err="1" smtClean="0"/>
+              <a:t>логи</a:t>
+            </a:r>
+            <a:r>
+              <a:rPr lang="ru-RU" baseline="0" dirty="0" smtClean="0"/>
+              <a:t> с помощью </a:t>
+            </a:r>
+            <a:r>
+              <a:rPr lang="en-US" baseline="0" dirty="0" err="1" smtClean="0"/>
+              <a:t>fluentd</a:t>
             </a:r>
             <a:r>
               <a:rPr lang="en-US" baseline="0" dirty="0" smtClean="0"/>
-              <a:t>Windows </a:t>
+              <a:t> </a:t>
+            </a:r>
+            <a:r>
+              <a:rPr lang="en-US" baseline="0" dirty="0" err="1" smtClean="0"/>
+              <a:t>docker</a:t>
+            </a:r>
+            <a:r>
+              <a:rPr lang="en-US" baseline="0" dirty="0" smtClean="0"/>
+              <a:t> driver </a:t>
             </a:r>
             <a:r>
               <a:rPr lang="ru-RU" baseline="0" dirty="0" smtClean="0"/>
-              <a:t>и необходимо рассматривать все доступные варианты на рынке и выбирать то, что больше подходит.</a:t>
-            </a:r>
-            <a:endParaRPr lang="en-US" dirty="0" smtClean="0"/>
-          </a:p>
-          <a:p>
+              <a:t>в центральное хранилище. Мониторинг у нас построен на </a:t>
+            </a:r>
+            <a:r>
+              <a:rPr lang="en-US" baseline="0" dirty="0" err="1" smtClean="0"/>
+              <a:t>prometheus</a:t>
+            </a:r>
+            <a:r>
+              <a:rPr lang="en-US" baseline="0" dirty="0" smtClean="0"/>
+              <a:t>, </a:t>
+            </a:r>
             <a:r>
               <a:rPr lang="ru-RU" baseline="0" dirty="0" smtClean="0"/>
-              <a:t>Тарантул </a:t>
-            </a:r>
-            <a:r>
-              <a:rPr lang="mr-IN" baseline="0" dirty="0" smtClean="0"/>
-              <a:t>–</a:t>
+              <a:t>который сейчас является самым простым решением с точки зрения развёртывания и сбора данных для небольших команд. И очень удобно, что к тарантулу есть модуль </a:t>
+            </a:r>
+            <a:r>
+              <a:rPr lang="en-US" baseline="0" dirty="0" err="1" smtClean="0"/>
+              <a:t>tarantool</a:t>
+            </a:r>
+            <a:r>
+              <a:rPr lang="en-US" baseline="0" dirty="0" smtClean="0"/>
+              <a:t>/</a:t>
+            </a:r>
+            <a:r>
+              <a:rPr lang="en-US" baseline="0" dirty="0" err="1" smtClean="0"/>
+              <a:t>prometheus</a:t>
+            </a:r>
+            <a:r>
+              <a:rPr lang="en-US" baseline="0" dirty="0" smtClean="0"/>
+              <a:t>, </a:t>
             </a:r>
             <a:r>
               <a:rPr lang="ru-RU" baseline="0" dirty="0" smtClean="0"/>
-              <a:t> прекрасная и быстрая СУБД, которую можно использовать как исключительно СУБД, так и в качестве, например, очереди для любых приложений, в том числе, написанных на </a:t>
-            </a:r>
-            <a:r>
-              <a:rPr lang="en-US" baseline="0" dirty="0" err="1" smtClean="0"/>
-              <a:t>.net</a:t>
-            </a:r>
-            <a:r>
-              <a:rPr lang="en-US" baseline="0" dirty="0" smtClean="0"/>
-              <a:t>. </a:t>
-            </a:r>
-            <a:r>
-              <a:rPr lang="ru-RU" baseline="0" dirty="0" smtClean="0"/>
-              <a:t>В нашем проекте мы полностью удовлетворены работоспособностью Тарантула и продолжим миграцию основных данных в него.</a:t>
+              <a:t>который собирается различные метрики с запущенных тарантулов.</a:t>
             </a:r>
             <a:endParaRPr lang="en-US" dirty="0"/>
           </a:p>
@@ -1877,7 +1762,7 @@
     </p:spTree>
     <p:extLst>
       <p:ext uri="{BB962C8B-B14F-4D97-AF65-F5344CB8AC3E}">
-        <p14:creationId xmlns:p14="http://schemas.microsoft.com/office/powerpoint/2010/main" val="1158455303"/>
+        <p14:creationId xmlns:p14="http://schemas.microsoft.com/office/powerpoint/2010/main" val="358248523"/>
       </p:ext>
     </p:extLst>
   </p:cSld>
@@ -1931,13 +1816,109 @@
           <a:bodyPr/>
           <a:lstStyle/>
           <a:p>
-            <a:r>
-              <a:rPr lang="ru-RU" dirty="0" smtClean="0"/>
-              <a:t>На этом мой доклад закончен.</a:t>
+            <a:pPr marL="0" marR="0" indent="0" algn="l" defTabSz="914400" rtl="0" eaLnBrk="1" fontAlgn="auto" latinLnBrk="0" hangingPunct="1">
+              <a:lnSpc>
+                <a:spcPct val="100000"/>
+              </a:lnSpc>
+              <a:spcBef>
+                <a:spcPts val="0"/>
+              </a:spcBef>
+              <a:spcAft>
+                <a:spcPts val="0"/>
+              </a:spcAft>
+              <a:buClrTx/>
+              <a:buSzTx/>
+              <a:buFontTx/>
+              <a:buNone/>
+              <a:tabLst/>
+              <a:defRPr/>
+            </a:pPr>
+            <a:r>
+              <a:rPr lang="ru-RU" dirty="0" smtClean="0"/>
+              <a:t>Какие выводы можно сделать?</a:t>
             </a:r>
             <a:r>
               <a:rPr lang="ru-RU" baseline="0" dirty="0" smtClean="0"/>
-              <a:t> Ваши вопросы.</a:t>
+              <a:t> С развитием </a:t>
+            </a:r>
+            <a:r>
+              <a:rPr lang="en-US" baseline="0" dirty="0" smtClean="0"/>
+              <a:t>open source </a:t>
+            </a:r>
+            <a:r>
+              <a:rPr lang="ru-RU" baseline="0" dirty="0" smtClean="0"/>
+              <a:t>версии </a:t>
+            </a:r>
+            <a:r>
+              <a:rPr lang="en-US" baseline="0" dirty="0" err="1" smtClean="0"/>
+              <a:t>.net</a:t>
+            </a:r>
+            <a:r>
+              <a:rPr lang="en-US" baseline="0" dirty="0" smtClean="0"/>
+              <a:t> - </a:t>
+            </a:r>
+            <a:r>
+              <a:rPr lang="en-US" baseline="0" dirty="0" err="1" smtClean="0"/>
+              <a:t>.net</a:t>
+            </a:r>
+            <a:r>
+              <a:rPr lang="en-US" baseline="0" dirty="0" smtClean="0"/>
+              <a:t> core, </a:t>
+            </a:r>
+            <a:r>
+              <a:rPr lang="ru-RU" baseline="0" dirty="0" smtClean="0"/>
+              <a:t>которая прекрасно работает на самых разных ОС и архитектурах (например, </a:t>
+            </a:r>
+            <a:r>
+              <a:rPr lang="en-US" baseline="0" dirty="0" smtClean="0"/>
+              <a:t>x86, ARM, ARM64), </a:t>
+            </a:r>
+            <a:r>
+              <a:rPr lang="en-US" baseline="0" dirty="0" err="1" smtClean="0"/>
+              <a:t>.net</a:t>
+            </a:r>
+            <a:r>
+              <a:rPr lang="en-US" baseline="0" dirty="0" smtClean="0"/>
+              <a:t> </a:t>
+            </a:r>
+            <a:r>
+              <a:rPr lang="ru-RU" baseline="0" dirty="0" smtClean="0"/>
+              <a:t>разработчикам не следует ограничивать себя только </a:t>
+            </a:r>
+            <a:r>
+              <a:rPr lang="en-US" baseline="0" dirty="0" smtClean="0"/>
+              <a:t>Windows </a:t>
+            </a:r>
+            <a:r>
+              <a:rPr lang="ru-RU" baseline="0" dirty="0" smtClean="0"/>
+              <a:t>и необходимо рассматривать все доступные варианты на рынке и выбирать то, что больше подходит.</a:t>
+            </a:r>
+            <a:endParaRPr lang="en-US" dirty="0" smtClean="0"/>
+          </a:p>
+          <a:p>
+            <a:r>
+              <a:rPr lang="ru-RU" baseline="0" dirty="0" smtClean="0"/>
+              <a:t>Тарантул </a:t>
+            </a:r>
+            <a:r>
+              <a:rPr lang="mr-IN" baseline="0" dirty="0" smtClean="0"/>
+              <a:t>–</a:t>
+            </a:r>
+            <a:r>
+              <a:rPr lang="ru-RU" baseline="0" dirty="0" smtClean="0"/>
+              <a:t> прекрасная и быстрая СУБД, которую можно использовать как исключительно СУБД, так и в качестве, например, очереди для любых приложений, в том числе, написанных на </a:t>
+            </a:r>
+            <a:r>
+              <a:rPr lang="en-US" baseline="0" dirty="0" err="1" smtClean="0"/>
+              <a:t>.net</a:t>
+            </a:r>
+            <a:r>
+              <a:rPr lang="en-US" baseline="0" dirty="0" smtClean="0"/>
+              <a:t>. </a:t>
+            </a:r>
+            <a:r>
+              <a:rPr lang="ru-RU" baseline="0" dirty="0" smtClean="0"/>
+              <a:t>В нашем проекте мы полностью удовлетворены работоспособностью Тарантула и продолжим миграцию основных данных в него.</a:t>
             </a:r>
             <a:endParaRPr lang="en-US" dirty="0"/>
           </a:p>
@@ -1961,6 +1942,98 @@
             <a:fld id="{2C4E26C2-1CCB-1B4E-9F60-F75E774EED06}" type="slidenum">
               <a:rPr lang="en-US" smtClean="0"/>
               <a:t>18</a:t>
+            </a:fld>
+            <a:endParaRPr lang="en-US"/>
+          </a:p>
+        </p:txBody>
+      </p:sp>
+    </p:spTree>
+    <p:extLst>
+      <p:ext uri="{BB962C8B-B14F-4D97-AF65-F5344CB8AC3E}">
+        <p14:creationId xmlns:p14="http://schemas.microsoft.com/office/powerpoint/2010/main" val="1158455303"/>
+      </p:ext>
+    </p:extLst>
+  </p:cSld>
+  <p:clrMapOvr>
+    <a:masterClrMapping/>
+  </p:clrMapOvr>
+</p:notes>
+</file>
+
+<file path=ppt/notesSlides/notesSlide19.xml><?xml version="1.0" encoding="utf-8"?>
+<p:notes xmlns:a="http://schemas.openxmlformats.org/drawingml/2006/main" xmlns:r="http://schemas.openxmlformats.org/officeDocument/2006/relationships" xmlns:p="http://schemas.openxmlformats.org/presentationml/2006/main">
+  <p:cSld>
+    <p:spTree>
+      <p:nvGrpSpPr>
+        <p:cNvPr id="1" name=""/>
+        <p:cNvGrpSpPr/>
+        <p:nvPr/>
+      </p:nvGrpSpPr>
+      <p:grpSpPr>
+        <a:xfrm>
+          <a:off x="0" y="0"/>
+          <a:ext cx="0" cy="0"/>
+          <a:chOff x="0" y="0"/>
+          <a:chExt cx="0" cy="0"/>
+        </a:xfrm>
+      </p:grpSpPr>
+      <p:sp>
+        <p:nvSpPr>
+          <p:cNvPr id="2" name="Slide Image Placeholder 1"/>
+          <p:cNvSpPr>
+            <a:spLocks noGrp="1" noRot="1" noChangeAspect="1"/>
+          </p:cNvSpPr>
+          <p:nvPr>
+            <p:ph type="sldImg"/>
+          </p:nvPr>
+        </p:nvSpPr>
+        <p:spPr/>
+      </p:sp>
+      <p:sp>
+        <p:nvSpPr>
+          <p:cNvPr id="3" name="Notes Placeholder 2"/>
+          <p:cNvSpPr>
+            <a:spLocks noGrp="1"/>
+          </p:cNvSpPr>
+          <p:nvPr>
+            <p:ph type="body" idx="1"/>
+          </p:nvPr>
+        </p:nvSpPr>
+        <p:spPr/>
+        <p:txBody>
+          <a:bodyPr/>
+          <a:lstStyle/>
+          <a:p>
+            <a:r>
+              <a:rPr lang="ru-RU" dirty="0" smtClean="0"/>
+              <a:t>На этом мой доклад закончен.</a:t>
+            </a:r>
+            <a:r>
+              <a:rPr lang="ru-RU" baseline="0" dirty="0" smtClean="0"/>
+              <a:t> Ваши вопросы.</a:t>
+            </a:r>
+            <a:endParaRPr lang="en-US" dirty="0"/>
+          </a:p>
+        </p:txBody>
+      </p:sp>
+      <p:sp>
+        <p:nvSpPr>
+          <p:cNvPr id="4" name="Slide Number Placeholder 3"/>
+          <p:cNvSpPr>
+            <a:spLocks noGrp="1"/>
+          </p:cNvSpPr>
+          <p:nvPr>
+            <p:ph type="sldNum" sz="quarter" idx="10"/>
+          </p:nvPr>
+        </p:nvSpPr>
+        <p:spPr/>
+        <p:txBody>
+          <a:bodyPr/>
+          <a:lstStyle/>
+          <a:p>
+            <a:fld id="{2C4E26C2-1CCB-1B4E-9F60-F75E774EED06}" type="slidenum">
+              <a:rPr lang="en-US" smtClean="0"/>
+              <a:t>19</a:t>
             </a:fld>
             <a:endParaRPr lang="en-US"/>
           </a:p>
@@ -2173,11 +2246,7 @@
           <a:p>
             <a:r>
               <a:rPr lang="ru-RU" dirty="0" smtClean="0"/>
-              <a:t>Эта </a:t>
-            </a:r>
-            <a:r>
-              <a:rPr lang="ru-RU" dirty="0" smtClean="0"/>
-              <a:t>СУБД давно на рынке. К ней есть хороший коннектор для .</a:t>
+              <a:t>Эта СУБД давно на рынке. К ней есть хороший коннектор для .</a:t>
             </a:r>
             <a:r>
               <a:rPr lang="ru-RU" dirty="0" err="1" smtClean="0"/>
@@ -2669,11 +2738,7 @@
             </a:r>
             <a:r>
               <a:rPr lang="ru-RU" dirty="0" smtClean="0"/>
-              <a:t>. </a:t>
-            </a:r>
-            <a:r>
-              <a:rPr lang="ru-RU" dirty="0" smtClean="0"/>
-              <a:t>В комментариях</a:t>
+              <a:t>. В комментариях</a:t>
             </a:r>
             <a:r>
               <a:rPr lang="ru-RU" baseline="0" dirty="0" smtClean="0"/>
@@ -2769,15 +2834,7 @@
             </a:r>
             <a:r>
               <a:rPr lang="ru-RU" dirty="0" smtClean="0"/>
-              <a:t>заставляет </a:t>
-            </a:r>
-            <a:r>
-              <a:rPr lang="ru-RU" dirty="0" smtClean="0"/>
-              <a:t>разработчиков разбираться в той среде, в которой будут лежать их данные. </a:t>
-            </a:r>
-            <a:r>
-              <a:rPr lang="ru-RU" dirty="0" smtClean="0"/>
-              <a:t>Они будут сразу видеть именно то поведение,</a:t>
+              <a:t>заставляет разработчиков разбираться в той среде, в которой будут лежать их данные. Они будут сразу видеть именно то поведение,</a:t>
             </a:r>
             <a:r>
               <a:rPr lang="ru-RU" baseline="0" dirty="0" smtClean="0"/>
@@ -3730,7 +3787,7 @@
           <a:p>
             <a:fld id="{EB0D839A-7E39-2C46-8BD6-3DA56612CC53}" type="datetimeFigureOut">
               <a:rPr lang="en-US" smtClean="0"/>
-              <a:t>2/27/17</a:t>
+              <a:t>2/28/17</a:t>
             </a:fld>
             <a:endParaRPr lang="en-US"/>
           </a:p>
@@ -3900,7 +3957,7 @@
           <a:p>
             <a:fld id="{EB0D839A-7E39-2C46-8BD6-3DA56612CC53}" type="datetimeFigureOut">
               <a:rPr lang="en-US" smtClean="0"/>
-              <a:t>2/27/17</a:t>
+              <a:t>2/28/17</a:t>
             </a:fld>
             <a:endParaRPr lang="en-US"/>
           </a:p>
@@ -4080,7 +4137,7 @@
           <a:p>
             <a:fld id="{EB0D839A-7E39-2C46-8BD6-3DA56612CC53}" type="datetimeFigureOut">
               <a:rPr lang="en-US" smtClean="0"/>
-              <a:t>2/27/17</a:t>
+              <a:t>2/28/17</a:t>
             </a:fld>
             <a:endParaRPr lang="en-US"/>
           </a:p>
@@ -4250,7 +4307,7 @@
           <a:p>
             <a:fld id="{EB0D839A-7E39-2C46-8BD6-3DA56612CC53}" type="datetimeFigureOut">
               <a:rPr lang="en-US" smtClean="0"/>
-              <a:t>2/27/17</a:t>
+              <a:t>2/28/17</a:t>
             </a:fld>
             <a:endParaRPr lang="en-US"/>
           </a:p>
@@ -4496,7 +4553,7 @@
           <a:p>
             <a:fld id="{EB0D839A-7E39-2C46-8BD6-3DA56612CC53}" type="datetimeFigureOut">
               <a:rPr lang="en-US" smtClean="0"/>
-              <a:t>2/27/17</a:t>
+              <a:t>2/28/17</a:t>
             </a:fld>
             <a:endParaRPr lang="en-US"/>
           </a:p>
@@ -4728,7 +4785,7 @@
           <a:p>
             <a:fld id="{EB0D839A-7E39-2C46-8BD6-3DA56612CC53}" type="datetimeFigureOut">
               <a:rPr lang="en-US" smtClean="0"/>
-              <a:t>2/27/17</a:t>
+              <a:t>2/28/17</a:t>
             </a:fld>
             <a:endParaRPr lang="en-US"/>
           </a:p>
@@ -5095,7 +5152,7 @@
           <a:p>
             <a:fld id="{EB0D839A-7E39-2C46-8BD6-3DA56612CC53}" type="datetimeFigureOut">
               <a:rPr lang="en-US" smtClean="0"/>
-              <a:t>2/27/17</a:t>
+              <a:t>2/28/17</a:t>
             </a:fld>
             <a:endParaRPr lang="en-US"/>
           </a:p>
@@ -5213,7 +5270,7 @@
           <a:p>
             <a:fld id="{EB0D839A-7E39-2C46-8BD6-3DA56612CC53}" type="datetimeFigureOut">
               <a:rPr lang="en-US" smtClean="0"/>
-              <a:t>2/27/17</a:t>
+              <a:t>2/28/17</a:t>
             </a:fld>
             <a:endParaRPr lang="en-US"/>
           </a:p>
@@ -5308,7 +5365,7 @@
           <a:p>
             <a:fld id="{EB0D839A-7E39-2C46-8BD6-3DA56612CC53}" type="datetimeFigureOut">
               <a:rPr lang="en-US" smtClean="0"/>
-              <a:t>2/27/17</a:t>
+              <a:t>2/28/17</a:t>
             </a:fld>
             <a:endParaRPr lang="en-US"/>
           </a:p>
@@ -5585,7 +5642,7 @@
           <a:p>
             <a:fld id="{EB0D839A-7E39-2C46-8BD6-3DA56612CC53}" type="datetimeFigureOut">
               <a:rPr lang="en-US" smtClean="0"/>
-              <a:t>2/27/17</a:t>
+              <a:t>2/28/17</a:t>
             </a:fld>
             <a:endParaRPr lang="en-US"/>
           </a:p>
@@ -5838,7 +5895,7 @@
           <a:p>
             <a:fld id="{EB0D839A-7E39-2C46-8BD6-3DA56612CC53}" type="datetimeFigureOut">
               <a:rPr lang="en-US" smtClean="0"/>
-              <a:t>2/27/17</a:t>
+              <a:t>2/28/17</a:t>
             </a:fld>
             <a:endParaRPr lang="en-US"/>
           </a:p>
@@ -6051,7 +6108,7 @@
           <a:p>
             <a:fld id="{EB0D839A-7E39-2C46-8BD6-3DA56612CC53}" type="datetimeFigureOut">
               <a:rPr lang="en-US" smtClean="0"/>
-              <a:t>2/27/17</a:t>
+              <a:t>2/28/17</a:t>
             </a:fld>
             <a:endParaRPr lang="en-US"/>
           </a:p>
@@ -6730,6 +6787,47 @@
           </a:p>
         </p:txBody>
       </p:sp>
+      <p:pic>
+        <p:nvPicPr>
+          <p:cNvPr id="1026" name="Picture 2" descr="ttps://raw.githubusercontent.com/e-vote/eVote/develop/Web/Web.React/images/hosted/logo_mail_big.png?toke"/>
+          <p:cNvPicPr>
+            <a:picLocks noChangeAspect="1" noChangeArrowheads="1"/>
+          </p:cNvPicPr>
+          <p:nvPr/>
+        </p:nvPicPr>
+        <p:blipFill>
+          <a:blip r:embed="rId3">
+            <a:extLst>
+              <a:ext uri="{28A0092B-C50C-407E-A947-70E740481C1C}">
+                <a14:useLocalDpi xmlns:a14="http://schemas.microsoft.com/office/drawing/2010/main" val="0"/>
+              </a:ext>
+            </a:extLst>
+          </a:blip>
+          <a:srcRect/>
+          <a:stretch>
+            <a:fillRect/>
+          </a:stretch>
+        </p:blipFill>
+        <p:spPr bwMode="auto">
+          <a:xfrm>
+            <a:off x="809625" y="4838700"/>
+            <a:ext cx="1428750" cy="419100"/>
+          </a:xfrm>
+          <a:prstGeom prst="rect">
+            <a:avLst/>
+          </a:prstGeom>
+          <a:noFill/>
+          <a:extLst>
+            <a:ext uri="{909E8E84-426E-40DD-AFC4-6F175D3DCCD1}">
+              <a14:hiddenFill xmlns:a14="http://schemas.microsoft.com/office/drawing/2010/main">
+                <a:solidFill>
+                  <a:srgbClr val="FFFFFF"/>
+                </a:solidFill>
+              </a14:hiddenFill>
+            </a:ext>
+          </a:extLst>
+        </p:spPr>
+      </p:pic>
     </p:spTree>
     <p:extLst>
       <p:ext uri="{BB962C8B-B14F-4D97-AF65-F5344CB8AC3E}">
@@ -6740,11 +6838,11 @@
   <p:clrMapOvr>
     <a:masterClrMapping/>
   </p:clrMapOvr>
-  <mc:AlternateContent xmlns:mc="http://schemas.openxmlformats.org/markup-compatibility/2006">
-    <mc:Choice xmlns:p14="http://schemas.microsoft.com/office/powerpoint/2010/main" Requires="p14">
+  <mc:AlternateContent xmlns:mc="http://schemas.openxmlformats.org/markup-compatibility/2006" xmlns:p14="http://schemas.microsoft.com/office/powerpoint/2010/main">
+    <mc:Choice Requires="p14">
       <p:transition spd="slow" p14:dur="2000" advTm="2151"/>
     </mc:Choice>
-    <mc:Fallback>
+    <mc:Fallback xmlns="">
       <p:transition spd="slow" advTm="2151"/>
     </mc:Fallback>
   </mc:AlternateContent>
@@ -6876,11 +6974,11 @@
   <p:clrMapOvr>
     <a:masterClrMapping/>
   </p:clrMapOvr>
-  <mc:AlternateContent xmlns:mc="http://schemas.openxmlformats.org/markup-compatibility/2006">
-    <mc:Choice xmlns:p14="http://schemas.microsoft.com/office/powerpoint/2010/main" Requires="p14">
+  <mc:AlternateContent xmlns:mc="http://schemas.openxmlformats.org/markup-compatibility/2006" xmlns:p14="http://schemas.microsoft.com/office/powerpoint/2010/main">
+    <mc:Choice Requires="p14">
       <p:transition spd="slow" p14:dur="2000" advTm="54145"/>
     </mc:Choice>
-    <mc:Fallback>
+    <mc:Fallback xmlns="">
       <p:transition spd="slow" advTm="54145"/>
     </mc:Fallback>
   </mc:AlternateContent>
@@ -7097,6 +7195,106 @@
           <a:lstStyle/>
           <a:p>
             <a:r>
+              <a:rPr lang="ru-RU" dirty="0" smtClean="0"/>
+              <a:t>Коннектор: </a:t>
+            </a:r>
+            <a:r>
+              <a:rPr lang="ru-RU" dirty="0" err="1" smtClean="0"/>
+              <a:t>хотелки</a:t>
+            </a:r>
+            <a:endParaRPr lang="en-US" dirty="0"/>
+          </a:p>
+        </p:txBody>
+      </p:sp>
+      <p:sp>
+        <p:nvSpPr>
+          <p:cNvPr id="3" name="Content Placeholder 2"/>
+          <p:cNvSpPr>
+            <a:spLocks noGrp="1"/>
+          </p:cNvSpPr>
+          <p:nvPr>
+            <p:ph idx="1"/>
+          </p:nvPr>
+        </p:nvSpPr>
+        <p:spPr/>
+        <p:txBody>
+          <a:bodyPr/>
+          <a:lstStyle/>
+          <a:p>
+            <a:r>
+              <a:rPr lang="ru-RU" dirty="0" smtClean="0"/>
+              <a:t>Все запросы в логе даже ценой скорости</a:t>
+            </a:r>
+          </a:p>
+          <a:p>
+            <a:endParaRPr lang="ru-RU" dirty="0"/>
+          </a:p>
+          <a:p>
+            <a:r>
+              <a:rPr lang="ru-RU" dirty="0" smtClean="0"/>
+              <a:t>Более удобная работа с </a:t>
+            </a:r>
+            <a:r>
+              <a:rPr lang="en-US" dirty="0" err="1" smtClean="0"/>
+              <a:t>box.session.sync</a:t>
+            </a:r>
+            <a:endParaRPr lang="en-US" dirty="0"/>
+          </a:p>
+        </p:txBody>
+      </p:sp>
+    </p:spTree>
+    <p:extLst>
+      <p:ext uri="{BB962C8B-B14F-4D97-AF65-F5344CB8AC3E}">
+        <p14:creationId xmlns:p14="http://schemas.microsoft.com/office/powerpoint/2010/main" val="1055562852"/>
+      </p:ext>
+    </p:extLst>
+  </p:cSld>
+  <p:clrMapOvr>
+    <a:masterClrMapping/>
+  </p:clrMapOvr>
+  <p:timing>
+    <p:tnLst>
+      <p:par>
+        <p:cTn id="1" dur="indefinite" restart="never" nodeType="tmRoot"/>
+      </p:par>
+    </p:tnLst>
+  </p:timing>
+</p:sld>
+</file>
+
+<file path=ppt/slides/slide12.xml><?xml version="1.0" encoding="utf-8"?>
+<p:sld xmlns:a="http://schemas.openxmlformats.org/drawingml/2006/main" xmlns:r="http://schemas.openxmlformats.org/officeDocument/2006/relationships" xmlns:p="http://schemas.openxmlformats.org/presentationml/2006/main">
+  <p:cSld>
+    <p:spTree>
+      <p:nvGrpSpPr>
+        <p:cNvPr id="1" name=""/>
+        <p:cNvGrpSpPr/>
+        <p:nvPr/>
+      </p:nvGrpSpPr>
+      <p:grpSpPr>
+        <a:xfrm>
+          <a:off x="0" y="0"/>
+          <a:ext cx="0" cy="0"/>
+          <a:chOff x="0" y="0"/>
+          <a:chExt cx="0" cy="0"/>
+        </a:xfrm>
+      </p:grpSpPr>
+      <p:sp>
+        <p:nvSpPr>
+          <p:cNvPr id="2" name="Title 1"/>
+          <p:cNvSpPr>
+            <a:spLocks noGrp="1"/>
+          </p:cNvSpPr>
+          <p:nvPr>
+            <p:ph type="title"/>
+          </p:nvPr>
+        </p:nvSpPr>
+        <p:spPr/>
+        <p:txBody>
+          <a:bodyPr/>
+          <a:lstStyle/>
+          <a:p>
+            <a:r>
               <a:rPr lang="ru-RU" dirty="0" err="1" smtClean="0"/>
               <a:t>Эксплутация</a:t>
             </a:r>
@@ -7181,11 +7379,11 @@
   <p:clrMapOvr>
     <a:masterClrMapping/>
   </p:clrMapOvr>
-  <mc:AlternateContent xmlns:mc="http://schemas.openxmlformats.org/markup-compatibility/2006">
-    <mc:Choice xmlns:p14="http://schemas.microsoft.com/office/powerpoint/2010/main" Requires="p14">
+  <mc:AlternateContent xmlns:mc="http://schemas.openxmlformats.org/markup-compatibility/2006" xmlns:p14="http://schemas.microsoft.com/office/powerpoint/2010/main">
+    <mc:Choice Requires="p14">
       <p:transition spd="slow" p14:dur="2000" advTm="63705"/>
     </mc:Choice>
-    <mc:Fallback>
+    <mc:Fallback xmlns="">
       <p:transition spd="slow" advTm="63705"/>
     </mc:Fallback>
   </mc:AlternateContent>
@@ -7369,7 +7567,7 @@
 </p:sld>
 </file>
 
-<file path=ppt/slides/slide12.xml><?xml version="1.0" encoding="utf-8"?>
+<file path=ppt/slides/slide13.xml><?xml version="1.0" encoding="utf-8"?>
 <p:sld xmlns:a="http://schemas.openxmlformats.org/drawingml/2006/main" xmlns:r="http://schemas.openxmlformats.org/officeDocument/2006/relationships" xmlns:p="http://schemas.openxmlformats.org/presentationml/2006/main">
   <p:cSld>
     <p:spTree>
@@ -7459,11 +7657,11 @@
   <p:clrMapOvr>
     <a:masterClrMapping/>
   </p:clrMapOvr>
-  <mc:AlternateContent xmlns:mc="http://schemas.openxmlformats.org/markup-compatibility/2006">
-    <mc:Choice xmlns:p14="http://schemas.microsoft.com/office/powerpoint/2010/main" Requires="p14">
+  <mc:AlternateContent xmlns:mc="http://schemas.openxmlformats.org/markup-compatibility/2006" xmlns:p14="http://schemas.microsoft.com/office/powerpoint/2010/main">
+    <mc:Choice Requires="p14">
       <p:transition spd="slow" p14:dur="2000" advTm="26301"/>
     </mc:Choice>
-    <mc:Fallback>
+    <mc:Fallback xmlns="">
       <p:transition spd="slow" advTm="26301"/>
     </mc:Fallback>
   </mc:AlternateContent>
@@ -7598,7 +7796,7 @@
 </p:sld>
 </file>
 
-<file path=ppt/slides/slide13.xml><?xml version="1.0" encoding="utf-8"?>
+<file path=ppt/slides/slide14.xml><?xml version="1.0" encoding="utf-8"?>
 <p:sld xmlns:a="http://schemas.openxmlformats.org/drawingml/2006/main" xmlns:r="http://schemas.openxmlformats.org/officeDocument/2006/relationships" xmlns:p="http://schemas.openxmlformats.org/presentationml/2006/main">
   <p:cSld>
     <p:spTree>
@@ -7731,11 +7929,11 @@
   <p:clrMapOvr>
     <a:masterClrMapping/>
   </p:clrMapOvr>
-  <mc:AlternateContent xmlns:mc="http://schemas.openxmlformats.org/markup-compatibility/2006">
-    <mc:Choice xmlns:p14="http://schemas.microsoft.com/office/powerpoint/2010/main" Requires="p14">
+  <mc:AlternateContent xmlns:mc="http://schemas.openxmlformats.org/markup-compatibility/2006" xmlns:p14="http://schemas.microsoft.com/office/powerpoint/2010/main">
+    <mc:Choice Requires="p14">
       <p:transition spd="slow" p14:dur="2000" advTm="88106"/>
     </mc:Choice>
-    <mc:Fallback>
+    <mc:Fallback xmlns="">
       <p:transition spd="slow" advTm="88106"/>
     </mc:Fallback>
   </mc:AlternateContent>
@@ -8066,7 +8264,7 @@
 </p:sld>
 </file>
 
-<file path=ppt/slides/slide14.xml><?xml version="1.0" encoding="utf-8"?>
+<file path=ppt/slides/slide15.xml><?xml version="1.0" encoding="utf-8"?>
 <p:sld xmlns:a="http://schemas.openxmlformats.org/drawingml/2006/main" xmlns:r="http://schemas.openxmlformats.org/officeDocument/2006/relationships" xmlns:p="http://schemas.openxmlformats.org/presentationml/2006/main">
   <p:cSld>
     <p:spTree>
@@ -8175,11 +8373,7 @@
             </a:r>
             <a:r>
               <a:rPr lang="ru-RU" dirty="0" smtClean="0"/>
-              <a:t> контейнер</a:t>
-            </a:r>
-            <a:r>
-              <a:rPr lang="ru-RU" dirty="0" smtClean="0"/>
-              <a:t>.</a:t>
+              <a:t> контейнер.</a:t>
             </a:r>
             <a:endParaRPr lang="en-US" dirty="0"/>
           </a:p>
@@ -8198,11 +8392,11 @@
   <p:clrMapOvr>
     <a:masterClrMapping/>
   </p:clrMapOvr>
-  <mc:AlternateContent xmlns:mc="http://schemas.openxmlformats.org/markup-compatibility/2006">
-    <mc:Choice xmlns:p14="http://schemas.microsoft.com/office/powerpoint/2010/main" Requires="p14">
+  <mc:AlternateContent xmlns:mc="http://schemas.openxmlformats.org/markup-compatibility/2006" xmlns:p14="http://schemas.microsoft.com/office/powerpoint/2010/main">
+    <mc:Choice Requires="p14">
       <p:transition spd="slow" p14:dur="2000" advTm="51818"/>
     </mc:Choice>
-    <mc:Fallback>
+    <mc:Fallback xmlns="">
       <p:transition spd="slow" advTm="51818"/>
     </mc:Fallback>
   </mc:AlternateContent>
@@ -8386,7 +8580,7 @@
 </p:sld>
 </file>
 
-<file path=ppt/slides/slide15.xml><?xml version="1.0" encoding="utf-8"?>
+<file path=ppt/slides/slide16.xml><?xml version="1.0" encoding="utf-8"?>
 <p:sld xmlns:a="http://schemas.openxmlformats.org/drawingml/2006/main" xmlns:r="http://schemas.openxmlformats.org/officeDocument/2006/relationships" xmlns:p="http://schemas.openxmlformats.org/presentationml/2006/main">
   <p:cSld>
     <p:spTree>
@@ -8449,55 +8643,11 @@
           <a:p>
             <a:r>
               <a:rPr lang="ru-RU" dirty="0" smtClean="0"/>
-              <a:t>Нет возможности </a:t>
-            </a:r>
-            <a:r>
-              <a:rPr lang="ru-RU" dirty="0" err="1" smtClean="0"/>
-              <a:t>залогировать</a:t>
-            </a:r>
-            <a:r>
-              <a:rPr lang="ru-RU" dirty="0" smtClean="0"/>
-              <a:t> все запросы на сервере</a:t>
-            </a:r>
-            <a:r>
-              <a:rPr lang="ru-RU" dirty="0" smtClean="0"/>
-              <a:t>.</a:t>
-            </a:r>
-            <a:endParaRPr lang="en-US" dirty="0" smtClean="0"/>
-          </a:p>
-          <a:p>
-            <a:endParaRPr lang="en-US" dirty="0"/>
-          </a:p>
-          <a:p>
-            <a:r>
-              <a:rPr lang="en-US" dirty="0" err="1" smtClean="0"/>
-              <a:t>box.session.sync</a:t>
-            </a:r>
-            <a:r>
-              <a:rPr lang="en-US" dirty="0" smtClean="0"/>
-              <a:t> </a:t>
-            </a:r>
-            <a:r>
-              <a:rPr lang="mr-IN" dirty="0"/>
-              <a:t>–</a:t>
-            </a:r>
-            <a:r>
-              <a:rPr lang="en-US" dirty="0"/>
-              <a:t> shared </a:t>
-            </a:r>
-            <a:r>
-              <a:rPr lang="ru-RU" dirty="0" smtClean="0"/>
-              <a:t>между запросами</a:t>
-            </a:r>
-            <a:endParaRPr lang="ru-RU" dirty="0" smtClean="0"/>
-          </a:p>
-          <a:p>
-            <a:endParaRPr lang="ru-RU" dirty="0"/>
-          </a:p>
-          <a:p>
-            <a:r>
-              <a:rPr lang="ru-RU" dirty="0" smtClean="0"/>
-              <a:t>Специфический язык запросов. </a:t>
+              <a:t>Специфический </a:t>
+            </a:r>
+            <a:r>
+              <a:rPr lang="ru-RU" dirty="0" smtClean="0"/>
+              <a:t>язык запросов. </a:t>
             </a:r>
             <a:r>
               <a:rPr lang="en-US" dirty="0" smtClean="0"/>
@@ -8550,11 +8700,11 @@
   <p:clrMapOvr>
     <a:masterClrMapping/>
   </p:clrMapOvr>
-  <mc:AlternateContent xmlns:mc="http://schemas.openxmlformats.org/markup-compatibility/2006">
-    <mc:Choice xmlns:p14="http://schemas.microsoft.com/office/powerpoint/2010/main" Requires="p14">
+  <mc:AlternateContent xmlns:mc="http://schemas.openxmlformats.org/markup-compatibility/2006" xmlns:p14="http://schemas.microsoft.com/office/powerpoint/2010/main">
+    <mc:Choice Requires="p14">
       <p:transition spd="slow" p14:dur="2000" advTm="63286"/>
     </mc:Choice>
-    <mc:Fallback>
+    <mc:Fallback xmlns="">
       <p:transition spd="slow" advTm="63286"/>
     </mc:Fallback>
   </mc:AlternateContent>
@@ -8664,104 +8814,6 @@
                       </p:childTnLst>
                     </p:cTn>
                   </p:par>
-                  <p:par>
-                    <p:cTn id="11" fill="hold">
-                      <p:stCondLst>
-                        <p:cond delay="indefinite"/>
-                      </p:stCondLst>
-                      <p:childTnLst>
-                        <p:par>
-                          <p:cTn id="12" fill="hold">
-                            <p:stCondLst>
-                              <p:cond delay="0"/>
-                            </p:stCondLst>
-                            <p:childTnLst>
-                              <p:par>
-                                <p:cTn id="13" presetID="1" presetClass="entr" presetSubtype="0" fill="hold" nodeType="clickEffect">
-                                  <p:stCondLst>
-                                    <p:cond delay="0"/>
-                                  </p:stCondLst>
-                                  <p:childTnLst>
-                                    <p:set>
-                                      <p:cBhvr>
-                                        <p:cTn id="14" dur="1" fill="hold">
-                                          <p:stCondLst>
-                                            <p:cond delay="0"/>
-                                          </p:stCondLst>
-                                        </p:cTn>
-                                        <p:tgtEl>
-                                          <p:spTgt spid="3">
-                                            <p:txEl>
-                                              <p:pRg st="4" end="4"/>
-                                            </p:txEl>
-                                          </p:spTgt>
-                                        </p:tgtEl>
-                                        <p:attrNameLst>
-                                          <p:attrName>style.visibility</p:attrName>
-                                        </p:attrNameLst>
-                                      </p:cBhvr>
-                                      <p:to>
-                                        <p:strVal val="visible"/>
-                                      </p:to>
-                                    </p:set>
-                                  </p:childTnLst>
-                                </p:cTn>
-                              </p:par>
-                            </p:childTnLst>
-                          </p:cTn>
-                        </p:par>
-                      </p:childTnLst>
-                    </p:cTn>
-                  </p:par>
-                  <p:par>
-                    <p:cTn id="15" fill="hold">
-                      <p:stCondLst>
-                        <p:cond delay="indefinite"/>
-                      </p:stCondLst>
-                      <p:childTnLst>
-                        <p:par>
-                          <p:cTn id="16" fill="hold">
-                            <p:stCondLst>
-                              <p:cond delay="0"/>
-                            </p:stCondLst>
-                            <p:childTnLst>
-                              <p:par>
-                                <p:cTn id="17" presetID="1" presetClass="entr" presetSubtype="0" fill="hold" nodeType="clickEffect">
-                                  <p:stCondLst>
-                                    <p:cond delay="0"/>
-                                  </p:stCondLst>
-                                  <p:childTnLst>
-                                    <p:set>
-                                      <p:cBhvr>
-                                        <p:cTn id="18" dur="1" fill="hold">
-                                          <p:stCondLst>
-                                            <p:cond delay="0"/>
-                                          </p:stCondLst>
-                                        </p:cTn>
-                                        <p:tgtEl>
-                                          <p:spTgt spid="3">
-                                            <p:txEl>
-                                              <p:pRg st="6" end="6"/>
-                                            </p:txEl>
-                                          </p:spTgt>
-                                        </p:tgtEl>
-                                        <p:attrNameLst>
-                                          <p:attrName>style.visibility</p:attrName>
-                                        </p:attrNameLst>
-                                      </p:cBhvr>
-                                      <p:to>
-                                        <p:strVal val="visible"/>
-                                      </p:to>
-                                    </p:set>
-                                  </p:childTnLst>
-                                </p:cTn>
-                              </p:par>
-                            </p:childTnLst>
-                          </p:cTn>
-                        </p:par>
-                      </p:childTnLst>
-                    </p:cTn>
-                  </p:par>
                 </p:childTnLst>
               </p:cTn>
               <p:prevCondLst>
@@ -8787,7 +8839,7 @@
 </p:sld>
 </file>
 
-<file path=ppt/slides/slide16.xml><?xml version="1.0" encoding="utf-8"?>
+<file path=ppt/slides/slide17.xml><?xml version="1.0" encoding="utf-8"?>
 <p:sld xmlns:a="http://schemas.openxmlformats.org/drawingml/2006/main" xmlns:r="http://schemas.openxmlformats.org/officeDocument/2006/relationships" xmlns:p="http://schemas.openxmlformats.org/presentationml/2006/main">
   <p:cSld>
     <p:spTree>
@@ -8911,7 +8963,7 @@
 </p:sld>
 </file>
 
-<file path=ppt/slides/slide17.xml><?xml version="1.0" encoding="utf-8"?>
+<file path=ppt/slides/slide18.xml><?xml version="1.0" encoding="utf-8"?>
 <p:sld xmlns:a="http://schemas.openxmlformats.org/drawingml/2006/main" xmlns:r="http://schemas.openxmlformats.org/officeDocument/2006/relationships" xmlns:p="http://schemas.openxmlformats.org/presentationml/2006/main">
   <p:cSld>
     <p:spTree>
@@ -8984,8 +9036,16 @@
               <a:t>работает на </a:t>
             </a:r>
             <a:r>
+              <a:rPr lang="en-US" smtClean="0"/>
+              <a:t>Linux</a:t>
+            </a:r>
+            <a:r>
+              <a:rPr lang="en-US" smtClean="0"/>
+              <a:t>, </a:t>
+            </a:r>
+            <a:r>
               <a:rPr lang="en-US" dirty="0" smtClean="0"/>
-              <a:t>Linux, ARM, ARM64 (</a:t>
+              <a:t>ARM, ARM64 (</a:t>
             </a:r>
             <a:r>
               <a:rPr lang="ru-RU" dirty="0" smtClean="0"/>
@@ -9268,7 +9328,7 @@
 </p:sld>
 </file>
 
-<file path=ppt/slides/slide18.xml><?xml version="1.0" encoding="utf-8"?>
+<file path=ppt/slides/slide19.xml><?xml version="1.0" encoding="utf-8"?>
 <p:sld xmlns:a="http://schemas.openxmlformats.org/drawingml/2006/main" xmlns:r="http://schemas.openxmlformats.org/officeDocument/2006/relationships" xmlns:p="http://schemas.openxmlformats.org/presentationml/2006/main">
   <p:cSld>
     <p:spTree>
@@ -9469,18 +9529,13 @@
           <a:lstStyle/>
           <a:p>
             <a:r>
-              <a:rPr lang="ru-RU" dirty="0"/>
+              <a:rPr lang="ru-RU" dirty="0" smtClean="0"/>
               <a:t>Нам подходят </a:t>
             </a:r>
             <a:r>
-              <a:rPr lang="en-US" dirty="0"/>
-              <a:t>key-value </a:t>
-            </a:r>
-            <a:r>
-              <a:rPr lang="ru-RU" dirty="0"/>
-              <a:t>хранилища</a:t>
-            </a:r>
-            <a:endParaRPr lang="en-US" dirty="0"/>
+              <a:rPr lang="en-US" dirty="0" smtClean="0"/>
+              <a:t>key-value</a:t>
+            </a:r>
           </a:p>
           <a:p>
             <a:endParaRPr lang="ru-RU" dirty="0" smtClean="0"/>
@@ -9493,7 +9548,7 @@
             <a:endParaRPr lang="en-US" dirty="0" smtClean="0"/>
           </a:p>
           <a:p>
-            <a:endParaRPr lang="en-US" dirty="0"/>
+            <a:endParaRPr lang="en-US" dirty="0" smtClean="0"/>
           </a:p>
           <a:p>
             <a:r>
@@ -9503,7 +9558,7 @@
             <a:endParaRPr lang="en-US" dirty="0" smtClean="0"/>
           </a:p>
           <a:p>
-            <a:endParaRPr lang="en-US" dirty="0"/>
+            <a:endParaRPr lang="en-US" dirty="0" smtClean="0"/>
           </a:p>
           <a:p>
             <a:r>
@@ -9518,6 +9573,47 @@
           </a:p>
         </p:txBody>
       </p:sp>
+      <p:pic>
+        <p:nvPicPr>
+          <p:cNvPr id="2050" name="Picture 2" descr="ttps://keefcode.files.wordpress.com/2013/12/nosql.png"/>
+          <p:cNvPicPr>
+            <a:picLocks noChangeAspect="1" noChangeArrowheads="1"/>
+          </p:cNvPicPr>
+          <p:nvPr/>
+        </p:nvPicPr>
+        <p:blipFill>
+          <a:blip r:embed="rId4">
+            <a:extLst>
+              <a:ext uri="{28A0092B-C50C-407E-A947-70E740481C1C}">
+                <a14:useLocalDpi xmlns:a14="http://schemas.microsoft.com/office/drawing/2010/main" val="0"/>
+              </a:ext>
+            </a:extLst>
+          </a:blip>
+          <a:srcRect/>
+          <a:stretch>
+            <a:fillRect/>
+          </a:stretch>
+        </p:blipFill>
+        <p:spPr bwMode="auto">
+          <a:xfrm>
+            <a:off x="5133703" y="1211671"/>
+            <a:ext cx="6220097" cy="4084505"/>
+          </a:xfrm>
+          <a:prstGeom prst="rect">
+            <a:avLst/>
+          </a:prstGeom>
+          <a:noFill/>
+          <a:extLst>
+            <a:ext uri="{909E8E84-426E-40DD-AFC4-6F175D3DCCD1}">
+              <a14:hiddenFill xmlns:a14="http://schemas.microsoft.com/office/drawing/2010/main">
+                <a:solidFill>
+                  <a:srgbClr val="FFFFFF"/>
+                </a:solidFill>
+              </a14:hiddenFill>
+            </a:ext>
+          </a:extLst>
+        </p:spPr>
+      </p:pic>
     </p:spTree>
     <p:custDataLst>
       <p:tags r:id="rId1"/>
@@ -9531,11 +9627,11 @@
   <p:clrMapOvr>
     <a:masterClrMapping/>
   </p:clrMapOvr>
-  <mc:AlternateContent xmlns:mc="http://schemas.openxmlformats.org/markup-compatibility/2006">
-    <mc:Choice xmlns:p14="http://schemas.microsoft.com/office/powerpoint/2010/main" Requires="p14">
+  <mc:AlternateContent xmlns:mc="http://schemas.openxmlformats.org/markup-compatibility/2006" xmlns:p14="http://schemas.microsoft.com/office/powerpoint/2010/main">
+    <mc:Choice Requires="p14">
       <p:transition spd="slow" p14:dur="2000" advTm="3504"/>
     </mc:Choice>
-    <mc:Fallback>
+    <mc:Fallback xmlns="">
       <p:transition spd="slow" advTm="3504"/>
     </mc:Fallback>
   </mc:AlternateContent>
@@ -9800,10 +9896,6 @@
           <a:bodyPr/>
           <a:lstStyle/>
           <a:p>
-            <a:r>
-              <a:rPr lang="en-US" dirty="0" err="1" smtClean="0"/>
-              <a:t>Redis</a:t>
-            </a:r>
             <a:endParaRPr lang="en-US" dirty="0"/>
           </a:p>
         </p:txBody>
@@ -9873,7 +9965,11 @@
           <a:p>
             <a:r>
               <a:rPr lang="ru-RU" dirty="0" smtClean="0"/>
-              <a:t>Прекрасная документация</a:t>
+              <a:t>Прекрасная </a:t>
+            </a:r>
+            <a:r>
+              <a:rPr lang="ru-RU" dirty="0" smtClean="0"/>
+              <a:t>документация</a:t>
             </a:r>
           </a:p>
           <a:p>
@@ -9881,6 +9977,47 @@
           </a:p>
         </p:txBody>
       </p:sp>
+      <p:pic>
+        <p:nvPicPr>
+          <p:cNvPr id="3074" name="Picture 2" descr="edis-300dpi.png"/>
+          <p:cNvPicPr>
+            <a:picLocks noChangeAspect="1" noChangeArrowheads="1"/>
+          </p:cNvPicPr>
+          <p:nvPr/>
+        </p:nvPicPr>
+        <p:blipFill>
+          <a:blip r:embed="rId4">
+            <a:extLst>
+              <a:ext uri="{28A0092B-C50C-407E-A947-70E740481C1C}">
+                <a14:useLocalDpi xmlns:a14="http://schemas.microsoft.com/office/drawing/2010/main" val="0"/>
+              </a:ext>
+            </a:extLst>
+          </a:blip>
+          <a:srcRect/>
+          <a:stretch>
+            <a:fillRect/>
+          </a:stretch>
+        </p:blipFill>
+        <p:spPr bwMode="auto">
+          <a:xfrm>
+            <a:off x="838200" y="351311"/>
+            <a:ext cx="2812104" cy="937897"/>
+          </a:xfrm>
+          <a:prstGeom prst="rect">
+            <a:avLst/>
+          </a:prstGeom>
+          <a:noFill/>
+          <a:extLst>
+            <a:ext uri="{909E8E84-426E-40DD-AFC4-6F175D3DCCD1}">
+              <a14:hiddenFill xmlns:a14="http://schemas.microsoft.com/office/drawing/2010/main">
+                <a:solidFill>
+                  <a:srgbClr val="FFFFFF"/>
+                </a:solidFill>
+              </a14:hiddenFill>
+            </a:ext>
+          </a:extLst>
+        </p:spPr>
+      </p:pic>
     </p:spTree>
     <p:custDataLst>
       <p:tags r:id="rId1"/>
@@ -9894,11 +10031,11 @@
   <p:clrMapOvr>
     <a:masterClrMapping/>
   </p:clrMapOvr>
-  <mc:AlternateContent xmlns:mc="http://schemas.openxmlformats.org/markup-compatibility/2006">
-    <mc:Choice xmlns:p14="http://schemas.microsoft.com/office/powerpoint/2010/main" Requires="p14">
+  <mc:AlternateContent xmlns:mc="http://schemas.openxmlformats.org/markup-compatibility/2006" xmlns:p14="http://schemas.microsoft.com/office/powerpoint/2010/main">
+    <mc:Choice Requires="p14">
       <p:transition spd="slow" p14:dur="2000" advTm="6936"/>
     </mc:Choice>
-    <mc:Fallback>
+    <mc:Fallback xmlns="">
       <p:transition spd="slow" advTm="6936"/>
     </mc:Fallback>
   </mc:AlternateContent>
@@ -10163,10 +10300,6 @@
           <a:bodyPr/>
           <a:lstStyle/>
           <a:p>
-            <a:r>
-              <a:rPr lang="en-US" dirty="0" err="1" smtClean="0"/>
-              <a:t>Tarantool</a:t>
-            </a:r>
             <a:endParaRPr lang="en-US" dirty="0"/>
           </a:p>
         </p:txBody>
@@ -10207,11 +10340,7 @@
           <a:p>
             <a:r>
               <a:rPr lang="ru-RU" dirty="0" smtClean="0"/>
-              <a:t>Вторичные индексы</a:t>
-            </a:r>
-            <a:r>
-              <a:rPr lang="ru-RU" dirty="0" smtClean="0"/>
-              <a:t>.</a:t>
+              <a:t>Вторичные индексы.</a:t>
             </a:r>
             <a:endParaRPr lang="en-US" dirty="0" smtClean="0"/>
           </a:p>
@@ -10227,6 +10356,30 @@
           </a:p>
         </p:txBody>
       </p:sp>
+      <p:pic>
+        <p:nvPicPr>
+          <p:cNvPr id="4" name="Picture 3"/>
+          <p:cNvPicPr>
+            <a:picLocks noChangeAspect="1"/>
+          </p:cNvPicPr>
+          <p:nvPr/>
+        </p:nvPicPr>
+        <p:blipFill>
+          <a:blip r:embed="rId4"/>
+          <a:stretch>
+            <a:fillRect/>
+          </a:stretch>
+        </p:blipFill>
+        <p:spPr>
+          <a:xfrm>
+            <a:off x="838200" y="365125"/>
+            <a:ext cx="2794000" cy="1003300"/>
+          </a:xfrm>
+          <a:prstGeom prst="rect">
+            <a:avLst/>
+          </a:prstGeom>
+        </p:spPr>
+      </p:pic>
     </p:spTree>
     <p:custDataLst>
       <p:tags r:id="rId1"/>
@@ -10240,11 +10393,11 @@
   <p:clrMapOvr>
     <a:masterClrMapping/>
   </p:clrMapOvr>
-  <mc:AlternateContent xmlns:mc="http://schemas.openxmlformats.org/markup-compatibility/2006">
-    <mc:Choice xmlns:p14="http://schemas.microsoft.com/office/powerpoint/2010/main" Requires="p14">
+  <mc:AlternateContent xmlns:mc="http://schemas.openxmlformats.org/markup-compatibility/2006" xmlns:p14="http://schemas.microsoft.com/office/powerpoint/2010/main">
+    <mc:Choice Requires="p14">
       <p:transition spd="slow" p14:dur="2000" advTm="87545"/>
     </mc:Choice>
-    <mc:Fallback>
+    <mc:Fallback xmlns="">
       <p:transition spd="slow" advTm="87545"/>
     </mc:Fallback>
   </mc:AlternateContent>
@@ -10446,6 +10599,33 @@
                                   </p:childTnLst>
                                 </p:cTn>
                               </p:par>
+                              <p:par>
+                                <p:cTn id="19" presetID="1" presetClass="entr" presetSubtype="0" fill="hold" nodeType="withEffect">
+                                  <p:stCondLst>
+                                    <p:cond delay="0"/>
+                                  </p:stCondLst>
+                                  <p:childTnLst>
+                                    <p:set>
+                                      <p:cBhvr>
+                                        <p:cTn id="20" dur="1" fill="hold">
+                                          <p:stCondLst>
+                                            <p:cond delay="0"/>
+                                          </p:stCondLst>
+                                        </p:cTn>
+                                        <p:tgtEl>
+                                          <p:spTgt spid="4"/>
+                                        </p:tgtEl>
+                                        <p:attrNameLst>
+                                          <p:attrName>style.visibility</p:attrName>
+                                        </p:attrNameLst>
+                                      </p:cBhvr>
+                                      <p:to>
+                                        <p:strVal val="visible"/>
+                                      </p:to>
+                                    </p:set>
+                                  </p:childTnLst>
+                                </p:cTn>
+                              </p:par>
                             </p:childTnLst>
                           </p:cTn>
                         </p:par>
@@ -10619,11 +10799,11 @@
   <p:clrMapOvr>
     <a:masterClrMapping/>
   </p:clrMapOvr>
-  <mc:AlternateContent xmlns:mc="http://schemas.openxmlformats.org/markup-compatibility/2006">
-    <mc:Choice xmlns:p14="http://schemas.microsoft.com/office/powerpoint/2010/main" Requires="p14">
+  <mc:AlternateContent xmlns:mc="http://schemas.openxmlformats.org/markup-compatibility/2006" xmlns:p14="http://schemas.microsoft.com/office/powerpoint/2010/main">
+    <mc:Choice Requires="p14">
       <p:transition spd="slow" p14:dur="2000" advTm="87545"/>
     </mc:Choice>
-    <mc:Fallback>
+    <mc:Fallback xmlns="">
       <p:transition spd="slow" advTm="87545"/>
     </mc:Fallback>
   </mc:AlternateContent>
@@ -11004,11 +11184,11 @@
   <p:clrMapOvr>
     <a:masterClrMapping/>
   </p:clrMapOvr>
-  <mc:AlternateContent xmlns:mc="http://schemas.openxmlformats.org/markup-compatibility/2006">
-    <mc:Choice xmlns:p14="http://schemas.microsoft.com/office/powerpoint/2010/main" Requires="p14">
+  <mc:AlternateContent xmlns:mc="http://schemas.openxmlformats.org/markup-compatibility/2006" xmlns:p14="http://schemas.microsoft.com/office/powerpoint/2010/main">
+    <mc:Choice Requires="p14">
       <p:transition spd="slow" p14:dur="2000" advTm="66246"/>
     </mc:Choice>
-    <mc:Fallback>
+    <mc:Fallback xmlns="">
       <p:transition spd="slow" advTm="66246"/>
     </mc:Fallback>
   </mc:AlternateContent>
@@ -11274,16 +11454,20 @@
           <a:lstStyle/>
           <a:p>
             <a:r>
-              <a:rPr lang="ru-RU" dirty="0" smtClean="0"/>
-              <a:t>Отсутствие </a:t>
-            </a:r>
-            <a:r>
               <a:rPr lang="en-US" dirty="0" smtClean="0"/>
-              <a:t>Windows-binary</a:t>
-            </a:r>
-            <a:r>
-              <a:rPr lang="ru-RU" dirty="0" smtClean="0"/>
-              <a:t>.</a:t>
+              <a:t>No</a:t>
+            </a:r>
+            <a:r>
+              <a:rPr lang="ru-RU" dirty="0" smtClean="0"/>
+              <a:t> </a:t>
+            </a:r>
+            <a:r>
+              <a:rPr lang="en-US" dirty="0" err="1" smtClean="0"/>
+              <a:t>Tarantool</a:t>
+            </a:r>
+            <a:r>
+              <a:rPr lang="en-US" dirty="0" smtClean="0"/>
+              <a:t> for Windows</a:t>
             </a:r>
             <a:endParaRPr lang="en-US" dirty="0"/>
           </a:p>
@@ -11315,11 +11499,7 @@
           <a:p>
             <a:r>
               <a:rPr lang="ru-RU" dirty="0" smtClean="0"/>
-              <a:t>Заставляет </a:t>
-            </a:r>
-            <a:r>
-              <a:rPr lang="ru-RU" dirty="0" smtClean="0"/>
-              <a:t>разбираться в </a:t>
+              <a:t>Заставляет разбираться в </a:t>
             </a:r>
             <a:r>
               <a:rPr lang="ru-RU" dirty="0" err="1" smtClean="0"/>
@@ -11327,11 +11507,7 @@
             </a:r>
             <a:r>
               <a:rPr lang="ru-RU" dirty="0" smtClean="0"/>
-              <a:t> среде</a:t>
-            </a:r>
-            <a:r>
-              <a:rPr lang="ru-RU" dirty="0" smtClean="0"/>
-              <a:t>.</a:t>
+              <a:t> среде.</a:t>
             </a:r>
           </a:p>
           <a:p>
@@ -11354,6 +11530,47 @@
           </a:p>
         </p:txBody>
       </p:sp>
+      <p:pic>
+        <p:nvPicPr>
+          <p:cNvPr id="4100" name="Picture 4" descr="mage result for no windows"/>
+          <p:cNvPicPr>
+            <a:picLocks noChangeAspect="1" noChangeArrowheads="1"/>
+          </p:cNvPicPr>
+          <p:nvPr/>
+        </p:nvPicPr>
+        <p:blipFill>
+          <a:blip r:embed="rId4">
+            <a:extLst>
+              <a:ext uri="{28A0092B-C50C-407E-A947-70E740481C1C}">
+                <a14:useLocalDpi xmlns:a14="http://schemas.microsoft.com/office/drawing/2010/main" val="0"/>
+              </a:ext>
+            </a:extLst>
+          </a:blip>
+          <a:srcRect/>
+          <a:stretch>
+            <a:fillRect/>
+          </a:stretch>
+        </p:blipFill>
+        <p:spPr bwMode="auto">
+          <a:xfrm>
+            <a:off x="8754894" y="365125"/>
+            <a:ext cx="2857500" cy="2857500"/>
+          </a:xfrm>
+          <a:prstGeom prst="rect">
+            <a:avLst/>
+          </a:prstGeom>
+          <a:noFill/>
+          <a:extLst>
+            <a:ext uri="{909E8E84-426E-40DD-AFC4-6F175D3DCCD1}">
+              <a14:hiddenFill xmlns:a14="http://schemas.microsoft.com/office/drawing/2010/main">
+                <a:solidFill>
+                  <a:srgbClr val="FFFFFF"/>
+                </a:solidFill>
+              </a14:hiddenFill>
+            </a:ext>
+          </a:extLst>
+        </p:spPr>
+      </p:pic>
     </p:spTree>
     <p:custDataLst>
       <p:tags r:id="rId1"/>
@@ -11367,11 +11584,11 @@
   <p:clrMapOvr>
     <a:masterClrMapping/>
   </p:clrMapOvr>
-  <mc:AlternateContent xmlns:mc="http://schemas.openxmlformats.org/markup-compatibility/2006">
-    <mc:Choice xmlns:p14="http://schemas.microsoft.com/office/powerpoint/2010/main" Requires="p14">
+  <mc:AlternateContent xmlns:mc="http://schemas.openxmlformats.org/markup-compatibility/2006" xmlns:p14="http://schemas.microsoft.com/office/powerpoint/2010/main">
+    <mc:Choice Requires="p14">
       <p:transition spd="slow" p14:dur="2000" advTm="83518"/>
     </mc:Choice>
-    <mc:Fallback>
+    <mc:Fallback xmlns="">
       <p:transition spd="slow" advTm="83518"/>
     </mc:Fallback>
   </mc:AlternateContent>
@@ -11670,11 +11887,11 @@
   <p:clrMapOvr>
     <a:masterClrMapping/>
   </p:clrMapOvr>
-  <mc:AlternateContent xmlns:mc="http://schemas.openxmlformats.org/markup-compatibility/2006">
-    <mc:Choice xmlns:p14="http://schemas.microsoft.com/office/powerpoint/2010/main" Requires="p14">
+  <mc:AlternateContent xmlns:mc="http://schemas.openxmlformats.org/markup-compatibility/2006" xmlns:p14="http://schemas.microsoft.com/office/powerpoint/2010/main">
+    <mc:Choice Requires="p14">
       <p:transition spd="slow" p14:dur="2000" advTm="50497"/>
     </mc:Choice>
-    <mc:Fallback>
+    <mc:Fallback xmlns="">
       <p:transition spd="slow" advTm="50497"/>
     </mc:Fallback>
   </mc:AlternateContent>
@@ -12023,11 +12240,11 @@
   <p:clrMapOvr>
     <a:masterClrMapping/>
   </p:clrMapOvr>
-  <mc:AlternateContent xmlns:mc="http://schemas.openxmlformats.org/markup-compatibility/2006">
-    <mc:Choice xmlns:p14="http://schemas.microsoft.com/office/powerpoint/2010/main" Requires="p14">
+  <mc:AlternateContent xmlns:mc="http://schemas.openxmlformats.org/markup-compatibility/2006" xmlns:p14="http://schemas.microsoft.com/office/powerpoint/2010/main">
+    <mc:Choice Requires="p14">
       <p:transition spd="slow" p14:dur="2000" advTm="78435"/>
     </mc:Choice>
-    <mc:Fallback>
+    <mc:Fallback xmlns="">
       <p:transition spd="slow" advTm="78435"/>
     </mc:Fallback>
   </mc:AlternateContent>

--- a/2017/02/Tarantool for windows applications/Presentation.pptx
+++ b/2017/02/Tarantool for windows applications/Presentation.pptx
@@ -215,7 +215,7 @@
           <a:p>
             <a:fld id="{AA141E3B-D5A7-E249-8915-F3F967F6417F}" type="datetimeFigureOut">
               <a:rPr lang="en-US" smtClean="0"/>
-              <a:t>2/28/17</a:t>
+              <a:t>3/2/17</a:t>
             </a:fld>
             <a:endParaRPr lang="en-US"/>
           </a:p>
@@ -1474,11 +1474,7 @@
           <a:p>
             <a:r>
               <a:rPr lang="ru-RU" dirty="0" smtClean="0"/>
-              <a:t>Общий </a:t>
-            </a:r>
-            <a:r>
-              <a:rPr lang="ru-RU" dirty="0" smtClean="0"/>
-              <a:t>недостаток Редиса, Тарантула, </a:t>
+              <a:t>Общий недостаток Редиса, Тарантула, </a:t>
             </a:r>
             <a:r>
               <a:rPr lang="en-US" dirty="0" err="1" smtClean="0"/>
@@ -3787,7 +3783,7 @@
           <a:p>
             <a:fld id="{EB0D839A-7E39-2C46-8BD6-3DA56612CC53}" type="datetimeFigureOut">
               <a:rPr lang="en-US" smtClean="0"/>
-              <a:t>2/28/17</a:t>
+              <a:t>3/2/17</a:t>
             </a:fld>
             <a:endParaRPr lang="en-US"/>
           </a:p>
@@ -3957,7 +3953,7 @@
           <a:p>
             <a:fld id="{EB0D839A-7E39-2C46-8BD6-3DA56612CC53}" type="datetimeFigureOut">
               <a:rPr lang="en-US" smtClean="0"/>
-              <a:t>2/28/17</a:t>
+              <a:t>3/2/17</a:t>
             </a:fld>
             <a:endParaRPr lang="en-US"/>
           </a:p>
@@ -4137,7 +4133,7 @@
           <a:p>
             <a:fld id="{EB0D839A-7E39-2C46-8BD6-3DA56612CC53}" type="datetimeFigureOut">
               <a:rPr lang="en-US" smtClean="0"/>
-              <a:t>2/28/17</a:t>
+              <a:t>3/2/17</a:t>
             </a:fld>
             <a:endParaRPr lang="en-US"/>
           </a:p>
@@ -4307,7 +4303,7 @@
           <a:p>
             <a:fld id="{EB0D839A-7E39-2C46-8BD6-3DA56612CC53}" type="datetimeFigureOut">
               <a:rPr lang="en-US" smtClean="0"/>
-              <a:t>2/28/17</a:t>
+              <a:t>3/2/17</a:t>
             </a:fld>
             <a:endParaRPr lang="en-US"/>
           </a:p>
@@ -4553,7 +4549,7 @@
           <a:p>
             <a:fld id="{EB0D839A-7E39-2C46-8BD6-3DA56612CC53}" type="datetimeFigureOut">
               <a:rPr lang="en-US" smtClean="0"/>
-              <a:t>2/28/17</a:t>
+              <a:t>3/2/17</a:t>
             </a:fld>
             <a:endParaRPr lang="en-US"/>
           </a:p>
@@ -4785,7 +4781,7 @@
           <a:p>
             <a:fld id="{EB0D839A-7E39-2C46-8BD6-3DA56612CC53}" type="datetimeFigureOut">
               <a:rPr lang="en-US" smtClean="0"/>
-              <a:t>2/28/17</a:t>
+              <a:t>3/2/17</a:t>
             </a:fld>
             <a:endParaRPr lang="en-US"/>
           </a:p>
@@ -5152,7 +5148,7 @@
           <a:p>
             <a:fld id="{EB0D839A-7E39-2C46-8BD6-3DA56612CC53}" type="datetimeFigureOut">
               <a:rPr lang="en-US" smtClean="0"/>
-              <a:t>2/28/17</a:t>
+              <a:t>3/2/17</a:t>
             </a:fld>
             <a:endParaRPr lang="en-US"/>
           </a:p>
@@ -5270,7 +5266,7 @@
           <a:p>
             <a:fld id="{EB0D839A-7E39-2C46-8BD6-3DA56612CC53}" type="datetimeFigureOut">
               <a:rPr lang="en-US" smtClean="0"/>
-              <a:t>2/28/17</a:t>
+              <a:t>3/2/17</a:t>
             </a:fld>
             <a:endParaRPr lang="en-US"/>
           </a:p>
@@ -5365,7 +5361,7 @@
           <a:p>
             <a:fld id="{EB0D839A-7E39-2C46-8BD6-3DA56612CC53}" type="datetimeFigureOut">
               <a:rPr lang="en-US" smtClean="0"/>
-              <a:t>2/28/17</a:t>
+              <a:t>3/2/17</a:t>
             </a:fld>
             <a:endParaRPr lang="en-US"/>
           </a:p>
@@ -5642,7 +5638,7 @@
           <a:p>
             <a:fld id="{EB0D839A-7E39-2C46-8BD6-3DA56612CC53}" type="datetimeFigureOut">
               <a:rPr lang="en-US" smtClean="0"/>
-              <a:t>2/28/17</a:t>
+              <a:t>3/2/17</a:t>
             </a:fld>
             <a:endParaRPr lang="en-US"/>
           </a:p>
@@ -5895,7 +5891,7 @@
           <a:p>
             <a:fld id="{EB0D839A-7E39-2C46-8BD6-3DA56612CC53}" type="datetimeFigureOut">
               <a:rPr lang="en-US" smtClean="0"/>
-              <a:t>2/28/17</a:t>
+              <a:t>3/2/17</a:t>
             </a:fld>
             <a:endParaRPr lang="en-US"/>
           </a:p>
@@ -6108,7 +6104,7 @@
           <a:p>
             <a:fld id="{EB0D839A-7E39-2C46-8BD6-3DA56612CC53}" type="datetimeFigureOut">
               <a:rPr lang="en-US" smtClean="0"/>
-              <a:t>2/28/17</a:t>
+              <a:t>3/2/17</a:t>
             </a:fld>
             <a:endParaRPr lang="en-US"/>
           </a:p>
@@ -8643,11 +8639,7 @@
           <a:p>
             <a:r>
               <a:rPr lang="ru-RU" dirty="0" smtClean="0"/>
-              <a:t>Специфический </a:t>
-            </a:r>
-            <a:r>
-              <a:rPr lang="ru-RU" dirty="0" smtClean="0"/>
-              <a:t>язык запросов. </a:t>
+              <a:t>Специфический язык запросов. </a:t>
             </a:r>
             <a:r>
               <a:rPr lang="en-US" dirty="0" smtClean="0"/>
@@ -9037,11 +9029,7 @@
             </a:r>
             <a:r>
               <a:rPr lang="en-US" smtClean="0"/>
-              <a:t>Linux</a:t>
-            </a:r>
-            <a:r>
-              <a:rPr lang="en-US" smtClean="0"/>
-              <a:t>, </a:t>
+              <a:t>Linux, </a:t>
             </a:r>
             <a:r>
               <a:rPr lang="en-US" dirty="0" smtClean="0"/>
@@ -9965,11 +9953,7 @@
           <a:p>
             <a:r>
               <a:rPr lang="ru-RU" dirty="0" smtClean="0"/>
-              <a:t>Прекрасная </a:t>
-            </a:r>
-            <a:r>
-              <a:rPr lang="ru-RU" dirty="0" smtClean="0"/>
-              <a:t>документация</a:t>
+              <a:t>Прекрасная документация</a:t>
             </a:r>
           </a:p>
           <a:p>
@@ -10413,6 +10397,9 @@
                     <p:cTn id="3" fill="hold">
                       <p:stCondLst>
                         <p:cond delay="indefinite"/>
+                        <p:cond evt="onBegin" delay="0">
+                          <p:tn val="2"/>
+                        </p:cond>
                       </p:stCondLst>
                       <p:childTnLst>
                         <p:par>
@@ -10422,7 +10409,7 @@
                             </p:stCondLst>
                             <p:childTnLst>
                               <p:par>
-                                <p:cTn id="5" presetID="1" presetClass="entr" presetSubtype="0" fill="hold" nodeType="clickEffect">
+                                <p:cTn id="5" presetID="1" presetClass="entr" presetSubtype="0" fill="hold" nodeType="withEffect">
                                   <p:stCondLst>
                                     <p:cond delay="0"/>
                                   </p:stCondLst>
@@ -10435,11 +10422,7 @@
                                           </p:stCondLst>
                                         </p:cTn>
                                         <p:tgtEl>
-                                          <p:spTgt spid="3">
-                                            <p:txEl>
-                                              <p:pRg st="0" end="0"/>
-                                            </p:txEl>
-                                          </p:spTgt>
+                                          <p:spTgt spid="4"/>
                                         </p:tgtEl>
                                         <p:attrNameLst>
                                           <p:attrName>style.visibility</p:attrName>
@@ -10486,7 +10469,7 @@
                                         <p:tgtEl>
                                           <p:spTgt spid="3">
                                             <p:txEl>
-                                              <p:pRg st="2" end="2"/>
+                                              <p:pRg st="0" end="0"/>
                                             </p:txEl>
                                           </p:spTgt>
                                         </p:tgtEl>
@@ -10535,7 +10518,7 @@
                                         <p:tgtEl>
                                           <p:spTgt spid="3">
                                             <p:txEl>
-                                              <p:pRg st="4" end="4"/>
+                                              <p:pRg st="2" end="2"/>
                                             </p:txEl>
                                           </p:spTgt>
                                         </p:tgtEl>
@@ -10584,7 +10567,7 @@
                                         <p:tgtEl>
                                           <p:spTgt spid="3">
                                             <p:txEl>
-                                              <p:pRg st="6" end="6"/>
+                                              <p:pRg st="4" end="4"/>
                                             </p:txEl>
                                           </p:spTgt>
                                         </p:tgtEl>
@@ -10599,21 +10582,43 @@
                                   </p:childTnLst>
                                 </p:cTn>
                               </p:par>
+                            </p:childTnLst>
+                          </p:cTn>
+                        </p:par>
+                      </p:childTnLst>
+                    </p:cTn>
+                  </p:par>
+                  <p:par>
+                    <p:cTn id="19" fill="hold">
+                      <p:stCondLst>
+                        <p:cond delay="indefinite"/>
+                      </p:stCondLst>
+                      <p:childTnLst>
+                        <p:par>
+                          <p:cTn id="20" fill="hold">
+                            <p:stCondLst>
+                              <p:cond delay="0"/>
+                            </p:stCondLst>
+                            <p:childTnLst>
                               <p:par>
-                                <p:cTn id="19" presetID="1" presetClass="entr" presetSubtype="0" fill="hold" nodeType="withEffect">
+                                <p:cTn id="21" presetID="1" presetClass="entr" presetSubtype="0" fill="hold" nodeType="clickEffect">
                                   <p:stCondLst>
                                     <p:cond delay="0"/>
                                   </p:stCondLst>
                                   <p:childTnLst>
                                     <p:set>
                                       <p:cBhvr>
-                                        <p:cTn id="20" dur="1" fill="hold">
+                                        <p:cTn id="22" dur="1" fill="hold">
                                           <p:stCondLst>
                                             <p:cond delay="0"/>
                                           </p:stCondLst>
                                         </p:cTn>
                                         <p:tgtEl>
-                                          <p:spTgt spid="4"/>
+                                          <p:spTgt spid="3">
+                                            <p:txEl>
+                                              <p:pRg st="6" end="6"/>
+                                            </p:txEl>
+                                          </p:spTgt>
                                         </p:tgtEl>
                                         <p:attrNameLst>
                                           <p:attrName>style.visibility</p:attrName>
